--- a/PowerPoint/GettingStartedWithNodejs.pptx
+++ b/PowerPoint/GettingStartedWithNodejs.pptx
@@ -7,11 +7,12 @@
   <p:sldIdLst>
     <p:sldId id="256" r:id="rId2"/>
     <p:sldId id="257" r:id="rId3"/>
-    <p:sldId id="258" r:id="rId4"/>
-    <p:sldId id="259" r:id="rId5"/>
-    <p:sldId id="260" r:id="rId6"/>
-    <p:sldId id="261" r:id="rId7"/>
-    <p:sldId id="262" r:id="rId8"/>
+    <p:sldId id="263" r:id="rId4"/>
+    <p:sldId id="258" r:id="rId5"/>
+    <p:sldId id="259" r:id="rId6"/>
+    <p:sldId id="260" r:id="rId7"/>
+    <p:sldId id="261" r:id="rId8"/>
+    <p:sldId id="262" r:id="rId9"/>
   </p:sldIdLst>
   <p:sldSz cx="9144000" cy="6858000" type="screen4x3"/>
   <p:notesSz cx="7010400" cy="9296400"/>
@@ -308,7 +309,7 @@
             <a:fld id="{04AF466F-BDA4-4F18-9C7B-FF0A9A1B0E80}" type="datetime1">
               <a:rPr lang="en-US" smtClean="0"/>
               <a:pPr/>
-              <a:t>6/26/11</a:t>
+              <a:t>7/28/11</a:t>
             </a:fld>
             <a:endParaRPr lang="en-US"/>
           </a:p>
@@ -475,7 +476,7 @@
             <a:fld id="{58FB4290-6522-4139-852E-05BD9E7F0D2E}" type="datetime1">
               <a:rPr lang="en-US" smtClean="0"/>
               <a:pPr/>
-              <a:t>6/26/11</a:t>
+              <a:t>7/28/11</a:t>
             </a:fld>
             <a:endParaRPr lang="en-US"/>
           </a:p>
@@ -652,7 +653,7 @@
             <a:fld id="{AAB955F9-81EA-47C5-8059-9E5C2B437C70}" type="datetime1">
               <a:rPr lang="en-US" smtClean="0"/>
               <a:pPr/>
-              <a:t>6/26/11</a:t>
+              <a:t>7/28/11</a:t>
             </a:fld>
             <a:endParaRPr lang="en-US"/>
           </a:p>
@@ -819,7 +820,7 @@
             <a:fld id="{1CEF607B-A47E-422C-9BEF-122CCDB7C526}" type="datetime1">
               <a:rPr lang="en-US" smtClean="0"/>
               <a:pPr/>
-              <a:t>6/26/11</a:t>
+              <a:t>7/28/11</a:t>
             </a:fld>
             <a:endParaRPr lang="en-US"/>
           </a:p>
@@ -1062,7 +1063,7 @@
             <a:fld id="{63A9A7CB-BEE6-4F99-898E-913F06E8E125}" type="datetime1">
               <a:rPr lang="en-US" smtClean="0"/>
               <a:pPr/>
-              <a:t>6/26/11</a:t>
+              <a:t>7/28/11</a:t>
             </a:fld>
             <a:endParaRPr lang="en-US"/>
           </a:p>
@@ -1347,7 +1348,7 @@
             <a:fld id="{B6EE300C-6FC5-4FC3-AF1A-075E4F50620D}" type="datetime1">
               <a:rPr lang="en-US" smtClean="0"/>
               <a:pPr/>
-              <a:t>6/26/11</a:t>
+              <a:t>7/28/11</a:t>
             </a:fld>
             <a:endParaRPr lang="en-US"/>
           </a:p>
@@ -1778,7 +1779,7 @@
             <a:fld id="{F50D295D-4A77-4DEB-B04C-9F4282A8BC04}" type="datetime1">
               <a:rPr lang="en-US" smtClean="0"/>
               <a:pPr/>
-              <a:t>6/26/11</a:t>
+              <a:t>7/28/11</a:t>
             </a:fld>
             <a:endParaRPr lang="en-US"/>
           </a:p>
@@ -1893,7 +1894,7 @@
             <a:fld id="{02B28685-4D0C-42D5-8013-B5904CD1FCBC}" type="datetime1">
               <a:rPr lang="en-US" smtClean="0"/>
               <a:pPr/>
-              <a:t>6/26/11</a:t>
+              <a:t>7/28/11</a:t>
             </a:fld>
             <a:endParaRPr lang="en-US"/>
           </a:p>
@@ -1985,7 +1986,7 @@
             <a:fld id="{FDF226C0-9885-4BA9-BBFA-A52CBFEBB775}" type="datetime1">
               <a:rPr lang="en-US" smtClean="0"/>
               <a:pPr/>
-              <a:t>6/26/11</a:t>
+              <a:t>7/28/11</a:t>
             </a:fld>
             <a:endParaRPr lang="en-US"/>
           </a:p>
@@ -2176,7 +2177,7 @@
             <a:fld id="{EBEE1B38-C5EB-4D66-9137-0AFE9CDEDE8F}" type="datetime1">
               <a:rPr lang="en-US" smtClean="0"/>
               <a:pPr/>
-              <a:t>6/26/11</a:t>
+              <a:t>7/28/11</a:t>
             </a:fld>
             <a:endParaRPr lang="en-US"/>
           </a:p>
@@ -2496,7 +2497,7 @@
             <a:fld id="{327B613C-1AD7-49D3-885D-F654C5CDBAA6}" type="datetime1">
               <a:rPr lang="en-US" smtClean="0"/>
               <a:pPr/>
-              <a:t>6/26/11</a:t>
+              <a:t>7/28/11</a:t>
             </a:fld>
             <a:endParaRPr lang="en-US" dirty="0"/>
           </a:p>
@@ -2878,7 +2879,7 @@
             <a:fld id="{327B613C-1AD7-49D3-885D-F654C5CDBAA6}" type="datetime1">
               <a:rPr lang="en-US" smtClean="0"/>
               <a:pPr/>
-              <a:t>6/26/11</a:t>
+              <a:t>7/28/11</a:t>
             </a:fld>
             <a:endParaRPr lang="en-US" dirty="0"/>
           </a:p>
@@ -3557,20 +3558,492 @@
             <p:ph type="title"/>
           </p:nvPr>
         </p:nvSpPr>
+        <p:spPr/>
+        <p:txBody>
+          <a:bodyPr/>
+          <a:lstStyle/>
+          <a:p>
+            <a:r>
+              <a:rPr lang="en-US" dirty="0" smtClean="0"/>
+              <a:t>What is an Event Loop?</a:t>
+            </a:r>
+            <a:endParaRPr lang="en-US" dirty="0"/>
+          </a:p>
+        </p:txBody>
+      </p:sp>
+      <p:cxnSp>
+        <p:nvCxnSpPr>
+          <p:cNvPr id="5" name="Straight Arrow Connector 4"/>
+          <p:cNvCxnSpPr/>
+          <p:nvPr/>
+        </p:nvCxnSpPr>
         <p:spPr>
           <a:xfrm>
-            <a:off x="457200" y="2721339"/>
-            <a:ext cx="7620000" cy="1143000"/>
+            <a:off x="485468" y="4000500"/>
+            <a:ext cx="7563810" cy="0"/>
           </a:xfrm>
+          <a:prstGeom prst="straightConnector1">
+            <a:avLst/>
+          </a:prstGeom>
+          <a:ln w="76200" cmpd="sng">
+            <a:tailEnd type="arrow"/>
+          </a:ln>
         </p:spPr>
-        <p:txBody>
-          <a:bodyPr/>
+        <p:style>
+          <a:lnRef idx="2">
+            <a:schemeClr val="dk1"/>
+          </a:lnRef>
+          <a:fillRef idx="0">
+            <a:schemeClr val="dk1"/>
+          </a:fillRef>
+          <a:effectRef idx="1">
+            <a:schemeClr val="dk1"/>
+          </a:effectRef>
+          <a:fontRef idx="minor">
+            <a:schemeClr val="tx1"/>
+          </a:fontRef>
+        </p:style>
+      </p:cxnSp>
+      <p:sp>
+        <p:nvSpPr>
+          <p:cNvPr id="11" name="TextBox 10"/>
+          <p:cNvSpPr txBox="1"/>
+          <p:nvPr/>
+        </p:nvSpPr>
+        <p:spPr>
+          <a:xfrm>
+            <a:off x="3473647" y="4000500"/>
+            <a:ext cx="1363312" cy="369332"/>
+          </a:xfrm>
+          <a:prstGeom prst="rect">
+            <a:avLst/>
+          </a:prstGeom>
+          <a:noFill/>
+        </p:spPr>
+        <p:txBody>
+          <a:bodyPr wrap="square" rtlCol="0">
+            <a:spAutoFit/>
+          </a:bodyPr>
           <a:lstStyle/>
           <a:p>
             <a:pPr algn="ctr"/>
             <a:r>
               <a:rPr lang="en-US" dirty="0" smtClean="0"/>
-              <a:t>JavaScript?  Really??</a:t>
+              <a:t>Event Loop</a:t>
+            </a:r>
+          </a:p>
+        </p:txBody>
+      </p:sp>
+      <p:sp>
+        <p:nvSpPr>
+          <p:cNvPr id="12" name="Rounded Rectangle 11"/>
+          <p:cNvSpPr/>
+          <p:nvPr/>
+        </p:nvSpPr>
+        <p:spPr>
+          <a:xfrm>
+            <a:off x="1515377" y="1858372"/>
+            <a:ext cx="1167220" cy="719069"/>
+          </a:xfrm>
+          <a:prstGeom prst="roundRect">
+            <a:avLst/>
+          </a:prstGeom>
+        </p:spPr>
+        <p:style>
+          <a:lnRef idx="1">
+            <a:schemeClr val="accent1"/>
+          </a:lnRef>
+          <a:fillRef idx="3">
+            <a:schemeClr val="accent1"/>
+          </a:fillRef>
+          <a:effectRef idx="2">
+            <a:schemeClr val="accent1"/>
+          </a:effectRef>
+          <a:fontRef idx="minor">
+            <a:schemeClr val="lt1"/>
+          </a:fontRef>
+        </p:style>
+        <p:txBody>
+          <a:bodyPr rtlCol="0" anchor="ctr"/>
+          <a:lstStyle/>
+          <a:p>
+            <a:pPr algn="ctr"/>
+            <a:r>
+              <a:rPr lang="en-US" sz="2000" dirty="0" smtClean="0"/>
+              <a:t>Client A</a:t>
+            </a:r>
+            <a:endParaRPr lang="en-US" sz="2000" dirty="0"/>
+          </a:p>
+        </p:txBody>
+      </p:sp>
+      <p:cxnSp>
+        <p:nvCxnSpPr>
+          <p:cNvPr id="14" name="Straight Arrow Connector 13"/>
+          <p:cNvCxnSpPr/>
+          <p:nvPr/>
+        </p:nvCxnSpPr>
+        <p:spPr>
+          <a:xfrm>
+            <a:off x="2141429" y="2642811"/>
+            <a:ext cx="0" cy="1260704"/>
+          </a:xfrm>
+          <a:prstGeom prst="straightConnector1">
+            <a:avLst/>
+          </a:prstGeom>
+          <a:ln>
+            <a:tailEnd type="arrow"/>
+          </a:ln>
+        </p:spPr>
+        <p:style>
+          <a:lnRef idx="2">
+            <a:schemeClr val="accent1"/>
+          </a:lnRef>
+          <a:fillRef idx="0">
+            <a:schemeClr val="accent1"/>
+          </a:fillRef>
+          <a:effectRef idx="1">
+            <a:schemeClr val="accent1"/>
+          </a:effectRef>
+          <a:fontRef idx="minor">
+            <a:schemeClr val="tx1"/>
+          </a:fontRef>
+        </p:style>
+      </p:cxnSp>
+      <p:sp>
+        <p:nvSpPr>
+          <p:cNvPr id="19" name="TextBox 18"/>
+          <p:cNvSpPr txBox="1"/>
+          <p:nvPr/>
+        </p:nvSpPr>
+        <p:spPr>
+          <a:xfrm>
+            <a:off x="391508" y="2998139"/>
+            <a:ext cx="1995069" cy="307777"/>
+          </a:xfrm>
+          <a:prstGeom prst="rect">
+            <a:avLst/>
+          </a:prstGeom>
+          <a:noFill/>
+        </p:spPr>
+        <p:txBody>
+          <a:bodyPr wrap="square" rtlCol="0">
+            <a:spAutoFit/>
+          </a:bodyPr>
+          <a:lstStyle/>
+          <a:p>
+            <a:r>
+              <a:rPr lang="en-US" sz="1400" dirty="0" err="1"/>
+              <a:t>R</a:t>
+            </a:r>
+            <a:r>
+              <a:rPr lang="en-US" sz="1400" dirty="0" err="1" smtClean="0"/>
+              <a:t>eadFile</a:t>
+            </a:r>
+            <a:r>
+              <a:rPr lang="en-US" sz="1400" dirty="0" smtClean="0"/>
+              <a:t>(callback);</a:t>
+            </a:r>
+            <a:endParaRPr lang="en-US" sz="1400" dirty="0"/>
+          </a:p>
+        </p:txBody>
+      </p:sp>
+      <p:cxnSp>
+        <p:nvCxnSpPr>
+          <p:cNvPr id="21" name="Curved Connector 20"/>
+          <p:cNvCxnSpPr>
+            <a:endCxn id="26" idx="1"/>
+          </p:cNvCxnSpPr>
+          <p:nvPr/>
+        </p:nvCxnSpPr>
+        <p:spPr>
+          <a:xfrm flipV="1">
+            <a:off x="2253501" y="3317999"/>
+            <a:ext cx="744793" cy="585516"/>
+          </a:xfrm>
+          <a:prstGeom prst="curvedConnector3">
+            <a:avLst>
+              <a:gd name="adj1" fmla="val 50000"/>
+            </a:avLst>
+          </a:prstGeom>
+          <a:ln>
+            <a:tailEnd type="arrow"/>
+          </a:ln>
+        </p:spPr>
+        <p:style>
+          <a:lnRef idx="2">
+            <a:schemeClr val="accent1"/>
+          </a:lnRef>
+          <a:fillRef idx="0">
+            <a:schemeClr val="accent1"/>
+          </a:fillRef>
+          <a:effectRef idx="1">
+            <a:schemeClr val="accent1"/>
+          </a:effectRef>
+          <a:fontRef idx="minor">
+            <a:schemeClr val="tx1"/>
+          </a:fontRef>
+        </p:style>
+      </p:cxnSp>
+      <p:sp>
+        <p:nvSpPr>
+          <p:cNvPr id="26" name="Rounded Rectangle 25"/>
+          <p:cNvSpPr/>
+          <p:nvPr/>
+        </p:nvSpPr>
+        <p:spPr>
+          <a:xfrm>
+            <a:off x="2998294" y="2940844"/>
+            <a:ext cx="1031251" cy="754309"/>
+          </a:xfrm>
+          <a:prstGeom prst="roundRect">
+            <a:avLst/>
+          </a:prstGeom>
+        </p:spPr>
+        <p:style>
+          <a:lnRef idx="1">
+            <a:schemeClr val="accent1"/>
+          </a:lnRef>
+          <a:fillRef idx="3">
+            <a:schemeClr val="accent1"/>
+          </a:fillRef>
+          <a:effectRef idx="2">
+            <a:schemeClr val="accent1"/>
+          </a:effectRef>
+          <a:fontRef idx="minor">
+            <a:schemeClr val="lt1"/>
+          </a:fontRef>
+        </p:style>
+        <p:txBody>
+          <a:bodyPr rtlCol="0" anchor="ctr"/>
+          <a:lstStyle/>
+          <a:p>
+            <a:pPr algn="ctr"/>
+            <a:r>
+              <a:rPr lang="en-US" dirty="0" smtClean="0"/>
+              <a:t>OS Thread</a:t>
+            </a:r>
+            <a:endParaRPr lang="en-US" dirty="0"/>
+          </a:p>
+        </p:txBody>
+      </p:sp>
+      <p:cxnSp>
+        <p:nvCxnSpPr>
+          <p:cNvPr id="29" name="Curved Connector 28"/>
+          <p:cNvCxnSpPr>
+            <a:stCxn id="26" idx="0"/>
+            <a:endCxn id="12" idx="3"/>
+          </p:cNvCxnSpPr>
+          <p:nvPr/>
+        </p:nvCxnSpPr>
+        <p:spPr>
+          <a:xfrm rot="16200000" flipV="1">
+            <a:off x="2736791" y="2163714"/>
+            <a:ext cx="722937" cy="831323"/>
+          </a:xfrm>
+          <a:prstGeom prst="curvedConnector2">
+            <a:avLst/>
+          </a:prstGeom>
+          <a:ln>
+            <a:tailEnd type="arrow"/>
+          </a:ln>
+        </p:spPr>
+        <p:style>
+          <a:lnRef idx="2">
+            <a:schemeClr val="accent1"/>
+          </a:lnRef>
+          <a:fillRef idx="0">
+            <a:schemeClr val="accent1"/>
+          </a:fillRef>
+          <a:effectRef idx="1">
+            <a:schemeClr val="accent1"/>
+          </a:effectRef>
+          <a:fontRef idx="minor">
+            <a:schemeClr val="tx1"/>
+          </a:fontRef>
+        </p:style>
+      </p:cxnSp>
+      <p:sp>
+        <p:nvSpPr>
+          <p:cNvPr id="30" name="TextBox 29"/>
+          <p:cNvSpPr txBox="1"/>
+          <p:nvPr/>
+        </p:nvSpPr>
+        <p:spPr>
+          <a:xfrm>
+            <a:off x="3189275" y="2148348"/>
+            <a:ext cx="1900170" cy="307777"/>
+          </a:xfrm>
+          <a:prstGeom prst="rect">
+            <a:avLst/>
+          </a:prstGeom>
+          <a:noFill/>
+        </p:spPr>
+        <p:txBody>
+          <a:bodyPr wrap="square" rtlCol="0">
+            <a:spAutoFit/>
+          </a:bodyPr>
+          <a:lstStyle/>
+          <a:p>
+            <a:r>
+              <a:rPr lang="en-US" sz="1400" dirty="0"/>
+              <a:t>c</a:t>
+            </a:r>
+            <a:r>
+              <a:rPr lang="en-US" sz="1400" dirty="0" smtClean="0"/>
+              <a:t>allback(</a:t>
+            </a:r>
+            <a:r>
+              <a:rPr lang="en-US" sz="1400" dirty="0" err="1" smtClean="0"/>
+              <a:t>err,result</a:t>
+            </a:r>
+            <a:r>
+              <a:rPr lang="en-US" sz="1400" dirty="0" smtClean="0"/>
+              <a:t>);</a:t>
+            </a:r>
+            <a:endParaRPr lang="en-US" sz="1400" dirty="0"/>
+          </a:p>
+        </p:txBody>
+      </p:sp>
+      <p:sp>
+        <p:nvSpPr>
+          <p:cNvPr id="37" name="Rounded Rectangular Callout 36"/>
+          <p:cNvSpPr/>
+          <p:nvPr/>
+        </p:nvSpPr>
+        <p:spPr>
+          <a:xfrm>
+            <a:off x="4583351" y="4678620"/>
+            <a:ext cx="1537328" cy="754309"/>
+          </a:xfrm>
+          <a:prstGeom prst="wedgeRoundRectCallout">
+            <a:avLst>
+              <a:gd name="adj1" fmla="val -51889"/>
+              <a:gd name="adj2" fmla="val -90664"/>
+              <a:gd name="adj3" fmla="val 16667"/>
+            </a:avLst>
+          </a:prstGeom>
+        </p:spPr>
+        <p:style>
+          <a:lnRef idx="2">
+            <a:schemeClr val="accent3">
+              <a:shade val="50000"/>
+            </a:schemeClr>
+          </a:lnRef>
+          <a:fillRef idx="1">
+            <a:schemeClr val="accent3"/>
+          </a:fillRef>
+          <a:effectRef idx="0">
+            <a:schemeClr val="accent3"/>
+          </a:effectRef>
+          <a:fontRef idx="minor">
+            <a:schemeClr val="lt1"/>
+          </a:fontRef>
+        </p:style>
+        <p:txBody>
+          <a:bodyPr rtlCol="0" anchor="ctr"/>
+          <a:lstStyle/>
+          <a:p>
+            <a:pPr algn="ctr"/>
+            <a:r>
+              <a:rPr lang="en-US" dirty="0" err="1" smtClean="0"/>
+              <a:t>libev</a:t>
+            </a:r>
+            <a:endParaRPr lang="en-US" dirty="0"/>
+          </a:p>
+        </p:txBody>
+      </p:sp>
+      <p:sp>
+        <p:nvSpPr>
+          <p:cNvPr id="38" name="Line Callout 1 37"/>
+          <p:cNvSpPr/>
+          <p:nvPr/>
+        </p:nvSpPr>
+        <p:spPr>
+          <a:xfrm>
+            <a:off x="789669" y="4678619"/>
+            <a:ext cx="1425025" cy="754309"/>
+          </a:xfrm>
+          <a:prstGeom prst="borderCallout1">
+            <a:avLst>
+              <a:gd name="adj1" fmla="val 10441"/>
+              <a:gd name="adj2" fmla="val 78205"/>
+              <a:gd name="adj3" fmla="val -91268"/>
+              <a:gd name="adj4" fmla="val 97596"/>
+            </a:avLst>
+          </a:prstGeom>
+        </p:spPr>
+        <p:style>
+          <a:lnRef idx="2">
+            <a:schemeClr val="accent3">
+              <a:shade val="50000"/>
+            </a:schemeClr>
+          </a:lnRef>
+          <a:fillRef idx="1">
+            <a:schemeClr val="accent3"/>
+          </a:fillRef>
+          <a:effectRef idx="0">
+            <a:schemeClr val="accent3"/>
+          </a:effectRef>
+          <a:fontRef idx="minor">
+            <a:schemeClr val="lt1"/>
+          </a:fontRef>
+        </p:style>
+        <p:txBody>
+          <a:bodyPr rtlCol="0" anchor="ctr"/>
+          <a:lstStyle/>
+          <a:p>
+            <a:pPr algn="ctr"/>
+            <a:r>
+              <a:rPr lang="en-US" sz="1200" dirty="0" smtClean="0"/>
+              <a:t>I/O operations dispatched to OS thread</a:t>
+            </a:r>
+            <a:endParaRPr lang="en-US" sz="1200" dirty="0"/>
+          </a:p>
+        </p:txBody>
+      </p:sp>
+      <p:sp>
+        <p:nvSpPr>
+          <p:cNvPr id="39" name="Rounded Rectangular Callout 38"/>
+          <p:cNvSpPr/>
+          <p:nvPr/>
+        </p:nvSpPr>
+        <p:spPr>
+          <a:xfrm>
+            <a:off x="4898465" y="2577441"/>
+            <a:ext cx="1508684" cy="707149"/>
+          </a:xfrm>
+          <a:prstGeom prst="wedgeRoundRectCallout">
+            <a:avLst>
+              <a:gd name="adj1" fmla="val -101479"/>
+              <a:gd name="adj2" fmla="val 62500"/>
+              <a:gd name="adj3" fmla="val 16667"/>
+            </a:avLst>
+          </a:prstGeom>
+        </p:spPr>
+        <p:style>
+          <a:lnRef idx="2">
+            <a:schemeClr val="accent3">
+              <a:shade val="50000"/>
+            </a:schemeClr>
+          </a:lnRef>
+          <a:fillRef idx="1">
+            <a:schemeClr val="accent3"/>
+          </a:fillRef>
+          <a:effectRef idx="0">
+            <a:schemeClr val="accent3"/>
+          </a:effectRef>
+          <a:fontRef idx="minor">
+            <a:schemeClr val="lt1"/>
+          </a:fontRef>
+        </p:style>
+        <p:txBody>
+          <a:bodyPr rtlCol="0" anchor="ctr"/>
+          <a:lstStyle/>
+          <a:p>
+            <a:pPr algn="ctr"/>
+            <a:r>
+              <a:rPr lang="en-US" dirty="0" err="1" smtClean="0"/>
+              <a:t>libeio</a:t>
             </a:r>
             <a:endParaRPr lang="en-US" dirty="0"/>
           </a:p>
@@ -3579,7 +4052,7 @@
     </p:spTree>
     <p:extLst>
       <p:ext uri="{BB962C8B-B14F-4D97-AF65-F5344CB8AC3E}">
-        <p14:creationId xmlns:p14="http://schemas.microsoft.com/office/powerpoint/2010/main" val="1044814785"/>
+        <p14:creationId xmlns:p14="http://schemas.microsoft.com/office/powerpoint/2010/main" val="2636722769"/>
       </p:ext>
     </p:extLst>
   </p:cSld>
@@ -3623,6 +4096,72 @@
             <p:ph type="title"/>
           </p:nvPr>
         </p:nvSpPr>
+        <p:spPr>
+          <a:xfrm>
+            <a:off x="457200" y="2721339"/>
+            <a:ext cx="7620000" cy="1143000"/>
+          </a:xfrm>
+        </p:spPr>
+        <p:txBody>
+          <a:bodyPr/>
+          <a:lstStyle/>
+          <a:p>
+            <a:pPr algn="ctr"/>
+            <a:r>
+              <a:rPr lang="en-US" dirty="0" smtClean="0"/>
+              <a:t>JavaScript?  Really??</a:t>
+            </a:r>
+            <a:endParaRPr lang="en-US" dirty="0"/>
+          </a:p>
+        </p:txBody>
+      </p:sp>
+    </p:spTree>
+    <p:extLst>
+      <p:ext uri="{BB962C8B-B14F-4D97-AF65-F5344CB8AC3E}">
+        <p14:creationId xmlns:p14="http://schemas.microsoft.com/office/powerpoint/2010/main" val="1044814785"/>
+      </p:ext>
+    </p:extLst>
+  </p:cSld>
+  <p:clrMapOvr>
+    <a:masterClrMapping/>
+  </p:clrMapOvr>
+  <p:timing>
+    <p:tnLst>
+      <p:par>
+        <p:cTn xmlns:p14="http://schemas.microsoft.com/office/powerpoint/2010/main" id="1" dur="indefinite" restart="never" nodeType="tmRoot"/>
+      </p:par>
+    </p:tnLst>
+  </p:timing>
+</p:sld>
+</file>
+
+<file path=ppt/slides/slide5.xml><?xml version="1.0" encoding="utf-8"?>
+<p:sld xmlns:a="http://schemas.openxmlformats.org/drawingml/2006/main" xmlns:r="http://schemas.openxmlformats.org/officeDocument/2006/relationships" xmlns:p="http://schemas.openxmlformats.org/presentationml/2006/main">
+  <p:cSld>
+    <p:spTree>
+      <p:nvGrpSpPr>
+        <p:cNvPr id="1" name=""/>
+        <p:cNvGrpSpPr/>
+        <p:nvPr/>
+      </p:nvGrpSpPr>
+      <p:grpSpPr>
+        <a:xfrm>
+          <a:off x="0" y="0"/>
+          <a:ext cx="0" cy="0"/>
+          <a:chOff x="0" y="0"/>
+          <a:chExt cx="0" cy="0"/>
+        </a:xfrm>
+      </p:grpSpPr>
+      <p:sp>
+        <p:nvSpPr>
+          <p:cNvPr id="2" name="Title 1"/>
+          <p:cNvSpPr>
+            <a:spLocks noGrp="1"/>
+          </p:cNvSpPr>
+          <p:nvPr>
+            <p:ph type="title"/>
+          </p:nvPr>
+        </p:nvSpPr>
         <p:spPr/>
         <p:txBody>
           <a:bodyPr/>
@@ -3758,7 +4297,7 @@
 </p:sld>
 </file>
 
-<file path=ppt/slides/slide5.xml><?xml version="1.0" encoding="utf-8"?>
+<file path=ppt/slides/slide6.xml><?xml version="1.0" encoding="utf-8"?>
 <p:sld xmlns:a="http://schemas.openxmlformats.org/drawingml/2006/main" xmlns:r="http://schemas.openxmlformats.org/officeDocument/2006/relationships" xmlns:p="http://schemas.openxmlformats.org/presentationml/2006/main">
   <p:cSld>
     <p:spTree>
@@ -4984,7 +5523,7 @@
 </p:sld>
 </file>
 
-<file path=ppt/slides/slide6.xml><?xml version="1.0" encoding="utf-8"?>
+<file path=ppt/slides/slide7.xml><?xml version="1.0" encoding="utf-8"?>
 <p:sld xmlns:a="http://schemas.openxmlformats.org/drawingml/2006/main" xmlns:r="http://schemas.openxmlformats.org/officeDocument/2006/relationships" xmlns:p="http://schemas.openxmlformats.org/presentationml/2006/main">
   <p:cSld>
     <p:spTree>
@@ -5079,7 +5618,7 @@
 </p:sld>
 </file>
 
-<file path=ppt/slides/slide7.xml><?xml version="1.0" encoding="utf-8"?>
+<file path=ppt/slides/slide8.xml><?xml version="1.0" encoding="utf-8"?>
 <p:sld xmlns:a="http://schemas.openxmlformats.org/drawingml/2006/main" xmlns:r="http://schemas.openxmlformats.org/officeDocument/2006/relationships" xmlns:p="http://schemas.openxmlformats.org/presentationml/2006/main">
   <p:cSld>
     <p:spTree>
@@ -5118,7 +5657,11 @@
           <a:p>
             <a:r>
               <a:rPr lang="en-US" sz="3600" dirty="0" smtClean="0"/>
-              <a:t>Wait – let’s see that as </a:t>
+              <a:t>Wait – let’s see that </a:t>
+            </a:r>
+            <a:r>
+              <a:rPr lang="en-US" sz="3600" dirty="0" smtClean="0"/>
+              <a:t>in </a:t>
             </a:r>
             <a:r>
               <a:rPr lang="en-US" sz="3600" dirty="0" err="1" smtClean="0"/>

--- a/PowerPoint/GettingStartedWithNodejs.pptx
+++ b/PowerPoint/GettingStartedWithNodejs.pptx
@@ -7,12 +7,19 @@
   <p:sldIdLst>
     <p:sldId id="256" r:id="rId2"/>
     <p:sldId id="257" r:id="rId3"/>
-    <p:sldId id="263" r:id="rId4"/>
-    <p:sldId id="258" r:id="rId5"/>
-    <p:sldId id="259" r:id="rId6"/>
-    <p:sldId id="260" r:id="rId7"/>
-    <p:sldId id="261" r:id="rId8"/>
-    <p:sldId id="262" r:id="rId9"/>
+    <p:sldId id="265" r:id="rId4"/>
+    <p:sldId id="263" r:id="rId5"/>
+    <p:sldId id="264" r:id="rId6"/>
+    <p:sldId id="266" r:id="rId7"/>
+    <p:sldId id="260" r:id="rId8"/>
+    <p:sldId id="258" r:id="rId9"/>
+    <p:sldId id="270" r:id="rId10"/>
+    <p:sldId id="272" r:id="rId11"/>
+    <p:sldId id="269" r:id="rId12"/>
+    <p:sldId id="259" r:id="rId13"/>
+    <p:sldId id="261" r:id="rId14"/>
+    <p:sldId id="262" r:id="rId15"/>
+    <p:sldId id="273" r:id="rId16"/>
   </p:sldIdLst>
   <p:sldSz cx="9144000" cy="6858000" type="screen4x3"/>
   <p:notesSz cx="7010400" cy="9296400"/>
@@ -111,6 +118,31 @@
       </a:defRPr>
     </a:lvl9pPr>
   </p:defaultTextStyle>
+  <p:extLst>
+    <p:ext uri="{521415D9-36F7-43E2-AB2F-B90AF26B5E84}">
+      <p14:sectionLst xmlns:p14="http://schemas.microsoft.com/office/powerpoint/2010/main">
+        <p14:section name="Default Section" id="{FB44FA17-636F-EA4D-9315-8E3F994A4926}">
+          <p14:sldIdLst>
+            <p14:sldId id="256"/>
+            <p14:sldId id="257"/>
+            <p14:sldId id="265"/>
+            <p14:sldId id="263"/>
+            <p14:sldId id="264"/>
+            <p14:sldId id="266"/>
+            <p14:sldId id="260"/>
+            <p14:sldId id="258"/>
+            <p14:sldId id="270"/>
+            <p14:sldId id="272"/>
+            <p14:sldId id="269"/>
+            <p14:sldId id="259"/>
+            <p14:sldId id="261"/>
+            <p14:sldId id="262"/>
+            <p14:sldId id="273"/>
+          </p14:sldIdLst>
+        </p14:section>
+      </p14:sectionLst>
+    </p:ext>
+  </p:extLst>
 </p:presentation>
 </file>
 
@@ -309,7 +341,7 @@
             <a:fld id="{04AF466F-BDA4-4F18-9C7B-FF0A9A1B0E80}" type="datetime1">
               <a:rPr lang="en-US" smtClean="0"/>
               <a:pPr/>
-              <a:t>7/28/11</a:t>
+              <a:t>7/29/11</a:t>
             </a:fld>
             <a:endParaRPr lang="en-US"/>
           </a:p>
@@ -476,7 +508,7 @@
             <a:fld id="{58FB4290-6522-4139-852E-05BD9E7F0D2E}" type="datetime1">
               <a:rPr lang="en-US" smtClean="0"/>
               <a:pPr/>
-              <a:t>7/28/11</a:t>
+              <a:t>7/29/11</a:t>
             </a:fld>
             <a:endParaRPr lang="en-US"/>
           </a:p>
@@ -653,7 +685,7 @@
             <a:fld id="{AAB955F9-81EA-47C5-8059-9E5C2B437C70}" type="datetime1">
               <a:rPr lang="en-US" smtClean="0"/>
               <a:pPr/>
-              <a:t>7/28/11</a:t>
+              <a:t>7/29/11</a:t>
             </a:fld>
             <a:endParaRPr lang="en-US"/>
           </a:p>
@@ -820,7 +852,7 @@
             <a:fld id="{1CEF607B-A47E-422C-9BEF-122CCDB7C526}" type="datetime1">
               <a:rPr lang="en-US" smtClean="0"/>
               <a:pPr/>
-              <a:t>7/28/11</a:t>
+              <a:t>7/29/11</a:t>
             </a:fld>
             <a:endParaRPr lang="en-US"/>
           </a:p>
@@ -1063,7 +1095,7 @@
             <a:fld id="{63A9A7CB-BEE6-4F99-898E-913F06E8E125}" type="datetime1">
               <a:rPr lang="en-US" smtClean="0"/>
               <a:pPr/>
-              <a:t>7/28/11</a:t>
+              <a:t>7/29/11</a:t>
             </a:fld>
             <a:endParaRPr lang="en-US"/>
           </a:p>
@@ -1348,7 +1380,7 @@
             <a:fld id="{B6EE300C-6FC5-4FC3-AF1A-075E4F50620D}" type="datetime1">
               <a:rPr lang="en-US" smtClean="0"/>
               <a:pPr/>
-              <a:t>7/28/11</a:t>
+              <a:t>7/29/11</a:t>
             </a:fld>
             <a:endParaRPr lang="en-US"/>
           </a:p>
@@ -1779,7 +1811,7 @@
             <a:fld id="{F50D295D-4A77-4DEB-B04C-9F4282A8BC04}" type="datetime1">
               <a:rPr lang="en-US" smtClean="0"/>
               <a:pPr/>
-              <a:t>7/28/11</a:t>
+              <a:t>7/29/11</a:t>
             </a:fld>
             <a:endParaRPr lang="en-US"/>
           </a:p>
@@ -1894,7 +1926,7 @@
             <a:fld id="{02B28685-4D0C-42D5-8013-B5904CD1FCBC}" type="datetime1">
               <a:rPr lang="en-US" smtClean="0"/>
               <a:pPr/>
-              <a:t>7/28/11</a:t>
+              <a:t>7/29/11</a:t>
             </a:fld>
             <a:endParaRPr lang="en-US"/>
           </a:p>
@@ -1986,7 +2018,7 @@
             <a:fld id="{FDF226C0-9885-4BA9-BBFA-A52CBFEBB775}" type="datetime1">
               <a:rPr lang="en-US" smtClean="0"/>
               <a:pPr/>
-              <a:t>7/28/11</a:t>
+              <a:t>7/29/11</a:t>
             </a:fld>
             <a:endParaRPr lang="en-US"/>
           </a:p>
@@ -2177,7 +2209,7 @@
             <a:fld id="{EBEE1B38-C5EB-4D66-9137-0AFE9CDEDE8F}" type="datetime1">
               <a:rPr lang="en-US" smtClean="0"/>
               <a:pPr/>
-              <a:t>7/28/11</a:t>
+              <a:t>7/29/11</a:t>
             </a:fld>
             <a:endParaRPr lang="en-US"/>
           </a:p>
@@ -2497,7 +2529,7 @@
             <a:fld id="{327B613C-1AD7-49D3-885D-F654C5CDBAA6}" type="datetime1">
               <a:rPr lang="en-US" smtClean="0"/>
               <a:pPr/>
-              <a:t>7/28/11</a:t>
+              <a:t>7/29/11</a:t>
             </a:fld>
             <a:endParaRPr lang="en-US" dirty="0"/>
           </a:p>
@@ -2879,7 +2911,7 @@
             <a:fld id="{327B613C-1AD7-49D3-885D-F654C5CDBAA6}" type="datetime1">
               <a:rPr lang="en-US" smtClean="0"/>
               <a:pPr/>
-              <a:t>7/28/11</a:t>
+              <a:t>7/29/11</a:t>
             </a:fld>
             <a:endParaRPr lang="en-US" dirty="0"/>
           </a:p>
@@ -3348,6 +3380,2259 @@
 </p:sld>
 </file>
 
+<file path=ppt/slides/slide10.xml><?xml version="1.0" encoding="utf-8"?>
+<p:sld xmlns:a="http://schemas.openxmlformats.org/drawingml/2006/main" xmlns:r="http://schemas.openxmlformats.org/officeDocument/2006/relationships" xmlns:p="http://schemas.openxmlformats.org/presentationml/2006/main">
+  <p:cSld>
+    <p:spTree>
+      <p:nvGrpSpPr>
+        <p:cNvPr id="1" name=""/>
+        <p:cNvGrpSpPr/>
+        <p:nvPr/>
+      </p:nvGrpSpPr>
+      <p:grpSpPr>
+        <a:xfrm>
+          <a:off x="0" y="0"/>
+          <a:ext cx="0" cy="0"/>
+          <a:chOff x="0" y="0"/>
+          <a:chExt cx="0" cy="0"/>
+        </a:xfrm>
+      </p:grpSpPr>
+      <p:sp>
+        <p:nvSpPr>
+          <p:cNvPr id="2" name="Title 1"/>
+          <p:cNvSpPr>
+            <a:spLocks noGrp="1"/>
+          </p:cNvSpPr>
+          <p:nvPr>
+            <p:ph type="title"/>
+          </p:nvPr>
+        </p:nvSpPr>
+        <p:spPr/>
+        <p:txBody>
+          <a:bodyPr/>
+          <a:lstStyle/>
+          <a:p>
+            <a:r>
+              <a:rPr lang="en-US" sz="4000" dirty="0"/>
+              <a:t>Anatomy of an Evented </a:t>
+            </a:r>
+            <a:r>
+              <a:rPr lang="en-US" sz="4000" dirty="0" err="1"/>
+              <a:t>Facepalm</a:t>
+            </a:r>
+            <a:endParaRPr lang="en-US" sz="4000" dirty="0"/>
+          </a:p>
+        </p:txBody>
+      </p:sp>
+      <p:cxnSp>
+        <p:nvCxnSpPr>
+          <p:cNvPr id="5" name="Straight Arrow Connector 4"/>
+          <p:cNvCxnSpPr/>
+          <p:nvPr/>
+        </p:nvCxnSpPr>
+        <p:spPr>
+          <a:xfrm>
+            <a:off x="485468" y="4000500"/>
+            <a:ext cx="7563810" cy="0"/>
+          </a:xfrm>
+          <a:prstGeom prst="straightConnector1">
+            <a:avLst/>
+          </a:prstGeom>
+          <a:ln w="76200" cmpd="sng">
+            <a:tailEnd type="arrow"/>
+          </a:ln>
+        </p:spPr>
+        <p:style>
+          <a:lnRef idx="2">
+            <a:schemeClr val="dk1"/>
+          </a:lnRef>
+          <a:fillRef idx="0">
+            <a:schemeClr val="dk1"/>
+          </a:fillRef>
+          <a:effectRef idx="1">
+            <a:schemeClr val="dk1"/>
+          </a:effectRef>
+          <a:fontRef idx="minor">
+            <a:schemeClr val="tx1"/>
+          </a:fontRef>
+        </p:style>
+      </p:cxnSp>
+      <p:sp>
+        <p:nvSpPr>
+          <p:cNvPr id="11" name="TextBox 10"/>
+          <p:cNvSpPr txBox="1"/>
+          <p:nvPr/>
+        </p:nvSpPr>
+        <p:spPr>
+          <a:xfrm>
+            <a:off x="3473647" y="4000500"/>
+            <a:ext cx="1363312" cy="369332"/>
+          </a:xfrm>
+          <a:prstGeom prst="rect">
+            <a:avLst/>
+          </a:prstGeom>
+          <a:noFill/>
+        </p:spPr>
+        <p:txBody>
+          <a:bodyPr wrap="square" rtlCol="0">
+            <a:spAutoFit/>
+          </a:bodyPr>
+          <a:lstStyle/>
+          <a:p>
+            <a:pPr algn="ctr"/>
+            <a:r>
+              <a:rPr lang="en-US" dirty="0" smtClean="0"/>
+              <a:t>Event Loop</a:t>
+            </a:r>
+          </a:p>
+        </p:txBody>
+      </p:sp>
+      <p:sp>
+        <p:nvSpPr>
+          <p:cNvPr id="12" name="Rounded Rectangle 11"/>
+          <p:cNvSpPr/>
+          <p:nvPr/>
+        </p:nvSpPr>
+        <p:spPr>
+          <a:xfrm>
+            <a:off x="6315109" y="1858372"/>
+            <a:ext cx="1167220" cy="719069"/>
+          </a:xfrm>
+          <a:prstGeom prst="roundRect">
+            <a:avLst/>
+          </a:prstGeom>
+        </p:spPr>
+        <p:style>
+          <a:lnRef idx="1">
+            <a:schemeClr val="accent1"/>
+          </a:lnRef>
+          <a:fillRef idx="3">
+            <a:schemeClr val="accent1"/>
+          </a:fillRef>
+          <a:effectRef idx="2">
+            <a:schemeClr val="accent1"/>
+          </a:effectRef>
+          <a:fontRef idx="minor">
+            <a:schemeClr val="lt1"/>
+          </a:fontRef>
+        </p:style>
+        <p:txBody>
+          <a:bodyPr rtlCol="0" anchor="ctr"/>
+          <a:lstStyle/>
+          <a:p>
+            <a:pPr algn="ctr"/>
+            <a:r>
+              <a:rPr lang="en-US" sz="2000" dirty="0" smtClean="0"/>
+              <a:t>Client A</a:t>
+            </a:r>
+            <a:endParaRPr lang="en-US" sz="2000" dirty="0"/>
+          </a:p>
+        </p:txBody>
+      </p:sp>
+      <p:cxnSp>
+        <p:nvCxnSpPr>
+          <p:cNvPr id="14" name="Straight Arrow Connector 13"/>
+          <p:cNvCxnSpPr/>
+          <p:nvPr/>
+        </p:nvCxnSpPr>
+        <p:spPr>
+          <a:xfrm>
+            <a:off x="6941161" y="2642811"/>
+            <a:ext cx="0" cy="1260704"/>
+          </a:xfrm>
+          <a:prstGeom prst="straightConnector1">
+            <a:avLst/>
+          </a:prstGeom>
+          <a:ln>
+            <a:tailEnd type="arrow"/>
+          </a:ln>
+        </p:spPr>
+        <p:style>
+          <a:lnRef idx="2">
+            <a:schemeClr val="accent1"/>
+          </a:lnRef>
+          <a:fillRef idx="0">
+            <a:schemeClr val="accent1"/>
+          </a:fillRef>
+          <a:effectRef idx="1">
+            <a:schemeClr val="accent1"/>
+          </a:effectRef>
+          <a:fontRef idx="minor">
+            <a:schemeClr val="tx1"/>
+          </a:fontRef>
+        </p:style>
+      </p:cxnSp>
+      <p:sp>
+        <p:nvSpPr>
+          <p:cNvPr id="19" name="TextBox 18"/>
+          <p:cNvSpPr txBox="1"/>
+          <p:nvPr/>
+        </p:nvSpPr>
+        <p:spPr>
+          <a:xfrm>
+            <a:off x="5487260" y="3082186"/>
+            <a:ext cx="1995069" cy="307777"/>
+          </a:xfrm>
+          <a:prstGeom prst="rect">
+            <a:avLst/>
+          </a:prstGeom>
+          <a:noFill/>
+        </p:spPr>
+        <p:txBody>
+          <a:bodyPr wrap="square" rtlCol="0">
+            <a:spAutoFit/>
+          </a:bodyPr>
+          <a:lstStyle/>
+          <a:p>
+            <a:r>
+              <a:rPr lang="en-US" sz="1400" dirty="0" err="1" smtClean="0"/>
+              <a:t>ReadFile</a:t>
+            </a:r>
+            <a:r>
+              <a:rPr lang="en-US" sz="1400" b="1" dirty="0" err="1" smtClean="0"/>
+              <a:t>Sync</a:t>
+            </a:r>
+            <a:r>
+              <a:rPr lang="en-US" sz="1400" dirty="0" smtClean="0"/>
+              <a:t>();</a:t>
+            </a:r>
+            <a:endParaRPr lang="en-US" sz="1400" dirty="0"/>
+          </a:p>
+        </p:txBody>
+      </p:sp>
+      <p:sp>
+        <p:nvSpPr>
+          <p:cNvPr id="3" name="Folded Corner 2"/>
+          <p:cNvSpPr/>
+          <p:nvPr/>
+        </p:nvSpPr>
+        <p:spPr>
+          <a:xfrm>
+            <a:off x="6511207" y="4239703"/>
+            <a:ext cx="871200" cy="1101949"/>
+          </a:xfrm>
+          <a:prstGeom prst="foldedCorner">
+            <a:avLst>
+              <a:gd name="adj" fmla="val 27385"/>
+            </a:avLst>
+          </a:prstGeom>
+        </p:spPr>
+        <p:style>
+          <a:lnRef idx="2">
+            <a:schemeClr val="dk1"/>
+          </a:lnRef>
+          <a:fillRef idx="1">
+            <a:schemeClr val="lt1"/>
+          </a:fillRef>
+          <a:effectRef idx="0">
+            <a:schemeClr val="dk1"/>
+          </a:effectRef>
+          <a:fontRef idx="minor">
+            <a:schemeClr val="dk1"/>
+          </a:fontRef>
+        </p:style>
+        <p:txBody>
+          <a:bodyPr rtlCol="0" anchor="ctr"/>
+          <a:lstStyle/>
+          <a:p>
+            <a:pPr algn="ctr"/>
+            <a:r>
+              <a:rPr lang="en-US" dirty="0" smtClean="0"/>
+              <a:t>2 GB</a:t>
+            </a:r>
+          </a:p>
+          <a:p>
+            <a:pPr algn="ctr"/>
+            <a:r>
+              <a:rPr lang="en-US" dirty="0" smtClean="0">
+                <a:latin typeface="Tahoma"/>
+                <a:cs typeface="Tahoma"/>
+              </a:rPr>
+              <a:t>File</a:t>
+            </a:r>
+            <a:endParaRPr lang="en-US" dirty="0">
+              <a:latin typeface="Tahoma"/>
+              <a:cs typeface="Tahoma"/>
+            </a:endParaRPr>
+          </a:p>
+        </p:txBody>
+      </p:sp>
+      <p:sp>
+        <p:nvSpPr>
+          <p:cNvPr id="16" name="Rounded Rectangle 15"/>
+          <p:cNvSpPr/>
+          <p:nvPr/>
+        </p:nvSpPr>
+        <p:spPr>
+          <a:xfrm>
+            <a:off x="3597751" y="1858372"/>
+            <a:ext cx="1167220" cy="719069"/>
+          </a:xfrm>
+          <a:prstGeom prst="roundRect">
+            <a:avLst/>
+          </a:prstGeom>
+        </p:spPr>
+        <p:style>
+          <a:lnRef idx="1">
+            <a:schemeClr val="accent1"/>
+          </a:lnRef>
+          <a:fillRef idx="3">
+            <a:schemeClr val="accent1"/>
+          </a:fillRef>
+          <a:effectRef idx="2">
+            <a:schemeClr val="accent1"/>
+          </a:effectRef>
+          <a:fontRef idx="minor">
+            <a:schemeClr val="lt1"/>
+          </a:fontRef>
+        </p:style>
+        <p:txBody>
+          <a:bodyPr rtlCol="0" anchor="ctr"/>
+          <a:lstStyle/>
+          <a:p>
+            <a:pPr algn="ctr"/>
+            <a:r>
+              <a:rPr lang="en-US" sz="2000" dirty="0" smtClean="0"/>
+              <a:t>Client B</a:t>
+            </a:r>
+            <a:endParaRPr lang="en-US" sz="2000" dirty="0"/>
+          </a:p>
+        </p:txBody>
+      </p:sp>
+      <p:cxnSp>
+        <p:nvCxnSpPr>
+          <p:cNvPr id="17" name="Straight Arrow Connector 16"/>
+          <p:cNvCxnSpPr/>
+          <p:nvPr/>
+        </p:nvCxnSpPr>
+        <p:spPr>
+          <a:xfrm>
+            <a:off x="4223803" y="2642811"/>
+            <a:ext cx="0" cy="1260704"/>
+          </a:xfrm>
+          <a:prstGeom prst="straightConnector1">
+            <a:avLst/>
+          </a:prstGeom>
+          <a:ln>
+            <a:tailEnd type="arrow"/>
+          </a:ln>
+        </p:spPr>
+        <p:style>
+          <a:lnRef idx="2">
+            <a:schemeClr val="accent1"/>
+          </a:lnRef>
+          <a:fillRef idx="0">
+            <a:schemeClr val="accent1"/>
+          </a:fillRef>
+          <a:effectRef idx="1">
+            <a:schemeClr val="accent1"/>
+          </a:effectRef>
+          <a:fontRef idx="minor">
+            <a:schemeClr val="tx1"/>
+          </a:fontRef>
+        </p:style>
+      </p:cxnSp>
+      <p:sp>
+        <p:nvSpPr>
+          <p:cNvPr id="18" name="TextBox 17"/>
+          <p:cNvSpPr txBox="1"/>
+          <p:nvPr/>
+        </p:nvSpPr>
+        <p:spPr>
+          <a:xfrm>
+            <a:off x="2473882" y="2998139"/>
+            <a:ext cx="1995069" cy="307777"/>
+          </a:xfrm>
+          <a:prstGeom prst="rect">
+            <a:avLst/>
+          </a:prstGeom>
+          <a:noFill/>
+        </p:spPr>
+        <p:txBody>
+          <a:bodyPr wrap="square" rtlCol="0">
+            <a:spAutoFit/>
+          </a:bodyPr>
+          <a:lstStyle/>
+          <a:p>
+            <a:r>
+              <a:rPr lang="en-US" sz="1400" dirty="0" err="1"/>
+              <a:t>R</a:t>
+            </a:r>
+            <a:r>
+              <a:rPr lang="en-US" sz="1400" dirty="0" err="1" smtClean="0"/>
+              <a:t>eadFile</a:t>
+            </a:r>
+            <a:r>
+              <a:rPr lang="en-US" sz="1400" dirty="0" smtClean="0"/>
+              <a:t>(callback);</a:t>
+            </a:r>
+            <a:endParaRPr lang="en-US" sz="1400" dirty="0"/>
+          </a:p>
+        </p:txBody>
+      </p:sp>
+      <p:sp>
+        <p:nvSpPr>
+          <p:cNvPr id="15" name="Cloud Callout 14"/>
+          <p:cNvSpPr/>
+          <p:nvPr/>
+        </p:nvSpPr>
+        <p:spPr>
+          <a:xfrm>
+            <a:off x="1914229" y="4547875"/>
+            <a:ext cx="2297088" cy="1232689"/>
+          </a:xfrm>
+          <a:prstGeom prst="cloudCallout">
+            <a:avLst>
+              <a:gd name="adj1" fmla="val 49221"/>
+              <a:gd name="adj2" fmla="val -64773"/>
+            </a:avLst>
+          </a:prstGeom>
+        </p:spPr>
+        <p:style>
+          <a:lnRef idx="2">
+            <a:schemeClr val="accent2">
+              <a:shade val="50000"/>
+            </a:schemeClr>
+          </a:lnRef>
+          <a:fillRef idx="1">
+            <a:schemeClr val="accent2"/>
+          </a:fillRef>
+          <a:effectRef idx="0">
+            <a:schemeClr val="accent2"/>
+          </a:effectRef>
+          <a:fontRef idx="minor">
+            <a:schemeClr val="lt1"/>
+          </a:fontRef>
+        </p:style>
+        <p:txBody>
+          <a:bodyPr rtlCol="0" anchor="ctr"/>
+          <a:lstStyle/>
+          <a:p>
+            <a:pPr algn="ctr"/>
+            <a:r>
+              <a:rPr lang="en-US" dirty="0" smtClean="0"/>
+              <a:t>Anybody have a Snickers?</a:t>
+            </a:r>
+            <a:endParaRPr lang="en-US" dirty="0"/>
+          </a:p>
+        </p:txBody>
+      </p:sp>
+      <p:sp>
+        <p:nvSpPr>
+          <p:cNvPr id="4" name="Cloud Callout 3"/>
+          <p:cNvSpPr/>
+          <p:nvPr/>
+        </p:nvSpPr>
+        <p:spPr>
+          <a:xfrm>
+            <a:off x="4668879" y="1167319"/>
+            <a:ext cx="1391326" cy="775100"/>
+          </a:xfrm>
+          <a:prstGeom prst="cloudCallout">
+            <a:avLst>
+              <a:gd name="adj1" fmla="val -36626"/>
+              <a:gd name="adj2" fmla="val 68883"/>
+            </a:avLst>
+          </a:prstGeom>
+        </p:spPr>
+        <p:style>
+          <a:lnRef idx="2">
+            <a:schemeClr val="accent2">
+              <a:shade val="50000"/>
+            </a:schemeClr>
+          </a:lnRef>
+          <a:fillRef idx="1">
+            <a:schemeClr val="accent2"/>
+          </a:fillRef>
+          <a:effectRef idx="0">
+            <a:schemeClr val="accent2"/>
+          </a:effectRef>
+          <a:fontRef idx="minor">
+            <a:schemeClr val="lt1"/>
+          </a:fontRef>
+        </p:style>
+        <p:txBody>
+          <a:bodyPr rtlCol="0" anchor="ctr"/>
+          <a:lstStyle/>
+          <a:p>
+            <a:pPr algn="ctr"/>
+            <a:r>
+              <a:rPr lang="en-US" dirty="0" smtClean="0"/>
+              <a:t>Oh snap!</a:t>
+            </a:r>
+            <a:endParaRPr lang="en-US" dirty="0"/>
+          </a:p>
+        </p:txBody>
+      </p:sp>
+      <p:sp>
+        <p:nvSpPr>
+          <p:cNvPr id="20" name="Rounded Rectangle 19"/>
+          <p:cNvSpPr/>
+          <p:nvPr/>
+        </p:nvSpPr>
+        <p:spPr>
+          <a:xfrm>
+            <a:off x="1141857" y="1858372"/>
+            <a:ext cx="1167220" cy="719069"/>
+          </a:xfrm>
+          <a:prstGeom prst="roundRect">
+            <a:avLst/>
+          </a:prstGeom>
+        </p:spPr>
+        <p:style>
+          <a:lnRef idx="1">
+            <a:schemeClr val="accent1"/>
+          </a:lnRef>
+          <a:fillRef idx="3">
+            <a:schemeClr val="accent1"/>
+          </a:fillRef>
+          <a:effectRef idx="2">
+            <a:schemeClr val="accent1"/>
+          </a:effectRef>
+          <a:fontRef idx="minor">
+            <a:schemeClr val="lt1"/>
+          </a:fontRef>
+        </p:style>
+        <p:txBody>
+          <a:bodyPr rtlCol="0" anchor="ctr"/>
+          <a:lstStyle/>
+          <a:p>
+            <a:pPr algn="ctr"/>
+            <a:r>
+              <a:rPr lang="en-US" sz="2000" dirty="0" smtClean="0"/>
+              <a:t>Client C</a:t>
+            </a:r>
+            <a:endParaRPr lang="en-US" sz="2000" dirty="0"/>
+          </a:p>
+        </p:txBody>
+      </p:sp>
+      <p:cxnSp>
+        <p:nvCxnSpPr>
+          <p:cNvPr id="21" name="Straight Arrow Connector 20"/>
+          <p:cNvCxnSpPr/>
+          <p:nvPr/>
+        </p:nvCxnSpPr>
+        <p:spPr>
+          <a:xfrm>
+            <a:off x="1767909" y="2642811"/>
+            <a:ext cx="0" cy="1260704"/>
+          </a:xfrm>
+          <a:prstGeom prst="straightConnector1">
+            <a:avLst/>
+          </a:prstGeom>
+          <a:ln>
+            <a:tailEnd type="arrow"/>
+          </a:ln>
+        </p:spPr>
+        <p:style>
+          <a:lnRef idx="2">
+            <a:schemeClr val="accent1"/>
+          </a:lnRef>
+          <a:fillRef idx="0">
+            <a:schemeClr val="accent1"/>
+          </a:fillRef>
+          <a:effectRef idx="1">
+            <a:schemeClr val="accent1"/>
+          </a:effectRef>
+          <a:fontRef idx="minor">
+            <a:schemeClr val="tx1"/>
+          </a:fontRef>
+        </p:style>
+      </p:cxnSp>
+      <p:sp>
+        <p:nvSpPr>
+          <p:cNvPr id="22" name="TextBox 21"/>
+          <p:cNvSpPr txBox="1"/>
+          <p:nvPr/>
+        </p:nvSpPr>
+        <p:spPr>
+          <a:xfrm>
+            <a:off x="17988" y="2998139"/>
+            <a:ext cx="1995069" cy="307777"/>
+          </a:xfrm>
+          <a:prstGeom prst="rect">
+            <a:avLst/>
+          </a:prstGeom>
+          <a:noFill/>
+        </p:spPr>
+        <p:txBody>
+          <a:bodyPr wrap="square" rtlCol="0">
+            <a:spAutoFit/>
+          </a:bodyPr>
+          <a:lstStyle/>
+          <a:p>
+            <a:r>
+              <a:rPr lang="en-US" sz="1400" dirty="0" err="1"/>
+              <a:t>R</a:t>
+            </a:r>
+            <a:r>
+              <a:rPr lang="en-US" sz="1400" dirty="0" err="1" smtClean="0"/>
+              <a:t>eadFile</a:t>
+            </a:r>
+            <a:r>
+              <a:rPr lang="en-US" sz="1400" dirty="0" smtClean="0"/>
+              <a:t>(callback);</a:t>
+            </a:r>
+            <a:endParaRPr lang="en-US" sz="1400" dirty="0"/>
+          </a:p>
+        </p:txBody>
+      </p:sp>
+      <p:sp>
+        <p:nvSpPr>
+          <p:cNvPr id="26" name="Cloud Callout 25"/>
+          <p:cNvSpPr/>
+          <p:nvPr/>
+        </p:nvSpPr>
+        <p:spPr>
+          <a:xfrm>
+            <a:off x="2243711" y="1167319"/>
+            <a:ext cx="1391326" cy="775100"/>
+          </a:xfrm>
+          <a:prstGeom prst="cloudCallout">
+            <a:avLst>
+              <a:gd name="adj1" fmla="val -36626"/>
+              <a:gd name="adj2" fmla="val 68883"/>
+            </a:avLst>
+          </a:prstGeom>
+        </p:spPr>
+        <p:style>
+          <a:lnRef idx="2">
+            <a:schemeClr val="accent2">
+              <a:shade val="50000"/>
+            </a:schemeClr>
+          </a:lnRef>
+          <a:fillRef idx="1">
+            <a:schemeClr val="accent2"/>
+          </a:fillRef>
+          <a:effectRef idx="0">
+            <a:schemeClr val="accent2"/>
+          </a:effectRef>
+          <a:fontRef idx="minor">
+            <a:schemeClr val="lt1"/>
+          </a:fontRef>
+        </p:style>
+        <p:txBody>
+          <a:bodyPr rtlCol="0" anchor="ctr"/>
+          <a:lstStyle/>
+          <a:p>
+            <a:pPr algn="ctr"/>
+            <a:r>
+              <a:rPr lang="en-US" dirty="0" smtClean="0"/>
+              <a:t>What the...?</a:t>
+            </a:r>
+            <a:endParaRPr lang="en-US" dirty="0"/>
+          </a:p>
+        </p:txBody>
+      </p:sp>
+      <p:sp>
+        <p:nvSpPr>
+          <p:cNvPr id="27" name="Cloud Callout 26"/>
+          <p:cNvSpPr/>
+          <p:nvPr/>
+        </p:nvSpPr>
+        <p:spPr>
+          <a:xfrm>
+            <a:off x="1917221" y="4550851"/>
+            <a:ext cx="2297088" cy="1232689"/>
+          </a:xfrm>
+          <a:prstGeom prst="cloudCallout">
+            <a:avLst>
+              <a:gd name="adj1" fmla="val 49221"/>
+              <a:gd name="adj2" fmla="val -64773"/>
+            </a:avLst>
+          </a:prstGeom>
+        </p:spPr>
+        <p:style>
+          <a:lnRef idx="2">
+            <a:schemeClr val="accent2">
+              <a:shade val="50000"/>
+            </a:schemeClr>
+          </a:lnRef>
+          <a:fillRef idx="1">
+            <a:schemeClr val="accent2"/>
+          </a:fillRef>
+          <a:effectRef idx="0">
+            <a:schemeClr val="accent2"/>
+          </a:effectRef>
+          <a:fontRef idx="minor">
+            <a:schemeClr val="lt1"/>
+          </a:fontRef>
+        </p:style>
+        <p:txBody>
+          <a:bodyPr rtlCol="0" anchor="ctr"/>
+          <a:lstStyle/>
+          <a:p>
+            <a:pPr algn="ctr"/>
+            <a:r>
+              <a:rPr lang="en-US" dirty="0" smtClean="0"/>
+              <a:t>Nom nom nom nom nom…</a:t>
+            </a:r>
+            <a:endParaRPr lang="en-US" dirty="0"/>
+          </a:p>
+        </p:txBody>
+      </p:sp>
+      <p:cxnSp>
+        <p:nvCxnSpPr>
+          <p:cNvPr id="7" name="Straight Connector 6"/>
+          <p:cNvCxnSpPr/>
+          <p:nvPr/>
+        </p:nvCxnSpPr>
+        <p:spPr>
+          <a:xfrm flipV="1">
+            <a:off x="5154443" y="1942419"/>
+            <a:ext cx="0" cy="3539312"/>
+          </a:xfrm>
+          <a:prstGeom prst="line">
+            <a:avLst/>
+          </a:prstGeom>
+          <a:ln>
+            <a:solidFill>
+              <a:schemeClr val="tx1">
+                <a:lumMod val="75000"/>
+                <a:lumOff val="25000"/>
+              </a:schemeClr>
+            </a:solidFill>
+            <a:prstDash val="sysDash"/>
+          </a:ln>
+        </p:spPr>
+        <p:style>
+          <a:lnRef idx="2">
+            <a:schemeClr val="accent2"/>
+          </a:lnRef>
+          <a:fillRef idx="0">
+            <a:schemeClr val="accent2"/>
+          </a:fillRef>
+          <a:effectRef idx="1">
+            <a:schemeClr val="accent2"/>
+          </a:effectRef>
+          <a:fontRef idx="minor">
+            <a:schemeClr val="tx1"/>
+          </a:fontRef>
+        </p:style>
+      </p:cxnSp>
+      <p:sp>
+        <p:nvSpPr>
+          <p:cNvPr id="9" name="Line Callout 1 8"/>
+          <p:cNvSpPr/>
+          <p:nvPr/>
+        </p:nvSpPr>
+        <p:spPr>
+          <a:xfrm>
+            <a:off x="5334649" y="5957997"/>
+            <a:ext cx="1176558" cy="709730"/>
+          </a:xfrm>
+          <a:prstGeom prst="borderCallout1">
+            <a:avLst>
+              <a:gd name="adj1" fmla="val -3619"/>
+              <a:gd name="adj2" fmla="val 7540"/>
+              <a:gd name="adj3" fmla="val -61185"/>
+              <a:gd name="adj4" fmla="val -16110"/>
+            </a:avLst>
+          </a:prstGeom>
+        </p:spPr>
+        <p:style>
+          <a:lnRef idx="2">
+            <a:schemeClr val="accent3">
+              <a:shade val="50000"/>
+            </a:schemeClr>
+          </a:lnRef>
+          <a:fillRef idx="1">
+            <a:schemeClr val="accent3"/>
+          </a:fillRef>
+          <a:effectRef idx="0">
+            <a:schemeClr val="accent3"/>
+          </a:effectRef>
+          <a:fontRef idx="minor">
+            <a:schemeClr val="lt1"/>
+          </a:fontRef>
+        </p:style>
+        <p:txBody>
+          <a:bodyPr rtlCol="0" anchor="ctr"/>
+          <a:lstStyle/>
+          <a:p>
+            <a:pPr algn="ctr"/>
+            <a:r>
+              <a:rPr lang="en-US" sz="1400" dirty="0" smtClean="0"/>
+              <a:t>Client A blocking event loop</a:t>
+            </a:r>
+            <a:endParaRPr lang="en-US" sz="1400" dirty="0"/>
+          </a:p>
+        </p:txBody>
+      </p:sp>
+    </p:spTree>
+    <p:extLst>
+      <p:ext uri="{BB962C8B-B14F-4D97-AF65-F5344CB8AC3E}">
+        <p14:creationId xmlns:p14="http://schemas.microsoft.com/office/powerpoint/2010/main" val="2186476351"/>
+      </p:ext>
+    </p:extLst>
+  </p:cSld>
+  <p:clrMapOvr>
+    <a:masterClrMapping/>
+  </p:clrMapOvr>
+  <p:timing>
+    <p:tnLst>
+      <p:par>
+        <p:cTn xmlns:p14="http://schemas.microsoft.com/office/powerpoint/2010/main" id="1" dur="indefinite" restart="never" nodeType="tmRoot">
+          <p:childTnLst>
+            <p:seq concurrent="1" nextAc="seek">
+              <p:cTn id="2" dur="indefinite" nodeType="mainSeq">
+                <p:childTnLst>
+                  <p:par>
+                    <p:cTn id="3" fill="hold">
+                      <p:stCondLst>
+                        <p:cond delay="indefinite"/>
+                      </p:stCondLst>
+                      <p:childTnLst>
+                        <p:par>
+                          <p:cTn id="4" fill="hold">
+                            <p:stCondLst>
+                              <p:cond delay="0"/>
+                            </p:stCondLst>
+                            <p:childTnLst>
+                              <p:par>
+                                <p:cTn id="5" presetID="1" presetClass="entr" presetSubtype="0" fill="hold" grpId="0" nodeType="clickEffect">
+                                  <p:stCondLst>
+                                    <p:cond delay="0"/>
+                                  </p:stCondLst>
+                                  <p:childTnLst>
+                                    <p:set>
+                                      <p:cBhvr>
+                                        <p:cTn id="6" dur="1" fill="hold">
+                                          <p:stCondLst>
+                                            <p:cond delay="0"/>
+                                          </p:stCondLst>
+                                        </p:cTn>
+                                        <p:tgtEl>
+                                          <p:spTgt spid="19"/>
+                                        </p:tgtEl>
+                                        <p:attrNameLst>
+                                          <p:attrName>style.visibility</p:attrName>
+                                        </p:attrNameLst>
+                                      </p:cBhvr>
+                                      <p:to>
+                                        <p:strVal val="visible"/>
+                                      </p:to>
+                                    </p:set>
+                                  </p:childTnLst>
+                                </p:cTn>
+                              </p:par>
+                              <p:par>
+                                <p:cTn id="7" presetID="1" presetClass="entr" presetSubtype="0" fill="hold" nodeType="withEffect">
+                                  <p:stCondLst>
+                                    <p:cond delay="0"/>
+                                  </p:stCondLst>
+                                  <p:childTnLst>
+                                    <p:set>
+                                      <p:cBhvr>
+                                        <p:cTn id="8" dur="1" fill="hold">
+                                          <p:stCondLst>
+                                            <p:cond delay="0"/>
+                                          </p:stCondLst>
+                                        </p:cTn>
+                                        <p:tgtEl>
+                                          <p:spTgt spid="14"/>
+                                        </p:tgtEl>
+                                        <p:attrNameLst>
+                                          <p:attrName>style.visibility</p:attrName>
+                                        </p:attrNameLst>
+                                      </p:cBhvr>
+                                      <p:to>
+                                        <p:strVal val="visible"/>
+                                      </p:to>
+                                    </p:set>
+                                  </p:childTnLst>
+                                </p:cTn>
+                              </p:par>
+                              <p:par>
+                                <p:cTn id="9" presetID="1" presetClass="entr" presetSubtype="0" fill="hold" grpId="0" nodeType="withEffect">
+                                  <p:stCondLst>
+                                    <p:cond delay="0"/>
+                                  </p:stCondLst>
+                                  <p:childTnLst>
+                                    <p:set>
+                                      <p:cBhvr>
+                                        <p:cTn id="10" dur="1" fill="hold">
+                                          <p:stCondLst>
+                                            <p:cond delay="0"/>
+                                          </p:stCondLst>
+                                        </p:cTn>
+                                        <p:tgtEl>
+                                          <p:spTgt spid="3"/>
+                                        </p:tgtEl>
+                                        <p:attrNameLst>
+                                          <p:attrName>style.visibility</p:attrName>
+                                        </p:attrNameLst>
+                                      </p:cBhvr>
+                                      <p:to>
+                                        <p:strVal val="visible"/>
+                                      </p:to>
+                                    </p:set>
+                                  </p:childTnLst>
+                                </p:cTn>
+                              </p:par>
+                            </p:childTnLst>
+                          </p:cTn>
+                        </p:par>
+                      </p:childTnLst>
+                    </p:cTn>
+                  </p:par>
+                  <p:par>
+                    <p:cTn id="11" fill="hold">
+                      <p:stCondLst>
+                        <p:cond delay="indefinite"/>
+                      </p:stCondLst>
+                      <p:childTnLst>
+                        <p:par>
+                          <p:cTn id="12" fill="hold">
+                            <p:stCondLst>
+                              <p:cond delay="0"/>
+                            </p:stCondLst>
+                            <p:childTnLst>
+                              <p:par>
+                                <p:cTn id="13" presetID="9" presetClass="entr" presetSubtype="0" fill="hold" grpId="0" nodeType="clickEffect">
+                                  <p:stCondLst>
+                                    <p:cond delay="0"/>
+                                  </p:stCondLst>
+                                  <p:childTnLst>
+                                    <p:set>
+                                      <p:cBhvr>
+                                        <p:cTn id="14" dur="1" fill="hold">
+                                          <p:stCondLst>
+                                            <p:cond delay="0"/>
+                                          </p:stCondLst>
+                                        </p:cTn>
+                                        <p:tgtEl>
+                                          <p:spTgt spid="15"/>
+                                        </p:tgtEl>
+                                        <p:attrNameLst>
+                                          <p:attrName>style.visibility</p:attrName>
+                                        </p:attrNameLst>
+                                      </p:cBhvr>
+                                      <p:to>
+                                        <p:strVal val="visible"/>
+                                      </p:to>
+                                    </p:set>
+                                    <p:animEffect transition="in" filter="dissolve">
+                                      <p:cBhvr>
+                                        <p:cTn id="15" dur="500"/>
+                                        <p:tgtEl>
+                                          <p:spTgt spid="15"/>
+                                        </p:tgtEl>
+                                      </p:cBhvr>
+                                    </p:animEffect>
+                                  </p:childTnLst>
+                                </p:cTn>
+                              </p:par>
+                            </p:childTnLst>
+                          </p:cTn>
+                        </p:par>
+                      </p:childTnLst>
+                    </p:cTn>
+                  </p:par>
+                  <p:par>
+                    <p:cTn id="16" fill="hold">
+                      <p:stCondLst>
+                        <p:cond delay="indefinite"/>
+                      </p:stCondLst>
+                      <p:childTnLst>
+                        <p:par>
+                          <p:cTn id="17" fill="hold">
+                            <p:stCondLst>
+                              <p:cond delay="0"/>
+                            </p:stCondLst>
+                            <p:childTnLst>
+                              <p:par>
+                                <p:cTn id="18" presetID="2" presetClass="entr" presetSubtype="8" fill="hold" grpId="0" nodeType="clickEffect">
+                                  <p:stCondLst>
+                                    <p:cond delay="0"/>
+                                  </p:stCondLst>
+                                  <p:childTnLst>
+                                    <p:set>
+                                      <p:cBhvr>
+                                        <p:cTn id="19" dur="1" fill="hold">
+                                          <p:stCondLst>
+                                            <p:cond delay="0"/>
+                                          </p:stCondLst>
+                                        </p:cTn>
+                                        <p:tgtEl>
+                                          <p:spTgt spid="16"/>
+                                        </p:tgtEl>
+                                        <p:attrNameLst>
+                                          <p:attrName>style.visibility</p:attrName>
+                                        </p:attrNameLst>
+                                      </p:cBhvr>
+                                      <p:to>
+                                        <p:strVal val="visible"/>
+                                      </p:to>
+                                    </p:set>
+                                    <p:anim calcmode="lin" valueType="num">
+                                      <p:cBhvr additive="base">
+                                        <p:cTn id="20" dur="500" fill="hold"/>
+                                        <p:tgtEl>
+                                          <p:spTgt spid="16"/>
+                                        </p:tgtEl>
+                                        <p:attrNameLst>
+                                          <p:attrName>ppt_x</p:attrName>
+                                        </p:attrNameLst>
+                                      </p:cBhvr>
+                                      <p:tavLst>
+                                        <p:tav tm="0">
+                                          <p:val>
+                                            <p:strVal val="0-#ppt_w/2"/>
+                                          </p:val>
+                                        </p:tav>
+                                        <p:tav tm="100000">
+                                          <p:val>
+                                            <p:strVal val="#ppt_x"/>
+                                          </p:val>
+                                        </p:tav>
+                                      </p:tavLst>
+                                    </p:anim>
+                                    <p:anim calcmode="lin" valueType="num">
+                                      <p:cBhvr additive="base">
+                                        <p:cTn id="21" dur="500" fill="hold"/>
+                                        <p:tgtEl>
+                                          <p:spTgt spid="16"/>
+                                        </p:tgtEl>
+                                        <p:attrNameLst>
+                                          <p:attrName>ppt_y</p:attrName>
+                                        </p:attrNameLst>
+                                      </p:cBhvr>
+                                      <p:tavLst>
+                                        <p:tav tm="0">
+                                          <p:val>
+                                            <p:strVal val="#ppt_y"/>
+                                          </p:val>
+                                        </p:tav>
+                                        <p:tav tm="100000">
+                                          <p:val>
+                                            <p:strVal val="#ppt_y"/>
+                                          </p:val>
+                                        </p:tav>
+                                      </p:tavLst>
+                                    </p:anim>
+                                  </p:childTnLst>
+                                </p:cTn>
+                              </p:par>
+                              <p:par>
+                                <p:cTn id="22" presetID="2" presetClass="entr" presetSubtype="8" fill="hold" nodeType="withEffect">
+                                  <p:stCondLst>
+                                    <p:cond delay="0"/>
+                                  </p:stCondLst>
+                                  <p:childTnLst>
+                                    <p:set>
+                                      <p:cBhvr>
+                                        <p:cTn id="23" dur="1" fill="hold">
+                                          <p:stCondLst>
+                                            <p:cond delay="0"/>
+                                          </p:stCondLst>
+                                        </p:cTn>
+                                        <p:tgtEl>
+                                          <p:spTgt spid="17"/>
+                                        </p:tgtEl>
+                                        <p:attrNameLst>
+                                          <p:attrName>style.visibility</p:attrName>
+                                        </p:attrNameLst>
+                                      </p:cBhvr>
+                                      <p:to>
+                                        <p:strVal val="visible"/>
+                                      </p:to>
+                                    </p:set>
+                                    <p:anim calcmode="lin" valueType="num">
+                                      <p:cBhvr additive="base">
+                                        <p:cTn id="24" dur="500" fill="hold"/>
+                                        <p:tgtEl>
+                                          <p:spTgt spid="17"/>
+                                        </p:tgtEl>
+                                        <p:attrNameLst>
+                                          <p:attrName>ppt_x</p:attrName>
+                                        </p:attrNameLst>
+                                      </p:cBhvr>
+                                      <p:tavLst>
+                                        <p:tav tm="0">
+                                          <p:val>
+                                            <p:strVal val="0-#ppt_w/2"/>
+                                          </p:val>
+                                        </p:tav>
+                                        <p:tav tm="100000">
+                                          <p:val>
+                                            <p:strVal val="#ppt_x"/>
+                                          </p:val>
+                                        </p:tav>
+                                      </p:tavLst>
+                                    </p:anim>
+                                    <p:anim calcmode="lin" valueType="num">
+                                      <p:cBhvr additive="base">
+                                        <p:cTn id="25" dur="500" fill="hold"/>
+                                        <p:tgtEl>
+                                          <p:spTgt spid="17"/>
+                                        </p:tgtEl>
+                                        <p:attrNameLst>
+                                          <p:attrName>ppt_y</p:attrName>
+                                        </p:attrNameLst>
+                                      </p:cBhvr>
+                                      <p:tavLst>
+                                        <p:tav tm="0">
+                                          <p:val>
+                                            <p:strVal val="#ppt_y"/>
+                                          </p:val>
+                                        </p:tav>
+                                        <p:tav tm="100000">
+                                          <p:val>
+                                            <p:strVal val="#ppt_y"/>
+                                          </p:val>
+                                        </p:tav>
+                                      </p:tavLst>
+                                    </p:anim>
+                                  </p:childTnLst>
+                                </p:cTn>
+                              </p:par>
+                              <p:par>
+                                <p:cTn id="26" presetID="2" presetClass="entr" presetSubtype="8" fill="hold" grpId="0" nodeType="withEffect">
+                                  <p:stCondLst>
+                                    <p:cond delay="0"/>
+                                  </p:stCondLst>
+                                  <p:childTnLst>
+                                    <p:set>
+                                      <p:cBhvr>
+                                        <p:cTn id="27" dur="1" fill="hold">
+                                          <p:stCondLst>
+                                            <p:cond delay="0"/>
+                                          </p:stCondLst>
+                                        </p:cTn>
+                                        <p:tgtEl>
+                                          <p:spTgt spid="18"/>
+                                        </p:tgtEl>
+                                        <p:attrNameLst>
+                                          <p:attrName>style.visibility</p:attrName>
+                                        </p:attrNameLst>
+                                      </p:cBhvr>
+                                      <p:to>
+                                        <p:strVal val="visible"/>
+                                      </p:to>
+                                    </p:set>
+                                    <p:anim calcmode="lin" valueType="num">
+                                      <p:cBhvr additive="base">
+                                        <p:cTn id="28" dur="500" fill="hold"/>
+                                        <p:tgtEl>
+                                          <p:spTgt spid="18"/>
+                                        </p:tgtEl>
+                                        <p:attrNameLst>
+                                          <p:attrName>ppt_x</p:attrName>
+                                        </p:attrNameLst>
+                                      </p:cBhvr>
+                                      <p:tavLst>
+                                        <p:tav tm="0">
+                                          <p:val>
+                                            <p:strVal val="0-#ppt_w/2"/>
+                                          </p:val>
+                                        </p:tav>
+                                        <p:tav tm="100000">
+                                          <p:val>
+                                            <p:strVal val="#ppt_x"/>
+                                          </p:val>
+                                        </p:tav>
+                                      </p:tavLst>
+                                    </p:anim>
+                                    <p:anim calcmode="lin" valueType="num">
+                                      <p:cBhvr additive="base">
+                                        <p:cTn id="29" dur="500" fill="hold"/>
+                                        <p:tgtEl>
+                                          <p:spTgt spid="18"/>
+                                        </p:tgtEl>
+                                        <p:attrNameLst>
+                                          <p:attrName>ppt_y</p:attrName>
+                                        </p:attrNameLst>
+                                      </p:cBhvr>
+                                      <p:tavLst>
+                                        <p:tav tm="0">
+                                          <p:val>
+                                            <p:strVal val="#ppt_y"/>
+                                          </p:val>
+                                        </p:tav>
+                                        <p:tav tm="100000">
+                                          <p:val>
+                                            <p:strVal val="#ppt_y"/>
+                                          </p:val>
+                                        </p:tav>
+                                      </p:tavLst>
+                                    </p:anim>
+                                  </p:childTnLst>
+                                </p:cTn>
+                              </p:par>
+                            </p:childTnLst>
+                          </p:cTn>
+                        </p:par>
+                      </p:childTnLst>
+                    </p:cTn>
+                  </p:par>
+                  <p:par>
+                    <p:cTn id="30" fill="hold">
+                      <p:stCondLst>
+                        <p:cond delay="indefinite"/>
+                      </p:stCondLst>
+                      <p:childTnLst>
+                        <p:par>
+                          <p:cTn id="31" fill="hold">
+                            <p:stCondLst>
+                              <p:cond delay="0"/>
+                            </p:stCondLst>
+                            <p:childTnLst>
+                              <p:par>
+                                <p:cTn id="32" presetID="1" presetClass="entr" presetSubtype="0" fill="hold" grpId="0" nodeType="clickEffect">
+                                  <p:stCondLst>
+                                    <p:cond delay="0"/>
+                                  </p:stCondLst>
+                                  <p:childTnLst>
+                                    <p:set>
+                                      <p:cBhvr>
+                                        <p:cTn id="33" dur="1" fill="hold">
+                                          <p:stCondLst>
+                                            <p:cond delay="0"/>
+                                          </p:stCondLst>
+                                        </p:cTn>
+                                        <p:tgtEl>
+                                          <p:spTgt spid="4"/>
+                                        </p:tgtEl>
+                                        <p:attrNameLst>
+                                          <p:attrName>style.visibility</p:attrName>
+                                        </p:attrNameLst>
+                                      </p:cBhvr>
+                                      <p:to>
+                                        <p:strVal val="visible"/>
+                                      </p:to>
+                                    </p:set>
+                                  </p:childTnLst>
+                                </p:cTn>
+                              </p:par>
+                              <p:par>
+                                <p:cTn id="34" presetID="1" presetClass="entr" presetSubtype="0" fill="hold" nodeType="withEffect">
+                                  <p:stCondLst>
+                                    <p:cond delay="0"/>
+                                  </p:stCondLst>
+                                  <p:childTnLst>
+                                    <p:set>
+                                      <p:cBhvr>
+                                        <p:cTn id="35" dur="1" fill="hold">
+                                          <p:stCondLst>
+                                            <p:cond delay="0"/>
+                                          </p:stCondLst>
+                                        </p:cTn>
+                                        <p:tgtEl>
+                                          <p:spTgt spid="7"/>
+                                        </p:tgtEl>
+                                        <p:attrNameLst>
+                                          <p:attrName>style.visibility</p:attrName>
+                                        </p:attrNameLst>
+                                      </p:cBhvr>
+                                      <p:to>
+                                        <p:strVal val="visible"/>
+                                      </p:to>
+                                    </p:set>
+                                  </p:childTnLst>
+                                </p:cTn>
+                              </p:par>
+                              <p:par>
+                                <p:cTn id="36" presetID="1" presetClass="entr" presetSubtype="0" fill="hold" grpId="0" nodeType="withEffect">
+                                  <p:stCondLst>
+                                    <p:cond delay="0"/>
+                                  </p:stCondLst>
+                                  <p:childTnLst>
+                                    <p:set>
+                                      <p:cBhvr>
+                                        <p:cTn id="37" dur="1" fill="hold">
+                                          <p:stCondLst>
+                                            <p:cond delay="0"/>
+                                          </p:stCondLst>
+                                        </p:cTn>
+                                        <p:tgtEl>
+                                          <p:spTgt spid="9"/>
+                                        </p:tgtEl>
+                                        <p:attrNameLst>
+                                          <p:attrName>style.visibility</p:attrName>
+                                        </p:attrNameLst>
+                                      </p:cBhvr>
+                                      <p:to>
+                                        <p:strVal val="visible"/>
+                                      </p:to>
+                                    </p:set>
+                                  </p:childTnLst>
+                                </p:cTn>
+                              </p:par>
+                            </p:childTnLst>
+                          </p:cTn>
+                        </p:par>
+                      </p:childTnLst>
+                    </p:cTn>
+                  </p:par>
+                  <p:par>
+                    <p:cTn id="38" fill="hold">
+                      <p:stCondLst>
+                        <p:cond delay="indefinite"/>
+                      </p:stCondLst>
+                      <p:childTnLst>
+                        <p:par>
+                          <p:cTn id="39" fill="hold">
+                            <p:stCondLst>
+                              <p:cond delay="0"/>
+                            </p:stCondLst>
+                            <p:childTnLst>
+                              <p:par>
+                                <p:cTn id="40" presetID="1" presetClass="exit" presetSubtype="0" fill="hold" grpId="1" nodeType="clickEffect">
+                                  <p:stCondLst>
+                                    <p:cond delay="0"/>
+                                  </p:stCondLst>
+                                  <p:childTnLst>
+                                    <p:set>
+                                      <p:cBhvr>
+                                        <p:cTn id="41" dur="1" fill="hold">
+                                          <p:stCondLst>
+                                            <p:cond delay="0"/>
+                                          </p:stCondLst>
+                                        </p:cTn>
+                                        <p:tgtEl>
+                                          <p:spTgt spid="15"/>
+                                        </p:tgtEl>
+                                        <p:attrNameLst>
+                                          <p:attrName>style.visibility</p:attrName>
+                                        </p:attrNameLst>
+                                      </p:cBhvr>
+                                      <p:to>
+                                        <p:strVal val="hidden"/>
+                                      </p:to>
+                                    </p:set>
+                                  </p:childTnLst>
+                                </p:cTn>
+                              </p:par>
+                            </p:childTnLst>
+                          </p:cTn>
+                        </p:par>
+                      </p:childTnLst>
+                    </p:cTn>
+                  </p:par>
+                  <p:par>
+                    <p:cTn id="42" fill="hold">
+                      <p:stCondLst>
+                        <p:cond delay="indefinite"/>
+                      </p:stCondLst>
+                      <p:childTnLst>
+                        <p:par>
+                          <p:cTn id="43" fill="hold">
+                            <p:stCondLst>
+                              <p:cond delay="0"/>
+                            </p:stCondLst>
+                            <p:childTnLst>
+                              <p:par>
+                                <p:cTn id="44" presetID="1" presetClass="entr" presetSubtype="0" fill="hold" grpId="0" nodeType="clickEffect">
+                                  <p:stCondLst>
+                                    <p:cond delay="0"/>
+                                  </p:stCondLst>
+                                  <p:childTnLst>
+                                    <p:set>
+                                      <p:cBhvr>
+                                        <p:cTn id="45" dur="1" fill="hold">
+                                          <p:stCondLst>
+                                            <p:cond delay="0"/>
+                                          </p:stCondLst>
+                                        </p:cTn>
+                                        <p:tgtEl>
+                                          <p:spTgt spid="27"/>
+                                        </p:tgtEl>
+                                        <p:attrNameLst>
+                                          <p:attrName>style.visibility</p:attrName>
+                                        </p:attrNameLst>
+                                      </p:cBhvr>
+                                      <p:to>
+                                        <p:strVal val="visible"/>
+                                      </p:to>
+                                    </p:set>
+                                  </p:childTnLst>
+                                </p:cTn>
+                              </p:par>
+                            </p:childTnLst>
+                          </p:cTn>
+                        </p:par>
+                      </p:childTnLst>
+                    </p:cTn>
+                  </p:par>
+                  <p:par>
+                    <p:cTn id="46" fill="hold">
+                      <p:stCondLst>
+                        <p:cond delay="indefinite"/>
+                      </p:stCondLst>
+                      <p:childTnLst>
+                        <p:par>
+                          <p:cTn id="47" fill="hold">
+                            <p:stCondLst>
+                              <p:cond delay="0"/>
+                            </p:stCondLst>
+                            <p:childTnLst>
+                              <p:par>
+                                <p:cTn id="48" presetID="2" presetClass="entr" presetSubtype="8" fill="hold" grpId="0" nodeType="clickEffect">
+                                  <p:stCondLst>
+                                    <p:cond delay="0"/>
+                                  </p:stCondLst>
+                                  <p:childTnLst>
+                                    <p:set>
+                                      <p:cBhvr>
+                                        <p:cTn id="49" dur="1" fill="hold">
+                                          <p:stCondLst>
+                                            <p:cond delay="0"/>
+                                          </p:stCondLst>
+                                        </p:cTn>
+                                        <p:tgtEl>
+                                          <p:spTgt spid="20"/>
+                                        </p:tgtEl>
+                                        <p:attrNameLst>
+                                          <p:attrName>style.visibility</p:attrName>
+                                        </p:attrNameLst>
+                                      </p:cBhvr>
+                                      <p:to>
+                                        <p:strVal val="visible"/>
+                                      </p:to>
+                                    </p:set>
+                                    <p:anim calcmode="lin" valueType="num">
+                                      <p:cBhvr additive="base">
+                                        <p:cTn id="50" dur="500" fill="hold"/>
+                                        <p:tgtEl>
+                                          <p:spTgt spid="20"/>
+                                        </p:tgtEl>
+                                        <p:attrNameLst>
+                                          <p:attrName>ppt_x</p:attrName>
+                                        </p:attrNameLst>
+                                      </p:cBhvr>
+                                      <p:tavLst>
+                                        <p:tav tm="0">
+                                          <p:val>
+                                            <p:strVal val="0-#ppt_w/2"/>
+                                          </p:val>
+                                        </p:tav>
+                                        <p:tav tm="100000">
+                                          <p:val>
+                                            <p:strVal val="#ppt_x"/>
+                                          </p:val>
+                                        </p:tav>
+                                      </p:tavLst>
+                                    </p:anim>
+                                    <p:anim calcmode="lin" valueType="num">
+                                      <p:cBhvr additive="base">
+                                        <p:cTn id="51" dur="500" fill="hold"/>
+                                        <p:tgtEl>
+                                          <p:spTgt spid="20"/>
+                                        </p:tgtEl>
+                                        <p:attrNameLst>
+                                          <p:attrName>ppt_y</p:attrName>
+                                        </p:attrNameLst>
+                                      </p:cBhvr>
+                                      <p:tavLst>
+                                        <p:tav tm="0">
+                                          <p:val>
+                                            <p:strVal val="#ppt_y"/>
+                                          </p:val>
+                                        </p:tav>
+                                        <p:tav tm="100000">
+                                          <p:val>
+                                            <p:strVal val="#ppt_y"/>
+                                          </p:val>
+                                        </p:tav>
+                                      </p:tavLst>
+                                    </p:anim>
+                                  </p:childTnLst>
+                                </p:cTn>
+                              </p:par>
+                              <p:par>
+                                <p:cTn id="52" presetID="2" presetClass="entr" presetSubtype="8" fill="hold" grpId="0" nodeType="withEffect">
+                                  <p:stCondLst>
+                                    <p:cond delay="0"/>
+                                  </p:stCondLst>
+                                  <p:childTnLst>
+                                    <p:set>
+                                      <p:cBhvr>
+                                        <p:cTn id="53" dur="1" fill="hold">
+                                          <p:stCondLst>
+                                            <p:cond delay="0"/>
+                                          </p:stCondLst>
+                                        </p:cTn>
+                                        <p:tgtEl>
+                                          <p:spTgt spid="22"/>
+                                        </p:tgtEl>
+                                        <p:attrNameLst>
+                                          <p:attrName>style.visibility</p:attrName>
+                                        </p:attrNameLst>
+                                      </p:cBhvr>
+                                      <p:to>
+                                        <p:strVal val="visible"/>
+                                      </p:to>
+                                    </p:set>
+                                    <p:anim calcmode="lin" valueType="num">
+                                      <p:cBhvr additive="base">
+                                        <p:cTn id="54" dur="500" fill="hold"/>
+                                        <p:tgtEl>
+                                          <p:spTgt spid="22"/>
+                                        </p:tgtEl>
+                                        <p:attrNameLst>
+                                          <p:attrName>ppt_x</p:attrName>
+                                        </p:attrNameLst>
+                                      </p:cBhvr>
+                                      <p:tavLst>
+                                        <p:tav tm="0">
+                                          <p:val>
+                                            <p:strVal val="0-#ppt_w/2"/>
+                                          </p:val>
+                                        </p:tav>
+                                        <p:tav tm="100000">
+                                          <p:val>
+                                            <p:strVal val="#ppt_x"/>
+                                          </p:val>
+                                        </p:tav>
+                                      </p:tavLst>
+                                    </p:anim>
+                                    <p:anim calcmode="lin" valueType="num">
+                                      <p:cBhvr additive="base">
+                                        <p:cTn id="55" dur="500" fill="hold"/>
+                                        <p:tgtEl>
+                                          <p:spTgt spid="22"/>
+                                        </p:tgtEl>
+                                        <p:attrNameLst>
+                                          <p:attrName>ppt_y</p:attrName>
+                                        </p:attrNameLst>
+                                      </p:cBhvr>
+                                      <p:tavLst>
+                                        <p:tav tm="0">
+                                          <p:val>
+                                            <p:strVal val="#ppt_y"/>
+                                          </p:val>
+                                        </p:tav>
+                                        <p:tav tm="100000">
+                                          <p:val>
+                                            <p:strVal val="#ppt_y"/>
+                                          </p:val>
+                                        </p:tav>
+                                      </p:tavLst>
+                                    </p:anim>
+                                  </p:childTnLst>
+                                </p:cTn>
+                              </p:par>
+                              <p:par>
+                                <p:cTn id="56" presetID="2" presetClass="entr" presetSubtype="8" fill="hold" nodeType="withEffect">
+                                  <p:stCondLst>
+                                    <p:cond delay="0"/>
+                                  </p:stCondLst>
+                                  <p:childTnLst>
+                                    <p:set>
+                                      <p:cBhvr>
+                                        <p:cTn id="57" dur="1" fill="hold">
+                                          <p:stCondLst>
+                                            <p:cond delay="0"/>
+                                          </p:stCondLst>
+                                        </p:cTn>
+                                        <p:tgtEl>
+                                          <p:spTgt spid="21"/>
+                                        </p:tgtEl>
+                                        <p:attrNameLst>
+                                          <p:attrName>style.visibility</p:attrName>
+                                        </p:attrNameLst>
+                                      </p:cBhvr>
+                                      <p:to>
+                                        <p:strVal val="visible"/>
+                                      </p:to>
+                                    </p:set>
+                                    <p:anim calcmode="lin" valueType="num">
+                                      <p:cBhvr additive="base">
+                                        <p:cTn id="58" dur="500" fill="hold"/>
+                                        <p:tgtEl>
+                                          <p:spTgt spid="21"/>
+                                        </p:tgtEl>
+                                        <p:attrNameLst>
+                                          <p:attrName>ppt_x</p:attrName>
+                                        </p:attrNameLst>
+                                      </p:cBhvr>
+                                      <p:tavLst>
+                                        <p:tav tm="0">
+                                          <p:val>
+                                            <p:strVal val="0-#ppt_w/2"/>
+                                          </p:val>
+                                        </p:tav>
+                                        <p:tav tm="100000">
+                                          <p:val>
+                                            <p:strVal val="#ppt_x"/>
+                                          </p:val>
+                                        </p:tav>
+                                      </p:tavLst>
+                                    </p:anim>
+                                    <p:anim calcmode="lin" valueType="num">
+                                      <p:cBhvr additive="base">
+                                        <p:cTn id="59" dur="500" fill="hold"/>
+                                        <p:tgtEl>
+                                          <p:spTgt spid="21"/>
+                                        </p:tgtEl>
+                                        <p:attrNameLst>
+                                          <p:attrName>ppt_y</p:attrName>
+                                        </p:attrNameLst>
+                                      </p:cBhvr>
+                                      <p:tavLst>
+                                        <p:tav tm="0">
+                                          <p:val>
+                                            <p:strVal val="#ppt_y"/>
+                                          </p:val>
+                                        </p:tav>
+                                        <p:tav tm="100000">
+                                          <p:val>
+                                            <p:strVal val="#ppt_y"/>
+                                          </p:val>
+                                        </p:tav>
+                                      </p:tavLst>
+                                    </p:anim>
+                                  </p:childTnLst>
+                                </p:cTn>
+                              </p:par>
+                            </p:childTnLst>
+                          </p:cTn>
+                        </p:par>
+                      </p:childTnLst>
+                    </p:cTn>
+                  </p:par>
+                  <p:par>
+                    <p:cTn id="60" fill="hold">
+                      <p:stCondLst>
+                        <p:cond delay="indefinite"/>
+                      </p:stCondLst>
+                      <p:childTnLst>
+                        <p:par>
+                          <p:cTn id="61" fill="hold">
+                            <p:stCondLst>
+                              <p:cond delay="0"/>
+                            </p:stCondLst>
+                            <p:childTnLst>
+                              <p:par>
+                                <p:cTn id="62" presetID="1" presetClass="entr" presetSubtype="0" fill="hold" grpId="0" nodeType="clickEffect">
+                                  <p:stCondLst>
+                                    <p:cond delay="0"/>
+                                  </p:stCondLst>
+                                  <p:childTnLst>
+                                    <p:set>
+                                      <p:cBhvr>
+                                        <p:cTn id="63" dur="1" fill="hold">
+                                          <p:stCondLst>
+                                            <p:cond delay="0"/>
+                                          </p:stCondLst>
+                                        </p:cTn>
+                                        <p:tgtEl>
+                                          <p:spTgt spid="26"/>
+                                        </p:tgtEl>
+                                        <p:attrNameLst>
+                                          <p:attrName>style.visibility</p:attrName>
+                                        </p:attrNameLst>
+                                      </p:cBhvr>
+                                      <p:to>
+                                        <p:strVal val="visible"/>
+                                      </p:to>
+                                    </p:set>
+                                  </p:childTnLst>
+                                </p:cTn>
+                              </p:par>
+                            </p:childTnLst>
+                          </p:cTn>
+                        </p:par>
+                      </p:childTnLst>
+                    </p:cTn>
+                  </p:par>
+                </p:childTnLst>
+              </p:cTn>
+              <p:prevCondLst>
+                <p:cond evt="onPrev" delay="0">
+                  <p:tgtEl>
+                    <p:sldTgt/>
+                  </p:tgtEl>
+                </p:cond>
+              </p:prevCondLst>
+              <p:nextCondLst>
+                <p:cond evt="onNext" delay="0">
+                  <p:tgtEl>
+                    <p:sldTgt/>
+                  </p:tgtEl>
+                </p:cond>
+              </p:nextCondLst>
+            </p:seq>
+          </p:childTnLst>
+        </p:cTn>
+      </p:par>
+    </p:tnLst>
+    <p:bldLst>
+      <p:bldP spid="19" grpId="0"/>
+      <p:bldP spid="3" grpId="0" animBg="1"/>
+      <p:bldP spid="16" grpId="0" animBg="1"/>
+      <p:bldP spid="18" grpId="0"/>
+      <p:bldP spid="15" grpId="0" animBg="1"/>
+      <p:bldP spid="15" grpId="1" animBg="1"/>
+      <p:bldP spid="4" grpId="0" animBg="1"/>
+      <p:bldP spid="20" grpId="0" animBg="1"/>
+      <p:bldP spid="22" grpId="0"/>
+      <p:bldP spid="26" grpId="0" animBg="1"/>
+      <p:bldP spid="27" grpId="0" animBg="1"/>
+      <p:bldP spid="9" grpId="0" animBg="1"/>
+    </p:bldLst>
+  </p:timing>
+</p:sld>
+</file>
+
+<file path=ppt/slides/slide11.xml><?xml version="1.0" encoding="utf-8"?>
+<p:sld xmlns:a="http://schemas.openxmlformats.org/drawingml/2006/main" xmlns:r="http://schemas.openxmlformats.org/officeDocument/2006/relationships" xmlns:p="http://schemas.openxmlformats.org/presentationml/2006/main">
+  <p:cSld>
+    <p:spTree>
+      <p:nvGrpSpPr>
+        <p:cNvPr id="1" name=""/>
+        <p:cNvGrpSpPr/>
+        <p:nvPr/>
+      </p:nvGrpSpPr>
+      <p:grpSpPr>
+        <a:xfrm>
+          <a:off x="0" y="0"/>
+          <a:ext cx="0" cy="0"/>
+          <a:chOff x="0" y="0"/>
+          <a:chExt cx="0" cy="0"/>
+        </a:xfrm>
+      </p:grpSpPr>
+      <p:sp>
+        <p:nvSpPr>
+          <p:cNvPr id="2" name="Title 1"/>
+          <p:cNvSpPr>
+            <a:spLocks noGrp="1"/>
+          </p:cNvSpPr>
+          <p:nvPr>
+            <p:ph type="title"/>
+          </p:nvPr>
+        </p:nvSpPr>
+        <p:spPr>
+          <a:xfrm>
+            <a:off x="457200" y="2721339"/>
+            <a:ext cx="7620000" cy="1143000"/>
+          </a:xfrm>
+        </p:spPr>
+        <p:txBody>
+          <a:bodyPr/>
+          <a:lstStyle/>
+          <a:p>
+            <a:pPr algn="ctr"/>
+            <a:r>
+              <a:rPr lang="en-US" dirty="0" smtClean="0"/>
+              <a:t>JavaScript?  Really??</a:t>
+            </a:r>
+            <a:endParaRPr lang="en-US" dirty="0"/>
+          </a:p>
+        </p:txBody>
+      </p:sp>
+    </p:spTree>
+    <p:extLst>
+      <p:ext uri="{BB962C8B-B14F-4D97-AF65-F5344CB8AC3E}">
+        <p14:creationId xmlns:p14="http://schemas.microsoft.com/office/powerpoint/2010/main" val="8667354"/>
+      </p:ext>
+    </p:extLst>
+  </p:cSld>
+  <p:clrMapOvr>
+    <a:masterClrMapping/>
+  </p:clrMapOvr>
+  <p:timing>
+    <p:tnLst>
+      <p:par>
+        <p:cTn xmlns:p14="http://schemas.microsoft.com/office/powerpoint/2010/main" id="1" dur="indefinite" restart="never" nodeType="tmRoot"/>
+      </p:par>
+    </p:tnLst>
+  </p:timing>
+</p:sld>
+</file>
+
+<file path=ppt/slides/slide12.xml><?xml version="1.0" encoding="utf-8"?>
+<p:sld xmlns:a="http://schemas.openxmlformats.org/drawingml/2006/main" xmlns:r="http://schemas.openxmlformats.org/officeDocument/2006/relationships" xmlns:p="http://schemas.openxmlformats.org/presentationml/2006/main">
+  <p:cSld>
+    <p:spTree>
+      <p:nvGrpSpPr>
+        <p:cNvPr id="1" name=""/>
+        <p:cNvGrpSpPr/>
+        <p:nvPr/>
+      </p:nvGrpSpPr>
+      <p:grpSpPr>
+        <a:xfrm>
+          <a:off x="0" y="0"/>
+          <a:ext cx="0" cy="0"/>
+          <a:chOff x="0" y="0"/>
+          <a:chExt cx="0" cy="0"/>
+        </a:xfrm>
+      </p:grpSpPr>
+      <p:sp>
+        <p:nvSpPr>
+          <p:cNvPr id="2" name="Title 1"/>
+          <p:cNvSpPr>
+            <a:spLocks noGrp="1"/>
+          </p:cNvSpPr>
+          <p:nvPr>
+            <p:ph type="title"/>
+          </p:nvPr>
+        </p:nvSpPr>
+        <p:spPr/>
+        <p:txBody>
+          <a:bodyPr/>
+          <a:lstStyle/>
+          <a:p>
+            <a:r>
+              <a:rPr lang="en-US" dirty="0" smtClean="0"/>
+              <a:t>JavaScript – Really!</a:t>
+            </a:r>
+            <a:endParaRPr lang="en-US" dirty="0"/>
+          </a:p>
+        </p:txBody>
+      </p:sp>
+      <p:sp>
+        <p:nvSpPr>
+          <p:cNvPr id="3" name="Content Placeholder 2"/>
+          <p:cNvSpPr>
+            <a:spLocks noGrp="1"/>
+          </p:cNvSpPr>
+          <p:nvPr>
+            <p:ph idx="1"/>
+          </p:nvPr>
+        </p:nvSpPr>
+        <p:spPr/>
+        <p:txBody>
+          <a:bodyPr/>
+          <a:lstStyle/>
+          <a:p>
+            <a:r>
+              <a:rPr lang="en-US" dirty="0" smtClean="0"/>
+              <a:t>Designed to be used within an event loop (think browser)</a:t>
+            </a:r>
+          </a:p>
+          <a:p>
+            <a:r>
+              <a:rPr lang="en-US" dirty="0" smtClean="0"/>
+              <a:t>Language has anonymous functions and closures</a:t>
+            </a:r>
+          </a:p>
+          <a:p>
+            <a:r>
+              <a:rPr lang="en-US" dirty="0" smtClean="0"/>
+              <a:t>One callback at a time</a:t>
+            </a:r>
+          </a:p>
+          <a:p>
+            <a:r>
+              <a:rPr lang="en-US" dirty="0" smtClean="0"/>
+              <a:t>Already does evented I/O via DOM event callbacks</a:t>
+            </a:r>
+          </a:p>
+          <a:p>
+            <a:r>
+              <a:rPr lang="en-US" dirty="0" smtClean="0"/>
+              <a:t>JavaScript in </a:t>
+            </a:r>
+            <a:r>
+              <a:rPr lang="en-US" dirty="0" err="1" smtClean="0"/>
+              <a:t>node.js</a:t>
+            </a:r>
+            <a:endParaRPr lang="en-US" dirty="0" smtClean="0"/>
+          </a:p>
+          <a:p>
+            <a:pPr lvl="1"/>
+            <a:r>
+              <a:rPr lang="en-US" dirty="0" smtClean="0"/>
+              <a:t>Global scope is different – module concept is enforced with </a:t>
+            </a:r>
+            <a:r>
+              <a:rPr lang="en-US" dirty="0" err="1" smtClean="0"/>
+              <a:t>CommonJS</a:t>
+            </a:r>
+            <a:endParaRPr lang="en-US" dirty="0"/>
+          </a:p>
+          <a:p>
+            <a:pPr lvl="1"/>
+            <a:r>
+              <a:rPr lang="en-US" dirty="0" smtClean="0"/>
+              <a:t>C developers can extend the language</a:t>
+            </a:r>
+          </a:p>
+          <a:p>
+            <a:pPr lvl="2"/>
+            <a:r>
+              <a:rPr lang="en-US" dirty="0" smtClean="0"/>
+              <a:t>Proxies (not in ES3) are possible in node</a:t>
+            </a:r>
+          </a:p>
+          <a:p>
+            <a:pPr lvl="2"/>
+            <a:r>
+              <a:rPr lang="en-US" dirty="0" smtClean="0"/>
+              <a:t>Buffer class – makes it easier &amp; more efficient to deal with streams</a:t>
+            </a:r>
+          </a:p>
+          <a:p>
+            <a:pPr lvl="1"/>
+            <a:r>
+              <a:rPr lang="en-US" dirty="0" smtClean="0"/>
+              <a:t>And more….(check the docs)</a:t>
+            </a:r>
+          </a:p>
+          <a:p>
+            <a:r>
+              <a:rPr lang="en-US" dirty="0" smtClean="0"/>
+              <a:t>Oh – and you can use </a:t>
+            </a:r>
+            <a:r>
+              <a:rPr lang="en-US" dirty="0" err="1" smtClean="0"/>
+              <a:t>CoffeeScript</a:t>
+            </a:r>
+            <a:endParaRPr lang="en-US" dirty="0" smtClean="0"/>
+          </a:p>
+        </p:txBody>
+      </p:sp>
+    </p:spTree>
+    <p:extLst>
+      <p:ext uri="{BB962C8B-B14F-4D97-AF65-F5344CB8AC3E}">
+        <p14:creationId xmlns:p14="http://schemas.microsoft.com/office/powerpoint/2010/main" val="157441994"/>
+      </p:ext>
+    </p:extLst>
+  </p:cSld>
+  <p:clrMapOvr>
+    <a:masterClrMapping/>
+  </p:clrMapOvr>
+  <p:timing>
+    <p:tnLst>
+      <p:par>
+        <p:cTn xmlns:p14="http://schemas.microsoft.com/office/powerpoint/2010/main" id="1" dur="indefinite" restart="never" nodeType="tmRoot"/>
+      </p:par>
+    </p:tnLst>
+  </p:timing>
+</p:sld>
+</file>
+
+<file path=ppt/slides/slide13.xml><?xml version="1.0" encoding="utf-8"?>
+<p:sld xmlns:a="http://schemas.openxmlformats.org/drawingml/2006/main" xmlns:r="http://schemas.openxmlformats.org/officeDocument/2006/relationships" xmlns:p="http://schemas.openxmlformats.org/presentationml/2006/main">
+  <p:cSld>
+    <p:spTree>
+      <p:nvGrpSpPr>
+        <p:cNvPr id="1" name=""/>
+        <p:cNvGrpSpPr/>
+        <p:nvPr/>
+      </p:nvGrpSpPr>
+      <p:grpSpPr>
+        <a:xfrm>
+          <a:off x="0" y="0"/>
+          <a:ext cx="0" cy="0"/>
+          <a:chOff x="0" y="0"/>
+          <a:chExt cx="0" cy="0"/>
+        </a:xfrm>
+      </p:grpSpPr>
+      <p:sp>
+        <p:nvSpPr>
+          <p:cNvPr id="2" name="Title 1"/>
+          <p:cNvSpPr>
+            <a:spLocks noGrp="1"/>
+          </p:cNvSpPr>
+          <p:nvPr>
+            <p:ph type="title"/>
+          </p:nvPr>
+        </p:nvSpPr>
+        <p:spPr>
+          <a:xfrm>
+            <a:off x="457200" y="274638"/>
+            <a:ext cx="7620000" cy="892175"/>
+          </a:xfrm>
+        </p:spPr>
+        <p:txBody>
+          <a:bodyPr/>
+          <a:lstStyle/>
+          <a:p>
+            <a:r>
+              <a:rPr lang="en-US" dirty="0" smtClean="0"/>
+              <a:t>Example Module</a:t>
+            </a:r>
+            <a:endParaRPr lang="en-US" dirty="0"/>
+          </a:p>
+        </p:txBody>
+      </p:sp>
+      <p:pic>
+        <p:nvPicPr>
+          <p:cNvPr id="7" name="Content Placeholder 6" descr="httptelnet.js.tiff"/>
+          <p:cNvPicPr>
+            <a:picLocks noGrp="1" noChangeAspect="1"/>
+          </p:cNvPicPr>
+          <p:nvPr>
+            <p:ph idx="1"/>
+          </p:nvPr>
+        </p:nvPicPr>
+        <p:blipFill>
+          <a:blip r:embed="rId2">
+            <a:extLst>
+              <a:ext uri="{28A0092B-C50C-407E-A947-70E740481C1C}">
+                <a14:useLocalDpi xmlns:a14="http://schemas.microsoft.com/office/drawing/2010/main" val="0"/>
+              </a:ext>
+            </a:extLst>
+          </a:blip>
+          <a:srcRect t="-2996" b="-2996"/>
+          <a:stretch>
+            <a:fillRect/>
+          </a:stretch>
+        </p:blipFill>
+        <p:spPr>
+          <a:xfrm>
+            <a:off x="457200" y="1166813"/>
+            <a:ext cx="7620000" cy="5233987"/>
+          </a:xfrm>
+        </p:spPr>
+      </p:pic>
+    </p:spTree>
+    <p:extLst>
+      <p:ext uri="{BB962C8B-B14F-4D97-AF65-F5344CB8AC3E}">
+        <p14:creationId xmlns:p14="http://schemas.microsoft.com/office/powerpoint/2010/main" val="1940474265"/>
+      </p:ext>
+    </p:extLst>
+  </p:cSld>
+  <p:clrMapOvr>
+    <a:masterClrMapping/>
+  </p:clrMapOvr>
+  <p:timing>
+    <p:tnLst>
+      <p:par>
+        <p:cTn xmlns:p14="http://schemas.microsoft.com/office/powerpoint/2010/main" id="1" dur="indefinite" restart="never" nodeType="tmRoot"/>
+      </p:par>
+    </p:tnLst>
+  </p:timing>
+</p:sld>
+</file>
+
+<file path=ppt/slides/slide14.xml><?xml version="1.0" encoding="utf-8"?>
+<p:sld xmlns:a="http://schemas.openxmlformats.org/drawingml/2006/main" xmlns:r="http://schemas.openxmlformats.org/officeDocument/2006/relationships" xmlns:p="http://schemas.openxmlformats.org/presentationml/2006/main">
+  <p:cSld>
+    <p:spTree>
+      <p:nvGrpSpPr>
+        <p:cNvPr id="1" name=""/>
+        <p:cNvGrpSpPr/>
+        <p:nvPr/>
+      </p:nvGrpSpPr>
+      <p:grpSpPr>
+        <a:xfrm>
+          <a:off x="0" y="0"/>
+          <a:ext cx="0" cy="0"/>
+          <a:chOff x="0" y="0"/>
+          <a:chExt cx="0" cy="0"/>
+        </a:xfrm>
+      </p:grpSpPr>
+      <p:sp>
+        <p:nvSpPr>
+          <p:cNvPr id="2" name="Title 1"/>
+          <p:cNvSpPr>
+            <a:spLocks noGrp="1"/>
+          </p:cNvSpPr>
+          <p:nvPr>
+            <p:ph type="title"/>
+          </p:nvPr>
+        </p:nvSpPr>
+        <p:spPr>
+          <a:xfrm>
+            <a:off x="457200" y="354862"/>
+            <a:ext cx="7620000" cy="746578"/>
+          </a:xfrm>
+        </p:spPr>
+        <p:txBody>
+          <a:bodyPr/>
+          <a:lstStyle/>
+          <a:p>
+            <a:r>
+              <a:rPr lang="en-US" sz="3600" dirty="0" smtClean="0"/>
+              <a:t>Wait – let’s see that in </a:t>
+            </a:r>
+            <a:r>
+              <a:rPr lang="en-US" sz="3600" dirty="0" err="1" smtClean="0"/>
+              <a:t>CoffeeScript</a:t>
+            </a:r>
+            <a:endParaRPr lang="en-US" sz="3600" dirty="0"/>
+          </a:p>
+        </p:txBody>
+      </p:sp>
+      <p:pic>
+        <p:nvPicPr>
+          <p:cNvPr id="5" name="Content Placeholder 4" descr="httptelnet_coffee.tiff"/>
+          <p:cNvPicPr>
+            <a:picLocks noGrp="1" noChangeAspect="1"/>
+          </p:cNvPicPr>
+          <p:nvPr>
+            <p:ph idx="1"/>
+          </p:nvPr>
+        </p:nvPicPr>
+        <p:blipFill rotWithShape="1">
+          <a:blip r:embed="rId2">
+            <a:extLst>
+              <a:ext uri="{28A0092B-C50C-407E-A947-70E740481C1C}">
+                <a14:useLocalDpi xmlns:a14="http://schemas.microsoft.com/office/drawing/2010/main" val="0"/>
+              </a:ext>
+            </a:extLst>
+          </a:blip>
+          <a:srcRect t="1" b="-16653"/>
+          <a:stretch/>
+        </p:blipFill>
+        <p:spPr>
+          <a:xfrm>
+            <a:off x="457200" y="1154289"/>
+            <a:ext cx="7620000" cy="4800600"/>
+          </a:xfrm>
+        </p:spPr>
+      </p:pic>
+    </p:spTree>
+    <p:extLst>
+      <p:ext uri="{BB962C8B-B14F-4D97-AF65-F5344CB8AC3E}">
+        <p14:creationId xmlns:p14="http://schemas.microsoft.com/office/powerpoint/2010/main" val="532587385"/>
+      </p:ext>
+    </p:extLst>
+  </p:cSld>
+  <p:clrMapOvr>
+    <a:masterClrMapping/>
+  </p:clrMapOvr>
+  <p:timing>
+    <p:tnLst>
+      <p:par>
+        <p:cTn xmlns:p14="http://schemas.microsoft.com/office/powerpoint/2010/main" id="1" dur="indefinite" restart="never" nodeType="tmRoot"/>
+      </p:par>
+    </p:tnLst>
+  </p:timing>
+</p:sld>
+</file>
+
+<file path=ppt/slides/slide15.xml><?xml version="1.0" encoding="utf-8"?>
+<p:sld xmlns:a="http://schemas.openxmlformats.org/drawingml/2006/main" xmlns:r="http://schemas.openxmlformats.org/officeDocument/2006/relationships" xmlns:p="http://schemas.openxmlformats.org/presentationml/2006/main">
+  <p:cSld>
+    <p:spTree>
+      <p:nvGrpSpPr>
+        <p:cNvPr id="1" name=""/>
+        <p:cNvGrpSpPr/>
+        <p:nvPr/>
+      </p:nvGrpSpPr>
+      <p:grpSpPr>
+        <a:xfrm>
+          <a:off x="0" y="0"/>
+          <a:ext cx="0" cy="0"/>
+          <a:chOff x="0" y="0"/>
+          <a:chExt cx="0" cy="0"/>
+        </a:xfrm>
+      </p:grpSpPr>
+      <p:sp>
+        <p:nvSpPr>
+          <p:cNvPr id="2" name="Title 1"/>
+          <p:cNvSpPr>
+            <a:spLocks noGrp="1"/>
+          </p:cNvSpPr>
+          <p:nvPr>
+            <p:ph type="title"/>
+          </p:nvPr>
+        </p:nvSpPr>
+        <p:spPr/>
+        <p:txBody>
+          <a:bodyPr/>
+          <a:lstStyle/>
+          <a:p>
+            <a:r>
+              <a:rPr lang="en-US" sz="2800" dirty="0" smtClean="0"/>
+              <a:t>Great – It’s evented I/O.</a:t>
+            </a:r>
+            <a:br>
+              <a:rPr lang="en-US" sz="2800" dirty="0" smtClean="0"/>
+            </a:br>
+            <a:r>
+              <a:rPr lang="en-US" sz="2800" dirty="0" smtClean="0"/>
+              <a:t>What does that gain me, exactly?</a:t>
+            </a:r>
+            <a:endParaRPr lang="en-US" sz="2800" dirty="0"/>
+          </a:p>
+        </p:txBody>
+      </p:sp>
+      <p:sp>
+        <p:nvSpPr>
+          <p:cNvPr id="3" name="Content Placeholder 2"/>
+          <p:cNvSpPr>
+            <a:spLocks noGrp="1"/>
+          </p:cNvSpPr>
+          <p:nvPr>
+            <p:ph idx="1"/>
+          </p:nvPr>
+        </p:nvSpPr>
+        <p:spPr/>
+        <p:txBody>
+          <a:bodyPr>
+            <a:normAutofit/>
+          </a:bodyPr>
+          <a:lstStyle/>
+          <a:p>
+            <a:r>
+              <a:rPr lang="en-US" dirty="0" smtClean="0"/>
+              <a:t>Everything runs in parallel except your code.</a:t>
+            </a:r>
+          </a:p>
+          <a:p>
+            <a:pPr lvl="1"/>
+            <a:r>
+              <a:rPr lang="en-US" dirty="0" smtClean="0"/>
+              <a:t>HUH??!</a:t>
+            </a:r>
+          </a:p>
+          <a:p>
+            <a:r>
+              <a:rPr lang="en-US" dirty="0" smtClean="0"/>
+              <a:t>Node handles parallelization for you.</a:t>
+            </a:r>
+          </a:p>
+          <a:p>
+            <a:pPr lvl="1"/>
+            <a:r>
+              <a:rPr lang="en-US" dirty="0" smtClean="0"/>
+              <a:t>I/O is asynchronous unless you specifically call a synchronous method</a:t>
+            </a:r>
+          </a:p>
+          <a:p>
+            <a:pPr lvl="1"/>
+            <a:r>
+              <a:rPr lang="en-US" dirty="0" smtClean="0"/>
+              <a:t>It’s possible to spawn child processes using the “</a:t>
+            </a:r>
+            <a:r>
+              <a:rPr lang="en-US" dirty="0" err="1" smtClean="0"/>
+              <a:t>child_process</a:t>
+            </a:r>
+            <a:r>
+              <a:rPr lang="en-US" dirty="0" smtClean="0"/>
+              <a:t>” module.</a:t>
+            </a:r>
+          </a:p>
+          <a:p>
+            <a:r>
+              <a:rPr lang="en-US" dirty="0" smtClean="0"/>
+              <a:t>You get to focus on the problem you set out </a:t>
+            </a:r>
+            <a:r>
+              <a:rPr lang="en-US" smtClean="0"/>
+              <a:t>to solve.</a:t>
+            </a:r>
+            <a:endParaRPr lang="en-US" dirty="0" smtClean="0"/>
+          </a:p>
+        </p:txBody>
+      </p:sp>
+    </p:spTree>
+    <p:extLst>
+      <p:ext uri="{BB962C8B-B14F-4D97-AF65-F5344CB8AC3E}">
+        <p14:creationId xmlns:p14="http://schemas.microsoft.com/office/powerpoint/2010/main" val="198690127"/>
+      </p:ext>
+    </p:extLst>
+  </p:cSld>
+  <p:clrMapOvr>
+    <a:masterClrMapping/>
+  </p:clrMapOvr>
+  <p:timing>
+    <p:tnLst>
+      <p:par>
+        <p:cTn xmlns:p14="http://schemas.microsoft.com/office/powerpoint/2010/main" id="1" dur="indefinite" restart="never" nodeType="tmRoot"/>
+      </p:par>
+    </p:tnLst>
+  </p:timing>
+</p:sld>
+</file>
+
 <file path=ppt/slides/slide2.xml><?xml version="1.0" encoding="utf-8"?>
 <p:sld xmlns:a="http://schemas.openxmlformats.org/drawingml/2006/main" xmlns:r="http://schemas.openxmlformats.org/officeDocument/2006/relationships" xmlns:p="http://schemas.openxmlformats.org/presentationml/2006/main">
   <p:cSld>
@@ -3676,6 +5961,501 @@
           </a:p>
         </p:txBody>
       </p:sp>
+      <p:sp>
+        <p:nvSpPr>
+          <p:cNvPr id="41" name="Cloud Callout 40"/>
+          <p:cNvSpPr/>
+          <p:nvPr/>
+        </p:nvSpPr>
+        <p:spPr>
+          <a:xfrm>
+            <a:off x="4239344" y="2642807"/>
+            <a:ext cx="2325100" cy="1036579"/>
+          </a:xfrm>
+          <a:prstGeom prst="cloudCallout">
+            <a:avLst>
+              <a:gd name="adj1" fmla="val -25157"/>
+              <a:gd name="adj2" fmla="val 72410"/>
+            </a:avLst>
+          </a:prstGeom>
+        </p:spPr>
+        <p:style>
+          <a:lnRef idx="2">
+            <a:schemeClr val="accent2">
+              <a:shade val="50000"/>
+            </a:schemeClr>
+          </a:lnRef>
+          <a:fillRef idx="1">
+            <a:schemeClr val="accent2"/>
+          </a:fillRef>
+          <a:effectRef idx="0">
+            <a:schemeClr val="accent2"/>
+          </a:effectRef>
+          <a:fontRef idx="minor">
+            <a:schemeClr val="lt1"/>
+          </a:fontRef>
+        </p:style>
+        <p:txBody>
+          <a:bodyPr rtlCol="0" anchor="ctr"/>
+          <a:lstStyle/>
+          <a:p>
+            <a:pPr algn="ctr"/>
+            <a:r>
+              <a:rPr lang="en-US" sz="1600" dirty="0" smtClean="0"/>
+              <a:t>Hmmm…this is a boring diagram</a:t>
+            </a:r>
+            <a:endParaRPr lang="en-US" sz="1600" dirty="0"/>
+          </a:p>
+        </p:txBody>
+      </p:sp>
+    </p:spTree>
+    <p:extLst>
+      <p:ext uri="{BB962C8B-B14F-4D97-AF65-F5344CB8AC3E}">
+        <p14:creationId xmlns:p14="http://schemas.microsoft.com/office/powerpoint/2010/main" val="3359136435"/>
+      </p:ext>
+    </p:extLst>
+  </p:cSld>
+  <p:clrMapOvr>
+    <a:masterClrMapping/>
+  </p:clrMapOvr>
+  <p:timing>
+    <p:tnLst>
+      <p:par>
+        <p:cTn xmlns:p14="http://schemas.microsoft.com/office/powerpoint/2010/main" id="1" dur="indefinite" restart="never" nodeType="tmRoot"/>
+      </p:par>
+    </p:tnLst>
+  </p:timing>
+</p:sld>
+</file>
+
+<file path=ppt/slides/slide4.xml><?xml version="1.0" encoding="utf-8"?>
+<p:sld xmlns:a="http://schemas.openxmlformats.org/drawingml/2006/main" xmlns:r="http://schemas.openxmlformats.org/officeDocument/2006/relationships" xmlns:p="http://schemas.openxmlformats.org/presentationml/2006/main">
+  <p:cSld>
+    <p:spTree>
+      <p:nvGrpSpPr>
+        <p:cNvPr id="1" name=""/>
+        <p:cNvGrpSpPr/>
+        <p:nvPr/>
+      </p:nvGrpSpPr>
+      <p:grpSpPr>
+        <a:xfrm>
+          <a:off x="0" y="0"/>
+          <a:ext cx="0" cy="0"/>
+          <a:chOff x="0" y="0"/>
+          <a:chExt cx="0" cy="0"/>
+        </a:xfrm>
+      </p:grpSpPr>
+      <p:sp>
+        <p:nvSpPr>
+          <p:cNvPr id="2" name="Title 1"/>
+          <p:cNvSpPr>
+            <a:spLocks noGrp="1"/>
+          </p:cNvSpPr>
+          <p:nvPr>
+            <p:ph type="title"/>
+          </p:nvPr>
+        </p:nvSpPr>
+        <p:spPr/>
+        <p:txBody>
+          <a:bodyPr/>
+          <a:lstStyle/>
+          <a:p>
+            <a:r>
+              <a:rPr lang="en-US" dirty="0" smtClean="0"/>
+              <a:t>What is an Event Loop?</a:t>
+            </a:r>
+            <a:endParaRPr lang="en-US" dirty="0"/>
+          </a:p>
+        </p:txBody>
+      </p:sp>
+      <p:cxnSp>
+        <p:nvCxnSpPr>
+          <p:cNvPr id="5" name="Straight Arrow Connector 4"/>
+          <p:cNvCxnSpPr/>
+          <p:nvPr/>
+        </p:nvCxnSpPr>
+        <p:spPr>
+          <a:xfrm>
+            <a:off x="485468" y="4000500"/>
+            <a:ext cx="7563810" cy="0"/>
+          </a:xfrm>
+          <a:prstGeom prst="straightConnector1">
+            <a:avLst/>
+          </a:prstGeom>
+          <a:ln w="76200" cmpd="sng">
+            <a:tailEnd type="arrow"/>
+          </a:ln>
+        </p:spPr>
+        <p:style>
+          <a:lnRef idx="2">
+            <a:schemeClr val="dk1"/>
+          </a:lnRef>
+          <a:fillRef idx="0">
+            <a:schemeClr val="dk1"/>
+          </a:fillRef>
+          <a:effectRef idx="1">
+            <a:schemeClr val="dk1"/>
+          </a:effectRef>
+          <a:fontRef idx="minor">
+            <a:schemeClr val="tx1"/>
+          </a:fontRef>
+        </p:style>
+      </p:cxnSp>
+      <p:sp>
+        <p:nvSpPr>
+          <p:cNvPr id="11" name="TextBox 10"/>
+          <p:cNvSpPr txBox="1"/>
+          <p:nvPr/>
+        </p:nvSpPr>
+        <p:spPr>
+          <a:xfrm>
+            <a:off x="3473647" y="4000500"/>
+            <a:ext cx="1363312" cy="369332"/>
+          </a:xfrm>
+          <a:prstGeom prst="rect">
+            <a:avLst/>
+          </a:prstGeom>
+          <a:noFill/>
+        </p:spPr>
+        <p:txBody>
+          <a:bodyPr wrap="square" rtlCol="0">
+            <a:spAutoFit/>
+          </a:bodyPr>
+          <a:lstStyle/>
+          <a:p>
+            <a:pPr algn="ctr"/>
+            <a:r>
+              <a:rPr lang="en-US" dirty="0" smtClean="0"/>
+              <a:t>Event Loop</a:t>
+            </a:r>
+          </a:p>
+        </p:txBody>
+      </p:sp>
+      <p:sp>
+        <p:nvSpPr>
+          <p:cNvPr id="12" name="Rounded Rectangle 11"/>
+          <p:cNvSpPr/>
+          <p:nvPr/>
+        </p:nvSpPr>
+        <p:spPr>
+          <a:xfrm>
+            <a:off x="1515377" y="1858372"/>
+            <a:ext cx="1167220" cy="719069"/>
+          </a:xfrm>
+          <a:prstGeom prst="roundRect">
+            <a:avLst/>
+          </a:prstGeom>
+        </p:spPr>
+        <p:style>
+          <a:lnRef idx="1">
+            <a:schemeClr val="accent1"/>
+          </a:lnRef>
+          <a:fillRef idx="3">
+            <a:schemeClr val="accent1"/>
+          </a:fillRef>
+          <a:effectRef idx="2">
+            <a:schemeClr val="accent1"/>
+          </a:effectRef>
+          <a:fontRef idx="minor">
+            <a:schemeClr val="lt1"/>
+          </a:fontRef>
+        </p:style>
+        <p:txBody>
+          <a:bodyPr rtlCol="0" anchor="ctr"/>
+          <a:lstStyle/>
+          <a:p>
+            <a:pPr algn="ctr"/>
+            <a:r>
+              <a:rPr lang="en-US" sz="2000" dirty="0" smtClean="0"/>
+              <a:t>Client A</a:t>
+            </a:r>
+            <a:endParaRPr lang="en-US" sz="2000" dirty="0"/>
+          </a:p>
+        </p:txBody>
+      </p:sp>
+      <p:sp>
+        <p:nvSpPr>
+          <p:cNvPr id="41" name="Cloud Callout 40"/>
+          <p:cNvSpPr/>
+          <p:nvPr/>
+        </p:nvSpPr>
+        <p:spPr>
+          <a:xfrm>
+            <a:off x="4239344" y="2642807"/>
+            <a:ext cx="2325100" cy="1036579"/>
+          </a:xfrm>
+          <a:prstGeom prst="cloudCallout">
+            <a:avLst>
+              <a:gd name="adj1" fmla="val -25157"/>
+              <a:gd name="adj2" fmla="val 72410"/>
+            </a:avLst>
+          </a:prstGeom>
+        </p:spPr>
+        <p:style>
+          <a:lnRef idx="2">
+            <a:schemeClr val="accent2">
+              <a:shade val="50000"/>
+            </a:schemeClr>
+          </a:lnRef>
+          <a:fillRef idx="1">
+            <a:schemeClr val="accent2"/>
+          </a:fillRef>
+          <a:effectRef idx="0">
+            <a:schemeClr val="accent2"/>
+          </a:effectRef>
+          <a:fontRef idx="minor">
+            <a:schemeClr val="lt1"/>
+          </a:fontRef>
+        </p:style>
+        <p:txBody>
+          <a:bodyPr rtlCol="0" anchor="ctr"/>
+          <a:lstStyle/>
+          <a:p>
+            <a:pPr algn="ctr"/>
+            <a:r>
+              <a:rPr lang="en-US" sz="1600" dirty="0" smtClean="0"/>
+              <a:t>Wait – what’s this?  Activity!</a:t>
+            </a:r>
+            <a:endParaRPr lang="en-US" sz="1600" dirty="0"/>
+          </a:p>
+        </p:txBody>
+      </p:sp>
+      <p:cxnSp>
+        <p:nvCxnSpPr>
+          <p:cNvPr id="42" name="Straight Arrow Connector 41"/>
+          <p:cNvCxnSpPr/>
+          <p:nvPr/>
+        </p:nvCxnSpPr>
+        <p:spPr>
+          <a:xfrm>
+            <a:off x="2141429" y="2642811"/>
+            <a:ext cx="0" cy="1260704"/>
+          </a:xfrm>
+          <a:prstGeom prst="straightConnector1">
+            <a:avLst/>
+          </a:prstGeom>
+          <a:ln>
+            <a:tailEnd type="arrow"/>
+          </a:ln>
+        </p:spPr>
+        <p:style>
+          <a:lnRef idx="2">
+            <a:schemeClr val="accent1"/>
+          </a:lnRef>
+          <a:fillRef idx="0">
+            <a:schemeClr val="accent1"/>
+          </a:fillRef>
+          <a:effectRef idx="1">
+            <a:schemeClr val="accent1"/>
+          </a:effectRef>
+          <a:fontRef idx="minor">
+            <a:schemeClr val="tx1"/>
+          </a:fontRef>
+        </p:style>
+      </p:cxnSp>
+      <p:sp>
+        <p:nvSpPr>
+          <p:cNvPr id="43" name="TextBox 42"/>
+          <p:cNvSpPr txBox="1"/>
+          <p:nvPr/>
+        </p:nvSpPr>
+        <p:spPr>
+          <a:xfrm>
+            <a:off x="391508" y="2998139"/>
+            <a:ext cx="1995069" cy="307777"/>
+          </a:xfrm>
+          <a:prstGeom prst="rect">
+            <a:avLst/>
+          </a:prstGeom>
+          <a:noFill/>
+        </p:spPr>
+        <p:txBody>
+          <a:bodyPr wrap="square" rtlCol="0">
+            <a:spAutoFit/>
+          </a:bodyPr>
+          <a:lstStyle/>
+          <a:p>
+            <a:r>
+              <a:rPr lang="en-US" sz="1400" dirty="0" err="1"/>
+              <a:t>R</a:t>
+            </a:r>
+            <a:r>
+              <a:rPr lang="en-US" sz="1400" dirty="0" err="1" smtClean="0"/>
+              <a:t>eadFile</a:t>
+            </a:r>
+            <a:r>
+              <a:rPr lang="en-US" sz="1400" dirty="0" smtClean="0"/>
+              <a:t>(callback);</a:t>
+            </a:r>
+            <a:endParaRPr lang="en-US" sz="1400" dirty="0"/>
+          </a:p>
+        </p:txBody>
+      </p:sp>
+    </p:spTree>
+    <p:extLst>
+      <p:ext uri="{BB962C8B-B14F-4D97-AF65-F5344CB8AC3E}">
+        <p14:creationId xmlns:p14="http://schemas.microsoft.com/office/powerpoint/2010/main" val="2636722769"/>
+      </p:ext>
+    </p:extLst>
+  </p:cSld>
+  <p:clrMapOvr>
+    <a:masterClrMapping/>
+  </p:clrMapOvr>
+  <p:timing>
+    <p:tnLst>
+      <p:par>
+        <p:cTn xmlns:p14="http://schemas.microsoft.com/office/powerpoint/2010/main" id="1" dur="indefinite" restart="never" nodeType="tmRoot"/>
+      </p:par>
+    </p:tnLst>
+  </p:timing>
+</p:sld>
+</file>
+
+<file path=ppt/slides/slide5.xml><?xml version="1.0" encoding="utf-8"?>
+<p:sld xmlns:a="http://schemas.openxmlformats.org/drawingml/2006/main" xmlns:r="http://schemas.openxmlformats.org/officeDocument/2006/relationships" xmlns:p="http://schemas.openxmlformats.org/presentationml/2006/main">
+  <p:cSld>
+    <p:spTree>
+      <p:nvGrpSpPr>
+        <p:cNvPr id="1" name=""/>
+        <p:cNvGrpSpPr/>
+        <p:nvPr/>
+      </p:nvGrpSpPr>
+      <p:grpSpPr>
+        <a:xfrm>
+          <a:off x="0" y="0"/>
+          <a:ext cx="0" cy="0"/>
+          <a:chOff x="0" y="0"/>
+          <a:chExt cx="0" cy="0"/>
+        </a:xfrm>
+      </p:grpSpPr>
+      <p:sp>
+        <p:nvSpPr>
+          <p:cNvPr id="2" name="Title 1"/>
+          <p:cNvSpPr>
+            <a:spLocks noGrp="1"/>
+          </p:cNvSpPr>
+          <p:nvPr>
+            <p:ph type="title"/>
+          </p:nvPr>
+        </p:nvSpPr>
+        <p:spPr/>
+        <p:txBody>
+          <a:bodyPr/>
+          <a:lstStyle/>
+          <a:p>
+            <a:r>
+              <a:rPr lang="en-US" dirty="0" smtClean="0"/>
+              <a:t>What is an Event Loop?</a:t>
+            </a:r>
+            <a:endParaRPr lang="en-US" dirty="0"/>
+          </a:p>
+        </p:txBody>
+      </p:sp>
+      <p:cxnSp>
+        <p:nvCxnSpPr>
+          <p:cNvPr id="5" name="Straight Arrow Connector 4"/>
+          <p:cNvCxnSpPr/>
+          <p:nvPr/>
+        </p:nvCxnSpPr>
+        <p:spPr>
+          <a:xfrm>
+            <a:off x="485468" y="4000500"/>
+            <a:ext cx="7563810" cy="0"/>
+          </a:xfrm>
+          <a:prstGeom prst="straightConnector1">
+            <a:avLst/>
+          </a:prstGeom>
+          <a:ln w="76200" cmpd="sng">
+            <a:tailEnd type="arrow"/>
+          </a:ln>
+        </p:spPr>
+        <p:style>
+          <a:lnRef idx="2">
+            <a:schemeClr val="dk1"/>
+          </a:lnRef>
+          <a:fillRef idx="0">
+            <a:schemeClr val="dk1"/>
+          </a:fillRef>
+          <a:effectRef idx="1">
+            <a:schemeClr val="dk1"/>
+          </a:effectRef>
+          <a:fontRef idx="minor">
+            <a:schemeClr val="tx1"/>
+          </a:fontRef>
+        </p:style>
+      </p:cxnSp>
+      <p:sp>
+        <p:nvSpPr>
+          <p:cNvPr id="11" name="TextBox 10"/>
+          <p:cNvSpPr txBox="1"/>
+          <p:nvPr/>
+        </p:nvSpPr>
+        <p:spPr>
+          <a:xfrm>
+            <a:off x="3473647" y="4000500"/>
+            <a:ext cx="1363312" cy="369332"/>
+          </a:xfrm>
+          <a:prstGeom prst="rect">
+            <a:avLst/>
+          </a:prstGeom>
+          <a:noFill/>
+        </p:spPr>
+        <p:txBody>
+          <a:bodyPr wrap="square" rtlCol="0">
+            <a:spAutoFit/>
+          </a:bodyPr>
+          <a:lstStyle/>
+          <a:p>
+            <a:pPr algn="ctr"/>
+            <a:r>
+              <a:rPr lang="en-US" dirty="0" smtClean="0"/>
+              <a:t>Event Loop</a:t>
+            </a:r>
+          </a:p>
+        </p:txBody>
+      </p:sp>
+      <p:sp>
+        <p:nvSpPr>
+          <p:cNvPr id="12" name="Rounded Rectangle 11"/>
+          <p:cNvSpPr/>
+          <p:nvPr/>
+        </p:nvSpPr>
+        <p:spPr>
+          <a:xfrm>
+            <a:off x="1515377" y="1858372"/>
+            <a:ext cx="1167220" cy="719069"/>
+          </a:xfrm>
+          <a:prstGeom prst="roundRect">
+            <a:avLst/>
+          </a:prstGeom>
+        </p:spPr>
+        <p:style>
+          <a:lnRef idx="1">
+            <a:schemeClr val="accent1"/>
+          </a:lnRef>
+          <a:fillRef idx="3">
+            <a:schemeClr val="accent1"/>
+          </a:fillRef>
+          <a:effectRef idx="2">
+            <a:schemeClr val="accent1"/>
+          </a:effectRef>
+          <a:fontRef idx="minor">
+            <a:schemeClr val="lt1"/>
+          </a:fontRef>
+        </p:style>
+        <p:txBody>
+          <a:bodyPr rtlCol="0" anchor="ctr"/>
+          <a:lstStyle/>
+          <a:p>
+            <a:pPr algn="ctr"/>
+            <a:r>
+              <a:rPr lang="en-US" sz="2000" dirty="0" smtClean="0"/>
+              <a:t>Client A</a:t>
+            </a:r>
+            <a:endParaRPr lang="en-US" sz="2000" dirty="0"/>
+          </a:p>
+        </p:txBody>
+      </p:sp>
       <p:cxnSp>
         <p:nvCxnSpPr>
           <p:cNvPr id="14" name="Straight Arrow Connector 13"/>
@@ -3826,6 +6606,417 @@
           </a:p>
         </p:txBody>
       </p:sp>
+      <p:sp>
+        <p:nvSpPr>
+          <p:cNvPr id="38" name="Line Callout 1 37"/>
+          <p:cNvSpPr/>
+          <p:nvPr/>
+        </p:nvSpPr>
+        <p:spPr>
+          <a:xfrm>
+            <a:off x="789669" y="4678619"/>
+            <a:ext cx="1425025" cy="754309"/>
+          </a:xfrm>
+          <a:prstGeom prst="borderCallout1">
+            <a:avLst>
+              <a:gd name="adj1" fmla="val 10441"/>
+              <a:gd name="adj2" fmla="val 78205"/>
+              <a:gd name="adj3" fmla="val -91268"/>
+              <a:gd name="adj4" fmla="val 97596"/>
+            </a:avLst>
+          </a:prstGeom>
+        </p:spPr>
+        <p:style>
+          <a:lnRef idx="2">
+            <a:schemeClr val="accent3">
+              <a:shade val="50000"/>
+            </a:schemeClr>
+          </a:lnRef>
+          <a:fillRef idx="1">
+            <a:schemeClr val="accent3"/>
+          </a:fillRef>
+          <a:effectRef idx="0">
+            <a:schemeClr val="accent3"/>
+          </a:effectRef>
+          <a:fontRef idx="minor">
+            <a:schemeClr val="lt1"/>
+          </a:fontRef>
+        </p:style>
+        <p:txBody>
+          <a:bodyPr rtlCol="0" anchor="ctr"/>
+          <a:lstStyle/>
+          <a:p>
+            <a:pPr algn="ctr"/>
+            <a:r>
+              <a:rPr lang="en-US" sz="1200" dirty="0" smtClean="0"/>
+              <a:t>I/O operations dispatched to OS thread</a:t>
+            </a:r>
+            <a:endParaRPr lang="en-US" sz="1200" dirty="0"/>
+          </a:p>
+        </p:txBody>
+      </p:sp>
+      <p:sp>
+        <p:nvSpPr>
+          <p:cNvPr id="17" name="Cloud Callout 16"/>
+          <p:cNvSpPr/>
+          <p:nvPr/>
+        </p:nvSpPr>
+        <p:spPr>
+          <a:xfrm>
+            <a:off x="4239344" y="2642807"/>
+            <a:ext cx="2325100" cy="1036579"/>
+          </a:xfrm>
+          <a:prstGeom prst="cloudCallout">
+            <a:avLst>
+              <a:gd name="adj1" fmla="val -25157"/>
+              <a:gd name="adj2" fmla="val 72410"/>
+            </a:avLst>
+          </a:prstGeom>
+        </p:spPr>
+        <p:style>
+          <a:lnRef idx="2">
+            <a:schemeClr val="accent2">
+              <a:shade val="50000"/>
+            </a:schemeClr>
+          </a:lnRef>
+          <a:fillRef idx="1">
+            <a:schemeClr val="accent2"/>
+          </a:fillRef>
+          <a:effectRef idx="0">
+            <a:schemeClr val="accent2"/>
+          </a:effectRef>
+          <a:fontRef idx="minor">
+            <a:schemeClr val="lt1"/>
+          </a:fontRef>
+        </p:style>
+        <p:txBody>
+          <a:bodyPr rtlCol="0" anchor="ctr"/>
+          <a:lstStyle/>
+          <a:p>
+            <a:pPr algn="ctr"/>
+            <a:r>
+              <a:rPr lang="en-US" sz="1600" dirty="0" smtClean="0"/>
+              <a:t>Ok – bored again.</a:t>
+            </a:r>
+            <a:endParaRPr lang="en-US" sz="1600" dirty="0"/>
+          </a:p>
+        </p:txBody>
+      </p:sp>
+    </p:spTree>
+    <p:extLst>
+      <p:ext uri="{BB962C8B-B14F-4D97-AF65-F5344CB8AC3E}">
+        <p14:creationId xmlns:p14="http://schemas.microsoft.com/office/powerpoint/2010/main" val="3187178865"/>
+      </p:ext>
+    </p:extLst>
+  </p:cSld>
+  <p:clrMapOvr>
+    <a:masterClrMapping/>
+  </p:clrMapOvr>
+  <p:timing>
+    <p:tnLst>
+      <p:par>
+        <p:cTn xmlns:p14="http://schemas.microsoft.com/office/powerpoint/2010/main" id="1" dur="indefinite" restart="never" nodeType="tmRoot"/>
+      </p:par>
+    </p:tnLst>
+  </p:timing>
+</p:sld>
+</file>
+
+<file path=ppt/slides/slide6.xml><?xml version="1.0" encoding="utf-8"?>
+<p:sld xmlns:a="http://schemas.openxmlformats.org/drawingml/2006/main" xmlns:r="http://schemas.openxmlformats.org/officeDocument/2006/relationships" xmlns:p="http://schemas.openxmlformats.org/presentationml/2006/main">
+  <p:cSld>
+    <p:spTree>
+      <p:nvGrpSpPr>
+        <p:cNvPr id="1" name=""/>
+        <p:cNvGrpSpPr/>
+        <p:nvPr/>
+      </p:nvGrpSpPr>
+      <p:grpSpPr>
+        <a:xfrm>
+          <a:off x="0" y="0"/>
+          <a:ext cx="0" cy="0"/>
+          <a:chOff x="0" y="0"/>
+          <a:chExt cx="0" cy="0"/>
+        </a:xfrm>
+      </p:grpSpPr>
+      <p:sp>
+        <p:nvSpPr>
+          <p:cNvPr id="2" name="Title 1"/>
+          <p:cNvSpPr>
+            <a:spLocks noGrp="1"/>
+          </p:cNvSpPr>
+          <p:nvPr>
+            <p:ph type="title"/>
+          </p:nvPr>
+        </p:nvSpPr>
+        <p:spPr/>
+        <p:txBody>
+          <a:bodyPr/>
+          <a:lstStyle/>
+          <a:p>
+            <a:r>
+              <a:rPr lang="en-US" dirty="0" smtClean="0"/>
+              <a:t>What is an Event Loop?</a:t>
+            </a:r>
+            <a:endParaRPr lang="en-US" dirty="0"/>
+          </a:p>
+        </p:txBody>
+      </p:sp>
+      <p:cxnSp>
+        <p:nvCxnSpPr>
+          <p:cNvPr id="5" name="Straight Arrow Connector 4"/>
+          <p:cNvCxnSpPr/>
+          <p:nvPr/>
+        </p:nvCxnSpPr>
+        <p:spPr>
+          <a:xfrm>
+            <a:off x="485468" y="4000500"/>
+            <a:ext cx="7563810" cy="0"/>
+          </a:xfrm>
+          <a:prstGeom prst="straightConnector1">
+            <a:avLst/>
+          </a:prstGeom>
+          <a:ln w="76200" cmpd="sng">
+            <a:tailEnd type="arrow"/>
+          </a:ln>
+        </p:spPr>
+        <p:style>
+          <a:lnRef idx="2">
+            <a:schemeClr val="dk1"/>
+          </a:lnRef>
+          <a:fillRef idx="0">
+            <a:schemeClr val="dk1"/>
+          </a:fillRef>
+          <a:effectRef idx="1">
+            <a:schemeClr val="dk1"/>
+          </a:effectRef>
+          <a:fontRef idx="minor">
+            <a:schemeClr val="tx1"/>
+          </a:fontRef>
+        </p:style>
+      </p:cxnSp>
+      <p:sp>
+        <p:nvSpPr>
+          <p:cNvPr id="11" name="TextBox 10"/>
+          <p:cNvSpPr txBox="1"/>
+          <p:nvPr/>
+        </p:nvSpPr>
+        <p:spPr>
+          <a:xfrm>
+            <a:off x="3473647" y="4000500"/>
+            <a:ext cx="1363312" cy="369332"/>
+          </a:xfrm>
+          <a:prstGeom prst="rect">
+            <a:avLst/>
+          </a:prstGeom>
+          <a:noFill/>
+        </p:spPr>
+        <p:txBody>
+          <a:bodyPr wrap="square" rtlCol="0">
+            <a:spAutoFit/>
+          </a:bodyPr>
+          <a:lstStyle/>
+          <a:p>
+            <a:pPr algn="ctr"/>
+            <a:r>
+              <a:rPr lang="en-US" dirty="0" smtClean="0"/>
+              <a:t>Event Loop</a:t>
+            </a:r>
+          </a:p>
+        </p:txBody>
+      </p:sp>
+      <p:sp>
+        <p:nvSpPr>
+          <p:cNvPr id="12" name="Rounded Rectangle 11"/>
+          <p:cNvSpPr/>
+          <p:nvPr/>
+        </p:nvSpPr>
+        <p:spPr>
+          <a:xfrm>
+            <a:off x="1515377" y="1858372"/>
+            <a:ext cx="1167220" cy="719069"/>
+          </a:xfrm>
+          <a:prstGeom prst="roundRect">
+            <a:avLst/>
+          </a:prstGeom>
+        </p:spPr>
+        <p:style>
+          <a:lnRef idx="1">
+            <a:schemeClr val="accent1"/>
+          </a:lnRef>
+          <a:fillRef idx="3">
+            <a:schemeClr val="accent1"/>
+          </a:fillRef>
+          <a:effectRef idx="2">
+            <a:schemeClr val="accent1"/>
+          </a:effectRef>
+          <a:fontRef idx="minor">
+            <a:schemeClr val="lt1"/>
+          </a:fontRef>
+        </p:style>
+        <p:txBody>
+          <a:bodyPr rtlCol="0" anchor="ctr"/>
+          <a:lstStyle/>
+          <a:p>
+            <a:pPr algn="ctr"/>
+            <a:r>
+              <a:rPr lang="en-US" sz="2000" dirty="0" smtClean="0"/>
+              <a:t>Client A</a:t>
+            </a:r>
+            <a:endParaRPr lang="en-US" sz="2000" dirty="0"/>
+          </a:p>
+        </p:txBody>
+      </p:sp>
+      <p:cxnSp>
+        <p:nvCxnSpPr>
+          <p:cNvPr id="14" name="Straight Arrow Connector 13"/>
+          <p:cNvCxnSpPr/>
+          <p:nvPr/>
+        </p:nvCxnSpPr>
+        <p:spPr>
+          <a:xfrm>
+            <a:off x="2141429" y="2642811"/>
+            <a:ext cx="0" cy="1260704"/>
+          </a:xfrm>
+          <a:prstGeom prst="straightConnector1">
+            <a:avLst/>
+          </a:prstGeom>
+          <a:ln>
+            <a:tailEnd type="arrow"/>
+          </a:ln>
+        </p:spPr>
+        <p:style>
+          <a:lnRef idx="2">
+            <a:schemeClr val="accent1"/>
+          </a:lnRef>
+          <a:fillRef idx="0">
+            <a:schemeClr val="accent1"/>
+          </a:fillRef>
+          <a:effectRef idx="1">
+            <a:schemeClr val="accent1"/>
+          </a:effectRef>
+          <a:fontRef idx="minor">
+            <a:schemeClr val="tx1"/>
+          </a:fontRef>
+        </p:style>
+      </p:cxnSp>
+      <p:sp>
+        <p:nvSpPr>
+          <p:cNvPr id="19" name="TextBox 18"/>
+          <p:cNvSpPr txBox="1"/>
+          <p:nvPr/>
+        </p:nvSpPr>
+        <p:spPr>
+          <a:xfrm>
+            <a:off x="391508" y="2998139"/>
+            <a:ext cx="1995069" cy="307777"/>
+          </a:xfrm>
+          <a:prstGeom prst="rect">
+            <a:avLst/>
+          </a:prstGeom>
+          <a:noFill/>
+        </p:spPr>
+        <p:txBody>
+          <a:bodyPr wrap="square" rtlCol="0">
+            <a:spAutoFit/>
+          </a:bodyPr>
+          <a:lstStyle/>
+          <a:p>
+            <a:r>
+              <a:rPr lang="en-US" sz="1400" dirty="0" err="1"/>
+              <a:t>R</a:t>
+            </a:r>
+            <a:r>
+              <a:rPr lang="en-US" sz="1400" dirty="0" err="1" smtClean="0"/>
+              <a:t>eadFile</a:t>
+            </a:r>
+            <a:r>
+              <a:rPr lang="en-US" sz="1400" dirty="0" smtClean="0"/>
+              <a:t>(callback);</a:t>
+            </a:r>
+            <a:endParaRPr lang="en-US" sz="1400" dirty="0"/>
+          </a:p>
+        </p:txBody>
+      </p:sp>
+      <p:cxnSp>
+        <p:nvCxnSpPr>
+          <p:cNvPr id="21" name="Curved Connector 20"/>
+          <p:cNvCxnSpPr>
+            <a:endCxn id="26" idx="1"/>
+          </p:cNvCxnSpPr>
+          <p:nvPr/>
+        </p:nvCxnSpPr>
+        <p:spPr>
+          <a:xfrm flipV="1">
+            <a:off x="2253501" y="3317999"/>
+            <a:ext cx="744793" cy="585516"/>
+          </a:xfrm>
+          <a:prstGeom prst="curvedConnector3">
+            <a:avLst>
+              <a:gd name="adj1" fmla="val 50000"/>
+            </a:avLst>
+          </a:prstGeom>
+          <a:ln>
+            <a:tailEnd type="arrow"/>
+          </a:ln>
+        </p:spPr>
+        <p:style>
+          <a:lnRef idx="2">
+            <a:schemeClr val="accent1"/>
+          </a:lnRef>
+          <a:fillRef idx="0">
+            <a:schemeClr val="accent1"/>
+          </a:fillRef>
+          <a:effectRef idx="1">
+            <a:schemeClr val="accent1"/>
+          </a:effectRef>
+          <a:fontRef idx="minor">
+            <a:schemeClr val="tx1"/>
+          </a:fontRef>
+        </p:style>
+      </p:cxnSp>
+      <p:sp>
+        <p:nvSpPr>
+          <p:cNvPr id="26" name="Rounded Rectangle 25"/>
+          <p:cNvSpPr/>
+          <p:nvPr/>
+        </p:nvSpPr>
+        <p:spPr>
+          <a:xfrm>
+            <a:off x="2998294" y="2940844"/>
+            <a:ext cx="1031251" cy="754309"/>
+          </a:xfrm>
+          <a:prstGeom prst="roundRect">
+            <a:avLst/>
+          </a:prstGeom>
+        </p:spPr>
+        <p:style>
+          <a:lnRef idx="1">
+            <a:schemeClr val="accent1"/>
+          </a:lnRef>
+          <a:fillRef idx="3">
+            <a:schemeClr val="accent1"/>
+          </a:fillRef>
+          <a:effectRef idx="2">
+            <a:schemeClr val="accent1"/>
+          </a:effectRef>
+          <a:fontRef idx="minor">
+            <a:schemeClr val="lt1"/>
+          </a:fontRef>
+        </p:style>
+        <p:txBody>
+          <a:bodyPr rtlCol="0" anchor="ctr"/>
+          <a:lstStyle/>
+          <a:p>
+            <a:pPr algn="ctr"/>
+            <a:r>
+              <a:rPr lang="en-US" dirty="0" smtClean="0"/>
+              <a:t>OS Thread</a:t>
+            </a:r>
+            <a:endParaRPr lang="en-US" dirty="0"/>
+          </a:p>
+        </p:txBody>
+      </p:sp>
       <p:cxnSp>
         <p:nvCxnSpPr>
           <p:cNvPr id="29" name="Curved Connector 28"/>
@@ -4052,7 +7243,7 @@
     </p:spTree>
     <p:extLst>
       <p:ext uri="{BB962C8B-B14F-4D97-AF65-F5344CB8AC3E}">
-        <p14:creationId xmlns:p14="http://schemas.microsoft.com/office/powerpoint/2010/main" val="2636722769"/>
+        <p14:creationId xmlns:p14="http://schemas.microsoft.com/office/powerpoint/2010/main" val="2492088995"/>
       </p:ext>
     </p:extLst>
   </p:cSld>
@@ -4069,235 +7260,7 @@
 </p:sld>
 </file>
 
-<file path=ppt/slides/slide4.xml><?xml version="1.0" encoding="utf-8"?>
-<p:sld xmlns:a="http://schemas.openxmlformats.org/drawingml/2006/main" xmlns:r="http://schemas.openxmlformats.org/officeDocument/2006/relationships" xmlns:p="http://schemas.openxmlformats.org/presentationml/2006/main">
-  <p:cSld>
-    <p:spTree>
-      <p:nvGrpSpPr>
-        <p:cNvPr id="1" name=""/>
-        <p:cNvGrpSpPr/>
-        <p:nvPr/>
-      </p:nvGrpSpPr>
-      <p:grpSpPr>
-        <a:xfrm>
-          <a:off x="0" y="0"/>
-          <a:ext cx="0" cy="0"/>
-          <a:chOff x="0" y="0"/>
-          <a:chExt cx="0" cy="0"/>
-        </a:xfrm>
-      </p:grpSpPr>
-      <p:sp>
-        <p:nvSpPr>
-          <p:cNvPr id="2" name="Title 1"/>
-          <p:cNvSpPr>
-            <a:spLocks noGrp="1"/>
-          </p:cNvSpPr>
-          <p:nvPr>
-            <p:ph type="title"/>
-          </p:nvPr>
-        </p:nvSpPr>
-        <p:spPr>
-          <a:xfrm>
-            <a:off x="457200" y="2721339"/>
-            <a:ext cx="7620000" cy="1143000"/>
-          </a:xfrm>
-        </p:spPr>
-        <p:txBody>
-          <a:bodyPr/>
-          <a:lstStyle/>
-          <a:p>
-            <a:pPr algn="ctr"/>
-            <a:r>
-              <a:rPr lang="en-US" dirty="0" smtClean="0"/>
-              <a:t>JavaScript?  Really??</a:t>
-            </a:r>
-            <a:endParaRPr lang="en-US" dirty="0"/>
-          </a:p>
-        </p:txBody>
-      </p:sp>
-    </p:spTree>
-    <p:extLst>
-      <p:ext uri="{BB962C8B-B14F-4D97-AF65-F5344CB8AC3E}">
-        <p14:creationId xmlns:p14="http://schemas.microsoft.com/office/powerpoint/2010/main" val="1044814785"/>
-      </p:ext>
-    </p:extLst>
-  </p:cSld>
-  <p:clrMapOvr>
-    <a:masterClrMapping/>
-  </p:clrMapOvr>
-  <p:timing>
-    <p:tnLst>
-      <p:par>
-        <p:cTn xmlns:p14="http://schemas.microsoft.com/office/powerpoint/2010/main" id="1" dur="indefinite" restart="never" nodeType="tmRoot"/>
-      </p:par>
-    </p:tnLst>
-  </p:timing>
-</p:sld>
-</file>
-
-<file path=ppt/slides/slide5.xml><?xml version="1.0" encoding="utf-8"?>
-<p:sld xmlns:a="http://schemas.openxmlformats.org/drawingml/2006/main" xmlns:r="http://schemas.openxmlformats.org/officeDocument/2006/relationships" xmlns:p="http://schemas.openxmlformats.org/presentationml/2006/main">
-  <p:cSld>
-    <p:spTree>
-      <p:nvGrpSpPr>
-        <p:cNvPr id="1" name=""/>
-        <p:cNvGrpSpPr/>
-        <p:nvPr/>
-      </p:nvGrpSpPr>
-      <p:grpSpPr>
-        <a:xfrm>
-          <a:off x="0" y="0"/>
-          <a:ext cx="0" cy="0"/>
-          <a:chOff x="0" y="0"/>
-          <a:chExt cx="0" cy="0"/>
-        </a:xfrm>
-      </p:grpSpPr>
-      <p:sp>
-        <p:nvSpPr>
-          <p:cNvPr id="2" name="Title 1"/>
-          <p:cNvSpPr>
-            <a:spLocks noGrp="1"/>
-          </p:cNvSpPr>
-          <p:nvPr>
-            <p:ph type="title"/>
-          </p:nvPr>
-        </p:nvSpPr>
-        <p:spPr/>
-        <p:txBody>
-          <a:bodyPr/>
-          <a:lstStyle/>
-          <a:p>
-            <a:r>
-              <a:rPr lang="en-US" dirty="0" smtClean="0"/>
-              <a:t>JavaScript – Really!</a:t>
-            </a:r>
-            <a:endParaRPr lang="en-US" dirty="0"/>
-          </a:p>
-        </p:txBody>
-      </p:sp>
-      <p:sp>
-        <p:nvSpPr>
-          <p:cNvPr id="3" name="Content Placeholder 2"/>
-          <p:cNvSpPr>
-            <a:spLocks noGrp="1"/>
-          </p:cNvSpPr>
-          <p:nvPr>
-            <p:ph idx="1"/>
-          </p:nvPr>
-        </p:nvSpPr>
-        <p:spPr/>
-        <p:txBody>
-          <a:bodyPr/>
-          <a:lstStyle/>
-          <a:p>
-            <a:r>
-              <a:rPr lang="en-US" dirty="0" smtClean="0"/>
-              <a:t>Designed to be used within an event loop (think browser)</a:t>
-            </a:r>
-          </a:p>
-          <a:p>
-            <a:r>
-              <a:rPr lang="en-US" dirty="0" smtClean="0"/>
-              <a:t>Language has anonymous functions and closures</a:t>
-            </a:r>
-          </a:p>
-          <a:p>
-            <a:r>
-              <a:rPr lang="en-US" dirty="0" smtClean="0"/>
-              <a:t>One callback at a time</a:t>
-            </a:r>
-          </a:p>
-          <a:p>
-            <a:r>
-              <a:rPr lang="en-US" dirty="0" smtClean="0"/>
-              <a:t>Already does evented I/O via DOM event callbacks</a:t>
-            </a:r>
-          </a:p>
-          <a:p>
-            <a:r>
-              <a:rPr lang="en-US" dirty="0" smtClean="0"/>
-              <a:t>JavaScript in </a:t>
-            </a:r>
-            <a:r>
-              <a:rPr lang="en-US" dirty="0" err="1" smtClean="0"/>
-              <a:t>node.js</a:t>
-            </a:r>
-            <a:endParaRPr lang="en-US" dirty="0" smtClean="0"/>
-          </a:p>
-          <a:p>
-            <a:pPr lvl="1"/>
-            <a:r>
-              <a:rPr lang="en-US" dirty="0" smtClean="0"/>
-              <a:t>Global scope is different – module concept is enforced with </a:t>
-            </a:r>
-            <a:r>
-              <a:rPr lang="en-US" dirty="0" err="1" smtClean="0"/>
-              <a:t>CommonJS</a:t>
-            </a:r>
-            <a:endParaRPr lang="en-US" dirty="0"/>
-          </a:p>
-          <a:p>
-            <a:pPr lvl="1"/>
-            <a:r>
-              <a:rPr lang="en-US" dirty="0" smtClean="0"/>
-              <a:t>C developers can extend the language</a:t>
-            </a:r>
-          </a:p>
-          <a:p>
-            <a:pPr lvl="2"/>
-            <a:r>
-              <a:rPr lang="en-US" dirty="0" smtClean="0"/>
-              <a:t>Proxies (not in ES3) are possible in node</a:t>
-            </a:r>
-          </a:p>
-          <a:p>
-            <a:pPr lvl="2"/>
-            <a:r>
-              <a:rPr lang="en-US" dirty="0" smtClean="0"/>
-              <a:t>Buffer class – makes it easier &amp; more efficient to deal with streams</a:t>
-            </a:r>
-          </a:p>
-          <a:p>
-            <a:pPr lvl="1"/>
-            <a:r>
-              <a:rPr lang="en-US" dirty="0" smtClean="0"/>
-              <a:t>And more….(check the docs)</a:t>
-            </a:r>
-          </a:p>
-          <a:p>
-            <a:r>
-              <a:rPr lang="en-US" dirty="0" smtClean="0"/>
-              <a:t>Oh – and you can use </a:t>
-            </a:r>
-            <a:r>
-              <a:rPr lang="en-US" dirty="0" err="1" smtClean="0"/>
-              <a:t>CoffeeScript</a:t>
-            </a:r>
-            <a:endParaRPr lang="en-US" dirty="0" smtClean="0"/>
-          </a:p>
-        </p:txBody>
-      </p:sp>
-    </p:spTree>
-    <p:extLst>
-      <p:ext uri="{BB962C8B-B14F-4D97-AF65-F5344CB8AC3E}">
-        <p14:creationId xmlns:p14="http://schemas.microsoft.com/office/powerpoint/2010/main" val="157441994"/>
-      </p:ext>
-    </p:extLst>
-  </p:cSld>
-  <p:clrMapOvr>
-    <a:masterClrMapping/>
-  </p:clrMapOvr>
-  <p:timing>
-    <p:tnLst>
-      <p:par>
-        <p:cTn xmlns:p14="http://schemas.microsoft.com/office/powerpoint/2010/main" id="1" dur="indefinite" restart="never" nodeType="tmRoot"/>
-      </p:par>
-    </p:tnLst>
-  </p:timing>
-</p:sld>
-</file>
-
-<file path=ppt/slides/slide6.xml><?xml version="1.0" encoding="utf-8"?>
+<file path=ppt/slides/slide7.xml><?xml version="1.0" encoding="utf-8"?>
 <p:sld xmlns:a="http://schemas.openxmlformats.org/drawingml/2006/main" xmlns:r="http://schemas.openxmlformats.org/officeDocument/2006/relationships" xmlns:p="http://schemas.openxmlformats.org/presentationml/2006/main">
   <p:cSld>
     <p:spTree>
@@ -5523,101 +8486,6 @@
 </p:sld>
 </file>
 
-<file path=ppt/slides/slide7.xml><?xml version="1.0" encoding="utf-8"?>
-<p:sld xmlns:a="http://schemas.openxmlformats.org/drawingml/2006/main" xmlns:r="http://schemas.openxmlformats.org/officeDocument/2006/relationships" xmlns:p="http://schemas.openxmlformats.org/presentationml/2006/main">
-  <p:cSld>
-    <p:spTree>
-      <p:nvGrpSpPr>
-        <p:cNvPr id="1" name=""/>
-        <p:cNvGrpSpPr/>
-        <p:nvPr/>
-      </p:nvGrpSpPr>
-      <p:grpSpPr>
-        <a:xfrm>
-          <a:off x="0" y="0"/>
-          <a:ext cx="0" cy="0"/>
-          <a:chOff x="0" y="0"/>
-          <a:chExt cx="0" cy="0"/>
-        </a:xfrm>
-      </p:grpSpPr>
-      <p:sp>
-        <p:nvSpPr>
-          <p:cNvPr id="2" name="Title 1"/>
-          <p:cNvSpPr>
-            <a:spLocks noGrp="1"/>
-          </p:cNvSpPr>
-          <p:nvPr>
-            <p:ph type="title"/>
-          </p:nvPr>
-        </p:nvSpPr>
-        <p:spPr>
-          <a:xfrm>
-            <a:off x="457200" y="274638"/>
-            <a:ext cx="7620000" cy="892175"/>
-          </a:xfrm>
-        </p:spPr>
-        <p:txBody>
-          <a:bodyPr/>
-          <a:lstStyle/>
-          <a:p>
-            <a:r>
-              <a:rPr lang="en-US" dirty="0" smtClean="0"/>
-              <a:t>Example Module</a:t>
-            </a:r>
-            <a:endParaRPr lang="en-US" dirty="0"/>
-          </a:p>
-        </p:txBody>
-      </p:sp>
-      <p:pic>
-        <p:nvPicPr>
-          <p:cNvPr id="7" name="Content Placeholder 6" descr="httptelnet.js.tiff"/>
-          <p:cNvPicPr>
-            <a:picLocks noGrp="1" noChangeAspect="1"/>
-          </p:cNvPicPr>
-          <p:nvPr>
-            <p:ph idx="1"/>
-          </p:nvPr>
-        </p:nvPicPr>
-        <p:blipFill>
-          <a:blip r:embed="rId2">
-            <a:extLst>
-              <a:ext uri="{28A0092B-C50C-407E-A947-70E740481C1C}">
-                <a14:useLocalDpi xmlns:a14="http://schemas.microsoft.com/office/drawing/2010/main" val="0"/>
-              </a:ext>
-            </a:extLst>
-          </a:blip>
-          <a:srcRect t="-2996" b="-2996"/>
-          <a:stretch>
-            <a:fillRect/>
-          </a:stretch>
-        </p:blipFill>
-        <p:spPr>
-          <a:xfrm>
-            <a:off x="457200" y="1166813"/>
-            <a:ext cx="7620000" cy="5233987"/>
-          </a:xfrm>
-        </p:spPr>
-      </p:pic>
-    </p:spTree>
-    <p:extLst>
-      <p:ext uri="{BB962C8B-B14F-4D97-AF65-F5344CB8AC3E}">
-        <p14:creationId xmlns:p14="http://schemas.microsoft.com/office/powerpoint/2010/main" val="1940474265"/>
-      </p:ext>
-    </p:extLst>
-  </p:cSld>
-  <p:clrMapOvr>
-    <a:masterClrMapping/>
-  </p:clrMapOvr>
-  <p:timing>
-    <p:tnLst>
-      <p:par>
-        <p:cTn xmlns:p14="http://schemas.microsoft.com/office/powerpoint/2010/main" id="1" dur="indefinite" restart="never" nodeType="tmRoot"/>
-      </p:par>
-    </p:tnLst>
-  </p:timing>
-</p:sld>
-</file>
-
 <file path=ppt/slides/slide8.xml><?xml version="1.0" encoding="utf-8"?>
 <p:sld xmlns:a="http://schemas.openxmlformats.org/drawingml/2006/main" xmlns:r="http://schemas.openxmlformats.org/officeDocument/2006/relationships" xmlns:p="http://schemas.openxmlformats.org/presentationml/2006/main">
   <p:cSld>
@@ -5647,62 +8515,132 @@
         </p:nvSpPr>
         <p:spPr>
           <a:xfrm>
-            <a:off x="457200" y="354862"/>
-            <a:ext cx="7620000" cy="746578"/>
+            <a:off x="457200" y="2721339"/>
+            <a:ext cx="7620000" cy="1143000"/>
           </a:xfrm>
         </p:spPr>
         <p:txBody>
           <a:bodyPr/>
           <a:lstStyle/>
           <a:p>
-            <a:r>
-              <a:rPr lang="en-US" sz="3600" dirty="0" smtClean="0"/>
-              <a:t>Wait – let’s see that </a:t>
-            </a:r>
-            <a:r>
-              <a:rPr lang="en-US" sz="3600" dirty="0" smtClean="0"/>
-              <a:t>in </a:t>
-            </a:r>
-            <a:r>
-              <a:rPr lang="en-US" sz="3600" dirty="0" err="1" smtClean="0"/>
-              <a:t>CoffeeScript</a:t>
-            </a:r>
-            <a:endParaRPr lang="en-US" sz="3600" dirty="0"/>
+            <a:pPr algn="ctr"/>
+            <a:r>
+              <a:rPr lang="en-US" dirty="0" smtClean="0"/>
+              <a:t>Event Loops Behaving Badly</a:t>
+            </a:r>
+            <a:endParaRPr lang="en-US" dirty="0"/>
+          </a:p>
+        </p:txBody>
+      </p:sp>
+    </p:spTree>
+    <p:extLst>
+      <p:ext uri="{BB962C8B-B14F-4D97-AF65-F5344CB8AC3E}">
+        <p14:creationId xmlns:p14="http://schemas.microsoft.com/office/powerpoint/2010/main" val="1044814785"/>
+      </p:ext>
+    </p:extLst>
+  </p:cSld>
+  <p:clrMapOvr>
+    <a:masterClrMapping/>
+  </p:clrMapOvr>
+  <p:timing>
+    <p:tnLst>
+      <p:par>
+        <p:cTn xmlns:p14="http://schemas.microsoft.com/office/powerpoint/2010/main" id="1" dur="indefinite" restart="never" nodeType="tmRoot"/>
+      </p:par>
+    </p:tnLst>
+  </p:timing>
+</p:sld>
+</file>
+
+<file path=ppt/slides/slide9.xml><?xml version="1.0" encoding="utf-8"?>
+<p:sld xmlns:a="http://schemas.openxmlformats.org/drawingml/2006/main" xmlns:r="http://schemas.openxmlformats.org/officeDocument/2006/relationships" xmlns:p="http://schemas.openxmlformats.org/presentationml/2006/main">
+  <p:cSld>
+    <p:spTree>
+      <p:nvGrpSpPr>
+        <p:cNvPr id="1" name=""/>
+        <p:cNvGrpSpPr/>
+        <p:nvPr/>
+      </p:nvGrpSpPr>
+      <p:grpSpPr>
+        <a:xfrm>
+          <a:off x="0" y="0"/>
+          <a:ext cx="0" cy="0"/>
+          <a:chOff x="0" y="0"/>
+          <a:chExt cx="0" cy="0"/>
+        </a:xfrm>
+      </p:grpSpPr>
+      <p:sp>
+        <p:nvSpPr>
+          <p:cNvPr id="2" name="Title 1"/>
+          <p:cNvSpPr>
+            <a:spLocks noGrp="1"/>
+          </p:cNvSpPr>
+          <p:nvPr>
+            <p:ph type="title"/>
+          </p:nvPr>
+        </p:nvSpPr>
+        <p:spPr>
+          <a:xfrm>
+            <a:off x="457200" y="816266"/>
+            <a:ext cx="7620000" cy="1143000"/>
+          </a:xfrm>
+        </p:spPr>
+        <p:txBody>
+          <a:bodyPr/>
+          <a:lstStyle/>
+          <a:p>
+            <a:pPr algn="ctr"/>
+            <a:r>
+              <a:rPr lang="en-US" strike="sngStrike" dirty="0" smtClean="0"/>
+              <a:t>Event Loops Behaving Badly</a:t>
+            </a:r>
+            <a:r>
+              <a:rPr lang="en-US" dirty="0" smtClean="0"/>
+              <a:t/>
+            </a:r>
+            <a:br>
+              <a:rPr lang="en-US" dirty="0" smtClean="0"/>
+            </a:br>
+            <a:r>
+              <a:rPr lang="en-US" i="1" dirty="0" smtClean="0"/>
+              <a:t>Developer </a:t>
+            </a:r>
+            <a:r>
+              <a:rPr lang="en-US" i="1" dirty="0" err="1" smtClean="0"/>
+              <a:t>Facepalm</a:t>
+            </a:r>
+            <a:endParaRPr lang="en-US" i="1" dirty="0"/>
           </a:p>
         </p:txBody>
       </p:sp>
       <p:pic>
         <p:nvPicPr>
-          <p:cNvPr id="5" name="Content Placeholder 4" descr="httptelnet_coffee.tiff"/>
+          <p:cNvPr id="3" name="Picture 2"/>
           <p:cNvPicPr>
-            <a:picLocks noGrp="1" noChangeAspect="1"/>
+            <a:picLocks noChangeAspect="1"/>
           </p:cNvPicPr>
-          <p:nvPr>
-            <p:ph idx="1"/>
-          </p:nvPr>
+          <p:nvPr/>
         </p:nvPicPr>
-        <p:blipFill rotWithShape="1">
-          <a:blip r:embed="rId2">
-            <a:extLst>
-              <a:ext uri="{28A0092B-C50C-407E-A947-70E740481C1C}">
-                <a14:useLocalDpi xmlns:a14="http://schemas.microsoft.com/office/drawing/2010/main" val="0"/>
-              </a:ext>
-            </a:extLst>
-          </a:blip>
-          <a:srcRect t="1" b="-16653"/>
-          <a:stretch/>
+        <p:blipFill>
+          <a:blip r:embed="rId2"/>
+          <a:stretch>
+            <a:fillRect/>
+          </a:stretch>
         </p:blipFill>
         <p:spPr>
           <a:xfrm>
-            <a:off x="457200" y="1154289"/>
-            <a:ext cx="7620000" cy="4800600"/>
+            <a:off x="1727477" y="2178043"/>
+            <a:ext cx="5061066" cy="4048853"/>
           </a:xfrm>
+          <a:prstGeom prst="rect">
+            <a:avLst/>
+          </a:prstGeom>
         </p:spPr>
       </p:pic>
     </p:spTree>
     <p:extLst>
       <p:ext uri="{BB962C8B-B14F-4D97-AF65-F5344CB8AC3E}">
-        <p14:creationId xmlns:p14="http://schemas.microsoft.com/office/powerpoint/2010/main" val="532587385"/>
+        <p14:creationId xmlns:p14="http://schemas.microsoft.com/office/powerpoint/2010/main" val="2550071904"/>
       </p:ext>
     </p:extLst>
   </p:cSld>

--- a/PowerPoint/GettingStartedWithNodejs.pptx
+++ b/PowerPoint/GettingStartedWithNodejs.pptx
@@ -4,22 +4,36 @@
   <p:sldMasterIdLst>
     <p:sldMasterId id="2147483950" r:id="rId1"/>
   </p:sldMasterIdLst>
+  <p:notesMasterIdLst>
+    <p:notesMasterId r:id="rId28"/>
+  </p:notesMasterIdLst>
   <p:sldIdLst>
     <p:sldId id="256" r:id="rId2"/>
     <p:sldId id="257" r:id="rId3"/>
-    <p:sldId id="265" r:id="rId4"/>
-    <p:sldId id="263" r:id="rId5"/>
-    <p:sldId id="264" r:id="rId6"/>
-    <p:sldId id="266" r:id="rId7"/>
-    <p:sldId id="260" r:id="rId8"/>
-    <p:sldId id="258" r:id="rId9"/>
-    <p:sldId id="270" r:id="rId10"/>
-    <p:sldId id="272" r:id="rId11"/>
-    <p:sldId id="269" r:id="rId12"/>
-    <p:sldId id="259" r:id="rId13"/>
-    <p:sldId id="261" r:id="rId14"/>
-    <p:sldId id="262" r:id="rId15"/>
-    <p:sldId id="273" r:id="rId16"/>
+    <p:sldId id="275" r:id="rId4"/>
+    <p:sldId id="276" r:id="rId5"/>
+    <p:sldId id="265" r:id="rId6"/>
+    <p:sldId id="263" r:id="rId7"/>
+    <p:sldId id="264" r:id="rId8"/>
+    <p:sldId id="266" r:id="rId9"/>
+    <p:sldId id="260" r:id="rId10"/>
+    <p:sldId id="273" r:id="rId11"/>
+    <p:sldId id="258" r:id="rId12"/>
+    <p:sldId id="270" r:id="rId13"/>
+    <p:sldId id="272" r:id="rId14"/>
+    <p:sldId id="277" r:id="rId15"/>
+    <p:sldId id="269" r:id="rId16"/>
+    <p:sldId id="259" r:id="rId17"/>
+    <p:sldId id="261" r:id="rId18"/>
+    <p:sldId id="262" r:id="rId19"/>
+    <p:sldId id="278" r:id="rId20"/>
+    <p:sldId id="280" r:id="rId21"/>
+    <p:sldId id="281" r:id="rId22"/>
+    <p:sldId id="279" r:id="rId23"/>
+    <p:sldId id="283" r:id="rId24"/>
+    <p:sldId id="284" r:id="rId25"/>
+    <p:sldId id="282" r:id="rId26"/>
+    <p:sldId id="285" r:id="rId27"/>
   </p:sldIdLst>
   <p:sldSz cx="9144000" cy="6858000" type="screen4x3"/>
   <p:notesSz cx="7010400" cy="9296400"/>
@@ -125,25 +139,2585 @@
           <p14:sldIdLst>
             <p14:sldId id="256"/>
             <p14:sldId id="257"/>
+            <p14:sldId id="275"/>
+            <p14:sldId id="276"/>
             <p14:sldId id="265"/>
             <p14:sldId id="263"/>
             <p14:sldId id="264"/>
             <p14:sldId id="266"/>
             <p14:sldId id="260"/>
+            <p14:sldId id="273"/>
             <p14:sldId id="258"/>
             <p14:sldId id="270"/>
             <p14:sldId id="272"/>
+            <p14:sldId id="277"/>
             <p14:sldId id="269"/>
             <p14:sldId id="259"/>
             <p14:sldId id="261"/>
             <p14:sldId id="262"/>
-            <p14:sldId id="273"/>
+            <p14:sldId id="278"/>
+            <p14:sldId id="280"/>
+            <p14:sldId id="281"/>
+            <p14:sldId id="279"/>
+            <p14:sldId id="283"/>
+            <p14:sldId id="284"/>
+            <p14:sldId id="282"/>
+            <p14:sldId id="285"/>
           </p14:sldIdLst>
         </p14:section>
       </p14:sectionLst>
     </p:ext>
   </p:extLst>
 </p:presentation>
+</file>
+
+<file path=ppt/notesMasters/notesMaster1.xml><?xml version="1.0" encoding="utf-8"?>
+<p:notesMaster xmlns:a="http://schemas.openxmlformats.org/drawingml/2006/main" xmlns:r="http://schemas.openxmlformats.org/officeDocument/2006/relationships" xmlns:p="http://schemas.openxmlformats.org/presentationml/2006/main">
+  <p:cSld>
+    <p:bg>
+      <p:bgRef idx="1001">
+        <a:schemeClr val="bg1"/>
+      </p:bgRef>
+    </p:bg>
+    <p:spTree>
+      <p:nvGrpSpPr>
+        <p:cNvPr id="1" name=""/>
+        <p:cNvGrpSpPr/>
+        <p:nvPr/>
+      </p:nvGrpSpPr>
+      <p:grpSpPr>
+        <a:xfrm>
+          <a:off x="0" y="0"/>
+          <a:ext cx="0" cy="0"/>
+          <a:chOff x="0" y="0"/>
+          <a:chExt cx="0" cy="0"/>
+        </a:xfrm>
+      </p:grpSpPr>
+      <p:sp>
+        <p:nvSpPr>
+          <p:cNvPr id="2" name="Header Placeholder 1"/>
+          <p:cNvSpPr>
+            <a:spLocks noGrp="1"/>
+          </p:cNvSpPr>
+          <p:nvPr>
+            <p:ph type="hdr" sz="quarter"/>
+          </p:nvPr>
+        </p:nvSpPr>
+        <p:spPr>
+          <a:xfrm>
+            <a:off x="0" y="0"/>
+            <a:ext cx="3038475" cy="465138"/>
+          </a:xfrm>
+          <a:prstGeom prst="rect">
+            <a:avLst/>
+          </a:prstGeom>
+        </p:spPr>
+        <p:txBody>
+          <a:bodyPr vert="horz" lIns="91440" tIns="45720" rIns="91440" bIns="45720" rtlCol="0"/>
+          <a:lstStyle>
+            <a:lvl1pPr algn="l">
+              <a:defRPr sz="1200"/>
+            </a:lvl1pPr>
+          </a:lstStyle>
+          <a:p>
+            <a:endParaRPr lang="en-US"/>
+          </a:p>
+        </p:txBody>
+      </p:sp>
+      <p:sp>
+        <p:nvSpPr>
+          <p:cNvPr id="3" name="Date Placeholder 2"/>
+          <p:cNvSpPr>
+            <a:spLocks noGrp="1"/>
+          </p:cNvSpPr>
+          <p:nvPr>
+            <p:ph type="dt" idx="1"/>
+          </p:nvPr>
+        </p:nvSpPr>
+        <p:spPr>
+          <a:xfrm>
+            <a:off x="3970338" y="0"/>
+            <a:ext cx="3038475" cy="465138"/>
+          </a:xfrm>
+          <a:prstGeom prst="rect">
+            <a:avLst/>
+          </a:prstGeom>
+        </p:spPr>
+        <p:txBody>
+          <a:bodyPr vert="horz" lIns="91440" tIns="45720" rIns="91440" bIns="45720" rtlCol="0"/>
+          <a:lstStyle>
+            <a:lvl1pPr algn="r">
+              <a:defRPr sz="1200"/>
+            </a:lvl1pPr>
+          </a:lstStyle>
+          <a:p>
+            <a:fld id="{084B8501-290B-4F41-A5A8-6E95828F99D9}" type="datetimeFigureOut">
+              <a:rPr lang="en-US" smtClean="0"/>
+              <a:t>8/16/11</a:t>
+            </a:fld>
+            <a:endParaRPr lang="en-US"/>
+          </a:p>
+        </p:txBody>
+      </p:sp>
+      <p:sp>
+        <p:nvSpPr>
+          <p:cNvPr id="4" name="Slide Image Placeholder 3"/>
+          <p:cNvSpPr>
+            <a:spLocks noGrp="1" noRot="1" noChangeAspect="1"/>
+          </p:cNvSpPr>
+          <p:nvPr>
+            <p:ph type="sldImg" idx="2"/>
+          </p:nvPr>
+        </p:nvSpPr>
+        <p:spPr>
+          <a:xfrm>
+            <a:off x="1181100" y="696913"/>
+            <a:ext cx="4648200" cy="3486150"/>
+          </a:xfrm>
+          <a:prstGeom prst="rect">
+            <a:avLst/>
+          </a:prstGeom>
+          <a:noFill/>
+          <a:ln w="12700">
+            <a:solidFill>
+              <a:prstClr val="black"/>
+            </a:solidFill>
+          </a:ln>
+        </p:spPr>
+        <p:txBody>
+          <a:bodyPr vert="horz" lIns="91440" tIns="45720" rIns="91440" bIns="45720" rtlCol="0" anchor="ctr"/>
+          <a:lstStyle/>
+          <a:p>
+            <a:endParaRPr lang="en-US"/>
+          </a:p>
+        </p:txBody>
+      </p:sp>
+      <p:sp>
+        <p:nvSpPr>
+          <p:cNvPr id="5" name="Notes Placeholder 4"/>
+          <p:cNvSpPr>
+            <a:spLocks noGrp="1"/>
+          </p:cNvSpPr>
+          <p:nvPr>
+            <p:ph type="body" sz="quarter" idx="3"/>
+          </p:nvPr>
+        </p:nvSpPr>
+        <p:spPr>
+          <a:xfrm>
+            <a:off x="701675" y="4416425"/>
+            <a:ext cx="5607050" cy="4183063"/>
+          </a:xfrm>
+          <a:prstGeom prst="rect">
+            <a:avLst/>
+          </a:prstGeom>
+        </p:spPr>
+        <p:txBody>
+          <a:bodyPr vert="horz" lIns="91440" tIns="45720" rIns="91440" bIns="45720" rtlCol="0"/>
+          <a:lstStyle/>
+          <a:p>
+            <a:pPr lvl="0"/>
+            <a:r>
+              <a:rPr lang="en-US" smtClean="0"/>
+              <a:t>Click to edit Master text styles</a:t>
+            </a:r>
+          </a:p>
+          <a:p>
+            <a:pPr lvl="1"/>
+            <a:r>
+              <a:rPr lang="en-US" smtClean="0"/>
+              <a:t>Second level</a:t>
+            </a:r>
+          </a:p>
+          <a:p>
+            <a:pPr lvl="2"/>
+            <a:r>
+              <a:rPr lang="en-US" smtClean="0"/>
+              <a:t>Third level</a:t>
+            </a:r>
+          </a:p>
+          <a:p>
+            <a:pPr lvl="3"/>
+            <a:r>
+              <a:rPr lang="en-US" smtClean="0"/>
+              <a:t>Fourth level</a:t>
+            </a:r>
+          </a:p>
+          <a:p>
+            <a:pPr lvl="4"/>
+            <a:r>
+              <a:rPr lang="en-US" smtClean="0"/>
+              <a:t>Fifth level</a:t>
+            </a:r>
+            <a:endParaRPr lang="en-US"/>
+          </a:p>
+        </p:txBody>
+      </p:sp>
+      <p:sp>
+        <p:nvSpPr>
+          <p:cNvPr id="6" name="Footer Placeholder 5"/>
+          <p:cNvSpPr>
+            <a:spLocks noGrp="1"/>
+          </p:cNvSpPr>
+          <p:nvPr>
+            <p:ph type="ftr" sz="quarter" idx="4"/>
+          </p:nvPr>
+        </p:nvSpPr>
+        <p:spPr>
+          <a:xfrm>
+            <a:off x="0" y="8829675"/>
+            <a:ext cx="3038475" cy="465138"/>
+          </a:xfrm>
+          <a:prstGeom prst="rect">
+            <a:avLst/>
+          </a:prstGeom>
+        </p:spPr>
+        <p:txBody>
+          <a:bodyPr vert="horz" lIns="91440" tIns="45720" rIns="91440" bIns="45720" rtlCol="0" anchor="b"/>
+          <a:lstStyle>
+            <a:lvl1pPr algn="l">
+              <a:defRPr sz="1200"/>
+            </a:lvl1pPr>
+          </a:lstStyle>
+          <a:p>
+            <a:endParaRPr lang="en-US"/>
+          </a:p>
+        </p:txBody>
+      </p:sp>
+      <p:sp>
+        <p:nvSpPr>
+          <p:cNvPr id="7" name="Slide Number Placeholder 6"/>
+          <p:cNvSpPr>
+            <a:spLocks noGrp="1"/>
+          </p:cNvSpPr>
+          <p:nvPr>
+            <p:ph type="sldNum" sz="quarter" idx="5"/>
+          </p:nvPr>
+        </p:nvSpPr>
+        <p:spPr>
+          <a:xfrm>
+            <a:off x="3970338" y="8829675"/>
+            <a:ext cx="3038475" cy="465138"/>
+          </a:xfrm>
+          <a:prstGeom prst="rect">
+            <a:avLst/>
+          </a:prstGeom>
+        </p:spPr>
+        <p:txBody>
+          <a:bodyPr vert="horz" lIns="91440" tIns="45720" rIns="91440" bIns="45720" rtlCol="0" anchor="b"/>
+          <a:lstStyle>
+            <a:lvl1pPr algn="r">
+              <a:defRPr sz="1200"/>
+            </a:lvl1pPr>
+          </a:lstStyle>
+          <a:p>
+            <a:fld id="{D633CFC9-9EA6-1241-A510-5FCAF76A6332}" type="slidenum">
+              <a:rPr lang="en-US" smtClean="0"/>
+              <a:t>‹#›</a:t>
+            </a:fld>
+            <a:endParaRPr lang="en-US"/>
+          </a:p>
+        </p:txBody>
+      </p:sp>
+    </p:spTree>
+    <p:extLst>
+      <p:ext uri="{BB962C8B-B14F-4D97-AF65-F5344CB8AC3E}">
+        <p14:creationId xmlns:p14="http://schemas.microsoft.com/office/powerpoint/2010/main" val="2424231589"/>
+      </p:ext>
+    </p:extLst>
+  </p:cSld>
+  <p:clrMap bg1="lt1" tx1="dk1" bg2="lt2" tx2="dk2" accent1="accent1" accent2="accent2" accent3="accent3" accent4="accent4" accent5="accent5" accent6="accent6" hlink="hlink" folHlink="folHlink"/>
+  <p:notesStyle>
+    <a:lvl1pPr marL="0" algn="l" defTabSz="457200" rtl="0" eaLnBrk="1" latinLnBrk="0" hangingPunct="1">
+      <a:defRPr sz="1200" kern="1200">
+        <a:solidFill>
+          <a:schemeClr val="tx1"/>
+        </a:solidFill>
+        <a:latin typeface="+mn-lt"/>
+        <a:ea typeface="+mn-ea"/>
+        <a:cs typeface="+mn-cs"/>
+      </a:defRPr>
+    </a:lvl1pPr>
+    <a:lvl2pPr marL="457200" algn="l" defTabSz="457200" rtl="0" eaLnBrk="1" latinLnBrk="0" hangingPunct="1">
+      <a:defRPr sz="1200" kern="1200">
+        <a:solidFill>
+          <a:schemeClr val="tx1"/>
+        </a:solidFill>
+        <a:latin typeface="+mn-lt"/>
+        <a:ea typeface="+mn-ea"/>
+        <a:cs typeface="+mn-cs"/>
+      </a:defRPr>
+    </a:lvl2pPr>
+    <a:lvl3pPr marL="914400" algn="l" defTabSz="457200" rtl="0" eaLnBrk="1" latinLnBrk="0" hangingPunct="1">
+      <a:defRPr sz="1200" kern="1200">
+        <a:solidFill>
+          <a:schemeClr val="tx1"/>
+        </a:solidFill>
+        <a:latin typeface="+mn-lt"/>
+        <a:ea typeface="+mn-ea"/>
+        <a:cs typeface="+mn-cs"/>
+      </a:defRPr>
+    </a:lvl3pPr>
+    <a:lvl4pPr marL="1371600" algn="l" defTabSz="457200" rtl="0" eaLnBrk="1" latinLnBrk="0" hangingPunct="1">
+      <a:defRPr sz="1200" kern="1200">
+        <a:solidFill>
+          <a:schemeClr val="tx1"/>
+        </a:solidFill>
+        <a:latin typeface="+mn-lt"/>
+        <a:ea typeface="+mn-ea"/>
+        <a:cs typeface="+mn-cs"/>
+      </a:defRPr>
+    </a:lvl4pPr>
+    <a:lvl5pPr marL="1828800" algn="l" defTabSz="457200" rtl="0" eaLnBrk="1" latinLnBrk="0" hangingPunct="1">
+      <a:defRPr sz="1200" kern="1200">
+        <a:solidFill>
+          <a:schemeClr val="tx1"/>
+        </a:solidFill>
+        <a:latin typeface="+mn-lt"/>
+        <a:ea typeface="+mn-ea"/>
+        <a:cs typeface="+mn-cs"/>
+      </a:defRPr>
+    </a:lvl5pPr>
+    <a:lvl6pPr marL="2286000" algn="l" defTabSz="457200" rtl="0" eaLnBrk="1" latinLnBrk="0" hangingPunct="1">
+      <a:defRPr sz="1200" kern="1200">
+        <a:solidFill>
+          <a:schemeClr val="tx1"/>
+        </a:solidFill>
+        <a:latin typeface="+mn-lt"/>
+        <a:ea typeface="+mn-ea"/>
+        <a:cs typeface="+mn-cs"/>
+      </a:defRPr>
+    </a:lvl6pPr>
+    <a:lvl7pPr marL="2743200" algn="l" defTabSz="457200" rtl="0" eaLnBrk="1" latinLnBrk="0" hangingPunct="1">
+      <a:defRPr sz="1200" kern="1200">
+        <a:solidFill>
+          <a:schemeClr val="tx1"/>
+        </a:solidFill>
+        <a:latin typeface="+mn-lt"/>
+        <a:ea typeface="+mn-ea"/>
+        <a:cs typeface="+mn-cs"/>
+      </a:defRPr>
+    </a:lvl7pPr>
+    <a:lvl8pPr marL="3200400" algn="l" defTabSz="457200" rtl="0" eaLnBrk="1" latinLnBrk="0" hangingPunct="1">
+      <a:defRPr sz="1200" kern="1200">
+        <a:solidFill>
+          <a:schemeClr val="tx1"/>
+        </a:solidFill>
+        <a:latin typeface="+mn-lt"/>
+        <a:ea typeface="+mn-ea"/>
+        <a:cs typeface="+mn-cs"/>
+      </a:defRPr>
+    </a:lvl8pPr>
+    <a:lvl9pPr marL="3657600" algn="l" defTabSz="457200" rtl="0" eaLnBrk="1" latinLnBrk="0" hangingPunct="1">
+      <a:defRPr sz="1200" kern="1200">
+        <a:solidFill>
+          <a:schemeClr val="tx1"/>
+        </a:solidFill>
+        <a:latin typeface="+mn-lt"/>
+        <a:ea typeface="+mn-ea"/>
+        <a:cs typeface="+mn-cs"/>
+      </a:defRPr>
+    </a:lvl9pPr>
+  </p:notesStyle>
+</p:notesMaster>
+</file>
+
+<file path=ppt/notesSlides/notesSlide1.xml><?xml version="1.0" encoding="utf-8"?>
+<p:notes xmlns:a="http://schemas.openxmlformats.org/drawingml/2006/main" xmlns:r="http://schemas.openxmlformats.org/officeDocument/2006/relationships" xmlns:p="http://schemas.openxmlformats.org/presentationml/2006/main">
+  <p:cSld>
+    <p:spTree>
+      <p:nvGrpSpPr>
+        <p:cNvPr id="1" name=""/>
+        <p:cNvGrpSpPr/>
+        <p:nvPr/>
+      </p:nvGrpSpPr>
+      <p:grpSpPr>
+        <a:xfrm>
+          <a:off x="0" y="0"/>
+          <a:ext cx="0" cy="0"/>
+          <a:chOff x="0" y="0"/>
+          <a:chExt cx="0" cy="0"/>
+        </a:xfrm>
+      </p:grpSpPr>
+      <p:sp>
+        <p:nvSpPr>
+          <p:cNvPr id="2" name="Slide Image Placeholder 1"/>
+          <p:cNvSpPr>
+            <a:spLocks noGrp="1" noRot="1" noChangeAspect="1"/>
+          </p:cNvSpPr>
+          <p:nvPr>
+            <p:ph type="sldImg"/>
+          </p:nvPr>
+        </p:nvSpPr>
+        <p:spPr/>
+      </p:sp>
+      <p:sp>
+        <p:nvSpPr>
+          <p:cNvPr id="3" name="Notes Placeholder 2"/>
+          <p:cNvSpPr>
+            <a:spLocks noGrp="1"/>
+          </p:cNvSpPr>
+          <p:nvPr>
+            <p:ph type="body" idx="1"/>
+          </p:nvPr>
+        </p:nvSpPr>
+        <p:spPr/>
+        <p:txBody>
+          <a:bodyPr/>
+          <a:lstStyle/>
+          <a:p>
+            <a:r>
+              <a:rPr lang="en-US" dirty="0" smtClean="0"/>
+              <a:t>Ask who’s heard of </a:t>
+            </a:r>
+            <a:r>
+              <a:rPr lang="en-US" dirty="0" err="1" smtClean="0"/>
+              <a:t>nodejs</a:t>
+            </a:r>
+            <a:r>
+              <a:rPr lang="en-US" dirty="0" smtClean="0"/>
+              <a:t>?</a:t>
+            </a:r>
+          </a:p>
+          <a:p>
+            <a:r>
+              <a:rPr lang="en-US" dirty="0" smtClean="0"/>
+              <a:t>Who’s using it?</a:t>
+            </a:r>
+            <a:endParaRPr lang="en-US" dirty="0"/>
+          </a:p>
+        </p:txBody>
+      </p:sp>
+      <p:sp>
+        <p:nvSpPr>
+          <p:cNvPr id="4" name="Slide Number Placeholder 3"/>
+          <p:cNvSpPr>
+            <a:spLocks noGrp="1"/>
+          </p:cNvSpPr>
+          <p:nvPr>
+            <p:ph type="sldNum" sz="quarter" idx="10"/>
+          </p:nvPr>
+        </p:nvSpPr>
+        <p:spPr/>
+        <p:txBody>
+          <a:bodyPr/>
+          <a:lstStyle/>
+          <a:p>
+            <a:fld id="{D633CFC9-9EA6-1241-A510-5FCAF76A6332}" type="slidenum">
+              <a:rPr lang="en-US" smtClean="0"/>
+              <a:t>1</a:t>
+            </a:fld>
+            <a:endParaRPr lang="en-US"/>
+          </a:p>
+        </p:txBody>
+      </p:sp>
+    </p:spTree>
+    <p:extLst>
+      <p:ext uri="{BB962C8B-B14F-4D97-AF65-F5344CB8AC3E}">
+        <p14:creationId xmlns:p14="http://schemas.microsoft.com/office/powerpoint/2010/main" val="3959189220"/>
+      </p:ext>
+    </p:extLst>
+  </p:cSld>
+  <p:clrMapOvr>
+    <a:masterClrMapping/>
+  </p:clrMapOvr>
+</p:notes>
+</file>
+
+<file path=ppt/notesSlides/notesSlide10.xml><?xml version="1.0" encoding="utf-8"?>
+<p:notes xmlns:a="http://schemas.openxmlformats.org/drawingml/2006/main" xmlns:r="http://schemas.openxmlformats.org/officeDocument/2006/relationships" xmlns:p="http://schemas.openxmlformats.org/presentationml/2006/main">
+  <p:cSld>
+    <p:spTree>
+      <p:nvGrpSpPr>
+        <p:cNvPr id="1" name=""/>
+        <p:cNvGrpSpPr/>
+        <p:nvPr/>
+      </p:nvGrpSpPr>
+      <p:grpSpPr>
+        <a:xfrm>
+          <a:off x="0" y="0"/>
+          <a:ext cx="0" cy="0"/>
+          <a:chOff x="0" y="0"/>
+          <a:chExt cx="0" cy="0"/>
+        </a:xfrm>
+      </p:grpSpPr>
+      <p:sp>
+        <p:nvSpPr>
+          <p:cNvPr id="2" name="Slide Image Placeholder 1"/>
+          <p:cNvSpPr>
+            <a:spLocks noGrp="1" noRot="1" noChangeAspect="1"/>
+          </p:cNvSpPr>
+          <p:nvPr>
+            <p:ph type="sldImg"/>
+          </p:nvPr>
+        </p:nvSpPr>
+        <p:spPr/>
+      </p:sp>
+      <p:sp>
+        <p:nvSpPr>
+          <p:cNvPr id="3" name="Notes Placeholder 2"/>
+          <p:cNvSpPr>
+            <a:spLocks noGrp="1"/>
+          </p:cNvSpPr>
+          <p:nvPr>
+            <p:ph type="body" idx="1"/>
+          </p:nvPr>
+        </p:nvSpPr>
+        <p:spPr/>
+        <p:txBody>
+          <a:bodyPr/>
+          <a:lstStyle/>
+          <a:p>
+            <a:endParaRPr lang="en-US" dirty="0"/>
+          </a:p>
+        </p:txBody>
+      </p:sp>
+      <p:sp>
+        <p:nvSpPr>
+          <p:cNvPr id="4" name="Slide Number Placeholder 3"/>
+          <p:cNvSpPr>
+            <a:spLocks noGrp="1"/>
+          </p:cNvSpPr>
+          <p:nvPr>
+            <p:ph type="sldNum" sz="quarter" idx="10"/>
+          </p:nvPr>
+        </p:nvSpPr>
+        <p:spPr/>
+        <p:txBody>
+          <a:bodyPr/>
+          <a:lstStyle/>
+          <a:p>
+            <a:fld id="{D633CFC9-9EA6-1241-A510-5FCAF76A6332}" type="slidenum">
+              <a:rPr lang="en-US" smtClean="0"/>
+              <a:t>15</a:t>
+            </a:fld>
+            <a:endParaRPr lang="en-US"/>
+          </a:p>
+        </p:txBody>
+      </p:sp>
+    </p:spTree>
+    <p:extLst>
+      <p:ext uri="{BB962C8B-B14F-4D97-AF65-F5344CB8AC3E}">
+        <p14:creationId xmlns:p14="http://schemas.microsoft.com/office/powerpoint/2010/main" val="1977194694"/>
+      </p:ext>
+    </p:extLst>
+  </p:cSld>
+  <p:clrMapOvr>
+    <a:masterClrMapping/>
+  </p:clrMapOvr>
+</p:notes>
+</file>
+
+<file path=ppt/notesSlides/notesSlide11.xml><?xml version="1.0" encoding="utf-8"?>
+<p:notes xmlns:a="http://schemas.openxmlformats.org/drawingml/2006/main" xmlns:r="http://schemas.openxmlformats.org/officeDocument/2006/relationships" xmlns:p="http://schemas.openxmlformats.org/presentationml/2006/main">
+  <p:cSld>
+    <p:spTree>
+      <p:nvGrpSpPr>
+        <p:cNvPr id="1" name=""/>
+        <p:cNvGrpSpPr/>
+        <p:nvPr/>
+      </p:nvGrpSpPr>
+      <p:grpSpPr>
+        <a:xfrm>
+          <a:off x="0" y="0"/>
+          <a:ext cx="0" cy="0"/>
+          <a:chOff x="0" y="0"/>
+          <a:chExt cx="0" cy="0"/>
+        </a:xfrm>
+      </p:grpSpPr>
+      <p:sp>
+        <p:nvSpPr>
+          <p:cNvPr id="2" name="Slide Image Placeholder 1"/>
+          <p:cNvSpPr>
+            <a:spLocks noGrp="1" noRot="1" noChangeAspect="1"/>
+          </p:cNvSpPr>
+          <p:nvPr>
+            <p:ph type="sldImg"/>
+          </p:nvPr>
+        </p:nvSpPr>
+        <p:spPr/>
+      </p:sp>
+      <p:sp>
+        <p:nvSpPr>
+          <p:cNvPr id="3" name="Notes Placeholder 2"/>
+          <p:cNvSpPr>
+            <a:spLocks noGrp="1"/>
+          </p:cNvSpPr>
+          <p:nvPr>
+            <p:ph type="body" idx="1"/>
+          </p:nvPr>
+        </p:nvSpPr>
+        <p:spPr/>
+        <p:txBody>
+          <a:bodyPr/>
+          <a:lstStyle/>
+          <a:p>
+            <a:r>
+              <a:rPr lang="en-US" dirty="0" smtClean="0"/>
+              <a:t>Mention</a:t>
+            </a:r>
+            <a:r>
+              <a:rPr lang="en-US" baseline="0" dirty="0" smtClean="0"/>
+              <a:t> exports piece of modules</a:t>
+            </a:r>
+          </a:p>
+          <a:p>
+            <a:r>
+              <a:rPr lang="en-US" baseline="0" dirty="0" smtClean="0"/>
+              <a:t>1.5, </a:t>
+            </a:r>
+            <a:r>
+              <a:rPr lang="en-US" baseline="0" dirty="0" err="1" smtClean="0"/>
+              <a:t>etc</a:t>
+            </a:r>
+            <a:r>
+              <a:rPr lang="en-US" baseline="0" dirty="0" smtClean="0"/>
+              <a:t> specs give you map/filter/</a:t>
+            </a:r>
+            <a:r>
+              <a:rPr lang="en-US" baseline="0" dirty="0" err="1" smtClean="0"/>
+              <a:t>forEach</a:t>
+            </a:r>
+            <a:r>
+              <a:rPr lang="en-US" baseline="0" dirty="0" smtClean="0"/>
+              <a:t> and more….</a:t>
+            </a:r>
+            <a:endParaRPr lang="en-US" dirty="0"/>
+          </a:p>
+        </p:txBody>
+      </p:sp>
+      <p:sp>
+        <p:nvSpPr>
+          <p:cNvPr id="4" name="Slide Number Placeholder 3"/>
+          <p:cNvSpPr>
+            <a:spLocks noGrp="1"/>
+          </p:cNvSpPr>
+          <p:nvPr>
+            <p:ph type="sldNum" sz="quarter" idx="10"/>
+          </p:nvPr>
+        </p:nvSpPr>
+        <p:spPr/>
+        <p:txBody>
+          <a:bodyPr/>
+          <a:lstStyle/>
+          <a:p>
+            <a:fld id="{D633CFC9-9EA6-1241-A510-5FCAF76A6332}" type="slidenum">
+              <a:rPr lang="en-US" smtClean="0"/>
+              <a:t>16</a:t>
+            </a:fld>
+            <a:endParaRPr lang="en-US"/>
+          </a:p>
+        </p:txBody>
+      </p:sp>
+    </p:spTree>
+    <p:extLst>
+      <p:ext uri="{BB962C8B-B14F-4D97-AF65-F5344CB8AC3E}">
+        <p14:creationId xmlns:p14="http://schemas.microsoft.com/office/powerpoint/2010/main" val="2011859339"/>
+      </p:ext>
+    </p:extLst>
+  </p:cSld>
+  <p:clrMapOvr>
+    <a:masterClrMapping/>
+  </p:clrMapOvr>
+</p:notes>
+</file>
+
+<file path=ppt/notesSlides/notesSlide12.xml><?xml version="1.0" encoding="utf-8"?>
+<p:notes xmlns:a="http://schemas.openxmlformats.org/drawingml/2006/main" xmlns:r="http://schemas.openxmlformats.org/officeDocument/2006/relationships" xmlns:p="http://schemas.openxmlformats.org/presentationml/2006/main">
+  <p:cSld>
+    <p:spTree>
+      <p:nvGrpSpPr>
+        <p:cNvPr id="1" name=""/>
+        <p:cNvGrpSpPr/>
+        <p:nvPr/>
+      </p:nvGrpSpPr>
+      <p:grpSpPr>
+        <a:xfrm>
+          <a:off x="0" y="0"/>
+          <a:ext cx="0" cy="0"/>
+          <a:chOff x="0" y="0"/>
+          <a:chExt cx="0" cy="0"/>
+        </a:xfrm>
+      </p:grpSpPr>
+      <p:sp>
+        <p:nvSpPr>
+          <p:cNvPr id="2" name="Slide Image Placeholder 1"/>
+          <p:cNvSpPr>
+            <a:spLocks noGrp="1" noRot="1" noChangeAspect="1"/>
+          </p:cNvSpPr>
+          <p:nvPr>
+            <p:ph type="sldImg"/>
+          </p:nvPr>
+        </p:nvSpPr>
+        <p:spPr/>
+      </p:sp>
+      <p:sp>
+        <p:nvSpPr>
+          <p:cNvPr id="3" name="Notes Placeholder 2"/>
+          <p:cNvSpPr>
+            <a:spLocks noGrp="1"/>
+          </p:cNvSpPr>
+          <p:nvPr>
+            <p:ph type="body" idx="1"/>
+          </p:nvPr>
+        </p:nvSpPr>
+        <p:spPr/>
+        <p:txBody>
+          <a:bodyPr/>
+          <a:lstStyle/>
+          <a:p>
+            <a:r>
+              <a:rPr lang="en-US" dirty="0" smtClean="0"/>
+              <a:t>Module imports</a:t>
+            </a:r>
+          </a:p>
+          <a:p>
+            <a:r>
+              <a:rPr lang="en-US" dirty="0" smtClean="0"/>
+              <a:t>Sockets array</a:t>
+            </a:r>
+          </a:p>
+          <a:p>
+            <a:r>
+              <a:rPr lang="en-US" dirty="0" smtClean="0"/>
+              <a:t>Web server, callback for a request</a:t>
+            </a:r>
+          </a:p>
+          <a:p>
+            <a:r>
+              <a:rPr lang="en-US" dirty="0" smtClean="0"/>
+              <a:t>Socket write call is</a:t>
+            </a:r>
+            <a:r>
+              <a:rPr lang="en-US" baseline="0" dirty="0" smtClean="0"/>
+              <a:t> non-blocking.  Entire array will be iterated and invoked before all writing is done</a:t>
+            </a:r>
+          </a:p>
+          <a:p>
+            <a:r>
+              <a:rPr lang="en-US" baseline="0" dirty="0" smtClean="0"/>
+              <a:t>telnet server</a:t>
+            </a:r>
+            <a:endParaRPr lang="en-US" dirty="0"/>
+          </a:p>
+        </p:txBody>
+      </p:sp>
+      <p:sp>
+        <p:nvSpPr>
+          <p:cNvPr id="4" name="Slide Number Placeholder 3"/>
+          <p:cNvSpPr>
+            <a:spLocks noGrp="1"/>
+          </p:cNvSpPr>
+          <p:nvPr>
+            <p:ph type="sldNum" sz="quarter" idx="10"/>
+          </p:nvPr>
+        </p:nvSpPr>
+        <p:spPr/>
+        <p:txBody>
+          <a:bodyPr/>
+          <a:lstStyle/>
+          <a:p>
+            <a:fld id="{D633CFC9-9EA6-1241-A510-5FCAF76A6332}" type="slidenum">
+              <a:rPr lang="en-US" smtClean="0"/>
+              <a:t>17</a:t>
+            </a:fld>
+            <a:endParaRPr lang="en-US"/>
+          </a:p>
+        </p:txBody>
+      </p:sp>
+    </p:spTree>
+    <p:extLst>
+      <p:ext uri="{BB962C8B-B14F-4D97-AF65-F5344CB8AC3E}">
+        <p14:creationId xmlns:p14="http://schemas.microsoft.com/office/powerpoint/2010/main" val="3863603642"/>
+      </p:ext>
+    </p:extLst>
+  </p:cSld>
+  <p:clrMapOvr>
+    <a:masterClrMapping/>
+  </p:clrMapOvr>
+</p:notes>
+</file>
+
+<file path=ppt/notesSlides/notesSlide13.xml><?xml version="1.0" encoding="utf-8"?>
+<p:notes xmlns:a="http://schemas.openxmlformats.org/drawingml/2006/main" xmlns:r="http://schemas.openxmlformats.org/officeDocument/2006/relationships" xmlns:p="http://schemas.openxmlformats.org/presentationml/2006/main">
+  <p:cSld>
+    <p:spTree>
+      <p:nvGrpSpPr>
+        <p:cNvPr id="1" name=""/>
+        <p:cNvGrpSpPr/>
+        <p:nvPr/>
+      </p:nvGrpSpPr>
+      <p:grpSpPr>
+        <a:xfrm>
+          <a:off x="0" y="0"/>
+          <a:ext cx="0" cy="0"/>
+          <a:chOff x="0" y="0"/>
+          <a:chExt cx="0" cy="0"/>
+        </a:xfrm>
+      </p:grpSpPr>
+      <p:sp>
+        <p:nvSpPr>
+          <p:cNvPr id="2" name="Slide Image Placeholder 1"/>
+          <p:cNvSpPr>
+            <a:spLocks noGrp="1" noRot="1" noChangeAspect="1"/>
+          </p:cNvSpPr>
+          <p:nvPr>
+            <p:ph type="sldImg"/>
+          </p:nvPr>
+        </p:nvSpPr>
+        <p:spPr/>
+      </p:sp>
+      <p:sp>
+        <p:nvSpPr>
+          <p:cNvPr id="3" name="Notes Placeholder 2"/>
+          <p:cNvSpPr>
+            <a:spLocks noGrp="1"/>
+          </p:cNvSpPr>
+          <p:nvPr>
+            <p:ph type="body" idx="1"/>
+          </p:nvPr>
+        </p:nvSpPr>
+        <p:spPr/>
+        <p:txBody>
+          <a:bodyPr/>
+          <a:lstStyle/>
+          <a:p>
+            <a:r>
+              <a:rPr lang="en-US" dirty="0" smtClean="0"/>
+              <a:t>Building</a:t>
+            </a:r>
+            <a:r>
+              <a:rPr lang="en-US" baseline="0" dirty="0" smtClean="0"/>
+              <a:t> your own module isn’t terribly difficult.</a:t>
+            </a:r>
+          </a:p>
+          <a:p>
+            <a:r>
+              <a:rPr lang="en-US" baseline="0" dirty="0" smtClean="0"/>
+              <a:t>You include a </a:t>
+            </a:r>
+            <a:r>
+              <a:rPr lang="en-US" baseline="0" dirty="0" err="1" smtClean="0"/>
+              <a:t>package.json</a:t>
+            </a:r>
+            <a:r>
+              <a:rPr lang="en-US" baseline="0" dirty="0" smtClean="0"/>
+              <a:t> file in </a:t>
+            </a:r>
+            <a:r>
+              <a:rPr lang="en-US" baseline="0" dirty="0" err="1" smtClean="0"/>
+              <a:t>dir</a:t>
+            </a:r>
+            <a:r>
+              <a:rPr lang="en-US" baseline="0" dirty="0" smtClean="0"/>
+              <a:t> root</a:t>
+            </a:r>
+            <a:endParaRPr lang="en-US" dirty="0"/>
+          </a:p>
+        </p:txBody>
+      </p:sp>
+      <p:sp>
+        <p:nvSpPr>
+          <p:cNvPr id="4" name="Slide Number Placeholder 3"/>
+          <p:cNvSpPr>
+            <a:spLocks noGrp="1"/>
+          </p:cNvSpPr>
+          <p:nvPr>
+            <p:ph type="sldNum" sz="quarter" idx="10"/>
+          </p:nvPr>
+        </p:nvSpPr>
+        <p:spPr/>
+        <p:txBody>
+          <a:bodyPr/>
+          <a:lstStyle/>
+          <a:p>
+            <a:fld id="{D633CFC9-9EA6-1241-A510-5FCAF76A6332}" type="slidenum">
+              <a:rPr lang="en-US" smtClean="0"/>
+              <a:t>20</a:t>
+            </a:fld>
+            <a:endParaRPr lang="en-US"/>
+          </a:p>
+        </p:txBody>
+      </p:sp>
+    </p:spTree>
+    <p:extLst>
+      <p:ext uri="{BB962C8B-B14F-4D97-AF65-F5344CB8AC3E}">
+        <p14:creationId xmlns:p14="http://schemas.microsoft.com/office/powerpoint/2010/main" val="1220171817"/>
+      </p:ext>
+    </p:extLst>
+  </p:cSld>
+  <p:clrMapOvr>
+    <a:masterClrMapping/>
+  </p:clrMapOvr>
+</p:notes>
+</file>
+
+<file path=ppt/notesSlides/notesSlide14.xml><?xml version="1.0" encoding="utf-8"?>
+<p:notes xmlns:a="http://schemas.openxmlformats.org/drawingml/2006/main" xmlns:r="http://schemas.openxmlformats.org/officeDocument/2006/relationships" xmlns:p="http://schemas.openxmlformats.org/presentationml/2006/main">
+  <p:cSld>
+    <p:spTree>
+      <p:nvGrpSpPr>
+        <p:cNvPr id="1" name=""/>
+        <p:cNvGrpSpPr/>
+        <p:nvPr/>
+      </p:nvGrpSpPr>
+      <p:grpSpPr>
+        <a:xfrm>
+          <a:off x="0" y="0"/>
+          <a:ext cx="0" cy="0"/>
+          <a:chOff x="0" y="0"/>
+          <a:chExt cx="0" cy="0"/>
+        </a:xfrm>
+      </p:grpSpPr>
+      <p:sp>
+        <p:nvSpPr>
+          <p:cNvPr id="2" name="Slide Image Placeholder 1"/>
+          <p:cNvSpPr>
+            <a:spLocks noGrp="1" noRot="1" noChangeAspect="1"/>
+          </p:cNvSpPr>
+          <p:nvPr>
+            <p:ph type="sldImg"/>
+          </p:nvPr>
+        </p:nvSpPr>
+        <p:spPr/>
+      </p:sp>
+      <p:sp>
+        <p:nvSpPr>
+          <p:cNvPr id="3" name="Notes Placeholder 2"/>
+          <p:cNvSpPr>
+            <a:spLocks noGrp="1"/>
+          </p:cNvSpPr>
+          <p:nvPr>
+            <p:ph type="body" idx="1"/>
+          </p:nvPr>
+        </p:nvSpPr>
+        <p:spPr/>
+        <p:txBody>
+          <a:bodyPr/>
+          <a:lstStyle/>
+          <a:p>
+            <a:r>
+              <a:rPr lang="en-US" dirty="0" smtClean="0"/>
+              <a:t>Both seem great.  I use nave most since I found it first, but understand sub shell concerns other’s have</a:t>
+            </a:r>
+            <a:endParaRPr lang="en-US" dirty="0"/>
+          </a:p>
+        </p:txBody>
+      </p:sp>
+      <p:sp>
+        <p:nvSpPr>
+          <p:cNvPr id="4" name="Slide Number Placeholder 3"/>
+          <p:cNvSpPr>
+            <a:spLocks noGrp="1"/>
+          </p:cNvSpPr>
+          <p:nvPr>
+            <p:ph type="sldNum" sz="quarter" idx="10"/>
+          </p:nvPr>
+        </p:nvSpPr>
+        <p:spPr/>
+        <p:txBody>
+          <a:bodyPr/>
+          <a:lstStyle/>
+          <a:p>
+            <a:fld id="{D633CFC9-9EA6-1241-A510-5FCAF76A6332}" type="slidenum">
+              <a:rPr lang="en-US" smtClean="0"/>
+              <a:t>21</a:t>
+            </a:fld>
+            <a:endParaRPr lang="en-US"/>
+          </a:p>
+        </p:txBody>
+      </p:sp>
+    </p:spTree>
+    <p:extLst>
+      <p:ext uri="{BB962C8B-B14F-4D97-AF65-F5344CB8AC3E}">
+        <p14:creationId xmlns:p14="http://schemas.microsoft.com/office/powerpoint/2010/main" val="1220171817"/>
+      </p:ext>
+    </p:extLst>
+  </p:cSld>
+  <p:clrMapOvr>
+    <a:masterClrMapping/>
+  </p:clrMapOvr>
+</p:notes>
+</file>
+
+<file path=ppt/notesSlides/notesSlide15.xml><?xml version="1.0" encoding="utf-8"?>
+<p:notes xmlns:a="http://schemas.openxmlformats.org/drawingml/2006/main" xmlns:r="http://schemas.openxmlformats.org/officeDocument/2006/relationships" xmlns:p="http://schemas.openxmlformats.org/presentationml/2006/main">
+  <p:cSld>
+    <p:spTree>
+      <p:nvGrpSpPr>
+        <p:cNvPr id="1" name=""/>
+        <p:cNvGrpSpPr/>
+        <p:nvPr/>
+      </p:nvGrpSpPr>
+      <p:grpSpPr>
+        <a:xfrm>
+          <a:off x="0" y="0"/>
+          <a:ext cx="0" cy="0"/>
+          <a:chOff x="0" y="0"/>
+          <a:chExt cx="0" cy="0"/>
+        </a:xfrm>
+      </p:grpSpPr>
+      <p:sp>
+        <p:nvSpPr>
+          <p:cNvPr id="2" name="Slide Image Placeholder 1"/>
+          <p:cNvSpPr>
+            <a:spLocks noGrp="1" noRot="1" noChangeAspect="1"/>
+          </p:cNvSpPr>
+          <p:nvPr>
+            <p:ph type="sldImg"/>
+          </p:nvPr>
+        </p:nvSpPr>
+        <p:spPr/>
+      </p:sp>
+      <p:sp>
+        <p:nvSpPr>
+          <p:cNvPr id="3" name="Notes Placeholder 2"/>
+          <p:cNvSpPr>
+            <a:spLocks noGrp="1"/>
+          </p:cNvSpPr>
+          <p:nvPr>
+            <p:ph type="body" idx="1"/>
+          </p:nvPr>
+        </p:nvSpPr>
+        <p:spPr/>
+        <p:txBody>
+          <a:bodyPr/>
+          <a:lstStyle/>
+          <a:p>
+            <a:r>
+              <a:rPr lang="en-US" dirty="0" smtClean="0"/>
+              <a:t>Command line debugger is NOT for the faint of heart, and it’s incomplete at the moment</a:t>
+            </a:r>
+          </a:p>
+          <a:p>
+            <a:r>
+              <a:rPr lang="en-US" dirty="0" smtClean="0"/>
+              <a:t>Node-inspector</a:t>
+            </a:r>
+            <a:r>
+              <a:rPr lang="en-US" baseline="0" dirty="0" smtClean="0"/>
+              <a:t> and Eclipse both connect to V-8 over port 5858 (unless you specify otherwise)</a:t>
+            </a:r>
+          </a:p>
+          <a:p>
+            <a:r>
+              <a:rPr lang="en-US" baseline="0" dirty="0" smtClean="0"/>
+              <a:t>I love that node-inspector is Chrome’s </a:t>
+            </a:r>
+            <a:r>
+              <a:rPr lang="en-US" baseline="0" dirty="0" err="1" smtClean="0"/>
+              <a:t>dev</a:t>
+            </a:r>
+            <a:r>
+              <a:rPr lang="en-US" baseline="0" dirty="0" smtClean="0"/>
+              <a:t> tools – it’s familiar…and heap snapshots!  (go require v8-profiler NOW)</a:t>
+            </a:r>
+          </a:p>
+          <a:p>
+            <a:r>
+              <a:rPr lang="en-US" baseline="0" dirty="0" smtClean="0"/>
+              <a:t>Eclipse is nice as well – feels less problematic due to the command line kung </a:t>
+            </a:r>
+            <a:r>
+              <a:rPr lang="en-US" baseline="0" dirty="0" err="1" smtClean="0"/>
+              <a:t>fu</a:t>
+            </a:r>
+            <a:r>
+              <a:rPr lang="en-US" baseline="0" dirty="0" smtClean="0"/>
+              <a:t> necessary for node-inspector</a:t>
+            </a:r>
+          </a:p>
+          <a:p>
+            <a:endParaRPr lang="en-US" baseline="0" dirty="0" smtClean="0"/>
+          </a:p>
+          <a:p>
+            <a:r>
+              <a:rPr lang="en-US" dirty="0" err="1" smtClean="0"/>
+              <a:t>var</a:t>
+            </a:r>
+            <a:r>
+              <a:rPr lang="en-US" dirty="0" smtClean="0"/>
+              <a:t> profiler = require('v8-profiler');</a:t>
+            </a:r>
+          </a:p>
+          <a:p>
+            <a:endParaRPr lang="en-US" dirty="0" smtClean="0"/>
+          </a:p>
+          <a:p>
+            <a:r>
+              <a:rPr lang="en-US" dirty="0" err="1" smtClean="0"/>
+              <a:t>profiler.startProfiling</a:t>
+            </a:r>
+            <a:r>
+              <a:rPr lang="en-US" dirty="0" smtClean="0"/>
+              <a:t>('startup');</a:t>
+            </a:r>
+          </a:p>
+          <a:p>
+            <a:r>
+              <a:rPr lang="en-US" dirty="0" err="1" smtClean="0"/>
+              <a:t>slowStartupFoo</a:t>
+            </a:r>
+            <a:r>
+              <a:rPr lang="en-US" dirty="0" smtClean="0"/>
+              <a:t>();</a:t>
+            </a:r>
+          </a:p>
+          <a:p>
+            <a:r>
+              <a:rPr lang="en-US" dirty="0" err="1" smtClean="0"/>
+              <a:t>profiler.stopProfiling</a:t>
+            </a:r>
+            <a:r>
+              <a:rPr lang="en-US" dirty="0" smtClean="0"/>
+              <a:t>('startup');</a:t>
+            </a:r>
+          </a:p>
+          <a:p>
+            <a:endParaRPr lang="en-US" dirty="0" smtClean="0"/>
+          </a:p>
+          <a:p>
+            <a:r>
+              <a:rPr lang="en-US" dirty="0" err="1" smtClean="0"/>
+              <a:t>profiler.takeSnapshot</a:t>
+            </a:r>
+            <a:r>
+              <a:rPr lang="en-US" dirty="0" smtClean="0"/>
+              <a:t>('</a:t>
+            </a:r>
+            <a:r>
+              <a:rPr lang="en-US" dirty="0" err="1" smtClean="0"/>
+              <a:t>beforeLeak</a:t>
+            </a:r>
+            <a:r>
+              <a:rPr lang="en-US" dirty="0" smtClean="0"/>
+              <a:t>');</a:t>
+            </a:r>
+          </a:p>
+          <a:p>
+            <a:r>
+              <a:rPr lang="en-US" dirty="0" err="1" smtClean="0"/>
+              <a:t>leakyFoo</a:t>
+            </a:r>
+            <a:r>
+              <a:rPr lang="en-US" dirty="0" smtClean="0"/>
+              <a:t>();</a:t>
+            </a:r>
+          </a:p>
+          <a:p>
+            <a:r>
+              <a:rPr lang="en-US" dirty="0" err="1" smtClean="0"/>
+              <a:t>profiler.takeSnapshot</a:t>
+            </a:r>
+            <a:r>
+              <a:rPr lang="en-US" dirty="0" smtClean="0"/>
+              <a:t>('</a:t>
+            </a:r>
+            <a:r>
+              <a:rPr lang="en-US" dirty="0" err="1" smtClean="0"/>
+              <a:t>afterLeak</a:t>
+            </a:r>
+            <a:r>
+              <a:rPr lang="en-US" dirty="0" smtClean="0"/>
+              <a:t>');</a:t>
+            </a:r>
+            <a:endParaRPr lang="en-US" dirty="0"/>
+          </a:p>
+        </p:txBody>
+      </p:sp>
+      <p:sp>
+        <p:nvSpPr>
+          <p:cNvPr id="4" name="Slide Number Placeholder 3"/>
+          <p:cNvSpPr>
+            <a:spLocks noGrp="1"/>
+          </p:cNvSpPr>
+          <p:nvPr>
+            <p:ph type="sldNum" sz="quarter" idx="10"/>
+          </p:nvPr>
+        </p:nvSpPr>
+        <p:spPr/>
+        <p:txBody>
+          <a:bodyPr/>
+          <a:lstStyle/>
+          <a:p>
+            <a:fld id="{D633CFC9-9EA6-1241-A510-5FCAF76A6332}" type="slidenum">
+              <a:rPr lang="en-US" smtClean="0"/>
+              <a:t>22</a:t>
+            </a:fld>
+            <a:endParaRPr lang="en-US"/>
+          </a:p>
+        </p:txBody>
+      </p:sp>
+    </p:spTree>
+    <p:extLst>
+      <p:ext uri="{BB962C8B-B14F-4D97-AF65-F5344CB8AC3E}">
+        <p14:creationId xmlns:p14="http://schemas.microsoft.com/office/powerpoint/2010/main" val="1220171817"/>
+      </p:ext>
+    </p:extLst>
+  </p:cSld>
+  <p:clrMapOvr>
+    <a:masterClrMapping/>
+  </p:clrMapOvr>
+</p:notes>
+</file>
+
+<file path=ppt/notesSlides/notesSlide16.xml><?xml version="1.0" encoding="utf-8"?>
+<p:notes xmlns:a="http://schemas.openxmlformats.org/drawingml/2006/main" xmlns:r="http://schemas.openxmlformats.org/officeDocument/2006/relationships" xmlns:p="http://schemas.openxmlformats.org/presentationml/2006/main">
+  <p:cSld>
+    <p:spTree>
+      <p:nvGrpSpPr>
+        <p:cNvPr id="1" name=""/>
+        <p:cNvGrpSpPr/>
+        <p:nvPr/>
+      </p:nvGrpSpPr>
+      <p:grpSpPr>
+        <a:xfrm>
+          <a:off x="0" y="0"/>
+          <a:ext cx="0" cy="0"/>
+          <a:chOff x="0" y="0"/>
+          <a:chExt cx="0" cy="0"/>
+        </a:xfrm>
+      </p:grpSpPr>
+      <p:sp>
+        <p:nvSpPr>
+          <p:cNvPr id="2" name="Slide Image Placeholder 1"/>
+          <p:cNvSpPr>
+            <a:spLocks noGrp="1" noRot="1" noChangeAspect="1"/>
+          </p:cNvSpPr>
+          <p:nvPr>
+            <p:ph type="sldImg"/>
+          </p:nvPr>
+        </p:nvSpPr>
+        <p:spPr/>
+      </p:sp>
+      <p:sp>
+        <p:nvSpPr>
+          <p:cNvPr id="3" name="Notes Placeholder 2"/>
+          <p:cNvSpPr>
+            <a:spLocks noGrp="1"/>
+          </p:cNvSpPr>
+          <p:nvPr>
+            <p:ph type="body" idx="1"/>
+          </p:nvPr>
+        </p:nvSpPr>
+        <p:spPr/>
+        <p:txBody>
+          <a:bodyPr/>
+          <a:lstStyle/>
+          <a:p>
+            <a:r>
+              <a:rPr lang="en-US" dirty="0" err="1" smtClean="0"/>
+              <a:t>Howtonode.org</a:t>
+            </a:r>
+            <a:r>
+              <a:rPr lang="en-US" dirty="0" smtClean="0"/>
+              <a:t> implemented in wheat.</a:t>
+            </a:r>
+          </a:p>
+          <a:p>
+            <a:endParaRPr lang="en-US" dirty="0"/>
+          </a:p>
+        </p:txBody>
+      </p:sp>
+      <p:sp>
+        <p:nvSpPr>
+          <p:cNvPr id="4" name="Slide Number Placeholder 3"/>
+          <p:cNvSpPr>
+            <a:spLocks noGrp="1"/>
+          </p:cNvSpPr>
+          <p:nvPr>
+            <p:ph type="sldNum" sz="quarter" idx="10"/>
+          </p:nvPr>
+        </p:nvSpPr>
+        <p:spPr/>
+        <p:txBody>
+          <a:bodyPr/>
+          <a:lstStyle/>
+          <a:p>
+            <a:fld id="{D633CFC9-9EA6-1241-A510-5FCAF76A6332}" type="slidenum">
+              <a:rPr lang="en-US" smtClean="0"/>
+              <a:t>23</a:t>
+            </a:fld>
+            <a:endParaRPr lang="en-US"/>
+          </a:p>
+        </p:txBody>
+      </p:sp>
+    </p:spTree>
+    <p:extLst>
+      <p:ext uri="{BB962C8B-B14F-4D97-AF65-F5344CB8AC3E}">
+        <p14:creationId xmlns:p14="http://schemas.microsoft.com/office/powerpoint/2010/main" val="1613277740"/>
+      </p:ext>
+    </p:extLst>
+  </p:cSld>
+  <p:clrMapOvr>
+    <a:masterClrMapping/>
+  </p:clrMapOvr>
+</p:notes>
+</file>
+
+<file path=ppt/notesSlides/notesSlide17.xml><?xml version="1.0" encoding="utf-8"?>
+<p:notes xmlns:a="http://schemas.openxmlformats.org/drawingml/2006/main" xmlns:r="http://schemas.openxmlformats.org/officeDocument/2006/relationships" xmlns:p="http://schemas.openxmlformats.org/presentationml/2006/main">
+  <p:cSld>
+    <p:spTree>
+      <p:nvGrpSpPr>
+        <p:cNvPr id="1" name=""/>
+        <p:cNvGrpSpPr/>
+        <p:nvPr/>
+      </p:nvGrpSpPr>
+      <p:grpSpPr>
+        <a:xfrm>
+          <a:off x="0" y="0"/>
+          <a:ext cx="0" cy="0"/>
+          <a:chOff x="0" y="0"/>
+          <a:chExt cx="0" cy="0"/>
+        </a:xfrm>
+      </p:grpSpPr>
+      <p:sp>
+        <p:nvSpPr>
+          <p:cNvPr id="2" name="Slide Image Placeholder 1"/>
+          <p:cNvSpPr>
+            <a:spLocks noGrp="1" noRot="1" noChangeAspect="1"/>
+          </p:cNvSpPr>
+          <p:nvPr>
+            <p:ph type="sldImg"/>
+          </p:nvPr>
+        </p:nvSpPr>
+        <p:spPr/>
+      </p:sp>
+      <p:sp>
+        <p:nvSpPr>
+          <p:cNvPr id="3" name="Notes Placeholder 2"/>
+          <p:cNvSpPr>
+            <a:spLocks noGrp="1"/>
+          </p:cNvSpPr>
+          <p:nvPr>
+            <p:ph type="body" idx="1"/>
+          </p:nvPr>
+        </p:nvSpPr>
+        <p:spPr/>
+        <p:txBody>
+          <a:bodyPr/>
+          <a:lstStyle/>
+          <a:p>
+            <a:r>
+              <a:rPr lang="en-US" dirty="0" smtClean="0"/>
+              <a:t>Twitter</a:t>
+            </a:r>
+            <a:r>
+              <a:rPr lang="en-US" baseline="0" dirty="0" smtClean="0"/>
+              <a:t> is using node to compile Less to CSS</a:t>
+            </a:r>
+          </a:p>
+          <a:p>
+            <a:pPr marL="0" marR="0" indent="0" algn="l" defTabSz="457200" rtl="0" eaLnBrk="1" fontAlgn="auto" latinLnBrk="0" hangingPunct="1">
+              <a:lnSpc>
+                <a:spcPct val="100000"/>
+              </a:lnSpc>
+              <a:spcBef>
+                <a:spcPts val="0"/>
+              </a:spcBef>
+              <a:spcAft>
+                <a:spcPts val="0"/>
+              </a:spcAft>
+              <a:buClrTx/>
+              <a:buSzTx/>
+              <a:buFontTx/>
+              <a:buNone/>
+              <a:tabLst/>
+              <a:defRPr/>
+            </a:pPr>
+            <a:r>
+              <a:rPr lang="en-US" baseline="0" dirty="0" smtClean="0"/>
+              <a:t>Yahoo can’t say yet</a:t>
+            </a:r>
+          </a:p>
+          <a:p>
+            <a:pPr marL="0" marR="0" indent="0" algn="l" defTabSz="457200" rtl="0" eaLnBrk="1" fontAlgn="auto" latinLnBrk="0" hangingPunct="1">
+              <a:lnSpc>
+                <a:spcPct val="100000"/>
+              </a:lnSpc>
+              <a:spcBef>
+                <a:spcPts val="0"/>
+              </a:spcBef>
+              <a:spcAft>
+                <a:spcPts val="0"/>
+              </a:spcAft>
+              <a:buClrTx/>
+              <a:buSzTx/>
+              <a:buFontTx/>
+              <a:buNone/>
+              <a:tabLst/>
+              <a:defRPr/>
+            </a:pPr>
+            <a:r>
+              <a:rPr lang="en-US" baseline="0" dirty="0" err="1" smtClean="0"/>
+              <a:t>Bocoup</a:t>
+            </a:r>
+            <a:r>
+              <a:rPr lang="en-US" baseline="0" dirty="0" smtClean="0"/>
+              <a:t> built IRC bot for logging/stats</a:t>
+            </a:r>
+          </a:p>
+          <a:p>
+            <a:pPr marL="0" marR="0" indent="0" algn="l" defTabSz="457200" rtl="0" eaLnBrk="1" fontAlgn="auto" latinLnBrk="0" hangingPunct="1">
+              <a:lnSpc>
+                <a:spcPct val="100000"/>
+              </a:lnSpc>
+              <a:spcBef>
+                <a:spcPts val="0"/>
+              </a:spcBef>
+              <a:spcAft>
+                <a:spcPts val="0"/>
+              </a:spcAft>
+              <a:buClrTx/>
+              <a:buSzTx/>
+              <a:buFontTx/>
+              <a:buNone/>
+              <a:tabLst/>
+              <a:defRPr/>
+            </a:pPr>
+            <a:r>
+              <a:rPr lang="en-US" baseline="0" dirty="0" err="1" smtClean="0"/>
+              <a:t>Proxlet’s</a:t>
+            </a:r>
+            <a:r>
+              <a:rPr lang="en-US" baseline="0" dirty="0" smtClean="0"/>
+              <a:t> plugin uses node as the proxy</a:t>
+            </a:r>
+          </a:p>
+          <a:p>
+            <a:pPr marL="0" marR="0" indent="0" algn="l" defTabSz="457200" rtl="0" eaLnBrk="1" fontAlgn="auto" latinLnBrk="0" hangingPunct="1">
+              <a:lnSpc>
+                <a:spcPct val="100000"/>
+              </a:lnSpc>
+              <a:spcBef>
+                <a:spcPts val="0"/>
+              </a:spcBef>
+              <a:spcAft>
+                <a:spcPts val="0"/>
+              </a:spcAft>
+              <a:buClrTx/>
+              <a:buSzTx/>
+              <a:buFontTx/>
+              <a:buNone/>
+              <a:tabLst/>
+              <a:defRPr/>
+            </a:pPr>
+            <a:r>
+              <a:rPr lang="en-US" baseline="0" dirty="0" smtClean="0"/>
+              <a:t>Yammer uses node as a proxy for it’s API</a:t>
+            </a:r>
+          </a:p>
+          <a:p>
+            <a:pPr marL="0" marR="0" indent="0" algn="l" defTabSz="457200" rtl="0" eaLnBrk="1" fontAlgn="auto" latinLnBrk="0" hangingPunct="1">
+              <a:lnSpc>
+                <a:spcPct val="100000"/>
+              </a:lnSpc>
+              <a:spcBef>
+                <a:spcPts val="0"/>
+              </a:spcBef>
+              <a:spcAft>
+                <a:spcPts val="0"/>
+              </a:spcAft>
+              <a:buClrTx/>
+              <a:buSzTx/>
+              <a:buFontTx/>
+              <a:buNone/>
+              <a:tabLst/>
+              <a:defRPr/>
+            </a:pPr>
+            <a:r>
+              <a:rPr lang="en-US" baseline="0" dirty="0" smtClean="0"/>
+              <a:t>Worth mentioning that MS is working with </a:t>
+            </a:r>
+            <a:r>
+              <a:rPr lang="en-US" baseline="0" dirty="0" err="1" smtClean="0"/>
+              <a:t>Joyent</a:t>
+            </a:r>
+            <a:r>
+              <a:rPr lang="en-US" baseline="0" dirty="0" smtClean="0"/>
+              <a:t> on the win port of node/</a:t>
+            </a:r>
+            <a:r>
+              <a:rPr lang="en-US" baseline="0" dirty="0" err="1" smtClean="0"/>
+              <a:t>libuv</a:t>
+            </a:r>
+            <a:endParaRPr lang="en-US" baseline="0" dirty="0" smtClean="0"/>
+          </a:p>
+          <a:p>
+            <a:pPr marL="0" marR="0" indent="0" algn="l" defTabSz="457200" rtl="0" eaLnBrk="1" fontAlgn="auto" latinLnBrk="0" hangingPunct="1">
+              <a:lnSpc>
+                <a:spcPct val="100000"/>
+              </a:lnSpc>
+              <a:spcBef>
+                <a:spcPts val="0"/>
+              </a:spcBef>
+              <a:spcAft>
+                <a:spcPts val="0"/>
+              </a:spcAft>
+              <a:buClrTx/>
+              <a:buSzTx/>
+              <a:buFontTx/>
+              <a:buNone/>
+              <a:tabLst/>
+              <a:defRPr/>
+            </a:pPr>
+            <a:r>
+              <a:rPr lang="en-US" baseline="0" dirty="0" smtClean="0"/>
+              <a:t>LinkedIn uses node for the mobile server side stack</a:t>
+            </a:r>
+            <a:endParaRPr lang="en-US" baseline="0" dirty="0" smtClean="0"/>
+          </a:p>
+          <a:p>
+            <a:pPr marL="0" marR="0" indent="0" algn="l" defTabSz="457200" rtl="0" eaLnBrk="1" fontAlgn="auto" latinLnBrk="0" hangingPunct="1">
+              <a:lnSpc>
+                <a:spcPct val="100000"/>
+              </a:lnSpc>
+              <a:spcBef>
+                <a:spcPts val="0"/>
+              </a:spcBef>
+              <a:spcAft>
+                <a:spcPts val="0"/>
+              </a:spcAft>
+              <a:buClrTx/>
+              <a:buSzTx/>
+              <a:buFontTx/>
+              <a:buNone/>
+              <a:tabLst/>
+              <a:defRPr/>
+            </a:pPr>
+            <a:endParaRPr lang="en-US" baseline="0" dirty="0" smtClean="0"/>
+          </a:p>
+          <a:p>
+            <a:pPr marL="0" marR="0" indent="0" algn="l" defTabSz="457200" rtl="0" eaLnBrk="1" fontAlgn="auto" latinLnBrk="0" hangingPunct="1">
+              <a:lnSpc>
+                <a:spcPct val="100000"/>
+              </a:lnSpc>
+              <a:spcBef>
+                <a:spcPts val="0"/>
+              </a:spcBef>
+              <a:spcAft>
+                <a:spcPts val="0"/>
+              </a:spcAft>
+              <a:buClrTx/>
+              <a:buSzTx/>
+              <a:buFontTx/>
+              <a:buNone/>
+              <a:tabLst/>
+              <a:defRPr/>
+            </a:pPr>
+            <a:endParaRPr lang="en-US" baseline="0" dirty="0" smtClean="0"/>
+          </a:p>
+        </p:txBody>
+      </p:sp>
+      <p:sp>
+        <p:nvSpPr>
+          <p:cNvPr id="4" name="Slide Number Placeholder 3"/>
+          <p:cNvSpPr>
+            <a:spLocks noGrp="1"/>
+          </p:cNvSpPr>
+          <p:nvPr>
+            <p:ph type="sldNum" sz="quarter" idx="10"/>
+          </p:nvPr>
+        </p:nvSpPr>
+        <p:spPr/>
+        <p:txBody>
+          <a:bodyPr/>
+          <a:lstStyle/>
+          <a:p>
+            <a:fld id="{D633CFC9-9EA6-1241-A510-5FCAF76A6332}" type="slidenum">
+              <a:rPr lang="en-US" smtClean="0"/>
+              <a:t>24</a:t>
+            </a:fld>
+            <a:endParaRPr lang="en-US"/>
+          </a:p>
+        </p:txBody>
+      </p:sp>
+    </p:spTree>
+    <p:extLst>
+      <p:ext uri="{BB962C8B-B14F-4D97-AF65-F5344CB8AC3E}">
+        <p14:creationId xmlns:p14="http://schemas.microsoft.com/office/powerpoint/2010/main" val="1890685000"/>
+      </p:ext>
+    </p:extLst>
+  </p:cSld>
+  <p:clrMapOvr>
+    <a:masterClrMapping/>
+  </p:clrMapOvr>
+</p:notes>
+</file>
+
+<file path=ppt/notesSlides/notesSlide18.xml><?xml version="1.0" encoding="utf-8"?>
+<p:notes xmlns:a="http://schemas.openxmlformats.org/drawingml/2006/main" xmlns:r="http://schemas.openxmlformats.org/officeDocument/2006/relationships" xmlns:p="http://schemas.openxmlformats.org/presentationml/2006/main">
+  <p:cSld>
+    <p:spTree>
+      <p:nvGrpSpPr>
+        <p:cNvPr id="1" name=""/>
+        <p:cNvGrpSpPr/>
+        <p:nvPr/>
+      </p:nvGrpSpPr>
+      <p:grpSpPr>
+        <a:xfrm>
+          <a:off x="0" y="0"/>
+          <a:ext cx="0" cy="0"/>
+          <a:chOff x="0" y="0"/>
+          <a:chExt cx="0" cy="0"/>
+        </a:xfrm>
+      </p:grpSpPr>
+      <p:sp>
+        <p:nvSpPr>
+          <p:cNvPr id="2" name="Slide Image Placeholder 1"/>
+          <p:cNvSpPr>
+            <a:spLocks noGrp="1" noRot="1" noChangeAspect="1"/>
+          </p:cNvSpPr>
+          <p:nvPr>
+            <p:ph type="sldImg"/>
+          </p:nvPr>
+        </p:nvSpPr>
+        <p:spPr/>
+      </p:sp>
+      <p:sp>
+        <p:nvSpPr>
+          <p:cNvPr id="3" name="Notes Placeholder 2"/>
+          <p:cNvSpPr>
+            <a:spLocks noGrp="1"/>
+          </p:cNvSpPr>
+          <p:nvPr>
+            <p:ph type="body" idx="1"/>
+          </p:nvPr>
+        </p:nvSpPr>
+        <p:spPr/>
+        <p:txBody>
+          <a:bodyPr/>
+          <a:lstStyle/>
+          <a:p>
+            <a:r>
+              <a:rPr lang="en-US" dirty="0" smtClean="0"/>
+              <a:t>READ CODE READ CODE READ CODE</a:t>
+            </a:r>
+          </a:p>
+          <a:p>
+            <a:r>
+              <a:rPr lang="en-US" dirty="0" smtClean="0"/>
+              <a:t>Tim</a:t>
+            </a:r>
+            <a:r>
+              <a:rPr lang="en-US" baseline="0" dirty="0" smtClean="0"/>
+              <a:t> Caswell will melt your brain in a good way</a:t>
+            </a:r>
+            <a:endParaRPr lang="en-US" dirty="0"/>
+          </a:p>
+        </p:txBody>
+      </p:sp>
+      <p:sp>
+        <p:nvSpPr>
+          <p:cNvPr id="4" name="Slide Number Placeholder 3"/>
+          <p:cNvSpPr>
+            <a:spLocks noGrp="1"/>
+          </p:cNvSpPr>
+          <p:nvPr>
+            <p:ph type="sldNum" sz="quarter" idx="10"/>
+          </p:nvPr>
+        </p:nvSpPr>
+        <p:spPr/>
+        <p:txBody>
+          <a:bodyPr/>
+          <a:lstStyle/>
+          <a:p>
+            <a:fld id="{D633CFC9-9EA6-1241-A510-5FCAF76A6332}" type="slidenum">
+              <a:rPr lang="en-US" smtClean="0"/>
+              <a:t>25</a:t>
+            </a:fld>
+            <a:endParaRPr lang="en-US"/>
+          </a:p>
+        </p:txBody>
+      </p:sp>
+    </p:spTree>
+    <p:extLst>
+      <p:ext uri="{BB962C8B-B14F-4D97-AF65-F5344CB8AC3E}">
+        <p14:creationId xmlns:p14="http://schemas.microsoft.com/office/powerpoint/2010/main" val="30431674"/>
+      </p:ext>
+    </p:extLst>
+  </p:cSld>
+  <p:clrMapOvr>
+    <a:masterClrMapping/>
+  </p:clrMapOvr>
+</p:notes>
+</file>
+
+<file path=ppt/notesSlides/notesSlide2.xml><?xml version="1.0" encoding="utf-8"?>
+<p:notes xmlns:a="http://schemas.openxmlformats.org/drawingml/2006/main" xmlns:r="http://schemas.openxmlformats.org/officeDocument/2006/relationships" xmlns:p="http://schemas.openxmlformats.org/presentationml/2006/main">
+  <p:cSld>
+    <p:spTree>
+      <p:nvGrpSpPr>
+        <p:cNvPr id="1" name=""/>
+        <p:cNvGrpSpPr/>
+        <p:nvPr/>
+      </p:nvGrpSpPr>
+      <p:grpSpPr>
+        <a:xfrm>
+          <a:off x="0" y="0"/>
+          <a:ext cx="0" cy="0"/>
+          <a:chOff x="0" y="0"/>
+          <a:chExt cx="0" cy="0"/>
+        </a:xfrm>
+      </p:grpSpPr>
+      <p:sp>
+        <p:nvSpPr>
+          <p:cNvPr id="2" name="Slide Image Placeholder 1"/>
+          <p:cNvSpPr>
+            <a:spLocks noGrp="1" noRot="1" noChangeAspect="1"/>
+          </p:cNvSpPr>
+          <p:nvPr>
+            <p:ph type="sldImg"/>
+          </p:nvPr>
+        </p:nvSpPr>
+        <p:spPr/>
+      </p:sp>
+      <p:sp>
+        <p:nvSpPr>
+          <p:cNvPr id="3" name="Notes Placeholder 2"/>
+          <p:cNvSpPr>
+            <a:spLocks noGrp="1"/>
+          </p:cNvSpPr>
+          <p:nvPr>
+            <p:ph type="body" idx="1"/>
+          </p:nvPr>
+        </p:nvSpPr>
+        <p:spPr/>
+        <p:txBody>
+          <a:bodyPr/>
+          <a:lstStyle/>
+          <a:p>
+            <a:r>
+              <a:rPr lang="en-US" sz="1200" kern="1200" dirty="0" smtClean="0">
+                <a:solidFill>
+                  <a:schemeClr val="tx1"/>
+                </a:solidFill>
+                <a:latin typeface="+mn-lt"/>
+                <a:ea typeface="+mn-ea"/>
+                <a:cs typeface="+mn-cs"/>
+              </a:rPr>
+              <a:t>"We're taught to demand input and do nothing until we have it” (Ryan)</a:t>
+            </a:r>
+          </a:p>
+          <a:p>
+            <a:r>
+              <a:rPr lang="en-US" sz="1200" kern="1200" dirty="0" smtClean="0">
+                <a:solidFill>
+                  <a:schemeClr val="tx1"/>
+                </a:solidFill>
+                <a:latin typeface="+mn-lt"/>
+                <a:ea typeface="+mn-ea"/>
+                <a:cs typeface="+mn-cs"/>
+              </a:rPr>
+              <a:t>“I’m not afraid</a:t>
+            </a:r>
+            <a:r>
+              <a:rPr lang="en-US" sz="1200" kern="1200" baseline="0" dirty="0" smtClean="0">
+                <a:solidFill>
+                  <a:schemeClr val="tx1"/>
+                </a:solidFill>
+                <a:latin typeface="+mn-lt"/>
+                <a:ea typeface="+mn-ea"/>
+                <a:cs typeface="+mn-cs"/>
+              </a:rPr>
+              <a:t> of threads”…since when is debugging thread bugs easy?</a:t>
+            </a:r>
+          </a:p>
+          <a:p>
+            <a:r>
+              <a:rPr lang="en-US" sz="1200" kern="1200" baseline="0" dirty="0" smtClean="0">
+                <a:solidFill>
+                  <a:schemeClr val="tx1"/>
+                </a:solidFill>
+                <a:latin typeface="+mn-lt"/>
+                <a:ea typeface="+mn-ea"/>
+                <a:cs typeface="+mn-cs"/>
+              </a:rPr>
+              <a:t>KNOW when your code is going to yield</a:t>
+            </a:r>
+          </a:p>
+          <a:p>
+            <a:endParaRPr lang="en-US" sz="1200" kern="1200" baseline="0" dirty="0" smtClean="0">
+              <a:solidFill>
+                <a:schemeClr val="tx1"/>
+              </a:solidFill>
+              <a:latin typeface="+mn-lt"/>
+              <a:ea typeface="+mn-ea"/>
+              <a:cs typeface="+mn-cs"/>
+            </a:endParaRPr>
+          </a:p>
+        </p:txBody>
+      </p:sp>
+      <p:sp>
+        <p:nvSpPr>
+          <p:cNvPr id="4" name="Slide Number Placeholder 3"/>
+          <p:cNvSpPr>
+            <a:spLocks noGrp="1"/>
+          </p:cNvSpPr>
+          <p:nvPr>
+            <p:ph type="sldNum" sz="quarter" idx="10"/>
+          </p:nvPr>
+        </p:nvSpPr>
+        <p:spPr/>
+        <p:txBody>
+          <a:bodyPr/>
+          <a:lstStyle/>
+          <a:p>
+            <a:fld id="{D633CFC9-9EA6-1241-A510-5FCAF76A6332}" type="slidenum">
+              <a:rPr lang="en-US" smtClean="0"/>
+              <a:t>3</a:t>
+            </a:fld>
+            <a:endParaRPr lang="en-US"/>
+          </a:p>
+        </p:txBody>
+      </p:sp>
+    </p:spTree>
+    <p:extLst>
+      <p:ext uri="{BB962C8B-B14F-4D97-AF65-F5344CB8AC3E}">
+        <p14:creationId xmlns:p14="http://schemas.microsoft.com/office/powerpoint/2010/main" val="1220171817"/>
+      </p:ext>
+    </p:extLst>
+  </p:cSld>
+  <p:clrMapOvr>
+    <a:masterClrMapping/>
+  </p:clrMapOvr>
+</p:notes>
+</file>
+
+<file path=ppt/notesSlides/notesSlide3.xml><?xml version="1.0" encoding="utf-8"?>
+<p:notes xmlns:a="http://schemas.openxmlformats.org/drawingml/2006/main" xmlns:r="http://schemas.openxmlformats.org/officeDocument/2006/relationships" xmlns:p="http://schemas.openxmlformats.org/presentationml/2006/main">
+  <p:cSld>
+    <p:spTree>
+      <p:nvGrpSpPr>
+        <p:cNvPr id="1" name=""/>
+        <p:cNvGrpSpPr/>
+        <p:nvPr/>
+      </p:nvGrpSpPr>
+      <p:grpSpPr>
+        <a:xfrm>
+          <a:off x="0" y="0"/>
+          <a:ext cx="0" cy="0"/>
+          <a:chOff x="0" y="0"/>
+          <a:chExt cx="0" cy="0"/>
+        </a:xfrm>
+      </p:grpSpPr>
+      <p:sp>
+        <p:nvSpPr>
+          <p:cNvPr id="2" name="Slide Image Placeholder 1"/>
+          <p:cNvSpPr>
+            <a:spLocks noGrp="1" noRot="1" noChangeAspect="1"/>
+          </p:cNvSpPr>
+          <p:nvPr>
+            <p:ph type="sldImg"/>
+          </p:nvPr>
+        </p:nvSpPr>
+        <p:spPr/>
+      </p:sp>
+      <p:sp>
+        <p:nvSpPr>
+          <p:cNvPr id="3" name="Notes Placeholder 2"/>
+          <p:cNvSpPr>
+            <a:spLocks noGrp="1"/>
+          </p:cNvSpPr>
+          <p:nvPr>
+            <p:ph type="body" idx="1"/>
+          </p:nvPr>
+        </p:nvSpPr>
+        <p:spPr/>
+        <p:txBody>
+          <a:bodyPr/>
+          <a:lstStyle/>
+          <a:p>
+            <a:r>
+              <a:rPr lang="en-US" dirty="0" smtClean="0"/>
+              <a:t>Maybe explain that Ryan</a:t>
+            </a:r>
+            <a:r>
+              <a:rPr lang="en-US" baseline="0" dirty="0" smtClean="0"/>
+              <a:t> originally looked at </a:t>
+            </a:r>
+            <a:r>
+              <a:rPr lang="en-US" baseline="0" dirty="0" err="1" smtClean="0"/>
+              <a:t>Lua</a:t>
+            </a:r>
+            <a:r>
+              <a:rPr lang="en-US" baseline="0" dirty="0" smtClean="0"/>
+              <a:t>….but blocking libs made it an issue.  This is a complaint leveled at Twisted as well….blocking python libs</a:t>
+            </a:r>
+            <a:endParaRPr lang="en-US" dirty="0"/>
+          </a:p>
+        </p:txBody>
+      </p:sp>
+      <p:sp>
+        <p:nvSpPr>
+          <p:cNvPr id="4" name="Slide Number Placeholder 3"/>
+          <p:cNvSpPr>
+            <a:spLocks noGrp="1"/>
+          </p:cNvSpPr>
+          <p:nvPr>
+            <p:ph type="sldNum" sz="quarter" idx="10"/>
+          </p:nvPr>
+        </p:nvSpPr>
+        <p:spPr/>
+        <p:txBody>
+          <a:bodyPr/>
+          <a:lstStyle/>
+          <a:p>
+            <a:fld id="{D633CFC9-9EA6-1241-A510-5FCAF76A6332}" type="slidenum">
+              <a:rPr lang="en-US" smtClean="0"/>
+              <a:t>4</a:t>
+            </a:fld>
+            <a:endParaRPr lang="en-US"/>
+          </a:p>
+        </p:txBody>
+      </p:sp>
+    </p:spTree>
+    <p:extLst>
+      <p:ext uri="{BB962C8B-B14F-4D97-AF65-F5344CB8AC3E}">
+        <p14:creationId xmlns:p14="http://schemas.microsoft.com/office/powerpoint/2010/main" val="4088091038"/>
+      </p:ext>
+    </p:extLst>
+  </p:cSld>
+  <p:clrMapOvr>
+    <a:masterClrMapping/>
+  </p:clrMapOvr>
+</p:notes>
+</file>
+
+<file path=ppt/notesSlides/notesSlide4.xml><?xml version="1.0" encoding="utf-8"?>
+<p:notes xmlns:a="http://schemas.openxmlformats.org/drawingml/2006/main" xmlns:r="http://schemas.openxmlformats.org/officeDocument/2006/relationships" xmlns:p="http://schemas.openxmlformats.org/presentationml/2006/main">
+  <p:cSld>
+    <p:spTree>
+      <p:nvGrpSpPr>
+        <p:cNvPr id="1" name=""/>
+        <p:cNvGrpSpPr/>
+        <p:nvPr/>
+      </p:nvGrpSpPr>
+      <p:grpSpPr>
+        <a:xfrm>
+          <a:off x="0" y="0"/>
+          <a:ext cx="0" cy="0"/>
+          <a:chOff x="0" y="0"/>
+          <a:chExt cx="0" cy="0"/>
+        </a:xfrm>
+      </p:grpSpPr>
+      <p:sp>
+        <p:nvSpPr>
+          <p:cNvPr id="2" name="Slide Image Placeholder 1"/>
+          <p:cNvSpPr>
+            <a:spLocks noGrp="1" noRot="1" noChangeAspect="1"/>
+          </p:cNvSpPr>
+          <p:nvPr>
+            <p:ph type="sldImg"/>
+          </p:nvPr>
+        </p:nvSpPr>
+        <p:spPr/>
+      </p:sp>
+      <p:sp>
+        <p:nvSpPr>
+          <p:cNvPr id="3" name="Notes Placeholder 2"/>
+          <p:cNvSpPr>
+            <a:spLocks noGrp="1"/>
+          </p:cNvSpPr>
+          <p:nvPr>
+            <p:ph type="body" idx="1"/>
+          </p:nvPr>
+        </p:nvSpPr>
+        <p:spPr/>
+        <p:txBody>
+          <a:bodyPr/>
+          <a:lstStyle/>
+          <a:p>
+            <a:r>
+              <a:rPr lang="en-US" dirty="0" smtClean="0"/>
+              <a:t>Explain</a:t>
+            </a:r>
+            <a:r>
+              <a:rPr lang="en-US" baseline="0" dirty="0" smtClean="0"/>
+              <a:t> callback is </a:t>
+            </a:r>
+            <a:r>
+              <a:rPr lang="en-US" baseline="0" dirty="0" err="1" smtClean="0"/>
+              <a:t>enqueued</a:t>
+            </a:r>
+            <a:r>
+              <a:rPr lang="en-US" baseline="0" dirty="0" smtClean="0"/>
+              <a:t>/</a:t>
+            </a:r>
+            <a:r>
+              <a:rPr lang="en-US" baseline="0" dirty="0" err="1" smtClean="0"/>
+              <a:t>dequeued</a:t>
+            </a:r>
+            <a:r>
+              <a:rPr lang="en-US" baseline="0" dirty="0" smtClean="0"/>
+              <a:t> immediately on event loop.</a:t>
+            </a:r>
+            <a:endParaRPr lang="en-US" dirty="0"/>
+          </a:p>
+        </p:txBody>
+      </p:sp>
+      <p:sp>
+        <p:nvSpPr>
+          <p:cNvPr id="4" name="Slide Number Placeholder 3"/>
+          <p:cNvSpPr>
+            <a:spLocks noGrp="1"/>
+          </p:cNvSpPr>
+          <p:nvPr>
+            <p:ph type="sldNum" sz="quarter" idx="10"/>
+          </p:nvPr>
+        </p:nvSpPr>
+        <p:spPr/>
+        <p:txBody>
+          <a:bodyPr/>
+          <a:lstStyle/>
+          <a:p>
+            <a:fld id="{D633CFC9-9EA6-1241-A510-5FCAF76A6332}" type="slidenum">
+              <a:rPr lang="en-US" smtClean="0"/>
+              <a:t>8</a:t>
+            </a:fld>
+            <a:endParaRPr lang="en-US"/>
+          </a:p>
+        </p:txBody>
+      </p:sp>
+    </p:spTree>
+    <p:extLst>
+      <p:ext uri="{BB962C8B-B14F-4D97-AF65-F5344CB8AC3E}">
+        <p14:creationId xmlns:p14="http://schemas.microsoft.com/office/powerpoint/2010/main" val="1240346247"/>
+      </p:ext>
+    </p:extLst>
+  </p:cSld>
+  <p:clrMapOvr>
+    <a:masterClrMapping/>
+  </p:clrMapOvr>
+</p:notes>
+</file>
+
+<file path=ppt/notesSlides/notesSlide5.xml><?xml version="1.0" encoding="utf-8"?>
+<p:notes xmlns:a="http://schemas.openxmlformats.org/drawingml/2006/main" xmlns:r="http://schemas.openxmlformats.org/officeDocument/2006/relationships" xmlns:p="http://schemas.openxmlformats.org/presentationml/2006/main">
+  <p:cSld>
+    <p:spTree>
+      <p:nvGrpSpPr>
+        <p:cNvPr id="1" name=""/>
+        <p:cNvGrpSpPr/>
+        <p:nvPr/>
+      </p:nvGrpSpPr>
+      <p:grpSpPr>
+        <a:xfrm>
+          <a:off x="0" y="0"/>
+          <a:ext cx="0" cy="0"/>
+          <a:chOff x="0" y="0"/>
+          <a:chExt cx="0" cy="0"/>
+        </a:xfrm>
+      </p:grpSpPr>
+      <p:sp>
+        <p:nvSpPr>
+          <p:cNvPr id="2" name="Slide Image Placeholder 1"/>
+          <p:cNvSpPr>
+            <a:spLocks noGrp="1" noRot="1" noChangeAspect="1"/>
+          </p:cNvSpPr>
+          <p:nvPr>
+            <p:ph type="sldImg"/>
+          </p:nvPr>
+        </p:nvSpPr>
+        <p:spPr/>
+      </p:sp>
+      <p:sp>
+        <p:nvSpPr>
+          <p:cNvPr id="3" name="Notes Placeholder 2"/>
+          <p:cNvSpPr>
+            <a:spLocks noGrp="1"/>
+          </p:cNvSpPr>
+          <p:nvPr>
+            <p:ph type="body" idx="1"/>
+          </p:nvPr>
+        </p:nvSpPr>
+        <p:spPr/>
+        <p:txBody>
+          <a:bodyPr/>
+          <a:lstStyle/>
+          <a:p>
+            <a:r>
+              <a:rPr lang="en-US" dirty="0" smtClean="0"/>
+              <a:t>Node standard</a:t>
+            </a:r>
+            <a:r>
+              <a:rPr lang="en-US" baseline="0" dirty="0" smtClean="0"/>
+              <a:t> lib includes things like net, http, </a:t>
+            </a:r>
+            <a:r>
+              <a:rPr lang="en-US" baseline="0" dirty="0" err="1" smtClean="0"/>
+              <a:t>querystring</a:t>
+            </a:r>
+            <a:r>
+              <a:rPr lang="en-US" baseline="0" dirty="0" smtClean="0"/>
+              <a:t>, events, child process, etc.</a:t>
+            </a:r>
+            <a:endParaRPr lang="en-US" dirty="0"/>
+          </a:p>
+        </p:txBody>
+      </p:sp>
+      <p:sp>
+        <p:nvSpPr>
+          <p:cNvPr id="4" name="Slide Number Placeholder 3"/>
+          <p:cNvSpPr>
+            <a:spLocks noGrp="1"/>
+          </p:cNvSpPr>
+          <p:nvPr>
+            <p:ph type="sldNum" sz="quarter" idx="10"/>
+          </p:nvPr>
+        </p:nvSpPr>
+        <p:spPr/>
+        <p:txBody>
+          <a:bodyPr/>
+          <a:lstStyle/>
+          <a:p>
+            <a:fld id="{D633CFC9-9EA6-1241-A510-5FCAF76A6332}" type="slidenum">
+              <a:rPr lang="en-US" smtClean="0"/>
+              <a:t>9</a:t>
+            </a:fld>
+            <a:endParaRPr lang="en-US"/>
+          </a:p>
+        </p:txBody>
+      </p:sp>
+    </p:spTree>
+    <p:extLst>
+      <p:ext uri="{BB962C8B-B14F-4D97-AF65-F5344CB8AC3E}">
+        <p14:creationId xmlns:p14="http://schemas.microsoft.com/office/powerpoint/2010/main" val="3435753256"/>
+      </p:ext>
+    </p:extLst>
+  </p:cSld>
+  <p:clrMapOvr>
+    <a:masterClrMapping/>
+  </p:clrMapOvr>
+</p:notes>
+</file>
+
+<file path=ppt/notesSlides/notesSlide6.xml><?xml version="1.0" encoding="utf-8"?>
+<p:notes xmlns:a="http://schemas.openxmlformats.org/drawingml/2006/main" xmlns:r="http://schemas.openxmlformats.org/officeDocument/2006/relationships" xmlns:p="http://schemas.openxmlformats.org/presentationml/2006/main">
+  <p:cSld>
+    <p:spTree>
+      <p:nvGrpSpPr>
+        <p:cNvPr id="1" name=""/>
+        <p:cNvGrpSpPr/>
+        <p:nvPr/>
+      </p:nvGrpSpPr>
+      <p:grpSpPr>
+        <a:xfrm>
+          <a:off x="0" y="0"/>
+          <a:ext cx="0" cy="0"/>
+          <a:chOff x="0" y="0"/>
+          <a:chExt cx="0" cy="0"/>
+        </a:xfrm>
+      </p:grpSpPr>
+      <p:sp>
+        <p:nvSpPr>
+          <p:cNvPr id="2" name="Slide Image Placeholder 1"/>
+          <p:cNvSpPr>
+            <a:spLocks noGrp="1" noRot="1" noChangeAspect="1"/>
+          </p:cNvSpPr>
+          <p:nvPr>
+            <p:ph type="sldImg"/>
+          </p:nvPr>
+        </p:nvSpPr>
+        <p:spPr/>
+      </p:sp>
+      <p:sp>
+        <p:nvSpPr>
+          <p:cNvPr id="3" name="Notes Placeholder 2"/>
+          <p:cNvSpPr>
+            <a:spLocks noGrp="1"/>
+          </p:cNvSpPr>
+          <p:nvPr>
+            <p:ph type="body" idx="1"/>
+          </p:nvPr>
+        </p:nvSpPr>
+        <p:spPr/>
+        <p:txBody>
+          <a:bodyPr/>
+          <a:lstStyle/>
+          <a:p>
+            <a:r>
+              <a:rPr lang="en-US" dirty="0" smtClean="0"/>
+              <a:t>Those worry</a:t>
+            </a:r>
+            <a:r>
+              <a:rPr lang="en-US" baseline="0" dirty="0" smtClean="0"/>
+              <a:t> moments are more about changing the way we think.  We’ve been taught programming through a synchronous lens.</a:t>
+            </a:r>
+          </a:p>
+          <a:p>
+            <a:pPr marL="0" marR="0" indent="0" algn="l" defTabSz="457200" rtl="0" eaLnBrk="1" fontAlgn="auto" latinLnBrk="0" hangingPunct="1">
+              <a:lnSpc>
+                <a:spcPct val="100000"/>
+              </a:lnSpc>
+              <a:spcBef>
+                <a:spcPts val="0"/>
+              </a:spcBef>
+              <a:spcAft>
+                <a:spcPts val="0"/>
+              </a:spcAft>
+              <a:buClrTx/>
+              <a:buSzTx/>
+              <a:buFontTx/>
+              <a:buNone/>
+              <a:tabLst/>
+              <a:defRPr/>
+            </a:pPr>
+            <a:r>
+              <a:rPr lang="en-US" sz="1200" kern="1200" dirty="0" smtClean="0">
+                <a:solidFill>
+                  <a:schemeClr val="tx1"/>
+                </a:solidFill>
+                <a:latin typeface="+mn-lt"/>
+                <a:ea typeface="+mn-ea"/>
+                <a:cs typeface="+mn-cs"/>
+              </a:rPr>
+              <a:t>"We're taught to demand input and do nothing until we have it” (Ryan)</a:t>
+            </a:r>
+          </a:p>
+        </p:txBody>
+      </p:sp>
+      <p:sp>
+        <p:nvSpPr>
+          <p:cNvPr id="4" name="Slide Number Placeholder 3"/>
+          <p:cNvSpPr>
+            <a:spLocks noGrp="1"/>
+          </p:cNvSpPr>
+          <p:nvPr>
+            <p:ph type="sldNum" sz="quarter" idx="10"/>
+          </p:nvPr>
+        </p:nvSpPr>
+        <p:spPr/>
+        <p:txBody>
+          <a:bodyPr/>
+          <a:lstStyle/>
+          <a:p>
+            <a:fld id="{D633CFC9-9EA6-1241-A510-5FCAF76A6332}" type="slidenum">
+              <a:rPr lang="en-US" smtClean="0"/>
+              <a:t>10</a:t>
+            </a:fld>
+            <a:endParaRPr lang="en-US"/>
+          </a:p>
+        </p:txBody>
+      </p:sp>
+    </p:spTree>
+    <p:extLst>
+      <p:ext uri="{BB962C8B-B14F-4D97-AF65-F5344CB8AC3E}">
+        <p14:creationId xmlns:p14="http://schemas.microsoft.com/office/powerpoint/2010/main" val="3320040173"/>
+      </p:ext>
+    </p:extLst>
+  </p:cSld>
+  <p:clrMapOvr>
+    <a:masterClrMapping/>
+  </p:clrMapOvr>
+</p:notes>
+</file>
+
+<file path=ppt/notesSlides/notesSlide7.xml><?xml version="1.0" encoding="utf-8"?>
+<p:notes xmlns:a="http://schemas.openxmlformats.org/drawingml/2006/main" xmlns:r="http://schemas.openxmlformats.org/officeDocument/2006/relationships" xmlns:p="http://schemas.openxmlformats.org/presentationml/2006/main">
+  <p:cSld>
+    <p:spTree>
+      <p:nvGrpSpPr>
+        <p:cNvPr id="1" name=""/>
+        <p:cNvGrpSpPr/>
+        <p:nvPr/>
+      </p:nvGrpSpPr>
+      <p:grpSpPr>
+        <a:xfrm>
+          <a:off x="0" y="0"/>
+          <a:ext cx="0" cy="0"/>
+          <a:chOff x="0" y="0"/>
+          <a:chExt cx="0" cy="0"/>
+        </a:xfrm>
+      </p:grpSpPr>
+      <p:sp>
+        <p:nvSpPr>
+          <p:cNvPr id="2" name="Slide Image Placeholder 1"/>
+          <p:cNvSpPr>
+            <a:spLocks noGrp="1" noRot="1" noChangeAspect="1"/>
+          </p:cNvSpPr>
+          <p:nvPr>
+            <p:ph type="sldImg"/>
+          </p:nvPr>
+        </p:nvSpPr>
+        <p:spPr/>
+      </p:sp>
+      <p:sp>
+        <p:nvSpPr>
+          <p:cNvPr id="3" name="Notes Placeholder 2"/>
+          <p:cNvSpPr>
+            <a:spLocks noGrp="1"/>
+          </p:cNvSpPr>
+          <p:nvPr>
+            <p:ph type="body" idx="1"/>
+          </p:nvPr>
+        </p:nvSpPr>
+        <p:spPr/>
+        <p:txBody>
+          <a:bodyPr/>
+          <a:lstStyle/>
+          <a:p>
+            <a:r>
+              <a:rPr lang="en-US" dirty="0" smtClean="0"/>
+              <a:t>If an event loop behaves</a:t>
+            </a:r>
+            <a:r>
+              <a:rPr lang="en-US" baseline="0" dirty="0" smtClean="0"/>
+              <a:t> badly, it’s really a developer issue.</a:t>
+            </a:r>
+          </a:p>
+          <a:p>
+            <a:r>
+              <a:rPr lang="en-US" baseline="0" dirty="0" smtClean="0"/>
+              <a:t>Ex. – </a:t>
+            </a:r>
+            <a:r>
+              <a:rPr lang="en-US" baseline="0" dirty="0" err="1" smtClean="0"/>
+              <a:t>winforms</a:t>
+            </a:r>
+            <a:r>
+              <a:rPr lang="en-US" baseline="0" dirty="0" smtClean="0"/>
+              <a:t> or WPF UI w/long running operation….or web page with sync </a:t>
+            </a:r>
+            <a:r>
+              <a:rPr lang="en-US" baseline="0" dirty="0" err="1" smtClean="0"/>
+              <a:t>ajax</a:t>
+            </a:r>
+            <a:r>
+              <a:rPr lang="en-US" baseline="0" dirty="0" smtClean="0"/>
+              <a:t> call….</a:t>
+            </a:r>
+            <a:endParaRPr lang="en-US" dirty="0"/>
+          </a:p>
+        </p:txBody>
+      </p:sp>
+      <p:sp>
+        <p:nvSpPr>
+          <p:cNvPr id="4" name="Slide Number Placeholder 3"/>
+          <p:cNvSpPr>
+            <a:spLocks noGrp="1"/>
+          </p:cNvSpPr>
+          <p:nvPr>
+            <p:ph type="sldNum" sz="quarter" idx="10"/>
+          </p:nvPr>
+        </p:nvSpPr>
+        <p:spPr/>
+        <p:txBody>
+          <a:bodyPr/>
+          <a:lstStyle/>
+          <a:p>
+            <a:fld id="{D633CFC9-9EA6-1241-A510-5FCAF76A6332}" type="slidenum">
+              <a:rPr lang="en-US" smtClean="0"/>
+              <a:t>12</a:t>
+            </a:fld>
+            <a:endParaRPr lang="en-US"/>
+          </a:p>
+        </p:txBody>
+      </p:sp>
+    </p:spTree>
+    <p:extLst>
+      <p:ext uri="{BB962C8B-B14F-4D97-AF65-F5344CB8AC3E}">
+        <p14:creationId xmlns:p14="http://schemas.microsoft.com/office/powerpoint/2010/main" val="2771658809"/>
+      </p:ext>
+    </p:extLst>
+  </p:cSld>
+  <p:clrMapOvr>
+    <a:masterClrMapping/>
+  </p:clrMapOvr>
+</p:notes>
+</file>
+
+<file path=ppt/notesSlides/notesSlide8.xml><?xml version="1.0" encoding="utf-8"?>
+<p:notes xmlns:a="http://schemas.openxmlformats.org/drawingml/2006/main" xmlns:r="http://schemas.openxmlformats.org/officeDocument/2006/relationships" xmlns:p="http://schemas.openxmlformats.org/presentationml/2006/main">
+  <p:cSld>
+    <p:spTree>
+      <p:nvGrpSpPr>
+        <p:cNvPr id="1" name=""/>
+        <p:cNvGrpSpPr/>
+        <p:nvPr/>
+      </p:nvGrpSpPr>
+      <p:grpSpPr>
+        <a:xfrm>
+          <a:off x="0" y="0"/>
+          <a:ext cx="0" cy="0"/>
+          <a:chOff x="0" y="0"/>
+          <a:chExt cx="0" cy="0"/>
+        </a:xfrm>
+      </p:grpSpPr>
+      <p:sp>
+        <p:nvSpPr>
+          <p:cNvPr id="2" name="Slide Image Placeholder 1"/>
+          <p:cNvSpPr>
+            <a:spLocks noGrp="1" noRot="1" noChangeAspect="1"/>
+          </p:cNvSpPr>
+          <p:nvPr>
+            <p:ph type="sldImg"/>
+          </p:nvPr>
+        </p:nvSpPr>
+        <p:spPr/>
+      </p:sp>
+      <p:sp>
+        <p:nvSpPr>
+          <p:cNvPr id="3" name="Notes Placeholder 2"/>
+          <p:cNvSpPr>
+            <a:spLocks noGrp="1"/>
+          </p:cNvSpPr>
+          <p:nvPr>
+            <p:ph type="body" idx="1"/>
+          </p:nvPr>
+        </p:nvSpPr>
+        <p:spPr/>
+        <p:txBody>
+          <a:bodyPr/>
+          <a:lstStyle/>
+          <a:p>
+            <a:r>
+              <a:rPr lang="en-US" dirty="0" smtClean="0"/>
+              <a:t>Client</a:t>
+            </a:r>
+            <a:r>
+              <a:rPr lang="en-US" baseline="0" dirty="0" smtClean="0"/>
+              <a:t> A, the SYNCHRONOUS LOOP HOG</a:t>
+            </a:r>
+          </a:p>
+          <a:p>
+            <a:endParaRPr lang="en-US" baseline="0" dirty="0" smtClean="0"/>
+          </a:p>
+          <a:p>
+            <a:r>
+              <a:rPr lang="en-US" baseline="0" dirty="0" smtClean="0"/>
+              <a:t>So the deal is – you have to worry if you do something stupid…</a:t>
+            </a:r>
+            <a:endParaRPr lang="en-US" dirty="0"/>
+          </a:p>
+        </p:txBody>
+      </p:sp>
+      <p:sp>
+        <p:nvSpPr>
+          <p:cNvPr id="4" name="Slide Number Placeholder 3"/>
+          <p:cNvSpPr>
+            <a:spLocks noGrp="1"/>
+          </p:cNvSpPr>
+          <p:nvPr>
+            <p:ph type="sldNum" sz="quarter" idx="10"/>
+          </p:nvPr>
+        </p:nvSpPr>
+        <p:spPr/>
+        <p:txBody>
+          <a:bodyPr/>
+          <a:lstStyle/>
+          <a:p>
+            <a:fld id="{D633CFC9-9EA6-1241-A510-5FCAF76A6332}" type="slidenum">
+              <a:rPr lang="en-US" smtClean="0"/>
+              <a:t>13</a:t>
+            </a:fld>
+            <a:endParaRPr lang="en-US"/>
+          </a:p>
+        </p:txBody>
+      </p:sp>
+    </p:spTree>
+    <p:extLst>
+      <p:ext uri="{BB962C8B-B14F-4D97-AF65-F5344CB8AC3E}">
+        <p14:creationId xmlns:p14="http://schemas.microsoft.com/office/powerpoint/2010/main" val="3252182806"/>
+      </p:ext>
+    </p:extLst>
+  </p:cSld>
+  <p:clrMapOvr>
+    <a:masterClrMapping/>
+  </p:clrMapOvr>
+</p:notes>
+</file>
+
+<file path=ppt/notesSlides/notesSlide9.xml><?xml version="1.0" encoding="utf-8"?>
+<p:notes xmlns:a="http://schemas.openxmlformats.org/drawingml/2006/main" xmlns:r="http://schemas.openxmlformats.org/officeDocument/2006/relationships" xmlns:p="http://schemas.openxmlformats.org/presentationml/2006/main">
+  <p:cSld>
+    <p:spTree>
+      <p:nvGrpSpPr>
+        <p:cNvPr id="1" name=""/>
+        <p:cNvGrpSpPr/>
+        <p:nvPr/>
+      </p:nvGrpSpPr>
+      <p:grpSpPr>
+        <a:xfrm>
+          <a:off x="0" y="0"/>
+          <a:ext cx="0" cy="0"/>
+          <a:chOff x="0" y="0"/>
+          <a:chExt cx="0" cy="0"/>
+        </a:xfrm>
+      </p:grpSpPr>
+      <p:sp>
+        <p:nvSpPr>
+          <p:cNvPr id="2" name="Slide Image Placeholder 1"/>
+          <p:cNvSpPr>
+            <a:spLocks noGrp="1" noRot="1" noChangeAspect="1"/>
+          </p:cNvSpPr>
+          <p:nvPr>
+            <p:ph type="sldImg"/>
+          </p:nvPr>
+        </p:nvSpPr>
+        <p:spPr/>
+      </p:sp>
+      <p:sp>
+        <p:nvSpPr>
+          <p:cNvPr id="3" name="Notes Placeholder 2"/>
+          <p:cNvSpPr>
+            <a:spLocks noGrp="1"/>
+          </p:cNvSpPr>
+          <p:nvPr>
+            <p:ph type="body" idx="1"/>
+          </p:nvPr>
+        </p:nvSpPr>
+        <p:spPr/>
+        <p:txBody>
+          <a:bodyPr/>
+          <a:lstStyle/>
+          <a:p>
+            <a:r>
+              <a:rPr lang="en-US" dirty="0" smtClean="0"/>
+              <a:t>This is Node!</a:t>
+            </a:r>
+            <a:r>
+              <a:rPr lang="en-US" baseline="0" dirty="0" smtClean="0"/>
+              <a:t>  If you’re I/O bound, it’s the sweet spot.  It’s not where you need to be running intensive spatial calculations, crawling huge graphs, etc.</a:t>
+            </a:r>
+            <a:endParaRPr lang="en-US" dirty="0"/>
+          </a:p>
+        </p:txBody>
+      </p:sp>
+      <p:sp>
+        <p:nvSpPr>
+          <p:cNvPr id="4" name="Slide Number Placeholder 3"/>
+          <p:cNvSpPr>
+            <a:spLocks noGrp="1"/>
+          </p:cNvSpPr>
+          <p:nvPr>
+            <p:ph type="sldNum" sz="quarter" idx="10"/>
+          </p:nvPr>
+        </p:nvSpPr>
+        <p:spPr/>
+        <p:txBody>
+          <a:bodyPr/>
+          <a:lstStyle/>
+          <a:p>
+            <a:fld id="{D633CFC9-9EA6-1241-A510-5FCAF76A6332}" type="slidenum">
+              <a:rPr lang="en-US" smtClean="0"/>
+              <a:t>14</a:t>
+            </a:fld>
+            <a:endParaRPr lang="en-US"/>
+          </a:p>
+        </p:txBody>
+      </p:sp>
+    </p:spTree>
+    <p:extLst>
+      <p:ext uri="{BB962C8B-B14F-4D97-AF65-F5344CB8AC3E}">
+        <p14:creationId xmlns:p14="http://schemas.microsoft.com/office/powerpoint/2010/main" val="3453378653"/>
+      </p:ext>
+    </p:extLst>
+  </p:cSld>
+  <p:clrMapOvr>
+    <a:masterClrMapping/>
+  </p:clrMapOvr>
+</p:notes>
 </file>
 
 <file path=ppt/slideLayouts/slideLayout1.xml><?xml version="1.0" encoding="utf-8"?>
@@ -341,7 +2915,7 @@
             <a:fld id="{04AF466F-BDA4-4F18-9C7B-FF0A9A1B0E80}" type="datetime1">
               <a:rPr lang="en-US" smtClean="0"/>
               <a:pPr/>
-              <a:t>7/29/11</a:t>
+              <a:t>8/16/11</a:t>
             </a:fld>
             <a:endParaRPr lang="en-US"/>
           </a:p>
@@ -508,7 +3082,7 @@
             <a:fld id="{58FB4290-6522-4139-852E-05BD9E7F0D2E}" type="datetime1">
               <a:rPr lang="en-US" smtClean="0"/>
               <a:pPr/>
-              <a:t>7/29/11</a:t>
+              <a:t>8/16/11</a:t>
             </a:fld>
             <a:endParaRPr lang="en-US"/>
           </a:p>
@@ -685,7 +3259,7 @@
             <a:fld id="{AAB955F9-81EA-47C5-8059-9E5C2B437C70}" type="datetime1">
               <a:rPr lang="en-US" smtClean="0"/>
               <a:pPr/>
-              <a:t>7/29/11</a:t>
+              <a:t>8/16/11</a:t>
             </a:fld>
             <a:endParaRPr lang="en-US"/>
           </a:p>
@@ -852,7 +3426,7 @@
             <a:fld id="{1CEF607B-A47E-422C-9BEF-122CCDB7C526}" type="datetime1">
               <a:rPr lang="en-US" smtClean="0"/>
               <a:pPr/>
-              <a:t>7/29/11</a:t>
+              <a:t>8/16/11</a:t>
             </a:fld>
             <a:endParaRPr lang="en-US"/>
           </a:p>
@@ -1095,7 +3669,7 @@
             <a:fld id="{63A9A7CB-BEE6-4F99-898E-913F06E8E125}" type="datetime1">
               <a:rPr lang="en-US" smtClean="0"/>
               <a:pPr/>
-              <a:t>7/29/11</a:t>
+              <a:t>8/16/11</a:t>
             </a:fld>
             <a:endParaRPr lang="en-US"/>
           </a:p>
@@ -1380,7 +3954,7 @@
             <a:fld id="{B6EE300C-6FC5-4FC3-AF1A-075E4F50620D}" type="datetime1">
               <a:rPr lang="en-US" smtClean="0"/>
               <a:pPr/>
-              <a:t>7/29/11</a:t>
+              <a:t>8/16/11</a:t>
             </a:fld>
             <a:endParaRPr lang="en-US"/>
           </a:p>
@@ -1811,7 +4385,7 @@
             <a:fld id="{F50D295D-4A77-4DEB-B04C-9F4282A8BC04}" type="datetime1">
               <a:rPr lang="en-US" smtClean="0"/>
               <a:pPr/>
-              <a:t>7/29/11</a:t>
+              <a:t>8/16/11</a:t>
             </a:fld>
             <a:endParaRPr lang="en-US"/>
           </a:p>
@@ -1926,7 +4500,7 @@
             <a:fld id="{02B28685-4D0C-42D5-8013-B5904CD1FCBC}" type="datetime1">
               <a:rPr lang="en-US" smtClean="0"/>
               <a:pPr/>
-              <a:t>7/29/11</a:t>
+              <a:t>8/16/11</a:t>
             </a:fld>
             <a:endParaRPr lang="en-US"/>
           </a:p>
@@ -2018,7 +4592,7 @@
             <a:fld id="{FDF226C0-9885-4BA9-BBFA-A52CBFEBB775}" type="datetime1">
               <a:rPr lang="en-US" smtClean="0"/>
               <a:pPr/>
-              <a:t>7/29/11</a:t>
+              <a:t>8/16/11</a:t>
             </a:fld>
             <a:endParaRPr lang="en-US"/>
           </a:p>
@@ -2209,7 +4783,7 @@
             <a:fld id="{EBEE1B38-C5EB-4D66-9137-0AFE9CDEDE8F}" type="datetime1">
               <a:rPr lang="en-US" smtClean="0"/>
               <a:pPr/>
-              <a:t>7/29/11</a:t>
+              <a:t>8/16/11</a:t>
             </a:fld>
             <a:endParaRPr lang="en-US"/>
           </a:p>
@@ -2529,7 +5103,7 @@
             <a:fld id="{327B613C-1AD7-49D3-885D-F654C5CDBAA6}" type="datetime1">
               <a:rPr lang="en-US" smtClean="0"/>
               <a:pPr/>
-              <a:t>7/29/11</a:t>
+              <a:t>8/16/11</a:t>
             </a:fld>
             <a:endParaRPr lang="en-US" dirty="0"/>
           </a:p>
@@ -2911,7 +5485,7 @@
             <a:fld id="{327B613C-1AD7-49D3-885D-F654C5CDBAA6}" type="datetime1">
               <a:rPr lang="en-US" smtClean="0"/>
               <a:pPr/>
-              <a:t>7/29/11</a:t>
+              <a:t>8/16/11</a:t>
             </a:fld>
             <a:endParaRPr lang="en-US" dirty="0"/>
           </a:p>
@@ -3219,8 +5793,19 @@
 </file>
 
 <file path=ppt/slides/slide1.xml><?xml version="1.0" encoding="utf-8"?>
-<p:sld xmlns:a="http://schemas.openxmlformats.org/drawingml/2006/main" xmlns:r="http://schemas.openxmlformats.org/officeDocument/2006/relationships" xmlns:p="http://schemas.openxmlformats.org/presentationml/2006/main">
+<p:sld xmlns:a="http://schemas.openxmlformats.org/drawingml/2006/main" xmlns:r="http://schemas.openxmlformats.org/officeDocument/2006/relationships" xmlns:p="http://schemas.openxmlformats.org/presentationml/2006/main" showMasterSp="0">
   <p:cSld>
+    <p:bg>
+      <p:bgPr>
+        <a:blipFill rotWithShape="1">
+          <a:blip r:embed="rId3"/>
+          <a:stretch>
+            <a:fillRect/>
+          </a:stretch>
+        </a:blipFill>
+        <a:effectLst/>
+      </p:bgPr>
+    </p:bg>
     <p:spTree>
       <p:nvGrpSpPr>
         <p:cNvPr id="1" name=""/>
@@ -3245,27 +5830,61 @@
             <p:ph type="ctrTitle"/>
           </p:nvPr>
         </p:nvSpPr>
-        <p:spPr/>
+        <p:spPr>
+          <a:xfrm>
+            <a:off x="296007" y="2950388"/>
+            <a:ext cx="7933593" cy="1432225"/>
+          </a:xfrm>
+        </p:spPr>
         <p:txBody>
           <a:bodyPr/>
           <a:lstStyle/>
           <a:p>
-            <a:r>
-              <a:rPr lang="en-US" sz="4800" dirty="0" smtClean="0"/>
+            <a:pPr algn="ctr"/>
+            <a:r>
+              <a:rPr lang="en-US" sz="4800" dirty="0" smtClean="0">
+                <a:solidFill>
+                  <a:srgbClr val="FFFFFF"/>
+                </a:solidFill>
+              </a:rPr>
               <a:t>Getting Started With </a:t>
             </a:r>
             <a:r>
-              <a:rPr lang="en-US" sz="4800" dirty="0" err="1" smtClean="0"/>
-              <a:t>node.js</a:t>
-            </a:r>
-            <a:r>
-              <a:rPr lang="en-US" sz="4800" dirty="0" smtClean="0"/>
+              <a:rPr lang="en-US" sz="4800" dirty="0">
+                <a:solidFill>
+                  <a:srgbClr val="FFFFFF"/>
+                </a:solidFill>
+              </a:rPr>
+              <a:t>N</a:t>
+            </a:r>
+            <a:r>
+              <a:rPr lang="en-US" sz="4800" dirty="0" smtClean="0">
+                <a:solidFill>
+                  <a:srgbClr val="FFFFFF"/>
+                </a:solidFill>
+              </a:rPr>
+              <a:t>ode.js</a:t>
+            </a:r>
+            <a:r>
+              <a:rPr lang="en-US" sz="4800" dirty="0" smtClean="0">
+                <a:solidFill>
+                  <a:srgbClr val="FFFFFF"/>
+                </a:solidFill>
+              </a:rPr>
               <a:t/>
             </a:r>
             <a:br>
-              <a:rPr lang="en-US" sz="4800" dirty="0" smtClean="0"/>
+              <a:rPr lang="en-US" sz="4800" dirty="0" smtClean="0">
+                <a:solidFill>
+                  <a:srgbClr val="FFFFFF"/>
+                </a:solidFill>
+              </a:rPr>
             </a:br>
-            <a:endParaRPr lang="en-US" sz="4800" dirty="0"/>
+            <a:endParaRPr lang="en-US" sz="4800" dirty="0">
+              <a:solidFill>
+                <a:srgbClr val="FFFFFF"/>
+              </a:solidFill>
+            </a:endParaRPr>
           </a:p>
         </p:txBody>
       </p:sp>
@@ -3279,7 +5898,12 @@
             <p:ph type="subTitle" idx="1"/>
           </p:nvPr>
         </p:nvSpPr>
-        <p:spPr/>
+        <p:spPr>
+          <a:xfrm>
+            <a:off x="599859" y="4304656"/>
+            <a:ext cx="6461760" cy="1066800"/>
+          </a:xfrm>
+        </p:spPr>
         <p:txBody>
           <a:bodyPr>
             <a:normAutofit fontScale="77500" lnSpcReduction="20000"/>
@@ -3287,73 +5911,77 @@
           <a:lstStyle/>
           <a:p>
             <a:r>
-              <a:rPr lang="en-US" dirty="0" smtClean="0"/>
+              <a:rPr lang="en-US" dirty="0" smtClean="0">
+                <a:solidFill>
+                  <a:srgbClr val="FFFFFF"/>
+                </a:solidFill>
+              </a:rPr>
               <a:t>Jim Cowart</a:t>
             </a:r>
           </a:p>
           <a:p>
             <a:r>
-              <a:rPr lang="en-US" dirty="0" smtClean="0"/>
-              <a:t>Blog:	</a:t>
-            </a:r>
-            <a:r>
               <a:rPr lang="en-US" dirty="0" smtClean="0">
-                <a:hlinkClick r:id="rId2"/>
+                <a:solidFill>
+                  <a:srgbClr val="FFFFFF"/>
+                </a:solidFill>
               </a:rPr>
-              <a:t>http://www.ifandelse.com</a:t>
-            </a:r>
-            <a:endParaRPr lang="en-US" dirty="0" smtClean="0"/>
-          </a:p>
-          <a:p>
-            <a:r>
-              <a:rPr lang="en-US" dirty="0" smtClean="0"/>
-              <a:t>Email:	</a:t>
-            </a:r>
+              <a:t>Blog:	http://www.ifandelse.com</a:t>
+            </a:r>
+          </a:p>
+          <a:p>
             <a:r>
               <a:rPr lang="en-US" dirty="0" smtClean="0">
-                <a:hlinkClick r:id="rId3"/>
+                <a:solidFill>
+                  <a:srgbClr val="FFFFFF"/>
+                </a:solidFill>
               </a:rPr>
-              <a:t>jim@ifandelse.com</a:t>
-            </a:r>
-            <a:endParaRPr lang="en-US" dirty="0" smtClean="0"/>
-          </a:p>
-          <a:p>
-            <a:r>
-              <a:rPr lang="en-US" dirty="0" smtClean="0"/>
+              <a:t>Email:	jim@ifandelse.com</a:t>
+            </a:r>
+          </a:p>
+          <a:p>
+            <a:r>
+              <a:rPr lang="en-US" dirty="0" smtClean="0">
+                <a:solidFill>
+                  <a:srgbClr val="FFFFFF"/>
+                </a:solidFill>
+              </a:rPr>
               <a:t>Twitter:	@</a:t>
             </a:r>
             <a:r>
-              <a:rPr lang="en-US" dirty="0" err="1" smtClean="0"/>
+              <a:rPr lang="en-US" dirty="0" err="1" smtClean="0">
+                <a:solidFill>
+                  <a:srgbClr val="FFFFFF"/>
+                </a:solidFill>
+              </a:rPr>
               <a:t>ifandelse</a:t>
             </a:r>
-            <a:endParaRPr lang="en-US" dirty="0"/>
+            <a:endParaRPr lang="en-US" dirty="0">
+              <a:solidFill>
+                <a:srgbClr val="FFFFFF"/>
+              </a:solidFill>
+            </a:endParaRPr>
           </a:p>
         </p:txBody>
       </p:sp>
       <p:pic>
         <p:nvPicPr>
-          <p:cNvPr id="4" name="Picture 3" descr="nodejs.png"/>
+          <p:cNvPr id="5" name="Picture 4"/>
           <p:cNvPicPr>
             <a:picLocks noChangeAspect="1"/>
           </p:cNvPicPr>
           <p:nvPr/>
         </p:nvPicPr>
         <p:blipFill>
-          <a:blip r:embed="rId4">
-            <a:extLst>
-              <a:ext uri="{28A0092B-C50C-407E-A947-70E740481C1C}">
-                <a14:useLocalDpi xmlns:a14="http://schemas.microsoft.com/office/drawing/2010/main" val="0"/>
-              </a:ext>
-            </a:extLst>
-          </a:blip>
+          <a:blip r:embed="rId4"/>
           <a:stretch>
             <a:fillRect/>
           </a:stretch>
         </p:blipFill>
         <p:spPr>
           <a:xfrm>
-            <a:off x="1559502" y="383162"/>
-            <a:ext cx="5334000" cy="1409700"/>
+            <a:off x="1766864" y="1013338"/>
+            <a:ext cx="5562127" cy="1516944"/>
           </a:xfrm>
           <a:prstGeom prst="rect">
             <a:avLst/>
@@ -3381,6 +6009,541 @@
 </file>
 
 <file path=ppt/slides/slide10.xml><?xml version="1.0" encoding="utf-8"?>
+<p:sld xmlns:a="http://schemas.openxmlformats.org/drawingml/2006/main" xmlns:r="http://schemas.openxmlformats.org/officeDocument/2006/relationships" xmlns:p="http://schemas.openxmlformats.org/presentationml/2006/main">
+  <p:cSld>
+    <p:spTree>
+      <p:nvGrpSpPr>
+        <p:cNvPr id="1" name=""/>
+        <p:cNvGrpSpPr/>
+        <p:nvPr/>
+      </p:nvGrpSpPr>
+      <p:grpSpPr>
+        <a:xfrm>
+          <a:off x="0" y="0"/>
+          <a:ext cx="0" cy="0"/>
+          <a:chOff x="0" y="0"/>
+          <a:chExt cx="0" cy="0"/>
+        </a:xfrm>
+      </p:grpSpPr>
+      <p:sp>
+        <p:nvSpPr>
+          <p:cNvPr id="2" name="Title 1"/>
+          <p:cNvSpPr>
+            <a:spLocks noGrp="1"/>
+          </p:cNvSpPr>
+          <p:nvPr>
+            <p:ph type="title"/>
+          </p:nvPr>
+        </p:nvSpPr>
+        <p:spPr/>
+        <p:txBody>
+          <a:bodyPr/>
+          <a:lstStyle/>
+          <a:p>
+            <a:r>
+              <a:rPr lang="en-US" sz="2800" dirty="0" smtClean="0">
+                <a:solidFill>
+                  <a:srgbClr val="242852"/>
+                </a:solidFill>
+              </a:rPr>
+              <a:t>Great – I get it. It’s evented I/O.</a:t>
+            </a:r>
+            <a:br>
+              <a:rPr lang="en-US" sz="2800" dirty="0" smtClean="0">
+                <a:solidFill>
+                  <a:srgbClr val="242852"/>
+                </a:solidFill>
+              </a:rPr>
+            </a:br>
+            <a:r>
+              <a:rPr lang="en-US" sz="2800" dirty="0" smtClean="0">
+                <a:solidFill>
+                  <a:srgbClr val="242852"/>
+                </a:solidFill>
+              </a:rPr>
+              <a:t>What does that gain me, exactly?</a:t>
+            </a:r>
+            <a:endParaRPr lang="en-US" sz="2800" dirty="0">
+              <a:solidFill>
+                <a:srgbClr val="242852"/>
+              </a:solidFill>
+            </a:endParaRPr>
+          </a:p>
+        </p:txBody>
+      </p:sp>
+      <p:sp>
+        <p:nvSpPr>
+          <p:cNvPr id="3" name="Content Placeholder 2"/>
+          <p:cNvSpPr>
+            <a:spLocks noGrp="1"/>
+          </p:cNvSpPr>
+          <p:nvPr>
+            <p:ph idx="1"/>
+          </p:nvPr>
+        </p:nvSpPr>
+        <p:spPr/>
+        <p:txBody>
+          <a:bodyPr>
+            <a:normAutofit/>
+          </a:bodyPr>
+          <a:lstStyle/>
+          <a:p>
+            <a:pPr marL="114300" indent="0" algn="ctr">
+              <a:buNone/>
+            </a:pPr>
+            <a:endParaRPr lang="en-US" sz="4000" dirty="0" smtClean="0">
+              <a:solidFill>
+                <a:srgbClr val="242852"/>
+              </a:solidFill>
+            </a:endParaRPr>
+          </a:p>
+          <a:p>
+            <a:pPr marL="114300" indent="0" algn="ctr">
+              <a:buNone/>
+            </a:pPr>
+            <a:r>
+              <a:rPr lang="en-US" sz="4000" dirty="0" smtClean="0">
+                <a:solidFill>
+                  <a:srgbClr val="242852"/>
+                </a:solidFill>
+              </a:rPr>
+              <a:t>You get to focus on the problem you set out to solve.</a:t>
+            </a:r>
+          </a:p>
+          <a:p>
+            <a:endParaRPr lang="en-US" dirty="0" smtClean="0">
+              <a:solidFill>
+                <a:srgbClr val="242852"/>
+              </a:solidFill>
+            </a:endParaRPr>
+          </a:p>
+          <a:p>
+            <a:r>
+              <a:rPr lang="en-US" dirty="0" smtClean="0">
+                <a:solidFill>
+                  <a:srgbClr val="242852"/>
+                </a:solidFill>
+              </a:rPr>
+              <a:t>You don’t have to worry </a:t>
+            </a:r>
+            <a:r>
+              <a:rPr lang="en-US" dirty="0">
+                <a:solidFill>
+                  <a:srgbClr val="242852"/>
+                </a:solidFill>
+              </a:rPr>
+              <a:t>about </a:t>
+            </a:r>
+            <a:r>
+              <a:rPr lang="en-US" dirty="0" smtClean="0">
+                <a:solidFill>
+                  <a:srgbClr val="242852"/>
+                </a:solidFill>
+              </a:rPr>
+              <a:t>non</a:t>
+            </a:r>
+            <a:r>
+              <a:rPr lang="en-US" dirty="0">
+                <a:solidFill>
+                  <a:srgbClr val="242852"/>
+                </a:solidFill>
+              </a:rPr>
+              <a:t>-blocking </a:t>
+            </a:r>
+            <a:r>
+              <a:rPr lang="en-US" dirty="0" smtClean="0">
+                <a:solidFill>
+                  <a:srgbClr val="242852"/>
+                </a:solidFill>
+              </a:rPr>
+              <a:t>infrastructure – it’s simply there.</a:t>
+            </a:r>
+          </a:p>
+          <a:p>
+            <a:endParaRPr lang="en-US" dirty="0">
+              <a:solidFill>
+                <a:srgbClr val="242852"/>
+              </a:solidFill>
+            </a:endParaRPr>
+          </a:p>
+          <a:p>
+            <a:r>
+              <a:rPr lang="en-US" dirty="0" smtClean="0">
+                <a:solidFill>
+                  <a:srgbClr val="242852"/>
+                </a:solidFill>
+              </a:rPr>
+              <a:t>Well – I lied.  There are moments you need to </a:t>
+            </a:r>
+            <a:r>
+              <a:rPr lang="en-US" dirty="0" smtClean="0">
+                <a:solidFill>
+                  <a:srgbClr val="242852"/>
+                </a:solidFill>
+              </a:rPr>
+              <a:t>worry – but </a:t>
+            </a:r>
+            <a:r>
+              <a:rPr lang="en-US" b="1" i="1" dirty="0" smtClean="0">
+                <a:solidFill>
+                  <a:srgbClr val="242852"/>
+                </a:solidFill>
+              </a:rPr>
+              <a:t>they’re entirely up to you</a:t>
+            </a:r>
+            <a:endParaRPr lang="en-US" b="1" i="1" dirty="0" smtClean="0">
+              <a:solidFill>
+                <a:srgbClr val="242852"/>
+              </a:solidFill>
+            </a:endParaRPr>
+          </a:p>
+        </p:txBody>
+      </p:sp>
+    </p:spTree>
+    <p:extLst>
+      <p:ext uri="{BB962C8B-B14F-4D97-AF65-F5344CB8AC3E}">
+        <p14:creationId xmlns:p14="http://schemas.microsoft.com/office/powerpoint/2010/main" val="198690127"/>
+      </p:ext>
+    </p:extLst>
+  </p:cSld>
+  <p:clrMapOvr>
+    <a:masterClrMapping/>
+  </p:clrMapOvr>
+  <p:timing>
+    <p:tnLst>
+      <p:par>
+        <p:cTn xmlns:p14="http://schemas.microsoft.com/office/powerpoint/2010/main" id="1" dur="indefinite" restart="never" nodeType="tmRoot">
+          <p:childTnLst>
+            <p:seq concurrent="1" nextAc="seek">
+              <p:cTn id="2" dur="indefinite" nodeType="mainSeq">
+                <p:childTnLst>
+                  <p:par>
+                    <p:cTn id="3" fill="hold">
+                      <p:stCondLst>
+                        <p:cond delay="indefinite"/>
+                      </p:stCondLst>
+                      <p:childTnLst>
+                        <p:par>
+                          <p:cTn id="4" fill="hold">
+                            <p:stCondLst>
+                              <p:cond delay="0"/>
+                            </p:stCondLst>
+                            <p:childTnLst>
+                              <p:par>
+                                <p:cTn id="5" presetID="1" presetClass="entr" presetSubtype="0" fill="hold" nodeType="clickEffect">
+                                  <p:stCondLst>
+                                    <p:cond delay="0"/>
+                                  </p:stCondLst>
+                                  <p:childTnLst>
+                                    <p:set>
+                                      <p:cBhvr>
+                                        <p:cTn id="6" dur="1" fill="hold">
+                                          <p:stCondLst>
+                                            <p:cond delay="0"/>
+                                          </p:stCondLst>
+                                        </p:cTn>
+                                        <p:tgtEl>
+                                          <p:spTgt spid="3">
+                                            <p:txEl>
+                                              <p:pRg st="3" end="3"/>
+                                            </p:txEl>
+                                          </p:spTgt>
+                                        </p:tgtEl>
+                                        <p:attrNameLst>
+                                          <p:attrName>style.visibility</p:attrName>
+                                        </p:attrNameLst>
+                                      </p:cBhvr>
+                                      <p:to>
+                                        <p:strVal val="visible"/>
+                                      </p:to>
+                                    </p:set>
+                                  </p:childTnLst>
+                                </p:cTn>
+                              </p:par>
+                            </p:childTnLst>
+                          </p:cTn>
+                        </p:par>
+                      </p:childTnLst>
+                    </p:cTn>
+                  </p:par>
+                  <p:par>
+                    <p:cTn id="7" fill="hold">
+                      <p:stCondLst>
+                        <p:cond delay="indefinite"/>
+                      </p:stCondLst>
+                      <p:childTnLst>
+                        <p:par>
+                          <p:cTn id="8" fill="hold">
+                            <p:stCondLst>
+                              <p:cond delay="0"/>
+                            </p:stCondLst>
+                            <p:childTnLst>
+                              <p:par>
+                                <p:cTn id="9" presetID="1" presetClass="entr" presetSubtype="0" fill="hold" nodeType="clickEffect">
+                                  <p:stCondLst>
+                                    <p:cond delay="0"/>
+                                  </p:stCondLst>
+                                  <p:childTnLst>
+                                    <p:set>
+                                      <p:cBhvr>
+                                        <p:cTn id="10" dur="1" fill="hold">
+                                          <p:stCondLst>
+                                            <p:cond delay="0"/>
+                                          </p:stCondLst>
+                                        </p:cTn>
+                                        <p:tgtEl>
+                                          <p:spTgt spid="3">
+                                            <p:txEl>
+                                              <p:pRg st="5" end="5"/>
+                                            </p:txEl>
+                                          </p:spTgt>
+                                        </p:tgtEl>
+                                        <p:attrNameLst>
+                                          <p:attrName>style.visibility</p:attrName>
+                                        </p:attrNameLst>
+                                      </p:cBhvr>
+                                      <p:to>
+                                        <p:strVal val="visible"/>
+                                      </p:to>
+                                    </p:set>
+                                  </p:childTnLst>
+                                </p:cTn>
+                              </p:par>
+                            </p:childTnLst>
+                          </p:cTn>
+                        </p:par>
+                      </p:childTnLst>
+                    </p:cTn>
+                  </p:par>
+                </p:childTnLst>
+              </p:cTn>
+              <p:prevCondLst>
+                <p:cond evt="onPrev" delay="0">
+                  <p:tgtEl>
+                    <p:sldTgt/>
+                  </p:tgtEl>
+                </p:cond>
+              </p:prevCondLst>
+              <p:nextCondLst>
+                <p:cond evt="onNext" delay="0">
+                  <p:tgtEl>
+                    <p:sldTgt/>
+                  </p:tgtEl>
+                </p:cond>
+              </p:nextCondLst>
+            </p:seq>
+          </p:childTnLst>
+        </p:cTn>
+      </p:par>
+    </p:tnLst>
+  </p:timing>
+</p:sld>
+</file>
+
+<file path=ppt/slides/slide11.xml><?xml version="1.0" encoding="utf-8"?>
+<p:sld xmlns:a="http://schemas.openxmlformats.org/drawingml/2006/main" xmlns:r="http://schemas.openxmlformats.org/officeDocument/2006/relationships" xmlns:p="http://schemas.openxmlformats.org/presentationml/2006/main">
+  <p:cSld>
+    <p:spTree>
+      <p:nvGrpSpPr>
+        <p:cNvPr id="1" name=""/>
+        <p:cNvGrpSpPr/>
+        <p:nvPr/>
+      </p:nvGrpSpPr>
+      <p:grpSpPr>
+        <a:xfrm>
+          <a:off x="0" y="0"/>
+          <a:ext cx="0" cy="0"/>
+          <a:chOff x="0" y="0"/>
+          <a:chExt cx="0" cy="0"/>
+        </a:xfrm>
+      </p:grpSpPr>
+      <p:sp>
+        <p:nvSpPr>
+          <p:cNvPr id="2" name="Title 1"/>
+          <p:cNvSpPr>
+            <a:spLocks noGrp="1"/>
+          </p:cNvSpPr>
+          <p:nvPr>
+            <p:ph type="title"/>
+          </p:nvPr>
+        </p:nvSpPr>
+        <p:spPr>
+          <a:xfrm>
+            <a:off x="457200" y="2721339"/>
+            <a:ext cx="7620000" cy="1143000"/>
+          </a:xfrm>
+        </p:spPr>
+        <p:txBody>
+          <a:bodyPr/>
+          <a:lstStyle/>
+          <a:p>
+            <a:pPr algn="ctr"/>
+            <a:r>
+              <a:rPr lang="en-US" dirty="0" smtClean="0">
+                <a:solidFill>
+                  <a:srgbClr val="242852"/>
+                </a:solidFill>
+              </a:rPr>
+              <a:t>Event Loops Behaving Badly</a:t>
+            </a:r>
+            <a:endParaRPr lang="en-US" dirty="0">
+              <a:solidFill>
+                <a:srgbClr val="242852"/>
+              </a:solidFill>
+            </a:endParaRPr>
+          </a:p>
+        </p:txBody>
+      </p:sp>
+    </p:spTree>
+    <p:extLst>
+      <p:ext uri="{BB962C8B-B14F-4D97-AF65-F5344CB8AC3E}">
+        <p14:creationId xmlns:p14="http://schemas.microsoft.com/office/powerpoint/2010/main" val="1044814785"/>
+      </p:ext>
+    </p:extLst>
+  </p:cSld>
+  <p:clrMapOvr>
+    <a:masterClrMapping/>
+  </p:clrMapOvr>
+  <p:timing>
+    <p:tnLst>
+      <p:par>
+        <p:cTn xmlns:p14="http://schemas.microsoft.com/office/powerpoint/2010/main" id="1" dur="indefinite" restart="never" nodeType="tmRoot"/>
+      </p:par>
+    </p:tnLst>
+  </p:timing>
+</p:sld>
+</file>
+
+<file path=ppt/slides/slide12.xml><?xml version="1.0" encoding="utf-8"?>
+<p:sld xmlns:a="http://schemas.openxmlformats.org/drawingml/2006/main" xmlns:r="http://schemas.openxmlformats.org/officeDocument/2006/relationships" xmlns:p="http://schemas.openxmlformats.org/presentationml/2006/main">
+  <p:cSld>
+    <p:spTree>
+      <p:nvGrpSpPr>
+        <p:cNvPr id="1" name=""/>
+        <p:cNvGrpSpPr/>
+        <p:nvPr/>
+      </p:nvGrpSpPr>
+      <p:grpSpPr>
+        <a:xfrm>
+          <a:off x="0" y="0"/>
+          <a:ext cx="0" cy="0"/>
+          <a:chOff x="0" y="0"/>
+          <a:chExt cx="0" cy="0"/>
+        </a:xfrm>
+      </p:grpSpPr>
+      <p:sp>
+        <p:nvSpPr>
+          <p:cNvPr id="2" name="Title 1"/>
+          <p:cNvSpPr>
+            <a:spLocks noGrp="1"/>
+          </p:cNvSpPr>
+          <p:nvPr>
+            <p:ph type="title"/>
+          </p:nvPr>
+        </p:nvSpPr>
+        <p:spPr>
+          <a:xfrm>
+            <a:off x="457200" y="711238"/>
+            <a:ext cx="7620000" cy="1143000"/>
+          </a:xfrm>
+        </p:spPr>
+        <p:txBody>
+          <a:bodyPr/>
+          <a:lstStyle/>
+          <a:p>
+            <a:pPr algn="ctr"/>
+            <a:r>
+              <a:rPr lang="en-US" sz="4000" strike="sngStrike" dirty="0" smtClean="0">
+                <a:solidFill>
+                  <a:srgbClr val="242852"/>
+                </a:solidFill>
+              </a:rPr>
+              <a:t>Event Loops Behaving Badly</a:t>
+            </a:r>
+            <a:r>
+              <a:rPr lang="en-US" sz="4000" dirty="0" smtClean="0">
+                <a:solidFill>
+                  <a:srgbClr val="242852"/>
+                </a:solidFill>
+              </a:rPr>
+              <a:t/>
+            </a:r>
+            <a:br>
+              <a:rPr lang="en-US" sz="4000" dirty="0" smtClean="0">
+                <a:solidFill>
+                  <a:srgbClr val="242852"/>
+                </a:solidFill>
+              </a:rPr>
+            </a:br>
+            <a:r>
+              <a:rPr lang="en-US" sz="4000" i="1" dirty="0" smtClean="0">
+                <a:solidFill>
+                  <a:srgbClr val="242852"/>
+                </a:solidFill>
+              </a:rPr>
+              <a:t>Developer </a:t>
+            </a:r>
+            <a:r>
+              <a:rPr lang="en-US" sz="4000" i="1" dirty="0" err="1" smtClean="0">
+                <a:solidFill>
+                  <a:srgbClr val="242852"/>
+                </a:solidFill>
+              </a:rPr>
+              <a:t>Facepalm</a:t>
+            </a:r>
+            <a:endParaRPr lang="en-US" sz="4000" i="1" dirty="0">
+              <a:solidFill>
+                <a:srgbClr val="242852"/>
+              </a:solidFill>
+            </a:endParaRPr>
+          </a:p>
+        </p:txBody>
+      </p:sp>
+      <p:pic>
+        <p:nvPicPr>
+          <p:cNvPr id="3" name="Picture 2"/>
+          <p:cNvPicPr>
+            <a:picLocks noChangeAspect="1"/>
+          </p:cNvPicPr>
+          <p:nvPr/>
+        </p:nvPicPr>
+        <p:blipFill>
+          <a:blip r:embed="rId3"/>
+          <a:stretch>
+            <a:fillRect/>
+          </a:stretch>
+        </p:blipFill>
+        <p:spPr>
+          <a:xfrm>
+            <a:off x="1727477" y="2073015"/>
+            <a:ext cx="5061066" cy="4048853"/>
+          </a:xfrm>
+          <a:prstGeom prst="rect">
+            <a:avLst/>
+          </a:prstGeom>
+        </p:spPr>
+      </p:pic>
+    </p:spTree>
+    <p:extLst>
+      <p:ext uri="{BB962C8B-B14F-4D97-AF65-F5344CB8AC3E}">
+        <p14:creationId xmlns:p14="http://schemas.microsoft.com/office/powerpoint/2010/main" val="2550071904"/>
+      </p:ext>
+    </p:extLst>
+  </p:cSld>
+  <p:clrMapOvr>
+    <a:masterClrMapping/>
+  </p:clrMapOvr>
+  <p:timing>
+    <p:tnLst>
+      <p:par>
+        <p:cTn xmlns:p14="http://schemas.microsoft.com/office/powerpoint/2010/main" id="1" dur="indefinite" restart="never" nodeType="tmRoot"/>
+      </p:par>
+    </p:tnLst>
+  </p:timing>
+</p:sld>
+</file>
+
+<file path=ppt/slides/slide13.xml><?xml version="1.0" encoding="utf-8"?>
 <p:sld xmlns:a="http://schemas.openxmlformats.org/drawingml/2006/main" xmlns:r="http://schemas.openxmlformats.org/officeDocument/2006/relationships" xmlns:p="http://schemas.openxmlformats.org/presentationml/2006/main">
   <p:cSld>
     <p:spTree>
@@ -5076,329 +8239,6 @@
 </p:sld>
 </file>
 
-<file path=ppt/slides/slide11.xml><?xml version="1.0" encoding="utf-8"?>
-<p:sld xmlns:a="http://schemas.openxmlformats.org/drawingml/2006/main" xmlns:r="http://schemas.openxmlformats.org/officeDocument/2006/relationships" xmlns:p="http://schemas.openxmlformats.org/presentationml/2006/main">
-  <p:cSld>
-    <p:spTree>
-      <p:nvGrpSpPr>
-        <p:cNvPr id="1" name=""/>
-        <p:cNvGrpSpPr/>
-        <p:nvPr/>
-      </p:nvGrpSpPr>
-      <p:grpSpPr>
-        <a:xfrm>
-          <a:off x="0" y="0"/>
-          <a:ext cx="0" cy="0"/>
-          <a:chOff x="0" y="0"/>
-          <a:chExt cx="0" cy="0"/>
-        </a:xfrm>
-      </p:grpSpPr>
-      <p:sp>
-        <p:nvSpPr>
-          <p:cNvPr id="2" name="Title 1"/>
-          <p:cNvSpPr>
-            <a:spLocks noGrp="1"/>
-          </p:cNvSpPr>
-          <p:nvPr>
-            <p:ph type="title"/>
-          </p:nvPr>
-        </p:nvSpPr>
-        <p:spPr>
-          <a:xfrm>
-            <a:off x="457200" y="2721339"/>
-            <a:ext cx="7620000" cy="1143000"/>
-          </a:xfrm>
-        </p:spPr>
-        <p:txBody>
-          <a:bodyPr/>
-          <a:lstStyle/>
-          <a:p>
-            <a:pPr algn="ctr"/>
-            <a:r>
-              <a:rPr lang="en-US" dirty="0" smtClean="0"/>
-              <a:t>JavaScript?  Really??</a:t>
-            </a:r>
-            <a:endParaRPr lang="en-US" dirty="0"/>
-          </a:p>
-        </p:txBody>
-      </p:sp>
-    </p:spTree>
-    <p:extLst>
-      <p:ext uri="{BB962C8B-B14F-4D97-AF65-F5344CB8AC3E}">
-        <p14:creationId xmlns:p14="http://schemas.microsoft.com/office/powerpoint/2010/main" val="8667354"/>
-      </p:ext>
-    </p:extLst>
-  </p:cSld>
-  <p:clrMapOvr>
-    <a:masterClrMapping/>
-  </p:clrMapOvr>
-  <p:timing>
-    <p:tnLst>
-      <p:par>
-        <p:cTn xmlns:p14="http://schemas.microsoft.com/office/powerpoint/2010/main" id="1" dur="indefinite" restart="never" nodeType="tmRoot"/>
-      </p:par>
-    </p:tnLst>
-  </p:timing>
-</p:sld>
-</file>
-
-<file path=ppt/slides/slide12.xml><?xml version="1.0" encoding="utf-8"?>
-<p:sld xmlns:a="http://schemas.openxmlformats.org/drawingml/2006/main" xmlns:r="http://schemas.openxmlformats.org/officeDocument/2006/relationships" xmlns:p="http://schemas.openxmlformats.org/presentationml/2006/main">
-  <p:cSld>
-    <p:spTree>
-      <p:nvGrpSpPr>
-        <p:cNvPr id="1" name=""/>
-        <p:cNvGrpSpPr/>
-        <p:nvPr/>
-      </p:nvGrpSpPr>
-      <p:grpSpPr>
-        <a:xfrm>
-          <a:off x="0" y="0"/>
-          <a:ext cx="0" cy="0"/>
-          <a:chOff x="0" y="0"/>
-          <a:chExt cx="0" cy="0"/>
-        </a:xfrm>
-      </p:grpSpPr>
-      <p:sp>
-        <p:nvSpPr>
-          <p:cNvPr id="2" name="Title 1"/>
-          <p:cNvSpPr>
-            <a:spLocks noGrp="1"/>
-          </p:cNvSpPr>
-          <p:nvPr>
-            <p:ph type="title"/>
-          </p:nvPr>
-        </p:nvSpPr>
-        <p:spPr/>
-        <p:txBody>
-          <a:bodyPr/>
-          <a:lstStyle/>
-          <a:p>
-            <a:r>
-              <a:rPr lang="en-US" dirty="0" smtClean="0"/>
-              <a:t>JavaScript – Really!</a:t>
-            </a:r>
-            <a:endParaRPr lang="en-US" dirty="0"/>
-          </a:p>
-        </p:txBody>
-      </p:sp>
-      <p:sp>
-        <p:nvSpPr>
-          <p:cNvPr id="3" name="Content Placeholder 2"/>
-          <p:cNvSpPr>
-            <a:spLocks noGrp="1"/>
-          </p:cNvSpPr>
-          <p:nvPr>
-            <p:ph idx="1"/>
-          </p:nvPr>
-        </p:nvSpPr>
-        <p:spPr/>
-        <p:txBody>
-          <a:bodyPr/>
-          <a:lstStyle/>
-          <a:p>
-            <a:r>
-              <a:rPr lang="en-US" dirty="0" smtClean="0"/>
-              <a:t>Designed to be used within an event loop (think browser)</a:t>
-            </a:r>
-          </a:p>
-          <a:p>
-            <a:r>
-              <a:rPr lang="en-US" dirty="0" smtClean="0"/>
-              <a:t>Language has anonymous functions and closures</a:t>
-            </a:r>
-          </a:p>
-          <a:p>
-            <a:r>
-              <a:rPr lang="en-US" dirty="0" smtClean="0"/>
-              <a:t>One callback at a time</a:t>
-            </a:r>
-          </a:p>
-          <a:p>
-            <a:r>
-              <a:rPr lang="en-US" dirty="0" smtClean="0"/>
-              <a:t>Already does evented I/O via DOM event callbacks</a:t>
-            </a:r>
-          </a:p>
-          <a:p>
-            <a:r>
-              <a:rPr lang="en-US" dirty="0" smtClean="0"/>
-              <a:t>JavaScript in </a:t>
-            </a:r>
-            <a:r>
-              <a:rPr lang="en-US" dirty="0" err="1" smtClean="0"/>
-              <a:t>node.js</a:t>
-            </a:r>
-            <a:endParaRPr lang="en-US" dirty="0" smtClean="0"/>
-          </a:p>
-          <a:p>
-            <a:pPr lvl="1"/>
-            <a:r>
-              <a:rPr lang="en-US" dirty="0" smtClean="0"/>
-              <a:t>Global scope is different – module concept is enforced with </a:t>
-            </a:r>
-            <a:r>
-              <a:rPr lang="en-US" dirty="0" err="1" smtClean="0"/>
-              <a:t>CommonJS</a:t>
-            </a:r>
-            <a:endParaRPr lang="en-US" dirty="0"/>
-          </a:p>
-          <a:p>
-            <a:pPr lvl="1"/>
-            <a:r>
-              <a:rPr lang="en-US" dirty="0" smtClean="0"/>
-              <a:t>C developers can extend the language</a:t>
-            </a:r>
-          </a:p>
-          <a:p>
-            <a:pPr lvl="2"/>
-            <a:r>
-              <a:rPr lang="en-US" dirty="0" smtClean="0"/>
-              <a:t>Proxies (not in ES3) are possible in node</a:t>
-            </a:r>
-          </a:p>
-          <a:p>
-            <a:pPr lvl="2"/>
-            <a:r>
-              <a:rPr lang="en-US" dirty="0" smtClean="0"/>
-              <a:t>Buffer class – makes it easier &amp; more efficient to deal with streams</a:t>
-            </a:r>
-          </a:p>
-          <a:p>
-            <a:pPr lvl="1"/>
-            <a:r>
-              <a:rPr lang="en-US" dirty="0" smtClean="0"/>
-              <a:t>And more….(check the docs)</a:t>
-            </a:r>
-          </a:p>
-          <a:p>
-            <a:r>
-              <a:rPr lang="en-US" dirty="0" smtClean="0"/>
-              <a:t>Oh – and you can use </a:t>
-            </a:r>
-            <a:r>
-              <a:rPr lang="en-US" dirty="0" err="1" smtClean="0"/>
-              <a:t>CoffeeScript</a:t>
-            </a:r>
-            <a:endParaRPr lang="en-US" dirty="0" smtClean="0"/>
-          </a:p>
-        </p:txBody>
-      </p:sp>
-    </p:spTree>
-    <p:extLst>
-      <p:ext uri="{BB962C8B-B14F-4D97-AF65-F5344CB8AC3E}">
-        <p14:creationId xmlns:p14="http://schemas.microsoft.com/office/powerpoint/2010/main" val="157441994"/>
-      </p:ext>
-    </p:extLst>
-  </p:cSld>
-  <p:clrMapOvr>
-    <a:masterClrMapping/>
-  </p:clrMapOvr>
-  <p:timing>
-    <p:tnLst>
-      <p:par>
-        <p:cTn xmlns:p14="http://schemas.microsoft.com/office/powerpoint/2010/main" id="1" dur="indefinite" restart="never" nodeType="tmRoot"/>
-      </p:par>
-    </p:tnLst>
-  </p:timing>
-</p:sld>
-</file>
-
-<file path=ppt/slides/slide13.xml><?xml version="1.0" encoding="utf-8"?>
-<p:sld xmlns:a="http://schemas.openxmlformats.org/drawingml/2006/main" xmlns:r="http://schemas.openxmlformats.org/officeDocument/2006/relationships" xmlns:p="http://schemas.openxmlformats.org/presentationml/2006/main">
-  <p:cSld>
-    <p:spTree>
-      <p:nvGrpSpPr>
-        <p:cNvPr id="1" name=""/>
-        <p:cNvGrpSpPr/>
-        <p:nvPr/>
-      </p:nvGrpSpPr>
-      <p:grpSpPr>
-        <a:xfrm>
-          <a:off x="0" y="0"/>
-          <a:ext cx="0" cy="0"/>
-          <a:chOff x="0" y="0"/>
-          <a:chExt cx="0" cy="0"/>
-        </a:xfrm>
-      </p:grpSpPr>
-      <p:sp>
-        <p:nvSpPr>
-          <p:cNvPr id="2" name="Title 1"/>
-          <p:cNvSpPr>
-            <a:spLocks noGrp="1"/>
-          </p:cNvSpPr>
-          <p:nvPr>
-            <p:ph type="title"/>
-          </p:nvPr>
-        </p:nvSpPr>
-        <p:spPr>
-          <a:xfrm>
-            <a:off x="457200" y="274638"/>
-            <a:ext cx="7620000" cy="892175"/>
-          </a:xfrm>
-        </p:spPr>
-        <p:txBody>
-          <a:bodyPr/>
-          <a:lstStyle/>
-          <a:p>
-            <a:r>
-              <a:rPr lang="en-US" dirty="0" smtClean="0"/>
-              <a:t>Example Module</a:t>
-            </a:r>
-            <a:endParaRPr lang="en-US" dirty="0"/>
-          </a:p>
-        </p:txBody>
-      </p:sp>
-      <p:pic>
-        <p:nvPicPr>
-          <p:cNvPr id="7" name="Content Placeholder 6" descr="httptelnet.js.tiff"/>
-          <p:cNvPicPr>
-            <a:picLocks noGrp="1" noChangeAspect="1"/>
-          </p:cNvPicPr>
-          <p:nvPr>
-            <p:ph idx="1"/>
-          </p:nvPr>
-        </p:nvPicPr>
-        <p:blipFill>
-          <a:blip r:embed="rId2">
-            <a:extLst>
-              <a:ext uri="{28A0092B-C50C-407E-A947-70E740481C1C}">
-                <a14:useLocalDpi xmlns:a14="http://schemas.microsoft.com/office/drawing/2010/main" val="0"/>
-              </a:ext>
-            </a:extLst>
-          </a:blip>
-          <a:srcRect t="-2996" b="-2996"/>
-          <a:stretch>
-            <a:fillRect/>
-          </a:stretch>
-        </p:blipFill>
-        <p:spPr>
-          <a:xfrm>
-            <a:off x="457200" y="1166813"/>
-            <a:ext cx="7620000" cy="5233987"/>
-          </a:xfrm>
-        </p:spPr>
-      </p:pic>
-    </p:spTree>
-    <p:extLst>
-      <p:ext uri="{BB962C8B-B14F-4D97-AF65-F5344CB8AC3E}">
-        <p14:creationId xmlns:p14="http://schemas.microsoft.com/office/powerpoint/2010/main" val="1940474265"/>
-      </p:ext>
-    </p:extLst>
-  </p:cSld>
-  <p:clrMapOvr>
-    <a:masterClrMapping/>
-  </p:clrMapOvr>
-  <p:timing>
-    <p:tnLst>
-      <p:par>
-        <p:cTn xmlns:p14="http://schemas.microsoft.com/office/powerpoint/2010/main" id="1" dur="indefinite" restart="never" nodeType="tmRoot"/>
-      </p:par>
-    </p:tnLst>
-  </p:timing>
-</p:sld>
-</file>
-
 <file path=ppt/slides/slide14.xml><?xml version="1.0" encoding="utf-8"?>
 <p:sld xmlns:a="http://schemas.openxmlformats.org/drawingml/2006/main" xmlns:r="http://schemas.openxmlformats.org/officeDocument/2006/relationships" xmlns:p="http://schemas.openxmlformats.org/presentationml/2006/main">
   <p:cSld>
@@ -5426,60 +8266,78 @@
             <p:ph type="title"/>
           </p:nvPr>
         </p:nvSpPr>
-        <p:spPr>
-          <a:xfrm>
-            <a:off x="457200" y="354862"/>
-            <a:ext cx="7620000" cy="746578"/>
-          </a:xfrm>
-        </p:spPr>
+        <p:spPr/>
         <p:txBody>
           <a:bodyPr/>
           <a:lstStyle/>
           <a:p>
             <a:r>
+              <a:rPr lang="en-US" dirty="0" smtClean="0"/>
+              <a:t>Avoiding </a:t>
+            </a:r>
+            <a:r>
+              <a:rPr lang="en-US" dirty="0" err="1" smtClean="0"/>
+              <a:t>Facepalms</a:t>
+            </a:r>
+            <a:endParaRPr lang="en-US" dirty="0"/>
+          </a:p>
+        </p:txBody>
+      </p:sp>
+      <p:sp>
+        <p:nvSpPr>
+          <p:cNvPr id="3" name="Content Placeholder 2"/>
+          <p:cNvSpPr>
+            <a:spLocks noGrp="1"/>
+          </p:cNvSpPr>
+          <p:nvPr>
+            <p:ph idx="1"/>
+          </p:nvPr>
+        </p:nvSpPr>
+        <p:spPr/>
+        <p:txBody>
+          <a:bodyPr>
+            <a:normAutofit/>
+          </a:bodyPr>
+          <a:lstStyle/>
+          <a:p>
+            <a:r>
               <a:rPr lang="en-US" sz="3600" dirty="0" smtClean="0"/>
-              <a:t>Wait – let’s see that in </a:t>
+              <a:t>Avoid long-running or synchronous operations in the event loop.</a:t>
+            </a:r>
+          </a:p>
+          <a:p>
+            <a:r>
+              <a:rPr lang="en-US" sz="3600" dirty="0" smtClean="0"/>
+              <a:t>You can spawn child processes with “</a:t>
             </a:r>
             <a:r>
               <a:rPr lang="en-US" sz="3600" dirty="0" err="1" smtClean="0"/>
-              <a:t>CoffeeScript</a:t>
-            </a:r>
-            <a:endParaRPr lang="en-US" sz="3600" dirty="0"/>
-          </a:p>
-        </p:txBody>
-      </p:sp>
-      <p:pic>
-        <p:nvPicPr>
-          <p:cNvPr id="5" name="Content Placeholder 4" descr="httptelnet_coffee.tiff"/>
-          <p:cNvPicPr>
-            <a:picLocks noGrp="1" noChangeAspect="1"/>
-          </p:cNvPicPr>
-          <p:nvPr>
-            <p:ph idx="1"/>
-          </p:nvPr>
-        </p:nvPicPr>
-        <p:blipFill rotWithShape="1">
-          <a:blip r:embed="rId2">
-            <a:extLst>
-              <a:ext uri="{28A0092B-C50C-407E-A947-70E740481C1C}">
-                <a14:useLocalDpi xmlns:a14="http://schemas.microsoft.com/office/drawing/2010/main" val="0"/>
-              </a:ext>
-            </a:extLst>
-          </a:blip>
-          <a:srcRect t="1" b="-16653"/>
-          <a:stretch/>
-        </p:blipFill>
-        <p:spPr>
-          <a:xfrm>
-            <a:off x="457200" y="1154289"/>
-            <a:ext cx="7620000" cy="4800600"/>
-          </a:xfrm>
-        </p:spPr>
-      </p:pic>
+              <a:t>child_process</a:t>
+            </a:r>
+            <a:r>
+              <a:rPr lang="en-US" sz="3600" dirty="0" smtClean="0"/>
+              <a:t>”</a:t>
+            </a:r>
+          </a:p>
+          <a:p>
+            <a:r>
+              <a:rPr lang="en-US" sz="3600" dirty="0" smtClean="0"/>
+              <a:t>Web Worker Abstractions</a:t>
+            </a:r>
+            <a:endParaRPr lang="en-US" sz="3600" dirty="0" smtClean="0"/>
+          </a:p>
+          <a:p>
+            <a:r>
+              <a:rPr lang="en-US" sz="3600" dirty="0" smtClean="0"/>
+              <a:t>You can learn C or bribe a C developer to help you extend node</a:t>
+            </a:r>
+          </a:p>
+        </p:txBody>
+      </p:sp>
     </p:spTree>
     <p:extLst>
       <p:ext uri="{BB962C8B-B14F-4D97-AF65-F5344CB8AC3E}">
-        <p14:creationId xmlns:p14="http://schemas.microsoft.com/office/powerpoint/2010/main" val="532587385"/>
+        <p14:creationId xmlns:p14="http://schemas.microsoft.com/office/powerpoint/2010/main" val="366598772"/>
       </p:ext>
     </p:extLst>
   </p:cSld>
@@ -5523,23 +8381,82 @@
             <p:ph type="title"/>
           </p:nvPr>
         </p:nvSpPr>
+        <p:spPr>
+          <a:xfrm>
+            <a:off x="457200" y="2721339"/>
+            <a:ext cx="7620000" cy="1143000"/>
+          </a:xfrm>
+        </p:spPr>
+        <p:txBody>
+          <a:bodyPr/>
+          <a:lstStyle/>
+          <a:p>
+            <a:pPr algn="ctr"/>
+            <a:r>
+              <a:rPr lang="en-US" dirty="0" smtClean="0"/>
+              <a:t>So - JavaScript?  Really??</a:t>
+            </a:r>
+            <a:endParaRPr lang="en-US" dirty="0"/>
+          </a:p>
+        </p:txBody>
+      </p:sp>
+    </p:spTree>
+    <p:extLst>
+      <p:ext uri="{BB962C8B-B14F-4D97-AF65-F5344CB8AC3E}">
+        <p14:creationId xmlns:p14="http://schemas.microsoft.com/office/powerpoint/2010/main" val="8667354"/>
+      </p:ext>
+    </p:extLst>
+  </p:cSld>
+  <p:clrMapOvr>
+    <a:masterClrMapping/>
+  </p:clrMapOvr>
+  <p:timing>
+    <p:tnLst>
+      <p:par>
+        <p:cTn xmlns:p14="http://schemas.microsoft.com/office/powerpoint/2010/main" id="1" dur="indefinite" restart="never" nodeType="tmRoot"/>
+      </p:par>
+    </p:tnLst>
+  </p:timing>
+</p:sld>
+</file>
+
+<file path=ppt/slides/slide16.xml><?xml version="1.0" encoding="utf-8"?>
+<p:sld xmlns:a="http://schemas.openxmlformats.org/drawingml/2006/main" xmlns:r="http://schemas.openxmlformats.org/officeDocument/2006/relationships" xmlns:p="http://schemas.openxmlformats.org/presentationml/2006/main">
+  <p:cSld>
+    <p:spTree>
+      <p:nvGrpSpPr>
+        <p:cNvPr id="1" name=""/>
+        <p:cNvGrpSpPr/>
+        <p:nvPr/>
+      </p:nvGrpSpPr>
+      <p:grpSpPr>
+        <a:xfrm>
+          <a:off x="0" y="0"/>
+          <a:ext cx="0" cy="0"/>
+          <a:chOff x="0" y="0"/>
+          <a:chExt cx="0" cy="0"/>
+        </a:xfrm>
+      </p:grpSpPr>
+      <p:sp>
+        <p:nvSpPr>
+          <p:cNvPr id="2" name="Title 1"/>
+          <p:cNvSpPr>
+            <a:spLocks noGrp="1"/>
+          </p:cNvSpPr>
+          <p:nvPr>
+            <p:ph type="title"/>
+          </p:nvPr>
+        </p:nvSpPr>
         <p:spPr/>
         <p:txBody>
           <a:bodyPr/>
           <a:lstStyle/>
           <a:p>
             <a:r>
-              <a:rPr lang="en-US" sz="2800" dirty="0" smtClean="0"/>
-              <a:t>Great – It’s evented I/O.</a:t>
-            </a:r>
-            <a:br>
-              <a:rPr lang="en-US" sz="2800" dirty="0" smtClean="0"/>
-            </a:br>
-            <a:r>
-              <a:rPr lang="en-US" sz="2800" dirty="0" smtClean="0"/>
-              <a:t>What does that gain me, exactly?</a:t>
-            </a:r>
-            <a:endParaRPr lang="en-US" sz="2800" dirty="0"/>
+              <a:rPr lang="en-US" dirty="0" smtClean="0"/>
+              <a:t>JavaScript – Really!</a:t>
+            </a:r>
+            <a:endParaRPr lang="en-US" dirty="0"/>
           </a:p>
         </p:txBody>
       </p:sp>
@@ -5561,62 +8478,355 @@
           <a:lstStyle/>
           <a:p>
             <a:r>
-              <a:rPr lang="en-US" dirty="0" smtClean="0"/>
-              <a:t>Everything runs in parallel except your code.</a:t>
-            </a:r>
+              <a:rPr lang="en-US" sz="2000" dirty="0" smtClean="0"/>
+              <a:t>Designed to be used within an event loop (think browser)</a:t>
+            </a:r>
+          </a:p>
+          <a:p>
+            <a:r>
+              <a:rPr lang="en-US" sz="2000" dirty="0" smtClean="0"/>
+              <a:t>Language has anonymous functions and closures</a:t>
+            </a:r>
+          </a:p>
+          <a:p>
+            <a:r>
+              <a:rPr lang="en-US" sz="2000" dirty="0" smtClean="0"/>
+              <a:t>One callback at a time</a:t>
+            </a:r>
+          </a:p>
+          <a:p>
+            <a:r>
+              <a:rPr lang="en-US" sz="2000" dirty="0" smtClean="0"/>
+              <a:t>Already does evented I/O via DOM event callbacks</a:t>
+            </a:r>
+          </a:p>
+          <a:p>
+            <a:r>
+              <a:rPr lang="en-US" sz="2000" dirty="0" smtClean="0"/>
+              <a:t>JavaScript in </a:t>
+            </a:r>
+            <a:r>
+              <a:rPr lang="en-US" sz="2000" dirty="0" err="1" smtClean="0"/>
+              <a:t>node.js</a:t>
+            </a:r>
+            <a:endParaRPr lang="en-US" sz="2000" dirty="0" smtClean="0"/>
           </a:p>
           <a:p>
             <a:pPr lvl="1"/>
             <a:r>
-              <a:rPr lang="en-US" dirty="0" smtClean="0"/>
-              <a:t>HUH??!</a:t>
-            </a:r>
-          </a:p>
-          <a:p>
-            <a:r>
-              <a:rPr lang="en-US" dirty="0" smtClean="0"/>
-              <a:t>Node handles parallelization for you.</a:t>
-            </a:r>
+              <a:rPr lang="en-US" sz="1800" dirty="0" smtClean="0"/>
+              <a:t>Global scope is different – module concept is enforced with </a:t>
+            </a:r>
+            <a:r>
+              <a:rPr lang="en-US" sz="1800" dirty="0" err="1" smtClean="0"/>
+              <a:t>CommonJS</a:t>
+            </a:r>
+            <a:r>
+              <a:rPr lang="en-US" sz="1800" dirty="0" smtClean="0"/>
+              <a:t> API standards</a:t>
+            </a:r>
+            <a:endParaRPr lang="en-US" sz="1800" dirty="0"/>
           </a:p>
           <a:p>
             <a:pPr lvl="1"/>
             <a:r>
-              <a:rPr lang="en-US" dirty="0" smtClean="0"/>
-              <a:t>I/O is asynchronous unless you specifically call a synchronous method</a:t>
+              <a:rPr lang="en-US" sz="1800" dirty="0" smtClean="0"/>
+              <a:t>C developers can extend the language</a:t>
+            </a:r>
+          </a:p>
+          <a:p>
+            <a:pPr lvl="2"/>
+            <a:r>
+              <a:rPr lang="en-US" sz="1600" dirty="0" smtClean="0"/>
+              <a:t>Proxies (not in ES3) are possible in node</a:t>
+            </a:r>
+          </a:p>
+          <a:p>
+            <a:pPr lvl="2"/>
+            <a:r>
+              <a:rPr lang="en-US" sz="1600" dirty="0" smtClean="0"/>
+              <a:t>Buffer class – makes it easier &amp; more efficient to deal with streams</a:t>
             </a:r>
           </a:p>
           <a:p>
             <a:pPr lvl="1"/>
             <a:r>
-              <a:rPr lang="en-US" dirty="0" smtClean="0"/>
-              <a:t>It’s possible to spawn child processes using the “</a:t>
-            </a:r>
-            <a:r>
-              <a:rPr lang="en-US" dirty="0" err="1" smtClean="0"/>
-              <a:t>child_process</a:t>
-            </a:r>
-            <a:r>
-              <a:rPr lang="en-US" dirty="0" smtClean="0"/>
-              <a:t>” module.</a:t>
-            </a:r>
-          </a:p>
-          <a:p>
-            <a:r>
-              <a:rPr lang="en-US" dirty="0" smtClean="0"/>
-              <a:t>You get to focus on the problem you set out </a:t>
-            </a:r>
-            <a:r>
-              <a:rPr lang="en-US" smtClean="0"/>
-              <a:t>to solve.</a:t>
-            </a:r>
-            <a:endParaRPr lang="en-US" dirty="0" smtClean="0"/>
+              <a:rPr lang="en-US" sz="1800" dirty="0" smtClean="0"/>
+              <a:t>Supports JavaScript 1.5 spec extensions, plus partial support of 1.6 and 1.8</a:t>
+            </a:r>
+          </a:p>
+          <a:p>
+            <a:pPr lvl="1"/>
+            <a:r>
+              <a:rPr lang="en-US" sz="1800" dirty="0" smtClean="0"/>
+              <a:t>And more….(check the docs)</a:t>
+            </a:r>
+          </a:p>
+          <a:p>
+            <a:r>
+              <a:rPr lang="en-US" sz="2000" dirty="0" smtClean="0"/>
+              <a:t>Oh – and you can use </a:t>
+            </a:r>
+            <a:r>
+              <a:rPr lang="en-US" sz="2000" dirty="0" err="1" smtClean="0"/>
+              <a:t>CoffeeScript</a:t>
+            </a:r>
+            <a:endParaRPr lang="en-US" sz="2000" dirty="0" smtClean="0"/>
           </a:p>
         </p:txBody>
       </p:sp>
     </p:spTree>
     <p:extLst>
       <p:ext uri="{BB962C8B-B14F-4D97-AF65-F5344CB8AC3E}">
-        <p14:creationId xmlns:p14="http://schemas.microsoft.com/office/powerpoint/2010/main" val="198690127"/>
+        <p14:creationId xmlns:p14="http://schemas.microsoft.com/office/powerpoint/2010/main" val="157441994"/>
+      </p:ext>
+    </p:extLst>
+  </p:cSld>
+  <p:clrMapOvr>
+    <a:masterClrMapping/>
+  </p:clrMapOvr>
+  <p:timing>
+    <p:tnLst>
+      <p:par>
+        <p:cTn xmlns:p14="http://schemas.microsoft.com/office/powerpoint/2010/main" id="1" dur="indefinite" restart="never" nodeType="tmRoot"/>
+      </p:par>
+    </p:tnLst>
+  </p:timing>
+</p:sld>
+</file>
+
+<file path=ppt/slides/slide17.xml><?xml version="1.0" encoding="utf-8"?>
+<p:sld xmlns:a="http://schemas.openxmlformats.org/drawingml/2006/main" xmlns:r="http://schemas.openxmlformats.org/officeDocument/2006/relationships" xmlns:p="http://schemas.openxmlformats.org/presentationml/2006/main">
+  <p:cSld>
+    <p:spTree>
+      <p:nvGrpSpPr>
+        <p:cNvPr id="1" name=""/>
+        <p:cNvGrpSpPr/>
+        <p:nvPr/>
+      </p:nvGrpSpPr>
+      <p:grpSpPr>
+        <a:xfrm>
+          <a:off x="0" y="0"/>
+          <a:ext cx="0" cy="0"/>
+          <a:chOff x="0" y="0"/>
+          <a:chExt cx="0" cy="0"/>
+        </a:xfrm>
+      </p:grpSpPr>
+      <p:sp>
+        <p:nvSpPr>
+          <p:cNvPr id="2" name="Title 1"/>
+          <p:cNvSpPr>
+            <a:spLocks noGrp="1"/>
+          </p:cNvSpPr>
+          <p:nvPr>
+            <p:ph type="title"/>
+          </p:nvPr>
+        </p:nvSpPr>
+        <p:spPr>
+          <a:xfrm>
+            <a:off x="457200" y="274638"/>
+            <a:ext cx="7620000" cy="892175"/>
+          </a:xfrm>
+        </p:spPr>
+        <p:txBody>
+          <a:bodyPr/>
+          <a:lstStyle/>
+          <a:p>
+            <a:r>
+              <a:rPr lang="en-US" dirty="0" smtClean="0"/>
+              <a:t>Example Module</a:t>
+            </a:r>
+            <a:endParaRPr lang="en-US" dirty="0"/>
+          </a:p>
+        </p:txBody>
+      </p:sp>
+      <p:pic>
+        <p:nvPicPr>
+          <p:cNvPr id="6" name="Picture 5"/>
+          <p:cNvPicPr>
+            <a:picLocks noChangeAspect="1"/>
+          </p:cNvPicPr>
+          <p:nvPr/>
+        </p:nvPicPr>
+        <p:blipFill>
+          <a:blip r:embed="rId3"/>
+          <a:stretch>
+            <a:fillRect/>
+          </a:stretch>
+        </p:blipFill>
+        <p:spPr>
+          <a:xfrm>
+            <a:off x="64768" y="1168400"/>
+            <a:ext cx="8343900" cy="4521200"/>
+          </a:xfrm>
+          <a:prstGeom prst="rect">
+            <a:avLst/>
+          </a:prstGeom>
+        </p:spPr>
+      </p:pic>
+    </p:spTree>
+    <p:extLst>
+      <p:ext uri="{BB962C8B-B14F-4D97-AF65-F5344CB8AC3E}">
+        <p14:creationId xmlns:p14="http://schemas.microsoft.com/office/powerpoint/2010/main" val="1940474265"/>
+      </p:ext>
+    </p:extLst>
+  </p:cSld>
+  <p:clrMapOvr>
+    <a:masterClrMapping/>
+  </p:clrMapOvr>
+  <p:timing>
+    <p:tnLst>
+      <p:par>
+        <p:cTn xmlns:p14="http://schemas.microsoft.com/office/powerpoint/2010/main" id="1" dur="indefinite" restart="never" nodeType="tmRoot"/>
+      </p:par>
+    </p:tnLst>
+  </p:timing>
+</p:sld>
+</file>
+
+<file path=ppt/slides/slide18.xml><?xml version="1.0" encoding="utf-8"?>
+<p:sld xmlns:a="http://schemas.openxmlformats.org/drawingml/2006/main" xmlns:r="http://schemas.openxmlformats.org/officeDocument/2006/relationships" xmlns:p="http://schemas.openxmlformats.org/presentationml/2006/main">
+  <p:cSld>
+    <p:spTree>
+      <p:nvGrpSpPr>
+        <p:cNvPr id="1" name=""/>
+        <p:cNvGrpSpPr/>
+        <p:nvPr/>
+      </p:nvGrpSpPr>
+      <p:grpSpPr>
+        <a:xfrm>
+          <a:off x="0" y="0"/>
+          <a:ext cx="0" cy="0"/>
+          <a:chOff x="0" y="0"/>
+          <a:chExt cx="0" cy="0"/>
+        </a:xfrm>
+      </p:grpSpPr>
+      <p:sp>
+        <p:nvSpPr>
+          <p:cNvPr id="2" name="Title 1"/>
+          <p:cNvSpPr>
+            <a:spLocks noGrp="1"/>
+          </p:cNvSpPr>
+          <p:nvPr>
+            <p:ph type="title"/>
+          </p:nvPr>
+        </p:nvSpPr>
+        <p:spPr>
+          <a:xfrm>
+            <a:off x="457200" y="354862"/>
+            <a:ext cx="7620000" cy="746578"/>
+          </a:xfrm>
+        </p:spPr>
+        <p:txBody>
+          <a:bodyPr/>
+          <a:lstStyle/>
+          <a:p>
+            <a:r>
+              <a:rPr lang="en-US" sz="3600" dirty="0" smtClean="0"/>
+              <a:t>Wait – let’s see that in </a:t>
+            </a:r>
+            <a:r>
+              <a:rPr lang="en-US" sz="3600" dirty="0" err="1" smtClean="0"/>
+              <a:t>CoffeeScript</a:t>
+            </a:r>
+            <a:endParaRPr lang="en-US" sz="3600" dirty="0"/>
+          </a:p>
+        </p:txBody>
+      </p:sp>
+      <p:pic>
+        <p:nvPicPr>
+          <p:cNvPr id="10" name="Picture 9"/>
+          <p:cNvPicPr>
+            <a:picLocks noChangeAspect="1"/>
+          </p:cNvPicPr>
+          <p:nvPr/>
+        </p:nvPicPr>
+        <p:blipFill>
+          <a:blip r:embed="rId2"/>
+          <a:stretch>
+            <a:fillRect/>
+          </a:stretch>
+        </p:blipFill>
+        <p:spPr>
+          <a:xfrm>
+            <a:off x="153668" y="1163228"/>
+            <a:ext cx="8178800" cy="3581400"/>
+          </a:xfrm>
+          <a:prstGeom prst="rect">
+            <a:avLst/>
+          </a:prstGeom>
+        </p:spPr>
+      </p:pic>
+    </p:spTree>
+    <p:extLst>
+      <p:ext uri="{BB962C8B-B14F-4D97-AF65-F5344CB8AC3E}">
+        <p14:creationId xmlns:p14="http://schemas.microsoft.com/office/powerpoint/2010/main" val="532587385"/>
+      </p:ext>
+    </p:extLst>
+  </p:cSld>
+  <p:clrMapOvr>
+    <a:masterClrMapping/>
+  </p:clrMapOvr>
+  <p:timing>
+    <p:tnLst>
+      <p:par>
+        <p:cTn xmlns:p14="http://schemas.microsoft.com/office/powerpoint/2010/main" id="1" dur="indefinite" restart="never" nodeType="tmRoot"/>
+      </p:par>
+    </p:tnLst>
+  </p:timing>
+</p:sld>
+</file>
+
+<file path=ppt/slides/slide19.xml><?xml version="1.0" encoding="utf-8"?>
+<p:sld xmlns:a="http://schemas.openxmlformats.org/drawingml/2006/main" xmlns:r="http://schemas.openxmlformats.org/officeDocument/2006/relationships" xmlns:p="http://schemas.openxmlformats.org/presentationml/2006/main">
+  <p:cSld>
+    <p:spTree>
+      <p:nvGrpSpPr>
+        <p:cNvPr id="1" name=""/>
+        <p:cNvGrpSpPr/>
+        <p:nvPr/>
+      </p:nvGrpSpPr>
+      <p:grpSpPr>
+        <a:xfrm>
+          <a:off x="0" y="0"/>
+          <a:ext cx="0" cy="0"/>
+          <a:chOff x="0" y="0"/>
+          <a:chExt cx="0" cy="0"/>
+        </a:xfrm>
+      </p:grpSpPr>
+      <p:sp>
+        <p:nvSpPr>
+          <p:cNvPr id="2" name="Title 1"/>
+          <p:cNvSpPr>
+            <a:spLocks noGrp="1"/>
+          </p:cNvSpPr>
+          <p:nvPr>
+            <p:ph type="title"/>
+          </p:nvPr>
+        </p:nvSpPr>
+        <p:spPr>
+          <a:xfrm>
+            <a:off x="457200" y="2721339"/>
+            <a:ext cx="7620000" cy="1143000"/>
+          </a:xfrm>
+        </p:spPr>
+        <p:txBody>
+          <a:bodyPr/>
+          <a:lstStyle/>
+          <a:p>
+            <a:pPr algn="ctr"/>
+            <a:r>
+              <a:rPr lang="en-US" dirty="0" smtClean="0"/>
+              <a:t>Finally, let’s look at code!</a:t>
+            </a:r>
+            <a:endParaRPr lang="en-US" dirty="0"/>
+          </a:p>
+        </p:txBody>
+      </p:sp>
+    </p:spTree>
+    <p:extLst>
+      <p:ext uri="{BB962C8B-B14F-4D97-AF65-F5344CB8AC3E}">
+        <p14:creationId xmlns:p14="http://schemas.microsoft.com/office/powerpoint/2010/main" val="687462764"/>
       </p:ext>
     </p:extLst>
   </p:cSld>
@@ -5667,7 +8877,7 @@
           <a:p>
             <a:r>
               <a:rPr lang="en-US" dirty="0" smtClean="0"/>
-              <a:t>What is it?</a:t>
+              <a:t>The “What”</a:t>
             </a:r>
             <a:endParaRPr lang="en-US" dirty="0"/>
           </a:p>
@@ -5686,113 +8896,54 @@
         <p:spPr/>
         <p:txBody>
           <a:bodyPr>
-            <a:normAutofit fontScale="92500"/>
+            <a:normAutofit/>
           </a:bodyPr>
           <a:lstStyle/>
           <a:p>
             <a:r>
-              <a:rPr lang="en-US" dirty="0" smtClean="0"/>
+              <a:rPr lang="en-US" sz="2800" dirty="0" smtClean="0"/>
               <a:t>Evented server-side JavaScript</a:t>
             </a:r>
           </a:p>
           <a:p>
             <a:r>
-              <a:rPr lang="en-US" dirty="0" smtClean="0"/>
+              <a:rPr lang="en-US" sz="2800" dirty="0" smtClean="0"/>
               <a:t>A set of bindings to the Google V8 JavaScript virtual </a:t>
             </a:r>
             <a:r>
-              <a:rPr lang="en-US" dirty="0"/>
+              <a:rPr lang="en-US" sz="2800" dirty="0"/>
               <a:t>m</a:t>
             </a:r>
             <a:r>
-              <a:rPr lang="en-US" dirty="0" smtClean="0"/>
+              <a:rPr lang="en-US" sz="2800" dirty="0" smtClean="0"/>
               <a:t>achine</a:t>
             </a:r>
           </a:p>
           <a:p>
             <a:r>
-              <a:rPr lang="en-US" dirty="0" smtClean="0"/>
-              <a:t>It enables you to do I/O in JavaScript</a:t>
-            </a:r>
-          </a:p>
-          <a:p>
-            <a:r>
-              <a:rPr lang="en-US" dirty="0" smtClean="0"/>
-              <a:t>Philosophy</a:t>
+              <a:rPr lang="en-US" sz="2800" dirty="0" smtClean="0"/>
+              <a:t>It’s good at handling lots of simultaneous I/O</a:t>
             </a:r>
           </a:p>
           <a:p>
             <a:pPr lvl="1"/>
             <a:r>
-              <a:rPr lang="en-US" dirty="0" smtClean="0"/>
-              <a:t>Thread-per-process is a leaky abstraction</a:t>
-            </a:r>
-            <a:r>
-              <a:rPr lang="en-US" dirty="0"/>
-              <a:t>: </a:t>
-            </a:r>
-            <a:r>
-              <a:rPr lang="en-US" dirty="0" smtClean="0"/>
-              <a:t>“</a:t>
-            </a:r>
-            <a:r>
-              <a:rPr lang="en-US" i="1" dirty="0" smtClean="0"/>
-              <a:t>Because having many processes not only makes creating more processes more difﬁcult, it also makes choosing which process to run more difﬁcult.</a:t>
-            </a:r>
-            <a:r>
-              <a:rPr lang="en-US" dirty="0"/>
-              <a:t>” - Felix von </a:t>
-            </a:r>
-            <a:r>
-              <a:rPr lang="en-US" dirty="0" err="1" smtClean="0"/>
-              <a:t>Leitner</a:t>
-            </a:r>
-            <a:endParaRPr lang="en-US" dirty="0" smtClean="0"/>
+              <a:rPr lang="en-US" sz="2800" dirty="0" smtClean="0"/>
+              <a:t>Makes network I/O non-blocking</a:t>
+            </a:r>
           </a:p>
           <a:p>
             <a:pPr lvl="1"/>
             <a:r>
-              <a:rPr lang="en-US" dirty="0" smtClean="0"/>
-              <a:t>Context switching isn’t free. Execution stacks take up memory</a:t>
-            </a:r>
-          </a:p>
-          <a:p>
-            <a:pPr lvl="1"/>
-            <a:r>
-              <a:rPr lang="en-US" dirty="0" smtClean="0"/>
-              <a:t>Use an event loop instead</a:t>
-            </a:r>
-          </a:p>
-          <a:p>
-            <a:pPr lvl="2"/>
-            <a:r>
-              <a:rPr lang="en-US" dirty="0" smtClean="0"/>
-              <a:t>Callbacks</a:t>
-            </a:r>
-          </a:p>
-          <a:p>
-            <a:pPr lvl="2"/>
-            <a:r>
-              <a:rPr lang="en-US" dirty="0" smtClean="0"/>
-              <a:t>Stream everything (don’t force buffering where possible)</a:t>
-            </a:r>
-          </a:p>
-          <a:p>
-            <a:pPr lvl="2"/>
-            <a:r>
-              <a:rPr lang="en-US" dirty="0" smtClean="0"/>
-              <a:t>Event loop is transparent to the developer</a:t>
-            </a:r>
-          </a:p>
-          <a:p>
-            <a:pPr lvl="1"/>
-            <a:endParaRPr lang="en-US" dirty="0" smtClean="0"/>
-          </a:p>
-          <a:p>
-            <a:endParaRPr lang="en-US" dirty="0" smtClean="0"/>
-          </a:p>
-          <a:p>
-            <a:endParaRPr lang="en-US" dirty="0"/>
+              <a:rPr lang="en-US" sz="2800" dirty="0" smtClean="0"/>
+              <a:t>Makes file I/O asynchronous</a:t>
+            </a:r>
+          </a:p>
+          <a:p>
+            <a:endParaRPr lang="en-US" sz="2800" dirty="0" smtClean="0"/>
+          </a:p>
+          <a:p>
+            <a:endParaRPr lang="en-US" sz="2800" dirty="0"/>
           </a:p>
         </p:txBody>
       </p:sp>
@@ -5800,6 +8951,1377 @@
     <p:extLst>
       <p:ext uri="{BB962C8B-B14F-4D97-AF65-F5344CB8AC3E}">
         <p14:creationId xmlns:p14="http://schemas.microsoft.com/office/powerpoint/2010/main" val="3746957950"/>
+      </p:ext>
+    </p:extLst>
+  </p:cSld>
+  <p:clrMapOvr>
+    <a:masterClrMapping/>
+  </p:clrMapOvr>
+  <p:timing>
+    <p:tnLst>
+      <p:par>
+        <p:cTn xmlns:p14="http://schemas.microsoft.com/office/powerpoint/2010/main" id="1" dur="indefinite" restart="never" nodeType="tmRoot"/>
+      </p:par>
+    </p:tnLst>
+  </p:timing>
+</p:sld>
+</file>
+
+<file path=ppt/slides/slide20.xml><?xml version="1.0" encoding="utf-8"?>
+<p:sld xmlns:a="http://schemas.openxmlformats.org/drawingml/2006/main" xmlns:r="http://schemas.openxmlformats.org/officeDocument/2006/relationships" xmlns:p="http://schemas.openxmlformats.org/presentationml/2006/main">
+  <p:cSld>
+    <p:spTree>
+      <p:nvGrpSpPr>
+        <p:cNvPr id="1" name=""/>
+        <p:cNvGrpSpPr/>
+        <p:nvPr/>
+      </p:nvGrpSpPr>
+      <p:grpSpPr>
+        <a:xfrm>
+          <a:off x="0" y="0"/>
+          <a:ext cx="0" cy="0"/>
+          <a:chOff x="0" y="0"/>
+          <a:chExt cx="0" cy="0"/>
+        </a:xfrm>
+      </p:grpSpPr>
+      <p:sp>
+        <p:nvSpPr>
+          <p:cNvPr id="2" name="Title 1"/>
+          <p:cNvSpPr>
+            <a:spLocks noGrp="1"/>
+          </p:cNvSpPr>
+          <p:nvPr>
+            <p:ph type="title"/>
+          </p:nvPr>
+        </p:nvSpPr>
+        <p:spPr/>
+        <p:txBody>
+          <a:bodyPr/>
+          <a:lstStyle/>
+          <a:p>
+            <a:r>
+              <a:rPr lang="en-US" sz="4400" dirty="0" smtClean="0"/>
+              <a:t>Tools – Package Management</a:t>
+            </a:r>
+            <a:endParaRPr lang="en-US" sz="4400" dirty="0"/>
+          </a:p>
+        </p:txBody>
+      </p:sp>
+      <p:sp>
+        <p:nvSpPr>
+          <p:cNvPr id="3" name="Content Placeholder 2"/>
+          <p:cNvSpPr>
+            <a:spLocks noGrp="1"/>
+          </p:cNvSpPr>
+          <p:nvPr>
+            <p:ph idx="1"/>
+          </p:nvPr>
+        </p:nvSpPr>
+        <p:spPr/>
+        <p:txBody>
+          <a:bodyPr>
+            <a:normAutofit/>
+          </a:bodyPr>
+          <a:lstStyle/>
+          <a:p>
+            <a:r>
+              <a:rPr lang="en-US" sz="2800" dirty="0" smtClean="0"/>
+              <a:t>NPM – node package manager</a:t>
+            </a:r>
+          </a:p>
+          <a:p>
+            <a:pPr lvl="1"/>
+            <a:r>
+              <a:rPr lang="en-US" sz="2800" dirty="0" smtClean="0"/>
+              <a:t>Like an apt-get for Node</a:t>
+            </a:r>
+          </a:p>
+          <a:p>
+            <a:pPr lvl="1"/>
+            <a:r>
+              <a:rPr lang="en-US" sz="2800" dirty="0" smtClean="0"/>
+              <a:t>Manages installation, updating, removal and more:</a:t>
+            </a:r>
+            <a:endParaRPr lang="en-US" dirty="0" smtClean="0">
+              <a:latin typeface="Lucida Console"/>
+              <a:cs typeface="Lucida Console"/>
+            </a:endParaRPr>
+          </a:p>
+          <a:p>
+            <a:pPr marL="411480" lvl="1" indent="0">
+              <a:buNone/>
+            </a:pPr>
+            <a:r>
+              <a:rPr lang="en-US" dirty="0" smtClean="0">
+                <a:latin typeface="Lucida Console"/>
+                <a:cs typeface="Lucida Console"/>
+              </a:rPr>
+              <a:t>	</a:t>
+            </a:r>
+            <a:r>
+              <a:rPr lang="en-US" dirty="0" err="1" smtClean="0">
+                <a:latin typeface="Lucida Console"/>
+                <a:cs typeface="Lucida Console"/>
+              </a:rPr>
+              <a:t>npm</a:t>
+            </a:r>
+            <a:r>
+              <a:rPr lang="en-US" dirty="0" smtClean="0">
+                <a:latin typeface="Lucida Console"/>
+                <a:cs typeface="Lucida Console"/>
+              </a:rPr>
+              <a:t> search {</a:t>
+            </a:r>
+            <a:r>
+              <a:rPr lang="en-US" i="1" dirty="0" smtClean="0">
+                <a:latin typeface="Lucida Console"/>
+                <a:cs typeface="Lucida Console"/>
+              </a:rPr>
+              <a:t>Search Value</a:t>
+            </a:r>
+            <a:r>
+              <a:rPr lang="en-US" dirty="0" smtClean="0">
+                <a:latin typeface="Lucida Console"/>
+                <a:cs typeface="Lucida Console"/>
+              </a:rPr>
+              <a:t>}</a:t>
+            </a:r>
+          </a:p>
+          <a:p>
+            <a:pPr marL="411480" lvl="1" indent="0">
+              <a:buNone/>
+            </a:pPr>
+            <a:r>
+              <a:rPr lang="en-US" dirty="0" smtClean="0">
+                <a:latin typeface="Lucida Console"/>
+                <a:cs typeface="Lucida Console"/>
+              </a:rPr>
+              <a:t>	</a:t>
+            </a:r>
+            <a:r>
+              <a:rPr lang="en-US" dirty="0" err="1" smtClean="0">
+                <a:latin typeface="Lucida Console"/>
+                <a:cs typeface="Lucida Console"/>
+              </a:rPr>
+              <a:t>npm</a:t>
+            </a:r>
+            <a:r>
+              <a:rPr lang="en-US" dirty="0" smtClean="0">
+                <a:latin typeface="Lucida Console"/>
+                <a:cs typeface="Lucida Console"/>
+              </a:rPr>
+              <a:t> install {</a:t>
+            </a:r>
+            <a:r>
+              <a:rPr lang="en-US" i="1" dirty="0" smtClean="0">
+                <a:latin typeface="Lucida Console"/>
+                <a:cs typeface="Lucida Console"/>
+              </a:rPr>
+              <a:t>Package Name</a:t>
+            </a:r>
+            <a:r>
+              <a:rPr lang="en-US" dirty="0" smtClean="0">
+                <a:latin typeface="Lucida Console"/>
+                <a:cs typeface="Lucida Console"/>
+              </a:rPr>
+              <a:t>}</a:t>
+            </a:r>
+          </a:p>
+          <a:p>
+            <a:pPr marL="411480" lvl="1" indent="0">
+              <a:buNone/>
+            </a:pPr>
+            <a:r>
+              <a:rPr lang="en-US" dirty="0" smtClean="0">
+                <a:latin typeface="Lucida Console"/>
+                <a:cs typeface="Lucida Console"/>
+              </a:rPr>
+              <a:t>	</a:t>
+            </a:r>
+            <a:r>
+              <a:rPr lang="en-US" dirty="0" err="1" smtClean="0">
+                <a:latin typeface="Lucida Console"/>
+                <a:cs typeface="Lucida Console"/>
+              </a:rPr>
+              <a:t>npm</a:t>
+            </a:r>
+            <a:r>
+              <a:rPr lang="en-US" dirty="0" smtClean="0">
+                <a:latin typeface="Lucida Console"/>
+                <a:cs typeface="Lucida Console"/>
+              </a:rPr>
+              <a:t> update</a:t>
+            </a:r>
+          </a:p>
+          <a:p>
+            <a:pPr marL="411480" lvl="1" indent="0">
+              <a:buNone/>
+            </a:pPr>
+            <a:r>
+              <a:rPr lang="en-US" dirty="0" smtClean="0">
+                <a:latin typeface="Lucida Console"/>
+                <a:cs typeface="Lucida Console"/>
+              </a:rPr>
+              <a:t>	</a:t>
+            </a:r>
+            <a:r>
+              <a:rPr lang="en-US" dirty="0" err="1" smtClean="0">
+                <a:latin typeface="Lucida Console"/>
+                <a:cs typeface="Lucida Console"/>
+              </a:rPr>
+              <a:t>npm</a:t>
+            </a:r>
+            <a:r>
+              <a:rPr lang="en-US" dirty="0" smtClean="0">
+                <a:latin typeface="Lucida Console"/>
+                <a:cs typeface="Lucida Console"/>
+              </a:rPr>
+              <a:t> </a:t>
+            </a:r>
+            <a:r>
+              <a:rPr lang="en-US" dirty="0" err="1" smtClean="0">
+                <a:latin typeface="Lucida Console"/>
+                <a:cs typeface="Lucida Console"/>
+              </a:rPr>
+              <a:t>ls</a:t>
+            </a:r>
+            <a:r>
+              <a:rPr lang="en-US" dirty="0" smtClean="0">
+                <a:latin typeface="Lucida Console"/>
+                <a:cs typeface="Lucida Console"/>
+              </a:rPr>
+              <a:t> installed</a:t>
+            </a:r>
+          </a:p>
+          <a:p>
+            <a:r>
+              <a:rPr lang="en-US" dirty="0" smtClean="0">
+                <a:latin typeface="Lucida Console"/>
+                <a:cs typeface="Lucida Console"/>
+                <a:hlinkClick r:id="rId3"/>
+              </a:rPr>
+              <a:t>http</a:t>
+            </a:r>
+            <a:r>
+              <a:rPr lang="en-US" dirty="0">
+                <a:latin typeface="Lucida Console"/>
+                <a:cs typeface="Lucida Console"/>
+                <a:hlinkClick r:id="rId3"/>
+              </a:rPr>
+              <a:t>://search.npmjs.org</a:t>
+            </a:r>
+            <a:r>
+              <a:rPr lang="en-US" dirty="0" smtClean="0">
+                <a:latin typeface="Lucida Console"/>
+                <a:cs typeface="Lucida Console"/>
+                <a:hlinkClick r:id="rId3"/>
+              </a:rPr>
+              <a:t>/</a:t>
+            </a:r>
+            <a:r>
+              <a:rPr lang="en-US" dirty="0" smtClean="0">
+                <a:latin typeface="Lucida Console"/>
+                <a:cs typeface="Lucida Console"/>
+              </a:rPr>
+              <a:t> </a:t>
+            </a:r>
+            <a:r>
+              <a:rPr lang="en-US" sz="2000" dirty="0" smtClean="0">
+                <a:latin typeface="Lucida Console"/>
+                <a:cs typeface="Lucida Console"/>
+              </a:rPr>
+              <a:t>(over 3k packages)</a:t>
+            </a:r>
+            <a:endParaRPr lang="en-US" dirty="0" smtClean="0">
+              <a:latin typeface="Lucida Console"/>
+              <a:cs typeface="Lucida Console"/>
+            </a:endParaRPr>
+          </a:p>
+        </p:txBody>
+      </p:sp>
+    </p:spTree>
+    <p:extLst>
+      <p:ext uri="{BB962C8B-B14F-4D97-AF65-F5344CB8AC3E}">
+        <p14:creationId xmlns:p14="http://schemas.microsoft.com/office/powerpoint/2010/main" val="2922188597"/>
+      </p:ext>
+    </p:extLst>
+  </p:cSld>
+  <p:clrMapOvr>
+    <a:masterClrMapping/>
+  </p:clrMapOvr>
+  <p:timing>
+    <p:tnLst>
+      <p:par>
+        <p:cTn xmlns:p14="http://schemas.microsoft.com/office/powerpoint/2010/main" id="1" dur="indefinite" restart="never" nodeType="tmRoot"/>
+      </p:par>
+    </p:tnLst>
+  </p:timing>
+</p:sld>
+</file>
+
+<file path=ppt/slides/slide21.xml><?xml version="1.0" encoding="utf-8"?>
+<p:sld xmlns:a="http://schemas.openxmlformats.org/drawingml/2006/main" xmlns:r="http://schemas.openxmlformats.org/officeDocument/2006/relationships" xmlns:p="http://schemas.openxmlformats.org/presentationml/2006/main">
+  <p:cSld>
+    <p:spTree>
+      <p:nvGrpSpPr>
+        <p:cNvPr id="1" name=""/>
+        <p:cNvGrpSpPr/>
+        <p:nvPr/>
+      </p:nvGrpSpPr>
+      <p:grpSpPr>
+        <a:xfrm>
+          <a:off x="0" y="0"/>
+          <a:ext cx="0" cy="0"/>
+          <a:chOff x="0" y="0"/>
+          <a:chExt cx="0" cy="0"/>
+        </a:xfrm>
+      </p:grpSpPr>
+      <p:sp>
+        <p:nvSpPr>
+          <p:cNvPr id="2" name="Title 1"/>
+          <p:cNvSpPr>
+            <a:spLocks noGrp="1"/>
+          </p:cNvSpPr>
+          <p:nvPr>
+            <p:ph type="title"/>
+          </p:nvPr>
+        </p:nvSpPr>
+        <p:spPr/>
+        <p:txBody>
+          <a:bodyPr/>
+          <a:lstStyle/>
+          <a:p>
+            <a:r>
+              <a:rPr lang="en-US" sz="3600" dirty="0" smtClean="0"/>
+              <a:t>Tools – Node Version Management</a:t>
+            </a:r>
+            <a:endParaRPr lang="en-US" sz="3600" dirty="0"/>
+          </a:p>
+        </p:txBody>
+      </p:sp>
+      <p:sp>
+        <p:nvSpPr>
+          <p:cNvPr id="3" name="Content Placeholder 2"/>
+          <p:cNvSpPr>
+            <a:spLocks noGrp="1"/>
+          </p:cNvSpPr>
+          <p:nvPr>
+            <p:ph idx="1"/>
+          </p:nvPr>
+        </p:nvSpPr>
+        <p:spPr/>
+        <p:txBody>
+          <a:bodyPr>
+            <a:normAutofit lnSpcReduction="10000"/>
+          </a:bodyPr>
+          <a:lstStyle/>
+          <a:p>
+            <a:r>
+              <a:rPr lang="en-US" sz="2400" dirty="0" smtClean="0"/>
+              <a:t>Version management helps you safely run multiple version of node simultaneously</a:t>
+            </a:r>
+          </a:p>
+          <a:p>
+            <a:pPr lvl="1"/>
+            <a:r>
+              <a:rPr lang="en-US" sz="2400" dirty="0" smtClean="0"/>
+              <a:t>Lessens development headaches</a:t>
+            </a:r>
+          </a:p>
+          <a:p>
+            <a:pPr lvl="1"/>
+            <a:r>
+              <a:rPr lang="en-US" sz="2400" dirty="0" smtClean="0"/>
+              <a:t>Allows </a:t>
+            </a:r>
+            <a:r>
+              <a:rPr lang="en-US" sz="2400" dirty="0" err="1" smtClean="0"/>
+              <a:t>npm</a:t>
+            </a:r>
+            <a:r>
+              <a:rPr lang="en-US" sz="2400" dirty="0" smtClean="0"/>
+              <a:t> package installations per Node version</a:t>
+            </a:r>
+          </a:p>
+          <a:p>
+            <a:r>
+              <a:rPr lang="en-US" sz="2400" dirty="0" smtClean="0"/>
+              <a:t>Two main options:</a:t>
+            </a:r>
+          </a:p>
+          <a:p>
+            <a:pPr lvl="1"/>
+            <a:r>
+              <a:rPr lang="en-US" sz="2400" dirty="0" smtClean="0"/>
+              <a:t>Nave (Virtual Environments for Node) </a:t>
+            </a:r>
+          </a:p>
+          <a:p>
+            <a:pPr lvl="2"/>
+            <a:r>
+              <a:rPr lang="en-US" sz="2400" dirty="0" smtClean="0"/>
+              <a:t>Uses sub-shells to run alternate versions</a:t>
+            </a:r>
+          </a:p>
+          <a:p>
+            <a:pPr lvl="2"/>
+            <a:r>
+              <a:rPr lang="en-US" sz="2400" dirty="0" smtClean="0"/>
+              <a:t>Ex - </a:t>
+            </a:r>
+            <a:r>
+              <a:rPr lang="en-US" sz="2400" dirty="0" smtClean="0">
+                <a:latin typeface="Lucida Console"/>
+                <a:cs typeface="Lucida Console"/>
+              </a:rPr>
+              <a:t>nave use 0.4.6</a:t>
+            </a:r>
+          </a:p>
+          <a:p>
+            <a:pPr lvl="1"/>
+            <a:r>
+              <a:rPr lang="en-US" sz="2400" dirty="0" err="1" smtClean="0"/>
+              <a:t>Nvm</a:t>
+            </a:r>
+            <a:r>
+              <a:rPr lang="en-US" sz="2400" dirty="0" smtClean="0"/>
+              <a:t> (Node Version Manager)</a:t>
+            </a:r>
+          </a:p>
+          <a:p>
+            <a:pPr lvl="2"/>
+            <a:r>
+              <a:rPr lang="en-US" sz="2400" dirty="0" smtClean="0"/>
+              <a:t>Must be sourced in shell</a:t>
+            </a:r>
+          </a:p>
+          <a:p>
+            <a:pPr lvl="2"/>
+            <a:r>
+              <a:rPr lang="en-US" sz="2400" dirty="0" smtClean="0"/>
+              <a:t>Ex – </a:t>
+            </a:r>
+            <a:r>
+              <a:rPr lang="en-US" sz="2400" dirty="0" err="1" smtClean="0">
+                <a:latin typeface="Lucida Console"/>
+                <a:cs typeface="Lucida Console"/>
+              </a:rPr>
+              <a:t>nvm</a:t>
+            </a:r>
+            <a:r>
+              <a:rPr lang="en-US" sz="2400" dirty="0" smtClean="0">
+                <a:latin typeface="Lucida Console"/>
+                <a:cs typeface="Lucida Console"/>
+              </a:rPr>
+              <a:t> install v0.4.6</a:t>
+            </a:r>
+          </a:p>
+          <a:p>
+            <a:pPr lvl="2"/>
+            <a:endParaRPr lang="en-US" dirty="0" smtClean="0">
+              <a:latin typeface="Lucida Console"/>
+              <a:cs typeface="Lucida Console"/>
+            </a:endParaRPr>
+          </a:p>
+          <a:p>
+            <a:endParaRPr lang="en-US" dirty="0" smtClean="0">
+              <a:latin typeface="Lucida Console"/>
+              <a:cs typeface="Lucida Console"/>
+            </a:endParaRPr>
+          </a:p>
+          <a:p>
+            <a:pPr marL="411480" lvl="1" indent="0">
+              <a:buNone/>
+            </a:pPr>
+            <a:endParaRPr lang="en-US" dirty="0">
+              <a:latin typeface="Lucida Console"/>
+              <a:cs typeface="Lucida Console"/>
+            </a:endParaRPr>
+          </a:p>
+          <a:p>
+            <a:pPr marL="411480" lvl="1" indent="0">
+              <a:buNone/>
+            </a:pPr>
+            <a:endParaRPr lang="en-US" dirty="0" smtClean="0">
+              <a:latin typeface="Lucida Console"/>
+              <a:cs typeface="Lucida Console"/>
+            </a:endParaRPr>
+          </a:p>
+        </p:txBody>
+      </p:sp>
+    </p:spTree>
+    <p:extLst>
+      <p:ext uri="{BB962C8B-B14F-4D97-AF65-F5344CB8AC3E}">
+        <p14:creationId xmlns:p14="http://schemas.microsoft.com/office/powerpoint/2010/main" val="2269438234"/>
+      </p:ext>
+    </p:extLst>
+  </p:cSld>
+  <p:clrMapOvr>
+    <a:masterClrMapping/>
+  </p:clrMapOvr>
+  <p:timing>
+    <p:tnLst>
+      <p:par>
+        <p:cTn xmlns:p14="http://schemas.microsoft.com/office/powerpoint/2010/main" id="1" dur="indefinite" restart="never" nodeType="tmRoot"/>
+      </p:par>
+    </p:tnLst>
+  </p:timing>
+</p:sld>
+</file>
+
+<file path=ppt/slides/slide22.xml><?xml version="1.0" encoding="utf-8"?>
+<p:sld xmlns:a="http://schemas.openxmlformats.org/drawingml/2006/main" xmlns:r="http://schemas.openxmlformats.org/officeDocument/2006/relationships" xmlns:p="http://schemas.openxmlformats.org/presentationml/2006/main">
+  <p:cSld>
+    <p:spTree>
+      <p:nvGrpSpPr>
+        <p:cNvPr id="1" name=""/>
+        <p:cNvGrpSpPr/>
+        <p:nvPr/>
+      </p:nvGrpSpPr>
+      <p:grpSpPr>
+        <a:xfrm>
+          <a:off x="0" y="0"/>
+          <a:ext cx="0" cy="0"/>
+          <a:chOff x="0" y="0"/>
+          <a:chExt cx="0" cy="0"/>
+        </a:xfrm>
+      </p:grpSpPr>
+      <p:sp>
+        <p:nvSpPr>
+          <p:cNvPr id="2" name="Title 1"/>
+          <p:cNvSpPr>
+            <a:spLocks noGrp="1"/>
+          </p:cNvSpPr>
+          <p:nvPr>
+            <p:ph type="title"/>
+          </p:nvPr>
+        </p:nvSpPr>
+        <p:spPr/>
+        <p:txBody>
+          <a:bodyPr/>
+          <a:lstStyle/>
+          <a:p>
+            <a:r>
+              <a:rPr lang="en-US" dirty="0" smtClean="0"/>
+              <a:t>Tools - Debugging</a:t>
+            </a:r>
+            <a:endParaRPr lang="en-US" dirty="0"/>
+          </a:p>
+        </p:txBody>
+      </p:sp>
+      <p:sp>
+        <p:nvSpPr>
+          <p:cNvPr id="3" name="Content Placeholder 2"/>
+          <p:cNvSpPr>
+            <a:spLocks noGrp="1"/>
+          </p:cNvSpPr>
+          <p:nvPr>
+            <p:ph idx="1"/>
+          </p:nvPr>
+        </p:nvSpPr>
+        <p:spPr/>
+        <p:txBody>
+          <a:bodyPr>
+            <a:normAutofit/>
+          </a:bodyPr>
+          <a:lstStyle/>
+          <a:p>
+            <a:r>
+              <a:rPr lang="en-US" dirty="0" smtClean="0"/>
+              <a:t>Command line debugger - built into Node.</a:t>
+            </a:r>
+          </a:p>
+          <a:p>
+            <a:r>
+              <a:rPr lang="en-US" dirty="0" smtClean="0"/>
+              <a:t>Node-inspector - attaches to node process, uses Chrome’s developer tools</a:t>
+            </a:r>
+          </a:p>
+          <a:p>
+            <a:r>
+              <a:rPr lang="en-US" dirty="0" smtClean="0"/>
+              <a:t>Eclipse + V8 + node – debugs in Eclipse</a:t>
+            </a:r>
+          </a:p>
+          <a:p>
+            <a:endParaRPr lang="en-US" dirty="0"/>
+          </a:p>
+          <a:p>
+            <a:endParaRPr lang="en-US" dirty="0" smtClean="0"/>
+          </a:p>
+          <a:p>
+            <a:pPr marL="114300" indent="0" algn="ctr">
+              <a:buNone/>
+            </a:pPr>
+            <a:r>
+              <a:rPr lang="en-US" sz="3200" i="1" dirty="0" smtClean="0"/>
+              <a:t>A quick look at each…</a:t>
+            </a:r>
+          </a:p>
+          <a:p>
+            <a:endParaRPr lang="en-US" dirty="0"/>
+          </a:p>
+        </p:txBody>
+      </p:sp>
+    </p:spTree>
+    <p:extLst>
+      <p:ext uri="{BB962C8B-B14F-4D97-AF65-F5344CB8AC3E}">
+        <p14:creationId xmlns:p14="http://schemas.microsoft.com/office/powerpoint/2010/main" val="861190063"/>
+      </p:ext>
+    </p:extLst>
+  </p:cSld>
+  <p:clrMapOvr>
+    <a:masterClrMapping/>
+  </p:clrMapOvr>
+  <p:timing>
+    <p:tnLst>
+      <p:par>
+        <p:cTn xmlns:p14="http://schemas.microsoft.com/office/powerpoint/2010/main" id="1" dur="indefinite" restart="never" nodeType="tmRoot"/>
+      </p:par>
+    </p:tnLst>
+  </p:timing>
+</p:sld>
+</file>
+
+<file path=ppt/slides/slide23.xml><?xml version="1.0" encoding="utf-8"?>
+<p:sld xmlns:a="http://schemas.openxmlformats.org/drawingml/2006/main" xmlns:r="http://schemas.openxmlformats.org/officeDocument/2006/relationships" xmlns:p="http://schemas.openxmlformats.org/presentationml/2006/main">
+  <p:cSld>
+    <p:spTree>
+      <p:nvGrpSpPr>
+        <p:cNvPr id="1" name=""/>
+        <p:cNvGrpSpPr/>
+        <p:nvPr/>
+      </p:nvGrpSpPr>
+      <p:grpSpPr>
+        <a:xfrm>
+          <a:off x="0" y="0"/>
+          <a:ext cx="0" cy="0"/>
+          <a:chOff x="0" y="0"/>
+          <a:chExt cx="0" cy="0"/>
+        </a:xfrm>
+      </p:grpSpPr>
+      <p:sp>
+        <p:nvSpPr>
+          <p:cNvPr id="2" name="Title 1"/>
+          <p:cNvSpPr>
+            <a:spLocks noGrp="1"/>
+          </p:cNvSpPr>
+          <p:nvPr>
+            <p:ph type="title"/>
+          </p:nvPr>
+        </p:nvSpPr>
+        <p:spPr/>
+        <p:txBody>
+          <a:bodyPr/>
+          <a:lstStyle/>
+          <a:p>
+            <a:r>
+              <a:rPr lang="en-US" sz="3600" dirty="0" smtClean="0"/>
+              <a:t>Sample of Interesting Node Projects</a:t>
+            </a:r>
+            <a:endParaRPr lang="en-US" sz="3600" dirty="0"/>
+          </a:p>
+        </p:txBody>
+      </p:sp>
+      <p:sp>
+        <p:nvSpPr>
+          <p:cNvPr id="3" name="Content Placeholder 2"/>
+          <p:cNvSpPr>
+            <a:spLocks noGrp="1"/>
+          </p:cNvSpPr>
+          <p:nvPr>
+            <p:ph idx="1"/>
+          </p:nvPr>
+        </p:nvSpPr>
+        <p:spPr/>
+        <p:txBody>
+          <a:bodyPr/>
+          <a:lstStyle/>
+          <a:p>
+            <a:r>
+              <a:rPr lang="en-US" dirty="0" smtClean="0"/>
+              <a:t>Wheat – blog engine built in Node, uses github repository as the backing store. </a:t>
+            </a:r>
+          </a:p>
+          <a:p>
+            <a:r>
+              <a:rPr lang="en-US" dirty="0" err="1" smtClean="0"/>
+              <a:t>Showoff.io</a:t>
+            </a:r>
+            <a:r>
+              <a:rPr lang="en-US" dirty="0"/>
+              <a:t> (</a:t>
+            </a:r>
+            <a:r>
+              <a:rPr lang="en-US" dirty="0">
+                <a:hlinkClick r:id="rId3"/>
+              </a:rPr>
+              <a:t>https://showoff.io</a:t>
+            </a:r>
+            <a:r>
+              <a:rPr lang="en-US" dirty="0" smtClean="0">
+                <a:hlinkClick r:id="rId3"/>
+              </a:rPr>
+              <a:t>/</a:t>
+            </a:r>
+            <a:r>
+              <a:rPr lang="en-US" dirty="0" smtClean="0"/>
+              <a:t>)</a:t>
+            </a:r>
+          </a:p>
+          <a:p>
+            <a:pPr lvl="1"/>
+            <a:r>
+              <a:rPr lang="en-US" dirty="0" smtClean="0"/>
+              <a:t>Created by Medium (Chattanooga company</a:t>
+            </a:r>
+          </a:p>
+          <a:p>
+            <a:pPr lvl="1"/>
+            <a:r>
+              <a:rPr lang="en-US" dirty="0" smtClean="0"/>
+              <a:t>Allows sharing of </a:t>
+            </a:r>
+            <a:r>
+              <a:rPr lang="en-US" dirty="0" err="1" smtClean="0"/>
+              <a:t>localhost</a:t>
+            </a:r>
+            <a:r>
+              <a:rPr lang="en-US" dirty="0" smtClean="0"/>
+              <a:t> over the web, super affordable</a:t>
+            </a:r>
+          </a:p>
+          <a:p>
+            <a:r>
+              <a:rPr lang="en-US" dirty="0" err="1" smtClean="0"/>
+              <a:t>Socket.io</a:t>
+            </a:r>
+            <a:r>
+              <a:rPr lang="en-US" dirty="0" smtClean="0"/>
+              <a:t> – </a:t>
+            </a:r>
+            <a:r>
+              <a:rPr lang="en-US" dirty="0" err="1" smtClean="0"/>
+              <a:t>websockets</a:t>
+            </a:r>
+            <a:r>
+              <a:rPr lang="en-US" dirty="0" smtClean="0"/>
+              <a:t>/long polling/XHR multipart abstraction</a:t>
+            </a:r>
+          </a:p>
+          <a:p>
+            <a:r>
+              <a:rPr lang="en-US" dirty="0"/>
+              <a:t>e</a:t>
+            </a:r>
+            <a:r>
+              <a:rPr lang="en-US" dirty="0" smtClean="0"/>
+              <a:t>xpress – Sinatra-style web framework</a:t>
+            </a:r>
+          </a:p>
+          <a:p>
+            <a:r>
+              <a:rPr lang="en-US" dirty="0"/>
+              <a:t>e</a:t>
+            </a:r>
+            <a:r>
+              <a:rPr lang="en-US" dirty="0" smtClean="0"/>
+              <a:t>xpress-resource – very nice </a:t>
+            </a:r>
+            <a:r>
+              <a:rPr lang="en-US" dirty="0" err="1" smtClean="0"/>
+              <a:t>RESTful</a:t>
+            </a:r>
+            <a:r>
+              <a:rPr lang="en-US" dirty="0" smtClean="0"/>
+              <a:t> API add-on to express.</a:t>
+            </a:r>
+          </a:p>
+          <a:p>
+            <a:r>
+              <a:rPr lang="en-US" dirty="0" smtClean="0"/>
+              <a:t>Cloud9 – browser-based IDE</a:t>
+            </a:r>
+          </a:p>
+          <a:p>
+            <a:endParaRPr lang="en-US" dirty="0"/>
+          </a:p>
+        </p:txBody>
+      </p:sp>
+    </p:spTree>
+    <p:extLst>
+      <p:ext uri="{BB962C8B-B14F-4D97-AF65-F5344CB8AC3E}">
+        <p14:creationId xmlns:p14="http://schemas.microsoft.com/office/powerpoint/2010/main" val="3697841564"/>
+      </p:ext>
+    </p:extLst>
+  </p:cSld>
+  <p:clrMapOvr>
+    <a:masterClrMapping/>
+  </p:clrMapOvr>
+  <p:timing>
+    <p:tnLst>
+      <p:par>
+        <p:cTn xmlns:p14="http://schemas.microsoft.com/office/powerpoint/2010/main" id="1" dur="indefinite" restart="never" nodeType="tmRoot"/>
+      </p:par>
+    </p:tnLst>
+  </p:timing>
+</p:sld>
+</file>
+
+<file path=ppt/slides/slide24.xml><?xml version="1.0" encoding="utf-8"?>
+<p:sld xmlns:a="http://schemas.openxmlformats.org/drawingml/2006/main" xmlns:r="http://schemas.openxmlformats.org/officeDocument/2006/relationships" xmlns:p="http://schemas.openxmlformats.org/presentationml/2006/main">
+  <p:cSld>
+    <p:spTree>
+      <p:nvGrpSpPr>
+        <p:cNvPr id="1" name=""/>
+        <p:cNvGrpSpPr/>
+        <p:nvPr/>
+      </p:nvGrpSpPr>
+      <p:grpSpPr>
+        <a:xfrm>
+          <a:off x="0" y="0"/>
+          <a:ext cx="0" cy="0"/>
+          <a:chOff x="0" y="0"/>
+          <a:chExt cx="0" cy="0"/>
+        </a:xfrm>
+      </p:grpSpPr>
+      <p:sp>
+        <p:nvSpPr>
+          <p:cNvPr id="2" name="Title 1"/>
+          <p:cNvSpPr>
+            <a:spLocks noGrp="1"/>
+          </p:cNvSpPr>
+          <p:nvPr>
+            <p:ph type="title"/>
+          </p:nvPr>
+        </p:nvSpPr>
+        <p:spPr/>
+        <p:txBody>
+          <a:bodyPr/>
+          <a:lstStyle/>
+          <a:p>
+            <a:r>
+              <a:rPr lang="en-US" dirty="0" smtClean="0"/>
+              <a:t>Who’s using Node?</a:t>
+            </a:r>
+            <a:endParaRPr lang="en-US" dirty="0"/>
+          </a:p>
+        </p:txBody>
+      </p:sp>
+      <p:sp>
+        <p:nvSpPr>
+          <p:cNvPr id="3" name="Content Placeholder 2"/>
+          <p:cNvSpPr>
+            <a:spLocks noGrp="1"/>
+          </p:cNvSpPr>
+          <p:nvPr>
+            <p:ph idx="1"/>
+          </p:nvPr>
+        </p:nvSpPr>
+        <p:spPr/>
+        <p:txBody>
+          <a:bodyPr/>
+          <a:lstStyle/>
+          <a:p>
+            <a:r>
+              <a:rPr lang="en-US" dirty="0" smtClean="0"/>
+              <a:t>37Signals</a:t>
+            </a:r>
+          </a:p>
+          <a:p>
+            <a:r>
+              <a:rPr lang="en-US" dirty="0" err="1" smtClean="0"/>
+              <a:t>Voxer</a:t>
+            </a:r>
+            <a:endParaRPr lang="en-US" dirty="0" smtClean="0"/>
+          </a:p>
+          <a:p>
+            <a:r>
+              <a:rPr lang="en-US" dirty="0" err="1" smtClean="0"/>
+              <a:t>LearnBoost.com</a:t>
+            </a:r>
+            <a:endParaRPr lang="en-US" dirty="0" smtClean="0"/>
+          </a:p>
+          <a:p>
+            <a:r>
+              <a:rPr lang="en-US" dirty="0" err="1" smtClean="0"/>
+              <a:t>CouchOne</a:t>
+            </a:r>
+            <a:endParaRPr lang="en-US" dirty="0" smtClean="0"/>
+          </a:p>
+          <a:p>
+            <a:r>
+              <a:rPr lang="en-US" dirty="0" smtClean="0"/>
+              <a:t>Yahoo</a:t>
+            </a:r>
+          </a:p>
+          <a:p>
+            <a:r>
+              <a:rPr lang="en-US" dirty="0" smtClean="0"/>
+              <a:t>Twitter</a:t>
+            </a:r>
+          </a:p>
+          <a:p>
+            <a:r>
+              <a:rPr lang="en-US" dirty="0" smtClean="0"/>
+              <a:t>Yammer</a:t>
+            </a:r>
+          </a:p>
+          <a:p>
+            <a:r>
+              <a:rPr lang="en-US" dirty="0" err="1" smtClean="0"/>
+              <a:t>Proxlet</a:t>
+            </a:r>
+            <a:endParaRPr lang="en-US" dirty="0" smtClean="0"/>
+          </a:p>
+          <a:p>
+            <a:r>
+              <a:rPr lang="en-US" dirty="0" err="1" smtClean="0"/>
+              <a:t>Bocoup</a:t>
+            </a:r>
+            <a:endParaRPr lang="en-US" dirty="0" smtClean="0"/>
+          </a:p>
+          <a:p>
+            <a:r>
+              <a:rPr lang="en-US" dirty="0" smtClean="0"/>
+              <a:t>Medium</a:t>
+            </a:r>
+          </a:p>
+          <a:p>
+            <a:r>
+              <a:rPr lang="en-US" dirty="0" smtClean="0"/>
+              <a:t>LinkedIn</a:t>
+            </a:r>
+            <a:endParaRPr lang="en-US" dirty="0"/>
+          </a:p>
+        </p:txBody>
+      </p:sp>
+    </p:spTree>
+    <p:extLst>
+      <p:ext uri="{BB962C8B-B14F-4D97-AF65-F5344CB8AC3E}">
+        <p14:creationId xmlns:p14="http://schemas.microsoft.com/office/powerpoint/2010/main" val="1127939614"/>
+      </p:ext>
+    </p:extLst>
+  </p:cSld>
+  <p:clrMapOvr>
+    <a:masterClrMapping/>
+  </p:clrMapOvr>
+  <p:timing>
+    <p:tnLst>
+      <p:par>
+        <p:cTn xmlns:p14="http://schemas.microsoft.com/office/powerpoint/2010/main" id="1" dur="indefinite" restart="never" nodeType="tmRoot"/>
+      </p:par>
+    </p:tnLst>
+  </p:timing>
+</p:sld>
+</file>
+
+<file path=ppt/slides/slide25.xml><?xml version="1.0" encoding="utf-8"?>
+<p:sld xmlns:a="http://schemas.openxmlformats.org/drawingml/2006/main" xmlns:r="http://schemas.openxmlformats.org/officeDocument/2006/relationships" xmlns:p="http://schemas.openxmlformats.org/presentationml/2006/main">
+  <p:cSld>
+    <p:spTree>
+      <p:nvGrpSpPr>
+        <p:cNvPr id="1" name=""/>
+        <p:cNvGrpSpPr/>
+        <p:nvPr/>
+      </p:nvGrpSpPr>
+      <p:grpSpPr>
+        <a:xfrm>
+          <a:off x="0" y="0"/>
+          <a:ext cx="0" cy="0"/>
+          <a:chOff x="0" y="0"/>
+          <a:chExt cx="0" cy="0"/>
+        </a:xfrm>
+      </p:grpSpPr>
+      <p:sp>
+        <p:nvSpPr>
+          <p:cNvPr id="2" name="Title 1"/>
+          <p:cNvSpPr>
+            <a:spLocks noGrp="1"/>
+          </p:cNvSpPr>
+          <p:nvPr>
+            <p:ph type="title"/>
+          </p:nvPr>
+        </p:nvSpPr>
+        <p:spPr/>
+        <p:txBody>
+          <a:bodyPr/>
+          <a:lstStyle/>
+          <a:p>
+            <a:r>
+              <a:rPr lang="en-US" dirty="0" smtClean="0"/>
+              <a:t>Resources</a:t>
+            </a:r>
+            <a:endParaRPr lang="en-US" dirty="0"/>
+          </a:p>
+        </p:txBody>
+      </p:sp>
+      <p:sp>
+        <p:nvSpPr>
+          <p:cNvPr id="3" name="Content Placeholder 2"/>
+          <p:cNvSpPr>
+            <a:spLocks noGrp="1"/>
+          </p:cNvSpPr>
+          <p:nvPr>
+            <p:ph idx="1"/>
+          </p:nvPr>
+        </p:nvSpPr>
+        <p:spPr/>
+        <p:txBody>
+          <a:bodyPr>
+            <a:normAutofit lnSpcReduction="10000"/>
+          </a:bodyPr>
+          <a:lstStyle/>
+          <a:p>
+            <a:r>
+              <a:rPr lang="en-US" dirty="0" smtClean="0"/>
+              <a:t>Node.js site: </a:t>
+            </a:r>
+            <a:r>
+              <a:rPr lang="en-US" dirty="0" smtClean="0">
+                <a:hlinkClick r:id="rId3"/>
+              </a:rPr>
+              <a:t>http://nodejs.org</a:t>
+            </a:r>
+            <a:endParaRPr lang="en-US" dirty="0" smtClean="0"/>
+          </a:p>
+          <a:p>
+            <a:r>
+              <a:rPr lang="en-US" dirty="0" smtClean="0"/>
+              <a:t>Node on github</a:t>
+            </a:r>
+            <a:r>
+              <a:rPr lang="en-US" dirty="0"/>
+              <a:t>: </a:t>
+            </a:r>
+            <a:r>
+              <a:rPr lang="en-US" dirty="0">
+                <a:hlinkClick r:id="rId4"/>
+              </a:rPr>
+              <a:t>https://github.com/joyent/node</a:t>
+            </a:r>
+            <a:r>
+              <a:rPr lang="en-US" dirty="0" smtClean="0">
+                <a:hlinkClick r:id="rId4"/>
+              </a:rPr>
+              <a:t>/</a:t>
+            </a:r>
+            <a:endParaRPr lang="en-US" dirty="0" smtClean="0"/>
+          </a:p>
+          <a:p>
+            <a:r>
+              <a:rPr lang="en-US" dirty="0" smtClean="0"/>
+              <a:t>NPM: </a:t>
+            </a:r>
+            <a:r>
+              <a:rPr lang="en-US" dirty="0" smtClean="0">
+                <a:hlinkClick r:id="rId5"/>
+              </a:rPr>
+              <a:t>http://npmjs.org</a:t>
+            </a:r>
+            <a:endParaRPr lang="en-US" dirty="0" smtClean="0"/>
+          </a:p>
+          <a:p>
+            <a:r>
+              <a:rPr lang="en-US" dirty="0"/>
+              <a:t>Nave: </a:t>
+            </a:r>
+            <a:r>
+              <a:rPr lang="en-US" dirty="0">
+                <a:hlinkClick r:id="rId6"/>
+              </a:rPr>
+              <a:t>https://github.com/isaacs/</a:t>
+            </a:r>
+            <a:r>
+              <a:rPr lang="en-US" dirty="0" smtClean="0">
+                <a:hlinkClick r:id="rId6"/>
+              </a:rPr>
+              <a:t>nave</a:t>
+            </a:r>
+            <a:endParaRPr lang="en-US" dirty="0" smtClean="0"/>
+          </a:p>
+          <a:p>
+            <a:r>
+              <a:rPr lang="en-US" dirty="0"/>
+              <a:t>NVM: </a:t>
+            </a:r>
+            <a:r>
+              <a:rPr lang="en-US" dirty="0">
+                <a:hlinkClick r:id="rId7"/>
+              </a:rPr>
+              <a:t>https://github.com/creationix/</a:t>
+            </a:r>
+            <a:r>
+              <a:rPr lang="en-US" dirty="0" smtClean="0">
+                <a:hlinkClick r:id="rId7"/>
+              </a:rPr>
+              <a:t>nvm</a:t>
+            </a:r>
+            <a:endParaRPr lang="en-US" dirty="0" smtClean="0"/>
+          </a:p>
+          <a:p>
+            <a:r>
+              <a:rPr lang="en-US" dirty="0" smtClean="0"/>
+              <a:t>Node Community Blog: </a:t>
+            </a:r>
+            <a:r>
+              <a:rPr lang="en-US" dirty="0">
+                <a:hlinkClick r:id="rId8"/>
+              </a:rPr>
+              <a:t>http://howtonode.org</a:t>
+            </a:r>
+            <a:r>
+              <a:rPr lang="en-US" dirty="0" smtClean="0">
+                <a:hlinkClick r:id="rId8"/>
+              </a:rPr>
+              <a:t>/</a:t>
+            </a:r>
+            <a:endParaRPr lang="en-US" dirty="0" smtClean="0"/>
+          </a:p>
+          <a:p>
+            <a:r>
+              <a:rPr lang="en-US" dirty="0" smtClean="0"/>
+              <a:t>At a bare minimum, anything these guys are doing:</a:t>
+            </a:r>
+          </a:p>
+          <a:p>
+            <a:pPr lvl="1"/>
+            <a:r>
+              <a:rPr lang="en-US" dirty="0"/>
+              <a:t>Tim Caswell (https://github.com/</a:t>
+            </a:r>
+            <a:r>
+              <a:rPr lang="en-US" dirty="0" err="1" smtClean="0"/>
+              <a:t>creationix</a:t>
+            </a:r>
+            <a:r>
+              <a:rPr lang="en-US" dirty="0" smtClean="0"/>
+              <a:t>)</a:t>
+            </a:r>
+          </a:p>
+          <a:p>
+            <a:pPr lvl="1"/>
+            <a:r>
+              <a:rPr lang="en-US" dirty="0"/>
+              <a:t>Ryan Dahl (https://github.com/</a:t>
+            </a:r>
+            <a:r>
+              <a:rPr lang="en-US" dirty="0" err="1" smtClean="0"/>
+              <a:t>ry</a:t>
+            </a:r>
+            <a:r>
+              <a:rPr lang="en-US" dirty="0" smtClean="0"/>
+              <a:t>)</a:t>
+            </a:r>
+          </a:p>
+          <a:p>
+            <a:pPr lvl="1"/>
+            <a:r>
+              <a:rPr lang="en-US" dirty="0" smtClean="0"/>
+              <a:t>Isaac </a:t>
+            </a:r>
+            <a:r>
+              <a:rPr lang="en-US" dirty="0" err="1" smtClean="0"/>
+              <a:t>Schlueter</a:t>
+            </a:r>
+            <a:r>
+              <a:rPr lang="en-US" dirty="0"/>
+              <a:t> (https://github.com/</a:t>
+            </a:r>
+            <a:r>
+              <a:rPr lang="en-US" dirty="0" err="1" smtClean="0"/>
+              <a:t>isaacs</a:t>
+            </a:r>
+            <a:r>
+              <a:rPr lang="en-US" dirty="0" smtClean="0"/>
+              <a:t>)</a:t>
+            </a:r>
+          </a:p>
+          <a:p>
+            <a:pPr lvl="1"/>
+            <a:r>
+              <a:rPr lang="en-US" dirty="0" smtClean="0"/>
+              <a:t>Matt </a:t>
+            </a:r>
+            <a:r>
+              <a:rPr lang="en-US" dirty="0" err="1" smtClean="0"/>
+              <a:t>Ranney</a:t>
+            </a:r>
+            <a:r>
+              <a:rPr lang="en-US" dirty="0"/>
+              <a:t> (</a:t>
+            </a:r>
+            <a:r>
+              <a:rPr lang="en-US" dirty="0">
+                <a:hlinkClick r:id="rId9"/>
+              </a:rPr>
+              <a:t>https://github.com/</a:t>
+            </a:r>
+            <a:r>
+              <a:rPr lang="en-US" dirty="0" smtClean="0">
+                <a:hlinkClick r:id="rId9"/>
+              </a:rPr>
+              <a:t>mranney</a:t>
+            </a:r>
+            <a:r>
+              <a:rPr lang="en-US" dirty="0" smtClean="0"/>
+              <a:t>)</a:t>
+            </a:r>
+          </a:p>
+          <a:p>
+            <a:r>
+              <a:rPr lang="en-US" dirty="0"/>
+              <a:t>Community Info: </a:t>
+            </a:r>
+            <a:r>
+              <a:rPr lang="en-US" dirty="0">
+                <a:hlinkClick r:id="rId10"/>
+              </a:rPr>
+              <a:t>https://github.com/joyent/node/wiki/</a:t>
+            </a:r>
+            <a:r>
+              <a:rPr lang="en-US" dirty="0" smtClean="0">
+                <a:hlinkClick r:id="rId10"/>
+              </a:rPr>
+              <a:t>Community</a:t>
+            </a:r>
+            <a:endParaRPr lang="en-US" dirty="0" smtClean="0"/>
+          </a:p>
+          <a:p>
+            <a:endParaRPr lang="en-US" dirty="0" smtClean="0"/>
+          </a:p>
+          <a:p>
+            <a:endParaRPr lang="en-US" dirty="0"/>
+          </a:p>
+        </p:txBody>
+      </p:sp>
+    </p:spTree>
+    <p:extLst>
+      <p:ext uri="{BB962C8B-B14F-4D97-AF65-F5344CB8AC3E}">
+        <p14:creationId xmlns:p14="http://schemas.microsoft.com/office/powerpoint/2010/main" val="916223792"/>
+      </p:ext>
+    </p:extLst>
+  </p:cSld>
+  <p:clrMapOvr>
+    <a:masterClrMapping/>
+  </p:clrMapOvr>
+  <p:timing>
+    <p:tnLst>
+      <p:par>
+        <p:cTn xmlns:p14="http://schemas.microsoft.com/office/powerpoint/2010/main" id="1" dur="indefinite" restart="never" nodeType="tmRoot"/>
+      </p:par>
+    </p:tnLst>
+  </p:timing>
+</p:sld>
+</file>
+
+<file path=ppt/slides/slide26.xml><?xml version="1.0" encoding="utf-8"?>
+<p:sld xmlns:a="http://schemas.openxmlformats.org/drawingml/2006/main" xmlns:r="http://schemas.openxmlformats.org/officeDocument/2006/relationships" xmlns:p="http://schemas.openxmlformats.org/presentationml/2006/main">
+  <p:cSld>
+    <p:spTree>
+      <p:nvGrpSpPr>
+        <p:cNvPr id="1" name=""/>
+        <p:cNvGrpSpPr/>
+        <p:nvPr/>
+      </p:nvGrpSpPr>
+      <p:grpSpPr>
+        <a:xfrm>
+          <a:off x="0" y="0"/>
+          <a:ext cx="0" cy="0"/>
+          <a:chOff x="0" y="0"/>
+          <a:chExt cx="0" cy="0"/>
+        </a:xfrm>
+      </p:grpSpPr>
+      <p:sp>
+        <p:nvSpPr>
+          <p:cNvPr id="2" name="Title 1"/>
+          <p:cNvSpPr>
+            <a:spLocks noGrp="1"/>
+          </p:cNvSpPr>
+          <p:nvPr>
+            <p:ph type="title"/>
+          </p:nvPr>
+        </p:nvSpPr>
+        <p:spPr/>
+        <p:txBody>
+          <a:bodyPr/>
+          <a:lstStyle/>
+          <a:p>
+            <a:endParaRPr lang="en-US" dirty="0"/>
+          </a:p>
+        </p:txBody>
+      </p:sp>
+      <p:sp>
+        <p:nvSpPr>
+          <p:cNvPr id="3" name="Content Placeholder 2"/>
+          <p:cNvSpPr>
+            <a:spLocks noGrp="1"/>
+          </p:cNvSpPr>
+          <p:nvPr>
+            <p:ph idx="1"/>
+          </p:nvPr>
+        </p:nvSpPr>
+        <p:spPr/>
+        <p:txBody>
+          <a:bodyPr/>
+          <a:lstStyle/>
+          <a:p>
+            <a:pPr marL="114300" indent="0" algn="ctr">
+              <a:buNone/>
+            </a:pPr>
+            <a:endParaRPr lang="en-US" dirty="0" smtClean="0"/>
+          </a:p>
+          <a:p>
+            <a:pPr marL="114300" indent="0" algn="ctr">
+              <a:buNone/>
+            </a:pPr>
+            <a:r>
+              <a:rPr lang="en-US" dirty="0" smtClean="0"/>
+              <a:t>Slides and Code Samples for this presentation can </a:t>
+            </a:r>
+            <a:r>
+              <a:rPr lang="en-US" dirty="0"/>
+              <a:t>be downloaded at: </a:t>
+            </a:r>
+            <a:endParaRPr lang="en-US" dirty="0" smtClean="0"/>
+          </a:p>
+          <a:p>
+            <a:pPr marL="114300" indent="0" algn="ctr">
+              <a:buNone/>
+            </a:pPr>
+            <a:r>
+              <a:rPr lang="en-US" dirty="0"/>
+              <a:t/>
+            </a:r>
+            <a:br>
+              <a:rPr lang="en-US" dirty="0"/>
+            </a:br>
+            <a:r>
+              <a:rPr lang="en-US" sz="1600" dirty="0">
+                <a:hlinkClick r:id="rId2"/>
+              </a:rPr>
+              <a:t>https://github.com/ashbylane/DevLink-2011---Getting-Started-With-</a:t>
+            </a:r>
+            <a:r>
+              <a:rPr lang="en-US" sz="1600" dirty="0" smtClean="0">
+                <a:hlinkClick r:id="rId2"/>
+              </a:rPr>
+              <a:t>Nodejs</a:t>
+            </a:r>
+            <a:endParaRPr lang="en-US" sz="1600" dirty="0" smtClean="0"/>
+          </a:p>
+          <a:p>
+            <a:pPr marL="114300" indent="0" algn="ctr">
+              <a:buNone/>
+            </a:pPr>
+            <a:endParaRPr lang="en-US" sz="1600" dirty="0"/>
+          </a:p>
+        </p:txBody>
+      </p:sp>
+    </p:spTree>
+    <p:extLst>
+      <p:ext uri="{BB962C8B-B14F-4D97-AF65-F5344CB8AC3E}">
+        <p14:creationId xmlns:p14="http://schemas.microsoft.com/office/powerpoint/2010/main" val="532936381"/>
       </p:ext>
     </p:extLst>
   </p:cSld>
@@ -5850,6 +10372,313 @@
           <a:p>
             <a:r>
               <a:rPr lang="en-US" dirty="0" smtClean="0"/>
+              <a:t>The “Why”</a:t>
+            </a:r>
+            <a:endParaRPr lang="en-US" dirty="0"/>
+          </a:p>
+        </p:txBody>
+      </p:sp>
+      <p:sp>
+        <p:nvSpPr>
+          <p:cNvPr id="3" name="Content Placeholder 2"/>
+          <p:cNvSpPr>
+            <a:spLocks noGrp="1"/>
+          </p:cNvSpPr>
+          <p:nvPr>
+            <p:ph idx="1"/>
+          </p:nvPr>
+        </p:nvSpPr>
+        <p:spPr/>
+        <p:txBody>
+          <a:bodyPr>
+            <a:normAutofit lnSpcReduction="10000"/>
+          </a:bodyPr>
+          <a:lstStyle/>
+          <a:p>
+            <a:r>
+              <a:rPr lang="en-US" dirty="0" smtClean="0"/>
+              <a:t>“</a:t>
+            </a:r>
+            <a:r>
+              <a:rPr lang="en-US" b="1" i="1" dirty="0">
+                <a:solidFill>
+                  <a:schemeClr val="tx2"/>
+                </a:solidFill>
+              </a:rPr>
+              <a:t>to provide purely evented non-blocking infrastructure to script highly concurrent programs</a:t>
+            </a:r>
+            <a:r>
+              <a:rPr lang="en-US" b="1" i="1" dirty="0" smtClean="0">
+                <a:solidFill>
+                  <a:schemeClr val="tx2"/>
+                </a:solidFill>
+              </a:rPr>
+              <a:t>.</a:t>
+            </a:r>
+            <a:r>
+              <a:rPr lang="en-US" dirty="0" smtClean="0"/>
+              <a:t>” - </a:t>
+            </a:r>
+            <a:r>
+              <a:rPr lang="en-US" i="1" dirty="0" smtClean="0"/>
+              <a:t>Ryan Dahl</a:t>
+            </a:r>
+            <a:endParaRPr lang="en-US" dirty="0" smtClean="0"/>
+          </a:p>
+          <a:p>
+            <a:r>
+              <a:rPr lang="en-US" dirty="0" smtClean="0"/>
+              <a:t>Thread-per-process is a leaky abstraction</a:t>
+            </a:r>
+            <a:r>
+              <a:rPr lang="en-US" dirty="0"/>
+              <a:t>: </a:t>
+            </a:r>
+            <a:r>
+              <a:rPr lang="en-US" dirty="0" smtClean="0"/>
+              <a:t>“</a:t>
+            </a:r>
+            <a:r>
+              <a:rPr lang="en-US" b="1" i="1" dirty="0" smtClean="0">
+                <a:solidFill>
+                  <a:schemeClr val="bg2">
+                    <a:lumMod val="50000"/>
+                  </a:schemeClr>
+                </a:solidFill>
+              </a:rPr>
+              <a:t>Because having many processes not only makes creating more processes more difﬁcult, it also makes choosing which process to run more difﬁcult</a:t>
+            </a:r>
+            <a:r>
+              <a:rPr lang="en-US" b="1" i="1" dirty="0" smtClean="0"/>
+              <a:t>.</a:t>
+            </a:r>
+            <a:r>
+              <a:rPr lang="en-US" dirty="0"/>
+              <a:t>” - Felix von </a:t>
+            </a:r>
+            <a:r>
+              <a:rPr lang="en-US" dirty="0" err="1" smtClean="0"/>
+              <a:t>Leitner</a:t>
+            </a:r>
+            <a:endParaRPr lang="en-US" dirty="0" smtClean="0"/>
+          </a:p>
+          <a:p>
+            <a:r>
+              <a:rPr lang="en-US" dirty="0" smtClean="0"/>
+              <a:t>Context switching isn’t free. Execution stacks take up memory</a:t>
+            </a:r>
+          </a:p>
+          <a:p>
+            <a:r>
+              <a:rPr lang="en-US" dirty="0" smtClean="0"/>
+              <a:t>Asynchronous/Non-blocking techniques handled in code:</a:t>
+            </a:r>
+          </a:p>
+          <a:p>
+            <a:pPr lvl="1"/>
+            <a:r>
+              <a:rPr lang="en-US" dirty="0" smtClean="0"/>
+              <a:t>Can be difficult to debug</a:t>
+            </a:r>
+          </a:p>
+          <a:p>
+            <a:pPr lvl="1"/>
+            <a:r>
+              <a:rPr lang="en-US" dirty="0" smtClean="0"/>
+              <a:t>Require overhead from the developer</a:t>
+            </a:r>
+          </a:p>
+          <a:p>
+            <a:pPr lvl="1"/>
+            <a:r>
+              <a:rPr lang="en-US" dirty="0" smtClean="0"/>
+              <a:t>Are often inconsistent between developers on same project</a:t>
+            </a:r>
+          </a:p>
+          <a:p>
+            <a:endParaRPr lang="en-US" dirty="0" smtClean="0"/>
+          </a:p>
+          <a:p>
+            <a:endParaRPr lang="en-US" dirty="0"/>
+          </a:p>
+        </p:txBody>
+      </p:sp>
+    </p:spTree>
+    <p:extLst>
+      <p:ext uri="{BB962C8B-B14F-4D97-AF65-F5344CB8AC3E}">
+        <p14:creationId xmlns:p14="http://schemas.microsoft.com/office/powerpoint/2010/main" val="1806974050"/>
+      </p:ext>
+    </p:extLst>
+  </p:cSld>
+  <p:clrMapOvr>
+    <a:masterClrMapping/>
+  </p:clrMapOvr>
+  <p:timing>
+    <p:tnLst>
+      <p:par>
+        <p:cTn xmlns:p14="http://schemas.microsoft.com/office/powerpoint/2010/main" id="1" dur="indefinite" restart="never" nodeType="tmRoot"/>
+      </p:par>
+    </p:tnLst>
+  </p:timing>
+</p:sld>
+</file>
+
+<file path=ppt/slides/slide4.xml><?xml version="1.0" encoding="utf-8"?>
+<p:sld xmlns:a="http://schemas.openxmlformats.org/drawingml/2006/main" xmlns:r="http://schemas.openxmlformats.org/officeDocument/2006/relationships" xmlns:p="http://schemas.openxmlformats.org/presentationml/2006/main">
+  <p:cSld>
+    <p:spTree>
+      <p:nvGrpSpPr>
+        <p:cNvPr id="1" name=""/>
+        <p:cNvGrpSpPr/>
+        <p:nvPr/>
+      </p:nvGrpSpPr>
+      <p:grpSpPr>
+        <a:xfrm>
+          <a:off x="0" y="0"/>
+          <a:ext cx="0" cy="0"/>
+          <a:chOff x="0" y="0"/>
+          <a:chExt cx="0" cy="0"/>
+        </a:xfrm>
+      </p:grpSpPr>
+      <p:sp>
+        <p:nvSpPr>
+          <p:cNvPr id="2" name="Title 1"/>
+          <p:cNvSpPr>
+            <a:spLocks noGrp="1"/>
+          </p:cNvSpPr>
+          <p:nvPr>
+            <p:ph type="title"/>
+          </p:nvPr>
+        </p:nvSpPr>
+        <p:spPr/>
+        <p:txBody>
+          <a:bodyPr/>
+          <a:lstStyle/>
+          <a:p>
+            <a:r>
+              <a:rPr lang="en-US" dirty="0" smtClean="0"/>
+              <a:t>The “How”</a:t>
+            </a:r>
+            <a:endParaRPr lang="en-US" dirty="0"/>
+          </a:p>
+        </p:txBody>
+      </p:sp>
+      <p:sp>
+        <p:nvSpPr>
+          <p:cNvPr id="3" name="Content Placeholder 2"/>
+          <p:cNvSpPr>
+            <a:spLocks noGrp="1"/>
+          </p:cNvSpPr>
+          <p:nvPr>
+            <p:ph idx="1"/>
+          </p:nvPr>
+        </p:nvSpPr>
+        <p:spPr/>
+        <p:txBody>
+          <a:bodyPr>
+            <a:normAutofit/>
+          </a:bodyPr>
+          <a:lstStyle/>
+          <a:p>
+            <a:r>
+              <a:rPr lang="en-US" dirty="0" err="1" smtClean="0"/>
+              <a:t>Node.js</a:t>
+            </a:r>
+            <a:r>
+              <a:rPr lang="en-US" dirty="0" smtClean="0"/>
+              <a:t> uses an event loop</a:t>
+            </a:r>
+          </a:p>
+          <a:p>
+            <a:pPr lvl="1"/>
+            <a:r>
+              <a:rPr lang="en-US" dirty="0" smtClean="0"/>
+              <a:t>Single thread to execute your code</a:t>
+            </a:r>
+          </a:p>
+          <a:p>
+            <a:pPr lvl="1"/>
+            <a:r>
+              <a:rPr lang="en-US" dirty="0" smtClean="0"/>
+              <a:t>I/O gets dispatched (must use callbacks or events to get data from disk/network/other process)</a:t>
+            </a:r>
+          </a:p>
+          <a:p>
+            <a:r>
+              <a:rPr lang="en-US" dirty="0" smtClean="0"/>
+              <a:t>Unlike Event Machine (Ruby), the event loop is a language construct</a:t>
+            </a:r>
+          </a:p>
+          <a:p>
+            <a:r>
+              <a:rPr lang="en-US" i="1" dirty="0"/>
+              <a:t>“Almost no function in Node directly performs I/O, so the process never blocks. Because nothing blocks, less-than-expert programmers are able to develop fast systems.” - http://</a:t>
+            </a:r>
+            <a:r>
+              <a:rPr lang="en-US" i="1" dirty="0" err="1"/>
+              <a:t>nodejs.org</a:t>
+            </a:r>
+            <a:r>
+              <a:rPr lang="en-US" i="1" dirty="0"/>
+              <a:t>/</a:t>
+            </a:r>
+          </a:p>
+        </p:txBody>
+      </p:sp>
+    </p:spTree>
+    <p:extLst>
+      <p:ext uri="{BB962C8B-B14F-4D97-AF65-F5344CB8AC3E}">
+        <p14:creationId xmlns:p14="http://schemas.microsoft.com/office/powerpoint/2010/main" val="154123912"/>
+      </p:ext>
+    </p:extLst>
+  </p:cSld>
+  <p:clrMapOvr>
+    <a:masterClrMapping/>
+  </p:clrMapOvr>
+  <p:timing>
+    <p:tnLst>
+      <p:par>
+        <p:cTn xmlns:p14="http://schemas.microsoft.com/office/powerpoint/2010/main" id="1" dur="indefinite" restart="never" nodeType="tmRoot"/>
+      </p:par>
+    </p:tnLst>
+  </p:timing>
+</p:sld>
+</file>
+
+<file path=ppt/slides/slide5.xml><?xml version="1.0" encoding="utf-8"?>
+<p:sld xmlns:a="http://schemas.openxmlformats.org/drawingml/2006/main" xmlns:r="http://schemas.openxmlformats.org/officeDocument/2006/relationships" xmlns:p="http://schemas.openxmlformats.org/presentationml/2006/main">
+  <p:cSld>
+    <p:spTree>
+      <p:nvGrpSpPr>
+        <p:cNvPr id="1" name=""/>
+        <p:cNvGrpSpPr/>
+        <p:nvPr/>
+      </p:nvGrpSpPr>
+      <p:grpSpPr>
+        <a:xfrm>
+          <a:off x="0" y="0"/>
+          <a:ext cx="0" cy="0"/>
+          <a:chOff x="0" y="0"/>
+          <a:chExt cx="0" cy="0"/>
+        </a:xfrm>
+      </p:grpSpPr>
+      <p:sp>
+        <p:nvSpPr>
+          <p:cNvPr id="2" name="Title 1"/>
+          <p:cNvSpPr>
+            <a:spLocks noGrp="1"/>
+          </p:cNvSpPr>
+          <p:nvPr>
+            <p:ph type="title"/>
+          </p:nvPr>
+        </p:nvSpPr>
+        <p:spPr/>
+        <p:txBody>
+          <a:bodyPr/>
+          <a:lstStyle/>
+          <a:p>
+            <a:r>
+              <a:rPr lang="en-US" dirty="0" smtClean="0"/>
               <a:t>What is an Event Loop?</a:t>
             </a:r>
             <a:endParaRPr lang="en-US" dirty="0"/>
@@ -6028,7 +10857,7 @@
 </p:sld>
 </file>
 
-<file path=ppt/slides/slide4.xml><?xml version="1.0" encoding="utf-8"?>
+<file path=ppt/slides/slide6.xml><?xml version="1.0" encoding="utf-8"?>
 <p:sld xmlns:a="http://schemas.openxmlformats.org/drawingml/2006/main" xmlns:r="http://schemas.openxmlformats.org/officeDocument/2006/relationships" xmlns:p="http://schemas.openxmlformats.org/presentationml/2006/main">
   <p:cSld>
     <p:spTree>
@@ -6311,7 +11140,7 @@
 </p:sld>
 </file>
 
-<file path=ppt/slides/slide5.xml><?xml version="1.0" encoding="utf-8"?>
+<file path=ppt/slides/slide7.xml><?xml version="1.0" encoding="utf-8"?>
 <p:sld xmlns:a="http://schemas.openxmlformats.org/drawingml/2006/main" xmlns:r="http://schemas.openxmlformats.org/officeDocument/2006/relationships" xmlns:p="http://schemas.openxmlformats.org/presentationml/2006/main">
   <p:cSld>
     <p:spTree>
@@ -6537,7 +11366,7 @@
         </p:nvCxnSpPr>
         <p:spPr>
           <a:xfrm flipV="1">
-            <a:off x="2253501" y="3317999"/>
+            <a:off x="2205573" y="3317999"/>
             <a:ext cx="744793" cy="585516"/>
           </a:xfrm>
           <a:prstGeom prst="curvedConnector3">
@@ -6572,7 +11401,7 @@
         </p:nvSpPr>
         <p:spPr>
           <a:xfrm>
-            <a:off x="2998294" y="2940844"/>
+            <a:off x="2950366" y="2940844"/>
             <a:ext cx="1031251" cy="754309"/>
           </a:xfrm>
           <a:prstGeom prst="roundRect">
@@ -6722,7 +11551,7 @@
 </p:sld>
 </file>
 
-<file path=ppt/slides/slide6.xml><?xml version="1.0" encoding="utf-8"?>
+<file path=ppt/slides/slide8.xml><?xml version="1.0" encoding="utf-8"?>
 <p:sld xmlns:a="http://schemas.openxmlformats.org/drawingml/2006/main" xmlns:r="http://schemas.openxmlformats.org/officeDocument/2006/relationships" xmlns:p="http://schemas.openxmlformats.org/presentationml/2006/main">
   <p:cSld>
     <p:spTree>
@@ -6948,7 +11777,7 @@
         </p:nvCxnSpPr>
         <p:spPr>
           <a:xfrm flipV="1">
-            <a:off x="2253501" y="3317999"/>
+            <a:off x="2205573" y="3317999"/>
             <a:ext cx="744793" cy="585516"/>
           </a:xfrm>
           <a:prstGeom prst="curvedConnector3">
@@ -6983,7 +11812,7 @@
         </p:nvSpPr>
         <p:spPr>
           <a:xfrm>
-            <a:off x="2998294" y="2940844"/>
+            <a:off x="2950366" y="2940844"/>
             <a:ext cx="1031251" cy="754309"/>
           </a:xfrm>
           <a:prstGeom prst="roundRect">
@@ -7021,15 +11850,14 @@
         <p:nvCxnSpPr>
           <p:cNvPr id="29" name="Curved Connector 28"/>
           <p:cNvCxnSpPr>
-            <a:stCxn id="26" idx="0"/>
-            <a:endCxn id="12" idx="3"/>
+            <a:stCxn id="26" idx="3"/>
           </p:cNvCxnSpPr>
           <p:nvPr/>
         </p:nvCxnSpPr>
         <p:spPr>
-          <a:xfrm rot="16200000" flipV="1">
-            <a:off x="2736791" y="2163714"/>
-            <a:ext cx="722937" cy="831323"/>
+          <a:xfrm>
+            <a:off x="3981617" y="3317999"/>
+            <a:ext cx="403667" cy="682501"/>
           </a:xfrm>
           <a:prstGeom prst="curvedConnector2">
             <a:avLst/>
@@ -7061,7 +11889,7 @@
         </p:nvSpPr>
         <p:spPr>
           <a:xfrm>
-            <a:off x="3189275" y="2148348"/>
+            <a:off x="3341047" y="2100426"/>
             <a:ext cx="1900170" cy="307777"/>
           </a:xfrm>
           <a:prstGeom prst="rect">
@@ -7200,7 +12028,7 @@
         </p:nvSpPr>
         <p:spPr>
           <a:xfrm>
-            <a:off x="4898465" y="2577441"/>
+            <a:off x="5058225" y="2417701"/>
             <a:ext cx="1508684" cy="707149"/>
           </a:xfrm>
           <a:prstGeom prst="wedgeRoundRectCallout">
@@ -7240,6 +12068,41 @@
           </a:p>
         </p:txBody>
       </p:sp>
+      <p:cxnSp>
+        <p:nvCxnSpPr>
+          <p:cNvPr id="20" name="Curved Connector 19"/>
+          <p:cNvCxnSpPr>
+            <a:endCxn id="12" idx="3"/>
+          </p:cNvCxnSpPr>
+          <p:nvPr/>
+        </p:nvCxnSpPr>
+        <p:spPr>
+          <a:xfrm rot="16200000" flipV="1">
+            <a:off x="2666609" y="2233896"/>
+            <a:ext cx="1782593" cy="1750615"/>
+          </a:xfrm>
+          <a:prstGeom prst="curvedConnector2">
+            <a:avLst/>
+          </a:prstGeom>
+          <a:ln>
+            <a:tailEnd type="arrow"/>
+          </a:ln>
+        </p:spPr>
+        <p:style>
+          <a:lnRef idx="2">
+            <a:schemeClr val="accent1"/>
+          </a:lnRef>
+          <a:fillRef idx="0">
+            <a:schemeClr val="accent1"/>
+          </a:fillRef>
+          <a:effectRef idx="1">
+            <a:schemeClr val="accent1"/>
+          </a:effectRef>
+          <a:fontRef idx="minor">
+            <a:schemeClr val="tx1"/>
+          </a:fontRef>
+        </p:style>
+      </p:cxnSp>
     </p:spTree>
     <p:extLst>
       <p:ext uri="{BB962C8B-B14F-4D97-AF65-F5344CB8AC3E}">
@@ -7260,7 +12123,7 @@
 </p:sld>
 </file>
 
-<file path=ppt/slides/slide7.xml><?xml version="1.0" encoding="utf-8"?>
+<file path=ppt/slides/slide9.xml><?xml version="1.0" encoding="utf-8"?>
 <p:sld xmlns:a="http://schemas.openxmlformats.org/drawingml/2006/main" xmlns:r="http://schemas.openxmlformats.org/officeDocument/2006/relationships" xmlns:p="http://schemas.openxmlformats.org/presentationml/2006/main">
   <p:cSld>
     <p:spTree>
@@ -7720,31 +12583,21 @@
                 </a:path>
               </a:pathLst>
             </a:custGeom>
+            <a:solidFill>
+              <a:schemeClr val="accent4"/>
+            </a:solidFill>
           </p:spPr>
           <p:style>
-            <a:lnRef idx="0">
-              <a:schemeClr val="lt1">
-                <a:hueOff val="0"/>
-                <a:satOff val="0"/>
-                <a:lumOff val="0"/>
-                <a:alphaOff val="0"/>
+            <a:lnRef idx="2">
+              <a:schemeClr val="accent5">
+                <a:shade val="50000"/>
               </a:schemeClr>
             </a:lnRef>
-            <a:fillRef idx="3">
-              <a:schemeClr val="accent3">
-                <a:hueOff val="0"/>
-                <a:satOff val="0"/>
-                <a:lumOff val="0"/>
-                <a:alphaOff val="0"/>
-              </a:schemeClr>
+            <a:fillRef idx="1">
+              <a:schemeClr val="accent5"/>
             </a:fillRef>
-            <a:effectRef idx="2">
-              <a:schemeClr val="accent3">
-                <a:hueOff val="0"/>
-                <a:satOff val="0"/>
-                <a:lumOff val="0"/>
-                <a:alphaOff val="0"/>
-              </a:schemeClr>
+            <a:effectRef idx="0">
+              <a:schemeClr val="accent5"/>
             </a:effectRef>
             <a:fontRef idx="minor">
               <a:schemeClr val="lt1"/>
@@ -7880,31 +12733,21 @@
                 </a:path>
               </a:pathLst>
             </a:custGeom>
+            <a:solidFill>
+              <a:srgbClr val="000090"/>
+            </a:solidFill>
           </p:spPr>
           <p:style>
-            <a:lnRef idx="0">
-              <a:schemeClr val="lt1">
-                <a:hueOff val="0"/>
-                <a:satOff val="0"/>
-                <a:lumOff val="0"/>
-                <a:alphaOff val="0"/>
+            <a:lnRef idx="2">
+              <a:schemeClr val="accent4">
+                <a:shade val="50000"/>
               </a:schemeClr>
             </a:lnRef>
-            <a:fillRef idx="3">
-              <a:schemeClr val="accent4">
-                <a:hueOff val="0"/>
-                <a:satOff val="0"/>
-                <a:lumOff val="0"/>
-                <a:alphaOff val="0"/>
-              </a:schemeClr>
+            <a:fillRef idx="1">
+              <a:schemeClr val="accent4"/>
             </a:fillRef>
-            <a:effectRef idx="2">
-              <a:schemeClr val="accent4">
-                <a:hueOff val="0"/>
-                <a:satOff val="0"/>
-                <a:lumOff val="0"/>
-                <a:alphaOff val="0"/>
-              </a:schemeClr>
+            <a:effectRef idx="0">
+              <a:schemeClr val="accent4"/>
             </a:effectRef>
             <a:fontRef idx="minor">
               <a:schemeClr val="lt1"/>
@@ -8040,31 +12883,21 @@
                 </a:path>
               </a:pathLst>
             </a:custGeom>
+            <a:solidFill>
+              <a:schemeClr val="accent4"/>
+            </a:solidFill>
           </p:spPr>
           <p:style>
-            <a:lnRef idx="0">
-              <a:schemeClr val="lt1">
-                <a:hueOff val="0"/>
-                <a:satOff val="0"/>
-                <a:lumOff val="0"/>
-                <a:alphaOff val="0"/>
+            <a:lnRef idx="2">
+              <a:schemeClr val="accent5">
+                <a:shade val="50000"/>
               </a:schemeClr>
             </a:lnRef>
-            <a:fillRef idx="3">
-              <a:schemeClr val="accent3">
-                <a:hueOff val="0"/>
-                <a:satOff val="0"/>
-                <a:lumOff val="0"/>
-                <a:alphaOff val="0"/>
-              </a:schemeClr>
+            <a:fillRef idx="1">
+              <a:schemeClr val="accent5"/>
             </a:fillRef>
-            <a:effectRef idx="2">
-              <a:schemeClr val="accent3">
-                <a:hueOff val="0"/>
-                <a:satOff val="0"/>
-                <a:lumOff val="0"/>
-                <a:alphaOff val="0"/>
-              </a:schemeClr>
+            <a:effectRef idx="0">
+              <a:schemeClr val="accent5"/>
             </a:effectRef>
             <a:fontRef idx="minor">
               <a:schemeClr val="lt1"/>
@@ -8200,31 +13033,21 @@
                 </a:path>
               </a:pathLst>
             </a:custGeom>
+            <a:solidFill>
+              <a:srgbClr val="000090"/>
+            </a:solidFill>
           </p:spPr>
           <p:style>
-            <a:lnRef idx="0">
-              <a:schemeClr val="lt1">
-                <a:hueOff val="0"/>
-                <a:satOff val="0"/>
-                <a:lumOff val="0"/>
-                <a:alphaOff val="0"/>
+            <a:lnRef idx="2">
+              <a:schemeClr val="accent4">
+                <a:shade val="50000"/>
               </a:schemeClr>
             </a:lnRef>
-            <a:fillRef idx="3">
-              <a:schemeClr val="accent4">
-                <a:hueOff val="0"/>
-                <a:satOff val="0"/>
-                <a:lumOff val="0"/>
-                <a:alphaOff val="0"/>
-              </a:schemeClr>
+            <a:fillRef idx="1">
+              <a:schemeClr val="accent4"/>
             </a:fillRef>
-            <a:effectRef idx="2">
-              <a:schemeClr val="accent4">
-                <a:hueOff val="0"/>
-                <a:satOff val="0"/>
-                <a:lumOff val="0"/>
-                <a:alphaOff val="0"/>
-              </a:schemeClr>
+            <a:effectRef idx="0">
+              <a:schemeClr val="accent4"/>
             </a:effectRef>
             <a:fontRef idx="minor">
               <a:schemeClr val="lt1"/>
@@ -8386,6 +13209,9 @@
               </a:path>
             </a:pathLst>
           </a:custGeom>
+          <a:solidFill>
+            <a:srgbClr val="000090"/>
+          </a:solidFill>
         </p:spPr>
         <p:style>
           <a:lnRef idx="0">
@@ -8486,216 +13312,45 @@
 </p:sld>
 </file>
 
-<file path=ppt/slides/slide8.xml><?xml version="1.0" encoding="utf-8"?>
-<p:sld xmlns:a="http://schemas.openxmlformats.org/drawingml/2006/main" xmlns:r="http://schemas.openxmlformats.org/officeDocument/2006/relationships" xmlns:p="http://schemas.openxmlformats.org/presentationml/2006/main">
-  <p:cSld>
-    <p:spTree>
-      <p:nvGrpSpPr>
-        <p:cNvPr id="1" name=""/>
-        <p:cNvGrpSpPr/>
-        <p:nvPr/>
-      </p:nvGrpSpPr>
-      <p:grpSpPr>
-        <a:xfrm>
-          <a:off x="0" y="0"/>
-          <a:ext cx="0" cy="0"/>
-          <a:chOff x="0" y="0"/>
-          <a:chExt cx="0" cy="0"/>
-        </a:xfrm>
-      </p:grpSpPr>
-      <p:sp>
-        <p:nvSpPr>
-          <p:cNvPr id="2" name="Title 1"/>
-          <p:cNvSpPr>
-            <a:spLocks noGrp="1"/>
-          </p:cNvSpPr>
-          <p:nvPr>
-            <p:ph type="title"/>
-          </p:nvPr>
-        </p:nvSpPr>
-        <p:spPr>
-          <a:xfrm>
-            <a:off x="457200" y="2721339"/>
-            <a:ext cx="7620000" cy="1143000"/>
-          </a:xfrm>
-        </p:spPr>
-        <p:txBody>
-          <a:bodyPr/>
-          <a:lstStyle/>
-          <a:p>
-            <a:pPr algn="ctr"/>
-            <a:r>
-              <a:rPr lang="en-US" dirty="0" smtClean="0"/>
-              <a:t>Event Loops Behaving Badly</a:t>
-            </a:r>
-            <a:endParaRPr lang="en-US" dirty="0"/>
-          </a:p>
-        </p:txBody>
-      </p:sp>
-    </p:spTree>
-    <p:extLst>
-      <p:ext uri="{BB962C8B-B14F-4D97-AF65-F5344CB8AC3E}">
-        <p14:creationId xmlns:p14="http://schemas.microsoft.com/office/powerpoint/2010/main" val="1044814785"/>
-      </p:ext>
-    </p:extLst>
-  </p:cSld>
-  <p:clrMapOvr>
-    <a:masterClrMapping/>
-  </p:clrMapOvr>
-  <p:timing>
-    <p:tnLst>
-      <p:par>
-        <p:cTn xmlns:p14="http://schemas.microsoft.com/office/powerpoint/2010/main" id="1" dur="indefinite" restart="never" nodeType="tmRoot"/>
-      </p:par>
-    </p:tnLst>
-  </p:timing>
-</p:sld>
-</file>
-
-<file path=ppt/slides/slide9.xml><?xml version="1.0" encoding="utf-8"?>
-<p:sld xmlns:a="http://schemas.openxmlformats.org/drawingml/2006/main" xmlns:r="http://schemas.openxmlformats.org/officeDocument/2006/relationships" xmlns:p="http://schemas.openxmlformats.org/presentationml/2006/main">
-  <p:cSld>
-    <p:spTree>
-      <p:nvGrpSpPr>
-        <p:cNvPr id="1" name=""/>
-        <p:cNvGrpSpPr/>
-        <p:nvPr/>
-      </p:nvGrpSpPr>
-      <p:grpSpPr>
-        <a:xfrm>
-          <a:off x="0" y="0"/>
-          <a:ext cx="0" cy="0"/>
-          <a:chOff x="0" y="0"/>
-          <a:chExt cx="0" cy="0"/>
-        </a:xfrm>
-      </p:grpSpPr>
-      <p:sp>
-        <p:nvSpPr>
-          <p:cNvPr id="2" name="Title 1"/>
-          <p:cNvSpPr>
-            <a:spLocks noGrp="1"/>
-          </p:cNvSpPr>
-          <p:nvPr>
-            <p:ph type="title"/>
-          </p:nvPr>
-        </p:nvSpPr>
-        <p:spPr>
-          <a:xfrm>
-            <a:off x="457200" y="816266"/>
-            <a:ext cx="7620000" cy="1143000"/>
-          </a:xfrm>
-        </p:spPr>
-        <p:txBody>
-          <a:bodyPr/>
-          <a:lstStyle/>
-          <a:p>
-            <a:pPr algn="ctr"/>
-            <a:r>
-              <a:rPr lang="en-US" strike="sngStrike" dirty="0" smtClean="0"/>
-              <a:t>Event Loops Behaving Badly</a:t>
-            </a:r>
-            <a:r>
-              <a:rPr lang="en-US" dirty="0" smtClean="0"/>
-              <a:t/>
-            </a:r>
-            <a:br>
-              <a:rPr lang="en-US" dirty="0" smtClean="0"/>
-            </a:br>
-            <a:r>
-              <a:rPr lang="en-US" i="1" dirty="0" smtClean="0"/>
-              <a:t>Developer </a:t>
-            </a:r>
-            <a:r>
-              <a:rPr lang="en-US" i="1" dirty="0" err="1" smtClean="0"/>
-              <a:t>Facepalm</a:t>
-            </a:r>
-            <a:endParaRPr lang="en-US" i="1" dirty="0"/>
-          </a:p>
-        </p:txBody>
-      </p:sp>
-      <p:pic>
-        <p:nvPicPr>
-          <p:cNvPr id="3" name="Picture 2"/>
-          <p:cNvPicPr>
-            <a:picLocks noChangeAspect="1"/>
-          </p:cNvPicPr>
-          <p:nvPr/>
-        </p:nvPicPr>
-        <p:blipFill>
-          <a:blip r:embed="rId2"/>
-          <a:stretch>
-            <a:fillRect/>
-          </a:stretch>
-        </p:blipFill>
-        <p:spPr>
-          <a:xfrm>
-            <a:off x="1727477" y="2178043"/>
-            <a:ext cx="5061066" cy="4048853"/>
-          </a:xfrm>
-          <a:prstGeom prst="rect">
-            <a:avLst/>
-          </a:prstGeom>
-        </p:spPr>
-      </p:pic>
-    </p:spTree>
-    <p:extLst>
-      <p:ext uri="{BB962C8B-B14F-4D97-AF65-F5344CB8AC3E}">
-        <p14:creationId xmlns:p14="http://schemas.microsoft.com/office/powerpoint/2010/main" val="2550071904"/>
-      </p:ext>
-    </p:extLst>
-  </p:cSld>
-  <p:clrMapOvr>
-    <a:masterClrMapping/>
-  </p:clrMapOvr>
-  <p:timing>
-    <p:tnLst>
-      <p:par>
-        <p:cTn xmlns:p14="http://schemas.microsoft.com/office/powerpoint/2010/main" id="1" dur="indefinite" restart="never" nodeType="tmRoot"/>
-      </p:par>
-    </p:tnLst>
-  </p:timing>
-</p:sld>
-</file>
-
 <file path=ppt/theme/theme1.xml><?xml version="1.0" encoding="utf-8"?>
 <a:theme xmlns:a="http://schemas.openxmlformats.org/drawingml/2006/main" name="Adjacency">
   <a:themeElements>
-    <a:clrScheme name="Adjacency">
+    <a:clrScheme name="Custom 4">
       <a:dk1>
-        <a:srgbClr val="2F2B20"/>
+        <a:sysClr val="windowText" lastClr="000000"/>
       </a:dk1>
       <a:lt1>
-        <a:srgbClr val="FFFFFF"/>
+        <a:sysClr val="window" lastClr="FFFFFF"/>
       </a:lt1>
       <a:dk2>
-        <a:srgbClr val="675E47"/>
+        <a:srgbClr val="242852"/>
       </a:dk2>
       <a:lt2>
-        <a:srgbClr val="DFDCB7"/>
+        <a:srgbClr val="ACCBF9"/>
       </a:lt2>
       <a:accent1>
-        <a:srgbClr val="A9A57C"/>
+        <a:srgbClr val="629DD1"/>
       </a:accent1>
       <a:accent2>
-        <a:srgbClr val="9CBEBD"/>
+        <a:srgbClr val="297FD5"/>
       </a:accent2>
       <a:accent3>
-        <a:srgbClr val="D2CB6C"/>
+        <a:srgbClr val="7F8FA9"/>
       </a:accent3>
       <a:accent4>
-        <a:srgbClr val="95A39D"/>
+        <a:srgbClr val="4A66AC"/>
       </a:accent4>
       <a:accent5>
-        <a:srgbClr val="C89F5D"/>
+        <a:srgbClr val="5AA2AE"/>
       </a:accent5>
       <a:accent6>
-        <a:srgbClr val="B1A089"/>
+        <a:srgbClr val="9D90A0"/>
       </a:accent6>
       <a:hlink>
-        <a:srgbClr val="D25814"/>
+        <a:srgbClr val="003399"/>
       </a:hlink>
       <a:folHlink>
-        <a:srgbClr val="849A0A"/>
+        <a:srgbClr val="3EBBF0"/>
       </a:folHlink>
     </a:clrScheme>
     <a:fontScheme name="Office Classic 2">
@@ -8886,4 +13541,324 @@
   <a:objectDefaults/>
   <a:extraClrSchemeLst/>
 </a:theme>
+</file>
+
+<file path=ppt/theme/theme2.xml><?xml version="1.0" encoding="utf-8"?>
+<a:theme xmlns:a="http://schemas.openxmlformats.org/drawingml/2006/main" name="Office Theme">
+  <a:themeElements>
+    <a:clrScheme name="Office">
+      <a:dk1>
+        <a:sysClr val="windowText" lastClr="000000"/>
+      </a:dk1>
+      <a:lt1>
+        <a:sysClr val="window" lastClr="FFFFFF"/>
+      </a:lt1>
+      <a:dk2>
+        <a:srgbClr val="1F497D"/>
+      </a:dk2>
+      <a:lt2>
+        <a:srgbClr val="EEECE1"/>
+      </a:lt2>
+      <a:accent1>
+        <a:srgbClr val="4F81BD"/>
+      </a:accent1>
+      <a:accent2>
+        <a:srgbClr val="C0504D"/>
+      </a:accent2>
+      <a:accent3>
+        <a:srgbClr val="9BBB59"/>
+      </a:accent3>
+      <a:accent4>
+        <a:srgbClr val="8064A2"/>
+      </a:accent4>
+      <a:accent5>
+        <a:srgbClr val="4BACC6"/>
+      </a:accent5>
+      <a:accent6>
+        <a:srgbClr val="F79646"/>
+      </a:accent6>
+      <a:hlink>
+        <a:srgbClr val="0000FF"/>
+      </a:hlink>
+      <a:folHlink>
+        <a:srgbClr val="800080"/>
+      </a:folHlink>
+    </a:clrScheme>
+    <a:fontScheme name="Office">
+      <a:majorFont>
+        <a:latin typeface="Calibri"/>
+        <a:ea typeface=""/>
+        <a:cs typeface=""/>
+        <a:font script="Jpan" typeface="ＭＳ Ｐゴシック"/>
+        <a:font script="Hang" typeface="맑은 고딕"/>
+        <a:font script="Hans" typeface="宋体"/>
+        <a:font script="Hant" typeface="新細明體"/>
+        <a:font script="Arab" typeface="Times New Roman"/>
+        <a:font script="Hebr" typeface="Times New Roman"/>
+        <a:font script="Thai" typeface="Angsana New"/>
+        <a:font script="Ethi" typeface="Nyala"/>
+        <a:font script="Beng" typeface="Vrinda"/>
+        <a:font script="Gujr" typeface="Shruti"/>
+        <a:font script="Khmr" typeface="MoolBoran"/>
+        <a:font script="Knda" typeface="Tunga"/>
+        <a:font script="Guru" typeface="Raavi"/>
+        <a:font script="Cans" typeface="Euphemia"/>
+        <a:font script="Cher" typeface="Plantagenet Cherokee"/>
+        <a:font script="Yiii" typeface="Microsoft Yi Baiti"/>
+        <a:font script="Tibt" typeface="Microsoft Himalaya"/>
+        <a:font script="Thaa" typeface="MV Boli"/>
+        <a:font script="Deva" typeface="Mangal"/>
+        <a:font script="Telu" typeface="Gautami"/>
+        <a:font script="Taml" typeface="Latha"/>
+        <a:font script="Syrc" typeface="Estrangelo Edessa"/>
+        <a:font script="Orya" typeface="Kalinga"/>
+        <a:font script="Mlym" typeface="Kartika"/>
+        <a:font script="Laoo" typeface="DokChampa"/>
+        <a:font script="Sinh" typeface="Iskoola Pota"/>
+        <a:font script="Mong" typeface="Mongolian Baiti"/>
+        <a:font script="Viet" typeface="Times New Roman"/>
+        <a:font script="Uigh" typeface="Microsoft Uighur"/>
+        <a:font script="Geor" typeface="Sylfaen"/>
+      </a:majorFont>
+      <a:minorFont>
+        <a:latin typeface="Calibri"/>
+        <a:ea typeface=""/>
+        <a:cs typeface=""/>
+        <a:font script="Jpan" typeface="ＭＳ Ｐゴシック"/>
+        <a:font script="Hang" typeface="맑은 고딕"/>
+        <a:font script="Hans" typeface="宋体"/>
+        <a:font script="Hant" typeface="新細明體"/>
+        <a:font script="Arab" typeface="Arial"/>
+        <a:font script="Hebr" typeface="Arial"/>
+        <a:font script="Thai" typeface="Cordia New"/>
+        <a:font script="Ethi" typeface="Nyala"/>
+        <a:font script="Beng" typeface="Vrinda"/>
+        <a:font script="Gujr" typeface="Shruti"/>
+        <a:font script="Khmr" typeface="DaunPenh"/>
+        <a:font script="Knda" typeface="Tunga"/>
+        <a:font script="Guru" typeface="Raavi"/>
+        <a:font script="Cans" typeface="Euphemia"/>
+        <a:font script="Cher" typeface="Plantagenet Cherokee"/>
+        <a:font script="Yiii" typeface="Microsoft Yi Baiti"/>
+        <a:font script="Tibt" typeface="Microsoft Himalaya"/>
+        <a:font script="Thaa" typeface="MV Boli"/>
+        <a:font script="Deva" typeface="Mangal"/>
+        <a:font script="Telu" typeface="Gautami"/>
+        <a:font script="Taml" typeface="Latha"/>
+        <a:font script="Syrc" typeface="Estrangelo Edessa"/>
+        <a:font script="Orya" typeface="Kalinga"/>
+        <a:font script="Mlym" typeface="Kartika"/>
+        <a:font script="Laoo" typeface="DokChampa"/>
+        <a:font script="Sinh" typeface="Iskoola Pota"/>
+        <a:font script="Mong" typeface="Mongolian Baiti"/>
+        <a:font script="Viet" typeface="Arial"/>
+        <a:font script="Uigh" typeface="Microsoft Uighur"/>
+        <a:font script="Geor" typeface="Sylfaen"/>
+      </a:minorFont>
+    </a:fontScheme>
+    <a:fmtScheme name="Office">
+      <a:fillStyleLst>
+        <a:solidFill>
+          <a:schemeClr val="phClr"/>
+        </a:solidFill>
+        <a:gradFill rotWithShape="1">
+          <a:gsLst>
+            <a:gs pos="0">
+              <a:schemeClr val="phClr">
+                <a:tint val="50000"/>
+                <a:satMod val="300000"/>
+              </a:schemeClr>
+            </a:gs>
+            <a:gs pos="35000">
+              <a:schemeClr val="phClr">
+                <a:tint val="37000"/>
+                <a:satMod val="300000"/>
+              </a:schemeClr>
+            </a:gs>
+            <a:gs pos="100000">
+              <a:schemeClr val="phClr">
+                <a:tint val="15000"/>
+                <a:satMod val="350000"/>
+              </a:schemeClr>
+            </a:gs>
+          </a:gsLst>
+          <a:lin ang="16200000" scaled="1"/>
+        </a:gradFill>
+        <a:gradFill rotWithShape="1">
+          <a:gsLst>
+            <a:gs pos="0">
+              <a:schemeClr val="phClr">
+                <a:tint val="100000"/>
+                <a:shade val="100000"/>
+                <a:satMod val="130000"/>
+              </a:schemeClr>
+            </a:gs>
+            <a:gs pos="100000">
+              <a:schemeClr val="phClr">
+                <a:tint val="50000"/>
+                <a:shade val="100000"/>
+                <a:satMod val="350000"/>
+              </a:schemeClr>
+            </a:gs>
+          </a:gsLst>
+          <a:lin ang="16200000" scaled="0"/>
+        </a:gradFill>
+      </a:fillStyleLst>
+      <a:lnStyleLst>
+        <a:ln w="9525" cap="flat" cmpd="sng" algn="ctr">
+          <a:solidFill>
+            <a:schemeClr val="phClr">
+              <a:shade val="95000"/>
+              <a:satMod val="105000"/>
+            </a:schemeClr>
+          </a:solidFill>
+          <a:prstDash val="solid"/>
+        </a:ln>
+        <a:ln w="25400" cap="flat" cmpd="sng" algn="ctr">
+          <a:solidFill>
+            <a:schemeClr val="phClr"/>
+          </a:solidFill>
+          <a:prstDash val="solid"/>
+        </a:ln>
+        <a:ln w="38100" cap="flat" cmpd="sng" algn="ctr">
+          <a:solidFill>
+            <a:schemeClr val="phClr"/>
+          </a:solidFill>
+          <a:prstDash val="solid"/>
+        </a:ln>
+      </a:lnStyleLst>
+      <a:effectStyleLst>
+        <a:effectStyle>
+          <a:effectLst>
+            <a:outerShdw blurRad="40000" dist="20000" dir="5400000" rotWithShape="0">
+              <a:srgbClr val="000000">
+                <a:alpha val="38000"/>
+              </a:srgbClr>
+            </a:outerShdw>
+          </a:effectLst>
+        </a:effectStyle>
+        <a:effectStyle>
+          <a:effectLst>
+            <a:outerShdw blurRad="40000" dist="23000" dir="5400000" rotWithShape="0">
+              <a:srgbClr val="000000">
+                <a:alpha val="35000"/>
+              </a:srgbClr>
+            </a:outerShdw>
+          </a:effectLst>
+        </a:effectStyle>
+        <a:effectStyle>
+          <a:effectLst>
+            <a:outerShdw blurRad="40000" dist="23000" dir="5400000" rotWithShape="0">
+              <a:srgbClr val="000000">
+                <a:alpha val="35000"/>
+              </a:srgbClr>
+            </a:outerShdw>
+          </a:effectLst>
+          <a:scene3d>
+            <a:camera prst="orthographicFront">
+              <a:rot lat="0" lon="0" rev="0"/>
+            </a:camera>
+            <a:lightRig rig="threePt" dir="t">
+              <a:rot lat="0" lon="0" rev="1200000"/>
+            </a:lightRig>
+          </a:scene3d>
+          <a:sp3d>
+            <a:bevelT w="63500" h="25400"/>
+          </a:sp3d>
+        </a:effectStyle>
+      </a:effectStyleLst>
+      <a:bgFillStyleLst>
+        <a:solidFill>
+          <a:schemeClr val="phClr"/>
+        </a:solidFill>
+        <a:gradFill rotWithShape="1">
+          <a:gsLst>
+            <a:gs pos="0">
+              <a:schemeClr val="phClr">
+                <a:tint val="40000"/>
+                <a:satMod val="350000"/>
+              </a:schemeClr>
+            </a:gs>
+            <a:gs pos="40000">
+              <a:schemeClr val="phClr">
+                <a:tint val="45000"/>
+                <a:shade val="99000"/>
+                <a:satMod val="350000"/>
+              </a:schemeClr>
+            </a:gs>
+            <a:gs pos="100000">
+              <a:schemeClr val="phClr">
+                <a:shade val="20000"/>
+                <a:satMod val="255000"/>
+              </a:schemeClr>
+            </a:gs>
+          </a:gsLst>
+          <a:path path="circle">
+            <a:fillToRect l="50000" t="-80000" r="50000" b="180000"/>
+          </a:path>
+        </a:gradFill>
+        <a:gradFill rotWithShape="1">
+          <a:gsLst>
+            <a:gs pos="0">
+              <a:schemeClr val="phClr">
+                <a:tint val="80000"/>
+                <a:satMod val="300000"/>
+              </a:schemeClr>
+            </a:gs>
+            <a:gs pos="100000">
+              <a:schemeClr val="phClr">
+                <a:shade val="30000"/>
+                <a:satMod val="200000"/>
+              </a:schemeClr>
+            </a:gs>
+          </a:gsLst>
+          <a:path path="circle">
+            <a:fillToRect l="50000" t="50000" r="50000" b="50000"/>
+          </a:path>
+        </a:gradFill>
+      </a:bgFillStyleLst>
+    </a:fmtScheme>
+  </a:themeElements>
+  <a:objectDefaults>
+    <a:spDef>
+      <a:spPr/>
+      <a:bodyPr/>
+      <a:lstStyle/>
+      <a:style>
+        <a:lnRef idx="1">
+          <a:schemeClr val="accent1"/>
+        </a:lnRef>
+        <a:fillRef idx="3">
+          <a:schemeClr val="accent1"/>
+        </a:fillRef>
+        <a:effectRef idx="2">
+          <a:schemeClr val="accent1"/>
+        </a:effectRef>
+        <a:fontRef idx="minor">
+          <a:schemeClr val="lt1"/>
+        </a:fontRef>
+      </a:style>
+    </a:spDef>
+    <a:lnDef>
+      <a:spPr/>
+      <a:bodyPr/>
+      <a:lstStyle/>
+      <a:style>
+        <a:lnRef idx="2">
+          <a:schemeClr val="accent1"/>
+        </a:lnRef>
+        <a:fillRef idx="0">
+          <a:schemeClr val="accent1"/>
+        </a:fillRef>
+        <a:effectRef idx="1">
+          <a:schemeClr val="accent1"/>
+        </a:effectRef>
+        <a:fontRef idx="minor">
+          <a:schemeClr val="tx1"/>
+        </a:fontRef>
+      </a:style>
+    </a:lnDef>
+  </a:objectDefaults>
+  <a:extraClrSchemeLst/>
+</a:theme>
 </file>
--- a/PowerPoint/GettingStartedWithNodejs.pptx
+++ b/PowerPoint/GettingStartedWithNodejs.pptx
@@ -667,7 +667,44 @@
           <a:bodyPr/>
           <a:lstStyle/>
           <a:p>
-            <a:endParaRPr lang="en-US" dirty="0"/>
+            <a:r>
+              <a:rPr lang="en-US" dirty="0" smtClean="0"/>
+              <a:t>Those worry</a:t>
+            </a:r>
+            <a:r>
+              <a:rPr lang="en-US" baseline="0" dirty="0" smtClean="0"/>
+              <a:t> moments are more about changing the way we think.  We’ve been taught programming through a synchronous lens.</a:t>
+            </a:r>
+          </a:p>
+          <a:p>
+            <a:pPr marL="0" marR="0" indent="0" algn="l" defTabSz="457200" rtl="0" eaLnBrk="1" fontAlgn="auto" latinLnBrk="0" hangingPunct="1">
+              <a:lnSpc>
+                <a:spcPct val="100000"/>
+              </a:lnSpc>
+              <a:spcBef>
+                <a:spcPts val="0"/>
+              </a:spcBef>
+              <a:spcAft>
+                <a:spcPts val="0"/>
+              </a:spcAft>
+              <a:buClrTx/>
+              <a:buSzTx/>
+              <a:buFontTx/>
+              <a:buNone/>
+              <a:tabLst/>
+              <a:defRPr/>
+            </a:pPr>
+            <a:r>
+              <a:rPr lang="en-US" sz="1200" kern="1200" dirty="0" smtClean="0">
+                <a:solidFill>
+                  <a:schemeClr val="tx1"/>
+                </a:solidFill>
+                <a:latin typeface="+mn-lt"/>
+                <a:ea typeface="+mn-ea"/>
+                <a:cs typeface="+mn-cs"/>
+              </a:rPr>
+              <a:t>"We're taught to demand input and do nothing until we have it” (Ryan)</a:t>
+            </a:r>
           </a:p>
         </p:txBody>
       </p:sp>
@@ -688,7 +725,7 @@
           <a:p>
             <a:fld id="{D633CFC9-9EA6-1241-A510-5FCAF76A6332}" type="slidenum">
               <a:rPr lang="en-US" smtClean="0"/>
-              <a:t>15</a:t>
+              <a:t>10</a:t>
             </a:fld>
             <a:endParaRPr lang="en-US"/>
           </a:p>
@@ -697,7 +734,7 @@
     </p:spTree>
     <p:extLst>
       <p:ext uri="{BB962C8B-B14F-4D97-AF65-F5344CB8AC3E}">
-        <p14:creationId xmlns:p14="http://schemas.microsoft.com/office/powerpoint/2010/main" val="1977194694"/>
+        <p14:creationId xmlns:p14="http://schemas.microsoft.com/office/powerpoint/2010/main" val="3320040173"/>
       </p:ext>
     </p:extLst>
   </p:cSld>
@@ -751,37 +788,7 @@
           <a:bodyPr/>
           <a:lstStyle/>
           <a:p>
-            <a:r>
-              <a:rPr lang="en-US" dirty="0" smtClean="0"/>
-              <a:t>Mention</a:t>
-            </a:r>
-            <a:r>
-              <a:rPr lang="en-US" baseline="0" dirty="0" smtClean="0"/>
-              <a:t> exports piece of modules</a:t>
-            </a:r>
-          </a:p>
-          <a:p>
-            <a:r>
-              <a:rPr lang="en-US" baseline="0" dirty="0" smtClean="0"/>
-              <a:t>1.5, </a:t>
-            </a:r>
-            <a:r>
-              <a:rPr lang="en-US" baseline="0" dirty="0" err="1" smtClean="0"/>
-              <a:t>etc</a:t>
-            </a:r>
-            <a:r>
-              <a:rPr lang="en-US" baseline="0" dirty="0" smtClean="0"/>
-              <a:t> specs give you map/filter/</a:t>
-            </a:r>
-            <a:r>
-              <a:rPr lang="en-US" baseline="0" dirty="0" err="1" smtClean="0"/>
-              <a:t>forEach</a:t>
-            </a:r>
-            <a:r>
-              <a:rPr lang="en-US" baseline="0" dirty="0" smtClean="0"/>
-              <a:t> and more….</a:t>
-            </a:r>
-            <a:endParaRPr lang="en-US" dirty="0"/>
+            <a:endParaRPr lang="en-US"/>
           </a:p>
         </p:txBody>
       </p:sp>
@@ -802,7 +809,7 @@
           <a:p>
             <a:fld id="{D633CFC9-9EA6-1241-A510-5FCAF76A6332}" type="slidenum">
               <a:rPr lang="en-US" smtClean="0"/>
-              <a:t>16</a:t>
+              <a:t>11</a:t>
             </a:fld>
             <a:endParaRPr lang="en-US"/>
           </a:p>
@@ -811,7 +818,7 @@
     </p:spTree>
     <p:extLst>
       <p:ext uri="{BB962C8B-B14F-4D97-AF65-F5344CB8AC3E}">
-        <p14:creationId xmlns:p14="http://schemas.microsoft.com/office/powerpoint/2010/main" val="2011859339"/>
+        <p14:creationId xmlns:p14="http://schemas.microsoft.com/office/powerpoint/2010/main" val="3823148551"/>
       </p:ext>
     </p:extLst>
   </p:cSld>
@@ -867,35 +874,33 @@
           <a:p>
             <a:r>
               <a:rPr lang="en-US" dirty="0" smtClean="0"/>
-              <a:t>Module imports</a:t>
-            </a:r>
-          </a:p>
-          <a:p>
-            <a:r>
-              <a:rPr lang="en-US" dirty="0" smtClean="0"/>
-              <a:t>Sockets array</a:t>
-            </a:r>
-          </a:p>
-          <a:p>
-            <a:r>
-              <a:rPr lang="en-US" dirty="0" smtClean="0"/>
-              <a:t>Web server, callback for a request</a:t>
-            </a:r>
-          </a:p>
-          <a:p>
-            <a:r>
-              <a:rPr lang="en-US" dirty="0" smtClean="0"/>
-              <a:t>Socket write call is</a:t>
+              <a:t>If an event loop behaves</a:t>
             </a:r>
             <a:r>
               <a:rPr lang="en-US" baseline="0" dirty="0" smtClean="0"/>
-              <a:t> non-blocking.  Entire array will be iterated and invoked before all writing is done</a:t>
+              <a:t> badly, it’s really a developer issue.</a:t>
             </a:r>
           </a:p>
           <a:p>
             <a:r>
               <a:rPr lang="en-US" baseline="0" dirty="0" smtClean="0"/>
-              <a:t>telnet server</a:t>
+              <a:t>Ex. – </a:t>
+            </a:r>
+            <a:r>
+              <a:rPr lang="en-US" baseline="0" dirty="0" err="1" smtClean="0"/>
+              <a:t>winforms</a:t>
+            </a:r>
+            <a:r>
+              <a:rPr lang="en-US" baseline="0" dirty="0" smtClean="0"/>
+              <a:t> or WPF UI w/long running operation….or web page with sync </a:t>
+            </a:r>
+            <a:r>
+              <a:rPr lang="en-US" baseline="0" dirty="0" err="1" smtClean="0"/>
+              <a:t>ajax</a:t>
+            </a:r>
+            <a:r>
+              <a:rPr lang="en-US" baseline="0" dirty="0" smtClean="0"/>
+              <a:t> call….</a:t>
             </a:r>
             <a:endParaRPr lang="en-US" dirty="0"/>
           </a:p>
@@ -918,7 +923,7 @@
           <a:p>
             <a:fld id="{D633CFC9-9EA6-1241-A510-5FCAF76A6332}" type="slidenum">
               <a:rPr lang="en-US" smtClean="0"/>
-              <a:t>17</a:t>
+              <a:t>12</a:t>
             </a:fld>
             <a:endParaRPr lang="en-US"/>
           </a:p>
@@ -927,7 +932,7 @@
     </p:spTree>
     <p:extLst>
       <p:ext uri="{BB962C8B-B14F-4D97-AF65-F5344CB8AC3E}">
-        <p14:creationId xmlns:p14="http://schemas.microsoft.com/office/powerpoint/2010/main" val="3863603642"/>
+        <p14:creationId xmlns:p14="http://schemas.microsoft.com/office/powerpoint/2010/main" val="2771658809"/>
       </p:ext>
     </p:extLst>
   </p:cSld>
@@ -983,33 +988,20 @@
           <a:p>
             <a:r>
               <a:rPr lang="en-US" dirty="0" smtClean="0"/>
-              <a:t>Building</a:t>
+              <a:t>Client</a:t>
             </a:r>
             <a:r>
               <a:rPr lang="en-US" baseline="0" dirty="0" smtClean="0"/>
-              <a:t> your own module isn’t terribly difficult.</a:t>
-            </a:r>
+              <a:t> A, the SYNCHRONOUS LOOP HOG</a:t>
+            </a:r>
+          </a:p>
+          <a:p>
+            <a:endParaRPr lang="en-US" baseline="0" dirty="0" smtClean="0"/>
           </a:p>
           <a:p>
             <a:r>
               <a:rPr lang="en-US" baseline="0" dirty="0" smtClean="0"/>
-              <a:t>You include a </a:t>
-            </a:r>
-            <a:r>
-              <a:rPr lang="en-US" baseline="0" dirty="0" err="1" smtClean="0"/>
-              <a:t>package.json</a:t>
-            </a:r>
-            <a:r>
-              <a:rPr lang="en-US" baseline="0" dirty="0" smtClean="0"/>
-              <a:t> file in </a:t>
-            </a:r>
-            <a:r>
-              <a:rPr lang="en-US" baseline="0" dirty="0" err="1" smtClean="0"/>
-              <a:t>dir</a:t>
-            </a:r>
-            <a:r>
-              <a:rPr lang="en-US" baseline="0" dirty="0" smtClean="0"/>
-              <a:t> root</a:t>
+              <a:t>So the deal is – you have to worry if you do something stupid…</a:t>
             </a:r>
             <a:endParaRPr lang="en-US" dirty="0"/>
           </a:p>
@@ -1032,7 +1024,7 @@
           <a:p>
             <a:fld id="{D633CFC9-9EA6-1241-A510-5FCAF76A6332}" type="slidenum">
               <a:rPr lang="en-US" smtClean="0"/>
-              <a:t>20</a:t>
+              <a:t>13</a:t>
             </a:fld>
             <a:endParaRPr lang="en-US"/>
           </a:p>
@@ -1041,7 +1033,7 @@
     </p:spTree>
     <p:extLst>
       <p:ext uri="{BB962C8B-B14F-4D97-AF65-F5344CB8AC3E}">
-        <p14:creationId xmlns:p14="http://schemas.microsoft.com/office/powerpoint/2010/main" val="1220171817"/>
+        <p14:creationId xmlns:p14="http://schemas.microsoft.com/office/powerpoint/2010/main" val="3252182806"/>
       </p:ext>
     </p:extLst>
   </p:cSld>
@@ -1097,7 +1089,11 @@
           <a:p>
             <a:r>
               <a:rPr lang="en-US" dirty="0" smtClean="0"/>
-              <a:t>Both seem great.  I use nave most since I found it first, but understand sub shell concerns other’s have</a:t>
+              <a:t>This is Node!</a:t>
+            </a:r>
+            <a:r>
+              <a:rPr lang="en-US" baseline="0" dirty="0" smtClean="0"/>
+              <a:t>  If you’re I/O bound, it’s the sweet spot.  It’s not where you need to be running intensive spatial calculations, crawling huge graphs, etc.</a:t>
             </a:r>
             <a:endParaRPr lang="en-US" dirty="0"/>
           </a:p>
@@ -1120,7 +1116,7 @@
           <a:p>
             <a:fld id="{D633CFC9-9EA6-1241-A510-5FCAF76A6332}" type="slidenum">
               <a:rPr lang="en-US" smtClean="0"/>
-              <a:t>21</a:t>
+              <a:t>14</a:t>
             </a:fld>
             <a:endParaRPr lang="en-US"/>
           </a:p>
@@ -1129,7 +1125,7 @@
     </p:spTree>
     <p:extLst>
       <p:ext uri="{BB962C8B-B14F-4D97-AF65-F5344CB8AC3E}">
-        <p14:creationId xmlns:p14="http://schemas.microsoft.com/office/powerpoint/2010/main" val="1220171817"/>
+        <p14:creationId xmlns:p14="http://schemas.microsoft.com/office/powerpoint/2010/main" val="3453378653"/>
       </p:ext>
     </p:extLst>
   </p:cSld>
@@ -1183,143 +1179,6 @@
           <a:bodyPr/>
           <a:lstStyle/>
           <a:p>
-            <a:r>
-              <a:rPr lang="en-US" dirty="0" smtClean="0"/>
-              <a:t>Command line debugger is NOT for the faint of heart, and it’s incomplete at the moment</a:t>
-            </a:r>
-          </a:p>
-          <a:p>
-            <a:r>
-              <a:rPr lang="en-US" dirty="0" smtClean="0"/>
-              <a:t>Node-inspector</a:t>
-            </a:r>
-            <a:r>
-              <a:rPr lang="en-US" baseline="0" dirty="0" smtClean="0"/>
-              <a:t> and Eclipse both connect to V-8 over port 5858 (unless you specify otherwise)</a:t>
-            </a:r>
-          </a:p>
-          <a:p>
-            <a:r>
-              <a:rPr lang="en-US" baseline="0" dirty="0" smtClean="0"/>
-              <a:t>I love that node-inspector is Chrome’s </a:t>
-            </a:r>
-            <a:r>
-              <a:rPr lang="en-US" baseline="0" dirty="0" err="1" smtClean="0"/>
-              <a:t>dev</a:t>
-            </a:r>
-            <a:r>
-              <a:rPr lang="en-US" baseline="0" dirty="0" smtClean="0"/>
-              <a:t> tools – it’s familiar…and heap snapshots!  (go require v8-profiler NOW)</a:t>
-            </a:r>
-          </a:p>
-          <a:p>
-            <a:r>
-              <a:rPr lang="en-US" baseline="0" dirty="0" smtClean="0"/>
-              <a:t>Eclipse is nice as well – feels less problematic due to the command line kung </a:t>
-            </a:r>
-            <a:r>
-              <a:rPr lang="en-US" baseline="0" dirty="0" err="1" smtClean="0"/>
-              <a:t>fu</a:t>
-            </a:r>
-            <a:r>
-              <a:rPr lang="en-US" baseline="0" dirty="0" smtClean="0"/>
-              <a:t> necessary for node-inspector</a:t>
-            </a:r>
-          </a:p>
-          <a:p>
-            <a:endParaRPr lang="en-US" baseline="0" dirty="0" smtClean="0"/>
-          </a:p>
-          <a:p>
-            <a:r>
-              <a:rPr lang="en-US" dirty="0" err="1" smtClean="0"/>
-              <a:t>var</a:t>
-            </a:r>
-            <a:r>
-              <a:rPr lang="en-US" dirty="0" smtClean="0"/>
-              <a:t> profiler = require('v8-profiler');</a:t>
-            </a:r>
-          </a:p>
-          <a:p>
-            <a:endParaRPr lang="en-US" dirty="0" smtClean="0"/>
-          </a:p>
-          <a:p>
-            <a:r>
-              <a:rPr lang="en-US" dirty="0" err="1" smtClean="0"/>
-              <a:t>profiler.startProfiling</a:t>
-            </a:r>
-            <a:r>
-              <a:rPr lang="en-US" dirty="0" smtClean="0"/>
-              <a:t>('startup');</a:t>
-            </a:r>
-          </a:p>
-          <a:p>
-            <a:r>
-              <a:rPr lang="en-US" dirty="0" err="1" smtClean="0"/>
-              <a:t>slowStartupFoo</a:t>
-            </a:r>
-            <a:r>
-              <a:rPr lang="en-US" dirty="0" smtClean="0"/>
-              <a:t>();</a:t>
-            </a:r>
-          </a:p>
-          <a:p>
-            <a:r>
-              <a:rPr lang="en-US" dirty="0" err="1" smtClean="0"/>
-              <a:t>profiler.stopProfiling</a:t>
-            </a:r>
-            <a:r>
-              <a:rPr lang="en-US" dirty="0" smtClean="0"/>
-              <a:t>('startup');</a:t>
-            </a:r>
-          </a:p>
-          <a:p>
-            <a:endParaRPr lang="en-US" dirty="0" smtClean="0"/>
-          </a:p>
-          <a:p>
-            <a:r>
-              <a:rPr lang="en-US" dirty="0" err="1" smtClean="0"/>
-              <a:t>profiler.takeSnapshot</a:t>
-            </a:r>
-            <a:r>
-              <a:rPr lang="en-US" dirty="0" smtClean="0"/>
-              <a:t>('</a:t>
-            </a:r>
-            <a:r>
-              <a:rPr lang="en-US" dirty="0" err="1" smtClean="0"/>
-              <a:t>beforeLeak</a:t>
-            </a:r>
-            <a:r>
-              <a:rPr lang="en-US" dirty="0" smtClean="0"/>
-              <a:t>');</a:t>
-            </a:r>
-          </a:p>
-          <a:p>
-            <a:r>
-              <a:rPr lang="en-US" dirty="0" err="1" smtClean="0"/>
-              <a:t>leakyFoo</a:t>
-            </a:r>
-            <a:r>
-              <a:rPr lang="en-US" dirty="0" smtClean="0"/>
-              <a:t>();</a:t>
-            </a:r>
-          </a:p>
-          <a:p>
-            <a:r>
-              <a:rPr lang="en-US" dirty="0" err="1" smtClean="0"/>
-              <a:t>profiler.takeSnapshot</a:t>
-            </a:r>
-            <a:r>
-              <a:rPr lang="en-US" dirty="0" smtClean="0"/>
-              <a:t>('</a:t>
-            </a:r>
-            <a:r>
-              <a:rPr lang="en-US" dirty="0" err="1" smtClean="0"/>
-              <a:t>afterLeak</a:t>
-            </a:r>
-            <a:r>
-              <a:rPr lang="en-US" dirty="0" smtClean="0"/>
-              <a:t>');</a:t>
-            </a:r>
             <a:endParaRPr lang="en-US" dirty="0"/>
           </a:p>
         </p:txBody>
@@ -1341,7 +1200,7 @@
           <a:p>
             <a:fld id="{D633CFC9-9EA6-1241-A510-5FCAF76A6332}" type="slidenum">
               <a:rPr lang="en-US" smtClean="0"/>
-              <a:t>22</a:t>
+              <a:t>15</a:t>
             </a:fld>
             <a:endParaRPr lang="en-US"/>
           </a:p>
@@ -1350,7 +1209,7 @@
     </p:spTree>
     <p:extLst>
       <p:ext uri="{BB962C8B-B14F-4D97-AF65-F5344CB8AC3E}">
-        <p14:creationId xmlns:p14="http://schemas.microsoft.com/office/powerpoint/2010/main" val="1220171817"/>
+        <p14:creationId xmlns:p14="http://schemas.microsoft.com/office/powerpoint/2010/main" val="1977194694"/>
       </p:ext>
     </p:extLst>
   </p:cSld>
@@ -1405,15 +1264,35 @@
           <a:lstStyle/>
           <a:p>
             <a:r>
-              <a:rPr lang="en-US" dirty="0" err="1" smtClean="0"/>
-              <a:t>Howtonode.org</a:t>
-            </a:r>
-            <a:r>
               <a:rPr lang="en-US" dirty="0" smtClean="0"/>
-              <a:t> implemented in wheat.</a:t>
-            </a:r>
-          </a:p>
-          <a:p>
+              <a:t>Mention</a:t>
+            </a:r>
+            <a:r>
+              <a:rPr lang="en-US" baseline="0" dirty="0" smtClean="0"/>
+              <a:t> exports piece of modules</a:t>
+            </a:r>
+          </a:p>
+          <a:p>
+            <a:r>
+              <a:rPr lang="en-US" baseline="0" dirty="0" smtClean="0"/>
+              <a:t>1.5, </a:t>
+            </a:r>
+            <a:r>
+              <a:rPr lang="en-US" baseline="0" dirty="0" err="1" smtClean="0"/>
+              <a:t>etc</a:t>
+            </a:r>
+            <a:r>
+              <a:rPr lang="en-US" baseline="0" dirty="0" smtClean="0"/>
+              <a:t> specs give you map/filter/</a:t>
+            </a:r>
+            <a:r>
+              <a:rPr lang="en-US" baseline="0" dirty="0" err="1" smtClean="0"/>
+              <a:t>forEach</a:t>
+            </a:r>
+            <a:r>
+              <a:rPr lang="en-US" baseline="0" dirty="0" smtClean="0"/>
+              <a:t> and more….</a:t>
+            </a:r>
             <a:endParaRPr lang="en-US" dirty="0"/>
           </a:p>
         </p:txBody>
@@ -1435,7 +1314,7 @@
           <a:p>
             <a:fld id="{D633CFC9-9EA6-1241-A510-5FCAF76A6332}" type="slidenum">
               <a:rPr lang="en-US" smtClean="0"/>
-              <a:t>23</a:t>
+              <a:t>16</a:t>
             </a:fld>
             <a:endParaRPr lang="en-US"/>
           </a:p>
@@ -1444,7 +1323,7 @@
     </p:spTree>
     <p:extLst>
       <p:ext uri="{BB962C8B-B14F-4D97-AF65-F5344CB8AC3E}">
-        <p14:creationId xmlns:p14="http://schemas.microsoft.com/office/powerpoint/2010/main" val="1613277740"/>
+        <p14:creationId xmlns:p14="http://schemas.microsoft.com/office/powerpoint/2010/main" val="2011859339"/>
       </p:ext>
     </p:extLst>
   </p:cSld>
@@ -1500,212 +1379,37 @@
           <a:p>
             <a:r>
               <a:rPr lang="en-US" dirty="0" smtClean="0"/>
-              <a:t>Twitter</a:t>
+              <a:t>Module imports</a:t>
+            </a:r>
+          </a:p>
+          <a:p>
+            <a:r>
+              <a:rPr lang="en-US" dirty="0" smtClean="0"/>
+              <a:t>Sockets array</a:t>
+            </a:r>
+          </a:p>
+          <a:p>
+            <a:r>
+              <a:rPr lang="en-US" dirty="0" smtClean="0"/>
+              <a:t>Web server, callback for a request</a:t>
+            </a:r>
+          </a:p>
+          <a:p>
+            <a:r>
+              <a:rPr lang="en-US" dirty="0" smtClean="0"/>
+              <a:t>Socket write call is</a:t>
             </a:r>
             <a:r>
               <a:rPr lang="en-US" baseline="0" dirty="0" smtClean="0"/>
-              <a:t> is using node to compile Less to CSS</a:t>
-            </a:r>
-          </a:p>
-          <a:p>
-            <a:pPr marL="0" marR="0" indent="0" algn="l" defTabSz="457200" rtl="0" eaLnBrk="1" fontAlgn="auto" latinLnBrk="0" hangingPunct="1">
-              <a:lnSpc>
-                <a:spcPct val="100000"/>
-              </a:lnSpc>
-              <a:spcBef>
-                <a:spcPts val="0"/>
-              </a:spcBef>
-              <a:spcAft>
-                <a:spcPts val="0"/>
-              </a:spcAft>
-              <a:buClrTx/>
-              <a:buSzTx/>
-              <a:buFontTx/>
-              <a:buNone/>
-              <a:tabLst/>
-              <a:defRPr/>
-            </a:pPr>
+              <a:t> non-blocking.  Entire array will be iterated and invoked before all writing is done</a:t>
+            </a:r>
+          </a:p>
+          <a:p>
             <a:r>
               <a:rPr lang="en-US" baseline="0" dirty="0" smtClean="0"/>
-              <a:t>Yahoo can’t say yet</a:t>
-            </a:r>
-          </a:p>
-          <a:p>
-            <a:pPr marL="0" marR="0" indent="0" algn="l" defTabSz="457200" rtl="0" eaLnBrk="1" fontAlgn="auto" latinLnBrk="0" hangingPunct="1">
-              <a:lnSpc>
-                <a:spcPct val="100000"/>
-              </a:lnSpc>
-              <a:spcBef>
-                <a:spcPts val="0"/>
-              </a:spcBef>
-              <a:spcAft>
-                <a:spcPts val="0"/>
-              </a:spcAft>
-              <a:buClrTx/>
-              <a:buSzTx/>
-              <a:buFontTx/>
-              <a:buNone/>
-              <a:tabLst/>
-              <a:defRPr/>
-            </a:pPr>
-            <a:r>
-              <a:rPr lang="en-US" baseline="0" dirty="0" err="1" smtClean="0"/>
-              <a:t>Bocoup</a:t>
-            </a:r>
-            <a:r>
-              <a:rPr lang="en-US" baseline="0" dirty="0" smtClean="0"/>
-              <a:t> built IRC bot for logging/stats</a:t>
-            </a:r>
-          </a:p>
-          <a:p>
-            <a:pPr marL="0" marR="0" indent="0" algn="l" defTabSz="457200" rtl="0" eaLnBrk="1" fontAlgn="auto" latinLnBrk="0" hangingPunct="1">
-              <a:lnSpc>
-                <a:spcPct val="100000"/>
-              </a:lnSpc>
-              <a:spcBef>
-                <a:spcPts val="0"/>
-              </a:spcBef>
-              <a:spcAft>
-                <a:spcPts val="0"/>
-              </a:spcAft>
-              <a:buClrTx/>
-              <a:buSzTx/>
-              <a:buFontTx/>
-              <a:buNone/>
-              <a:tabLst/>
-              <a:defRPr/>
-            </a:pPr>
-            <a:r>
-              <a:rPr lang="en-US" baseline="0" dirty="0" err="1" smtClean="0"/>
-              <a:t>Proxlet’s</a:t>
-            </a:r>
-            <a:r>
-              <a:rPr lang="en-US" baseline="0" dirty="0" smtClean="0"/>
-              <a:t> plugin uses node as the proxy</a:t>
-            </a:r>
-          </a:p>
-          <a:p>
-            <a:pPr marL="0" marR="0" indent="0" algn="l" defTabSz="457200" rtl="0" eaLnBrk="1" fontAlgn="auto" latinLnBrk="0" hangingPunct="1">
-              <a:lnSpc>
-                <a:spcPct val="100000"/>
-              </a:lnSpc>
-              <a:spcBef>
-                <a:spcPts val="0"/>
-              </a:spcBef>
-              <a:spcAft>
-                <a:spcPts val="0"/>
-              </a:spcAft>
-              <a:buClrTx/>
-              <a:buSzTx/>
-              <a:buFontTx/>
-              <a:buNone/>
-              <a:tabLst/>
-              <a:defRPr/>
-            </a:pPr>
-            <a:r>
-              <a:rPr lang="en-US" baseline="0" dirty="0" smtClean="0"/>
-              <a:t>Yammer uses node as a proxy for it’s API</a:t>
-            </a:r>
-          </a:p>
-          <a:p>
-            <a:pPr marL="0" marR="0" indent="0" algn="l" defTabSz="457200" rtl="0" eaLnBrk="1" fontAlgn="auto" latinLnBrk="0" hangingPunct="1">
-              <a:lnSpc>
-                <a:spcPct val="100000"/>
-              </a:lnSpc>
-              <a:spcBef>
-                <a:spcPts val="0"/>
-              </a:spcBef>
-              <a:spcAft>
-                <a:spcPts val="0"/>
-              </a:spcAft>
-              <a:buClrTx/>
-              <a:buSzTx/>
-              <a:buFontTx/>
-              <a:buNone/>
-              <a:tabLst/>
-              <a:defRPr/>
-            </a:pPr>
-            <a:r>
-              <a:rPr lang="en-US" baseline="0" dirty="0" smtClean="0"/>
-              <a:t>Worth mentioning that MS is working with </a:t>
-            </a:r>
-            <a:r>
-              <a:rPr lang="en-US" baseline="0" dirty="0" err="1" smtClean="0"/>
-              <a:t>Joyent</a:t>
-            </a:r>
-            <a:r>
-              <a:rPr lang="en-US" baseline="0" dirty="0" smtClean="0"/>
-              <a:t> on the win port of node/</a:t>
-            </a:r>
-            <a:r>
-              <a:rPr lang="en-US" baseline="0" dirty="0" err="1" smtClean="0"/>
-              <a:t>libuv</a:t>
-            </a:r>
-            <a:endParaRPr lang="en-US" baseline="0" dirty="0" smtClean="0"/>
-          </a:p>
-          <a:p>
-            <a:pPr marL="0" marR="0" indent="0" algn="l" defTabSz="457200" rtl="0" eaLnBrk="1" fontAlgn="auto" latinLnBrk="0" hangingPunct="1">
-              <a:lnSpc>
-                <a:spcPct val="100000"/>
-              </a:lnSpc>
-              <a:spcBef>
-                <a:spcPts val="0"/>
-              </a:spcBef>
-              <a:spcAft>
-                <a:spcPts val="0"/>
-              </a:spcAft>
-              <a:buClrTx/>
-              <a:buSzTx/>
-              <a:buFontTx/>
-              <a:buNone/>
-              <a:tabLst/>
-              <a:defRPr/>
-            </a:pPr>
-            <a:r>
-              <a:rPr lang="en-US" baseline="0" dirty="0" smtClean="0"/>
-              <a:t>LinkedIn uses node for the mobile server side stack</a:t>
-            </a:r>
-            <a:endParaRPr lang="en-US" baseline="0" dirty="0" smtClean="0"/>
-          </a:p>
-          <a:p>
-            <a:pPr marL="0" marR="0" indent="0" algn="l" defTabSz="457200" rtl="0" eaLnBrk="1" fontAlgn="auto" latinLnBrk="0" hangingPunct="1">
-              <a:lnSpc>
-                <a:spcPct val="100000"/>
-              </a:lnSpc>
-              <a:spcBef>
-                <a:spcPts val="0"/>
-              </a:spcBef>
-              <a:spcAft>
-                <a:spcPts val="0"/>
-              </a:spcAft>
-              <a:buClrTx/>
-              <a:buSzTx/>
-              <a:buFontTx/>
-              <a:buNone/>
-              <a:tabLst/>
-              <a:defRPr/>
-            </a:pPr>
-            <a:endParaRPr lang="en-US" baseline="0" dirty="0" smtClean="0"/>
-          </a:p>
-          <a:p>
-            <a:pPr marL="0" marR="0" indent="0" algn="l" defTabSz="457200" rtl="0" eaLnBrk="1" fontAlgn="auto" latinLnBrk="0" hangingPunct="1">
-              <a:lnSpc>
-                <a:spcPct val="100000"/>
-              </a:lnSpc>
-              <a:spcBef>
-                <a:spcPts val="0"/>
-              </a:spcBef>
-              <a:spcAft>
-                <a:spcPts val="0"/>
-              </a:spcAft>
-              <a:buClrTx/>
-              <a:buSzTx/>
-              <a:buFontTx/>
-              <a:buNone/>
-              <a:tabLst/>
-              <a:defRPr/>
-            </a:pPr>
-            <a:endParaRPr lang="en-US" baseline="0" dirty="0" smtClean="0"/>
+              <a:t>telnet server</a:t>
+            </a:r>
+            <a:endParaRPr lang="en-US" dirty="0"/>
           </a:p>
         </p:txBody>
       </p:sp>
@@ -1726,7 +1430,7 @@
           <a:p>
             <a:fld id="{D633CFC9-9EA6-1241-A510-5FCAF76A6332}" type="slidenum">
               <a:rPr lang="en-US" smtClean="0"/>
-              <a:t>24</a:t>
+              <a:t>17</a:t>
             </a:fld>
             <a:endParaRPr lang="en-US"/>
           </a:p>
@@ -1735,7 +1439,7 @@
     </p:spTree>
     <p:extLst>
       <p:ext uri="{BB962C8B-B14F-4D97-AF65-F5344CB8AC3E}">
-        <p14:creationId xmlns:p14="http://schemas.microsoft.com/office/powerpoint/2010/main" val="1890685000"/>
+        <p14:creationId xmlns:p14="http://schemas.microsoft.com/office/powerpoint/2010/main" val="3863603642"/>
       </p:ext>
     </p:extLst>
   </p:cSld>
@@ -1789,21 +1493,7 @@
           <a:bodyPr/>
           <a:lstStyle/>
           <a:p>
-            <a:r>
-              <a:rPr lang="en-US" dirty="0" smtClean="0"/>
-              <a:t>READ CODE READ CODE READ CODE</a:t>
-            </a:r>
-          </a:p>
-          <a:p>
-            <a:r>
-              <a:rPr lang="en-US" dirty="0" smtClean="0"/>
-              <a:t>Tim</a:t>
-            </a:r>
-            <a:r>
-              <a:rPr lang="en-US" baseline="0" dirty="0" smtClean="0"/>
-              <a:t> Caswell will melt your brain in a good way</a:t>
-            </a:r>
-            <a:endParaRPr lang="en-US" dirty="0"/>
+            <a:endParaRPr lang="en-US"/>
           </a:p>
         </p:txBody>
       </p:sp>
@@ -1824,7 +1514,7 @@
           <a:p>
             <a:fld id="{D633CFC9-9EA6-1241-A510-5FCAF76A6332}" type="slidenum">
               <a:rPr lang="en-US" smtClean="0"/>
-              <a:t>25</a:t>
+              <a:t>18</a:t>
             </a:fld>
             <a:endParaRPr lang="en-US"/>
           </a:p>
@@ -1833,7 +1523,91 @@
     </p:spTree>
     <p:extLst>
       <p:ext uri="{BB962C8B-B14F-4D97-AF65-F5344CB8AC3E}">
-        <p14:creationId xmlns:p14="http://schemas.microsoft.com/office/powerpoint/2010/main" val="30431674"/>
+        <p14:creationId xmlns:p14="http://schemas.microsoft.com/office/powerpoint/2010/main" val="4160998140"/>
+      </p:ext>
+    </p:extLst>
+  </p:cSld>
+  <p:clrMapOvr>
+    <a:masterClrMapping/>
+  </p:clrMapOvr>
+</p:notes>
+</file>
+
+<file path=ppt/notesSlides/notesSlide19.xml><?xml version="1.0" encoding="utf-8"?>
+<p:notes xmlns:a="http://schemas.openxmlformats.org/drawingml/2006/main" xmlns:r="http://schemas.openxmlformats.org/officeDocument/2006/relationships" xmlns:p="http://schemas.openxmlformats.org/presentationml/2006/main">
+  <p:cSld>
+    <p:spTree>
+      <p:nvGrpSpPr>
+        <p:cNvPr id="1" name=""/>
+        <p:cNvGrpSpPr/>
+        <p:nvPr/>
+      </p:nvGrpSpPr>
+      <p:grpSpPr>
+        <a:xfrm>
+          <a:off x="0" y="0"/>
+          <a:ext cx="0" cy="0"/>
+          <a:chOff x="0" y="0"/>
+          <a:chExt cx="0" cy="0"/>
+        </a:xfrm>
+      </p:grpSpPr>
+      <p:sp>
+        <p:nvSpPr>
+          <p:cNvPr id="2" name="Slide Image Placeholder 1"/>
+          <p:cNvSpPr>
+            <a:spLocks noGrp="1" noRot="1" noChangeAspect="1"/>
+          </p:cNvSpPr>
+          <p:nvPr>
+            <p:ph type="sldImg"/>
+          </p:nvPr>
+        </p:nvSpPr>
+        <p:spPr/>
+      </p:sp>
+      <p:sp>
+        <p:nvSpPr>
+          <p:cNvPr id="3" name="Notes Placeholder 2"/>
+          <p:cNvSpPr>
+            <a:spLocks noGrp="1"/>
+          </p:cNvSpPr>
+          <p:nvPr>
+            <p:ph type="body" idx="1"/>
+          </p:nvPr>
+        </p:nvSpPr>
+        <p:spPr/>
+        <p:txBody>
+          <a:bodyPr/>
+          <a:lstStyle/>
+          <a:p>
+            <a:endParaRPr lang="en-US"/>
+          </a:p>
+        </p:txBody>
+      </p:sp>
+      <p:sp>
+        <p:nvSpPr>
+          <p:cNvPr id="4" name="Slide Number Placeholder 3"/>
+          <p:cNvSpPr>
+            <a:spLocks noGrp="1"/>
+          </p:cNvSpPr>
+          <p:nvPr>
+            <p:ph type="sldNum" sz="quarter" idx="10"/>
+          </p:nvPr>
+        </p:nvSpPr>
+        <p:spPr/>
+        <p:txBody>
+          <a:bodyPr/>
+          <a:lstStyle/>
+          <a:p>
+            <a:fld id="{D633CFC9-9EA6-1241-A510-5FCAF76A6332}" type="slidenum">
+              <a:rPr lang="en-US" smtClean="0"/>
+              <a:t>19</a:t>
+            </a:fld>
+            <a:endParaRPr lang="en-US"/>
+          </a:p>
+        </p:txBody>
+      </p:sp>
+    </p:spTree>
+    <p:extLst>
+      <p:ext uri="{BB962C8B-B14F-4D97-AF65-F5344CB8AC3E}">
+        <p14:creationId xmlns:p14="http://schemas.microsoft.com/office/powerpoint/2010/main" val="3671975914"/>
       </p:ext>
     </p:extLst>
   </p:cSld>
@@ -1887,64 +1661,7 @@
           <a:bodyPr/>
           <a:lstStyle/>
           <a:p>
-            <a:r>
-              <a:rPr lang="en-US" sz="1200" kern="1200" dirty="0" smtClean="0">
-                <a:solidFill>
-                  <a:schemeClr val="tx1"/>
-                </a:solidFill>
-                <a:latin typeface="+mn-lt"/>
-                <a:ea typeface="+mn-ea"/>
-                <a:cs typeface="+mn-cs"/>
-              </a:rPr>
-              <a:t>"We're taught to demand input and do nothing until we have it” (Ryan)</a:t>
-            </a:r>
-          </a:p>
-          <a:p>
-            <a:r>
-              <a:rPr lang="en-US" sz="1200" kern="1200" dirty="0" smtClean="0">
-                <a:solidFill>
-                  <a:schemeClr val="tx1"/>
-                </a:solidFill>
-                <a:latin typeface="+mn-lt"/>
-                <a:ea typeface="+mn-ea"/>
-                <a:cs typeface="+mn-cs"/>
-              </a:rPr>
-              <a:t>“I’m not afraid</a:t>
-            </a:r>
-            <a:r>
-              <a:rPr lang="en-US" sz="1200" kern="1200" baseline="0" dirty="0" smtClean="0">
-                <a:solidFill>
-                  <a:schemeClr val="tx1"/>
-                </a:solidFill>
-                <a:latin typeface="+mn-lt"/>
-                <a:ea typeface="+mn-ea"/>
-                <a:cs typeface="+mn-cs"/>
-              </a:rPr>
-              <a:t> of threads”…since when is debugging thread bugs easy?</a:t>
-            </a:r>
-          </a:p>
-          <a:p>
-            <a:r>
-              <a:rPr lang="en-US" sz="1200" kern="1200" baseline="0" dirty="0" smtClean="0">
-                <a:solidFill>
-                  <a:schemeClr val="tx1"/>
-                </a:solidFill>
-                <a:latin typeface="+mn-lt"/>
-                <a:ea typeface="+mn-ea"/>
-                <a:cs typeface="+mn-cs"/>
-              </a:rPr>
-              <a:t>KNOW when your code is going to yield</a:t>
-            </a:r>
-          </a:p>
-          <a:p>
-            <a:endParaRPr lang="en-US" sz="1200" kern="1200" baseline="0" dirty="0" smtClean="0">
-              <a:solidFill>
-                <a:schemeClr val="tx1"/>
-              </a:solidFill>
-              <a:latin typeface="+mn-lt"/>
-              <a:ea typeface="+mn-ea"/>
-              <a:cs typeface="+mn-cs"/>
-            </a:endParaRPr>
+            <a:endParaRPr lang="en-US"/>
           </a:p>
         </p:txBody>
       </p:sp>
@@ -1965,7 +1682,121 @@
           <a:p>
             <a:fld id="{D633CFC9-9EA6-1241-A510-5FCAF76A6332}" type="slidenum">
               <a:rPr lang="en-US" smtClean="0"/>
-              <a:t>3</a:t>
+              <a:t>2</a:t>
+            </a:fld>
+            <a:endParaRPr lang="en-US"/>
+          </a:p>
+        </p:txBody>
+      </p:sp>
+    </p:spTree>
+    <p:extLst>
+      <p:ext uri="{BB962C8B-B14F-4D97-AF65-F5344CB8AC3E}">
+        <p14:creationId xmlns:p14="http://schemas.microsoft.com/office/powerpoint/2010/main" val="2642058417"/>
+      </p:ext>
+    </p:extLst>
+  </p:cSld>
+  <p:clrMapOvr>
+    <a:masterClrMapping/>
+  </p:clrMapOvr>
+</p:notes>
+</file>
+
+<file path=ppt/notesSlides/notesSlide20.xml><?xml version="1.0" encoding="utf-8"?>
+<p:notes xmlns:a="http://schemas.openxmlformats.org/drawingml/2006/main" xmlns:r="http://schemas.openxmlformats.org/officeDocument/2006/relationships" xmlns:p="http://schemas.openxmlformats.org/presentationml/2006/main">
+  <p:cSld>
+    <p:spTree>
+      <p:nvGrpSpPr>
+        <p:cNvPr id="1" name=""/>
+        <p:cNvGrpSpPr/>
+        <p:nvPr/>
+      </p:nvGrpSpPr>
+      <p:grpSpPr>
+        <a:xfrm>
+          <a:off x="0" y="0"/>
+          <a:ext cx="0" cy="0"/>
+          <a:chOff x="0" y="0"/>
+          <a:chExt cx="0" cy="0"/>
+        </a:xfrm>
+      </p:grpSpPr>
+      <p:sp>
+        <p:nvSpPr>
+          <p:cNvPr id="2" name="Slide Image Placeholder 1"/>
+          <p:cNvSpPr>
+            <a:spLocks noGrp="1" noRot="1" noChangeAspect="1"/>
+          </p:cNvSpPr>
+          <p:nvPr>
+            <p:ph type="sldImg"/>
+          </p:nvPr>
+        </p:nvSpPr>
+        <p:spPr/>
+      </p:sp>
+      <p:sp>
+        <p:nvSpPr>
+          <p:cNvPr id="3" name="Notes Placeholder 2"/>
+          <p:cNvSpPr>
+            <a:spLocks noGrp="1"/>
+          </p:cNvSpPr>
+          <p:nvPr>
+            <p:ph type="body" idx="1"/>
+          </p:nvPr>
+        </p:nvSpPr>
+        <p:spPr/>
+        <p:txBody>
+          <a:bodyPr/>
+          <a:lstStyle/>
+          <a:p>
+            <a:r>
+              <a:rPr lang="en-US" dirty="0" smtClean="0"/>
+              <a:t>Building</a:t>
+            </a:r>
+            <a:r>
+              <a:rPr lang="en-US" baseline="0" dirty="0" smtClean="0"/>
+              <a:t> your own module isn’t terribly difficult.</a:t>
+            </a:r>
+          </a:p>
+          <a:p>
+            <a:r>
+              <a:rPr lang="en-US" baseline="0" dirty="0" smtClean="0"/>
+              <a:t>You include a </a:t>
+            </a:r>
+            <a:r>
+              <a:rPr lang="en-US" baseline="0" dirty="0" err="1" smtClean="0"/>
+              <a:t>package.json</a:t>
+            </a:r>
+            <a:r>
+              <a:rPr lang="en-US" baseline="0" dirty="0" smtClean="0"/>
+              <a:t> file in </a:t>
+            </a:r>
+            <a:r>
+              <a:rPr lang="en-US" baseline="0" dirty="0" err="1" smtClean="0"/>
+              <a:t>dir</a:t>
+            </a:r>
+            <a:r>
+              <a:rPr lang="en-US" baseline="0" dirty="0" smtClean="0"/>
+              <a:t> root</a:t>
+            </a:r>
+            <a:endParaRPr lang="en-US" dirty="0"/>
+          </a:p>
+        </p:txBody>
+      </p:sp>
+      <p:sp>
+        <p:nvSpPr>
+          <p:cNvPr id="4" name="Slide Number Placeholder 3"/>
+          <p:cNvSpPr>
+            <a:spLocks noGrp="1"/>
+          </p:cNvSpPr>
+          <p:nvPr>
+            <p:ph type="sldNum" sz="quarter" idx="10"/>
+          </p:nvPr>
+        </p:nvSpPr>
+        <p:spPr/>
+        <p:txBody>
+          <a:bodyPr/>
+          <a:lstStyle/>
+          <a:p>
+            <a:fld id="{D633CFC9-9EA6-1241-A510-5FCAF76A6332}" type="slidenum">
+              <a:rPr lang="en-US" smtClean="0"/>
+              <a:t>20</a:t>
             </a:fld>
             <a:endParaRPr lang="en-US"/>
           </a:p>
@@ -1975,6 +1806,881 @@
     <p:extLst>
       <p:ext uri="{BB962C8B-B14F-4D97-AF65-F5344CB8AC3E}">
         <p14:creationId xmlns:p14="http://schemas.microsoft.com/office/powerpoint/2010/main" val="1220171817"/>
+      </p:ext>
+    </p:extLst>
+  </p:cSld>
+  <p:clrMapOvr>
+    <a:masterClrMapping/>
+  </p:clrMapOvr>
+</p:notes>
+</file>
+
+<file path=ppt/notesSlides/notesSlide21.xml><?xml version="1.0" encoding="utf-8"?>
+<p:notes xmlns:a="http://schemas.openxmlformats.org/drawingml/2006/main" xmlns:r="http://schemas.openxmlformats.org/officeDocument/2006/relationships" xmlns:p="http://schemas.openxmlformats.org/presentationml/2006/main">
+  <p:cSld>
+    <p:spTree>
+      <p:nvGrpSpPr>
+        <p:cNvPr id="1" name=""/>
+        <p:cNvGrpSpPr/>
+        <p:nvPr/>
+      </p:nvGrpSpPr>
+      <p:grpSpPr>
+        <a:xfrm>
+          <a:off x="0" y="0"/>
+          <a:ext cx="0" cy="0"/>
+          <a:chOff x="0" y="0"/>
+          <a:chExt cx="0" cy="0"/>
+        </a:xfrm>
+      </p:grpSpPr>
+      <p:sp>
+        <p:nvSpPr>
+          <p:cNvPr id="2" name="Slide Image Placeholder 1"/>
+          <p:cNvSpPr>
+            <a:spLocks noGrp="1" noRot="1" noChangeAspect="1"/>
+          </p:cNvSpPr>
+          <p:nvPr>
+            <p:ph type="sldImg"/>
+          </p:nvPr>
+        </p:nvSpPr>
+        <p:spPr/>
+      </p:sp>
+      <p:sp>
+        <p:nvSpPr>
+          <p:cNvPr id="3" name="Notes Placeholder 2"/>
+          <p:cNvSpPr>
+            <a:spLocks noGrp="1"/>
+          </p:cNvSpPr>
+          <p:nvPr>
+            <p:ph type="body" idx="1"/>
+          </p:nvPr>
+        </p:nvSpPr>
+        <p:spPr/>
+        <p:txBody>
+          <a:bodyPr/>
+          <a:lstStyle/>
+          <a:p>
+            <a:r>
+              <a:rPr lang="en-US" dirty="0" smtClean="0"/>
+              <a:t>Both seem great.  I use nave most since I found it first, but understand sub shell concerns other’s have</a:t>
+            </a:r>
+            <a:endParaRPr lang="en-US" dirty="0"/>
+          </a:p>
+        </p:txBody>
+      </p:sp>
+      <p:sp>
+        <p:nvSpPr>
+          <p:cNvPr id="4" name="Slide Number Placeholder 3"/>
+          <p:cNvSpPr>
+            <a:spLocks noGrp="1"/>
+          </p:cNvSpPr>
+          <p:nvPr>
+            <p:ph type="sldNum" sz="quarter" idx="10"/>
+          </p:nvPr>
+        </p:nvSpPr>
+        <p:spPr/>
+        <p:txBody>
+          <a:bodyPr/>
+          <a:lstStyle/>
+          <a:p>
+            <a:fld id="{D633CFC9-9EA6-1241-A510-5FCAF76A6332}" type="slidenum">
+              <a:rPr lang="en-US" smtClean="0"/>
+              <a:t>21</a:t>
+            </a:fld>
+            <a:endParaRPr lang="en-US"/>
+          </a:p>
+        </p:txBody>
+      </p:sp>
+    </p:spTree>
+    <p:extLst>
+      <p:ext uri="{BB962C8B-B14F-4D97-AF65-F5344CB8AC3E}">
+        <p14:creationId xmlns:p14="http://schemas.microsoft.com/office/powerpoint/2010/main" val="1220171817"/>
+      </p:ext>
+    </p:extLst>
+  </p:cSld>
+  <p:clrMapOvr>
+    <a:masterClrMapping/>
+  </p:clrMapOvr>
+</p:notes>
+</file>
+
+<file path=ppt/notesSlides/notesSlide22.xml><?xml version="1.0" encoding="utf-8"?>
+<p:notes xmlns:a="http://schemas.openxmlformats.org/drawingml/2006/main" xmlns:r="http://schemas.openxmlformats.org/officeDocument/2006/relationships" xmlns:p="http://schemas.openxmlformats.org/presentationml/2006/main">
+  <p:cSld>
+    <p:spTree>
+      <p:nvGrpSpPr>
+        <p:cNvPr id="1" name=""/>
+        <p:cNvGrpSpPr/>
+        <p:nvPr/>
+      </p:nvGrpSpPr>
+      <p:grpSpPr>
+        <a:xfrm>
+          <a:off x="0" y="0"/>
+          <a:ext cx="0" cy="0"/>
+          <a:chOff x="0" y="0"/>
+          <a:chExt cx="0" cy="0"/>
+        </a:xfrm>
+      </p:grpSpPr>
+      <p:sp>
+        <p:nvSpPr>
+          <p:cNvPr id="2" name="Slide Image Placeholder 1"/>
+          <p:cNvSpPr>
+            <a:spLocks noGrp="1" noRot="1" noChangeAspect="1"/>
+          </p:cNvSpPr>
+          <p:nvPr>
+            <p:ph type="sldImg"/>
+          </p:nvPr>
+        </p:nvSpPr>
+        <p:spPr/>
+      </p:sp>
+      <p:sp>
+        <p:nvSpPr>
+          <p:cNvPr id="3" name="Notes Placeholder 2"/>
+          <p:cNvSpPr>
+            <a:spLocks noGrp="1"/>
+          </p:cNvSpPr>
+          <p:nvPr>
+            <p:ph type="body" idx="1"/>
+          </p:nvPr>
+        </p:nvSpPr>
+        <p:spPr/>
+        <p:txBody>
+          <a:bodyPr/>
+          <a:lstStyle/>
+          <a:p>
+            <a:r>
+              <a:rPr lang="en-US" dirty="0" smtClean="0"/>
+              <a:t>Command line debugger is NOT for the faint of heart, and it’s incomplete at the moment</a:t>
+            </a:r>
+          </a:p>
+          <a:p>
+            <a:r>
+              <a:rPr lang="en-US" dirty="0" smtClean="0"/>
+              <a:t>Node-inspector</a:t>
+            </a:r>
+            <a:r>
+              <a:rPr lang="en-US" baseline="0" dirty="0" smtClean="0"/>
+              <a:t> and Eclipse both connect to V-8 over port 5858 (unless you specify otherwise)</a:t>
+            </a:r>
+          </a:p>
+          <a:p>
+            <a:r>
+              <a:rPr lang="en-US" baseline="0" dirty="0" smtClean="0"/>
+              <a:t>I love that node-inspector is Chrome’s </a:t>
+            </a:r>
+            <a:r>
+              <a:rPr lang="en-US" baseline="0" dirty="0" err="1" smtClean="0"/>
+              <a:t>dev</a:t>
+            </a:r>
+            <a:r>
+              <a:rPr lang="en-US" baseline="0" dirty="0" smtClean="0"/>
+              <a:t> tools – it’s familiar…and heap snapshots!  (go require v8-profiler NOW)</a:t>
+            </a:r>
+          </a:p>
+          <a:p>
+            <a:r>
+              <a:rPr lang="en-US" baseline="0" dirty="0" smtClean="0"/>
+              <a:t>Eclipse is nice as well – feels less problematic due to the command line kung </a:t>
+            </a:r>
+            <a:r>
+              <a:rPr lang="en-US" baseline="0" dirty="0" err="1" smtClean="0"/>
+              <a:t>fu</a:t>
+            </a:r>
+            <a:r>
+              <a:rPr lang="en-US" baseline="0" dirty="0" smtClean="0"/>
+              <a:t> necessary for node-inspector</a:t>
+            </a:r>
+          </a:p>
+          <a:p>
+            <a:endParaRPr lang="en-US" baseline="0" dirty="0" smtClean="0"/>
+          </a:p>
+          <a:p>
+            <a:r>
+              <a:rPr lang="en-US" dirty="0" err="1" smtClean="0"/>
+              <a:t>var</a:t>
+            </a:r>
+            <a:r>
+              <a:rPr lang="en-US" dirty="0" smtClean="0"/>
+              <a:t> profiler = require('v8-profiler');</a:t>
+            </a:r>
+          </a:p>
+          <a:p>
+            <a:endParaRPr lang="en-US" dirty="0" smtClean="0"/>
+          </a:p>
+          <a:p>
+            <a:r>
+              <a:rPr lang="en-US" dirty="0" err="1" smtClean="0"/>
+              <a:t>profiler.startProfiling</a:t>
+            </a:r>
+            <a:r>
+              <a:rPr lang="en-US" dirty="0" smtClean="0"/>
+              <a:t>('startup');</a:t>
+            </a:r>
+          </a:p>
+          <a:p>
+            <a:r>
+              <a:rPr lang="en-US" dirty="0" err="1" smtClean="0"/>
+              <a:t>slowStartupFoo</a:t>
+            </a:r>
+            <a:r>
+              <a:rPr lang="en-US" dirty="0" smtClean="0"/>
+              <a:t>();</a:t>
+            </a:r>
+          </a:p>
+          <a:p>
+            <a:r>
+              <a:rPr lang="en-US" dirty="0" err="1" smtClean="0"/>
+              <a:t>profiler.stopProfiling</a:t>
+            </a:r>
+            <a:r>
+              <a:rPr lang="en-US" dirty="0" smtClean="0"/>
+              <a:t>('startup');</a:t>
+            </a:r>
+          </a:p>
+          <a:p>
+            <a:endParaRPr lang="en-US" dirty="0" smtClean="0"/>
+          </a:p>
+          <a:p>
+            <a:r>
+              <a:rPr lang="en-US" dirty="0" err="1" smtClean="0"/>
+              <a:t>profiler.takeSnapshot</a:t>
+            </a:r>
+            <a:r>
+              <a:rPr lang="en-US" dirty="0" smtClean="0"/>
+              <a:t>('</a:t>
+            </a:r>
+            <a:r>
+              <a:rPr lang="en-US" dirty="0" err="1" smtClean="0"/>
+              <a:t>beforeLeak</a:t>
+            </a:r>
+            <a:r>
+              <a:rPr lang="en-US" dirty="0" smtClean="0"/>
+              <a:t>');</a:t>
+            </a:r>
+          </a:p>
+          <a:p>
+            <a:r>
+              <a:rPr lang="en-US" dirty="0" err="1" smtClean="0"/>
+              <a:t>leakyFoo</a:t>
+            </a:r>
+            <a:r>
+              <a:rPr lang="en-US" dirty="0" smtClean="0"/>
+              <a:t>();</a:t>
+            </a:r>
+          </a:p>
+          <a:p>
+            <a:r>
+              <a:rPr lang="en-US" dirty="0" err="1" smtClean="0"/>
+              <a:t>profiler.takeSnapshot</a:t>
+            </a:r>
+            <a:r>
+              <a:rPr lang="en-US" dirty="0" smtClean="0"/>
+              <a:t>('</a:t>
+            </a:r>
+            <a:r>
+              <a:rPr lang="en-US" dirty="0" err="1" smtClean="0"/>
+              <a:t>afterLeak</a:t>
+            </a:r>
+            <a:r>
+              <a:rPr lang="en-US" dirty="0" smtClean="0"/>
+              <a:t>');</a:t>
+            </a:r>
+            <a:endParaRPr lang="en-US" dirty="0"/>
+          </a:p>
+        </p:txBody>
+      </p:sp>
+      <p:sp>
+        <p:nvSpPr>
+          <p:cNvPr id="4" name="Slide Number Placeholder 3"/>
+          <p:cNvSpPr>
+            <a:spLocks noGrp="1"/>
+          </p:cNvSpPr>
+          <p:nvPr>
+            <p:ph type="sldNum" sz="quarter" idx="10"/>
+          </p:nvPr>
+        </p:nvSpPr>
+        <p:spPr/>
+        <p:txBody>
+          <a:bodyPr/>
+          <a:lstStyle/>
+          <a:p>
+            <a:fld id="{D633CFC9-9EA6-1241-A510-5FCAF76A6332}" type="slidenum">
+              <a:rPr lang="en-US" smtClean="0"/>
+              <a:t>22</a:t>
+            </a:fld>
+            <a:endParaRPr lang="en-US"/>
+          </a:p>
+        </p:txBody>
+      </p:sp>
+    </p:spTree>
+    <p:extLst>
+      <p:ext uri="{BB962C8B-B14F-4D97-AF65-F5344CB8AC3E}">
+        <p14:creationId xmlns:p14="http://schemas.microsoft.com/office/powerpoint/2010/main" val="1220171817"/>
+      </p:ext>
+    </p:extLst>
+  </p:cSld>
+  <p:clrMapOvr>
+    <a:masterClrMapping/>
+  </p:clrMapOvr>
+</p:notes>
+</file>
+
+<file path=ppt/notesSlides/notesSlide23.xml><?xml version="1.0" encoding="utf-8"?>
+<p:notes xmlns:a="http://schemas.openxmlformats.org/drawingml/2006/main" xmlns:r="http://schemas.openxmlformats.org/officeDocument/2006/relationships" xmlns:p="http://schemas.openxmlformats.org/presentationml/2006/main">
+  <p:cSld>
+    <p:spTree>
+      <p:nvGrpSpPr>
+        <p:cNvPr id="1" name=""/>
+        <p:cNvGrpSpPr/>
+        <p:nvPr/>
+      </p:nvGrpSpPr>
+      <p:grpSpPr>
+        <a:xfrm>
+          <a:off x="0" y="0"/>
+          <a:ext cx="0" cy="0"/>
+          <a:chOff x="0" y="0"/>
+          <a:chExt cx="0" cy="0"/>
+        </a:xfrm>
+      </p:grpSpPr>
+      <p:sp>
+        <p:nvSpPr>
+          <p:cNvPr id="2" name="Slide Image Placeholder 1"/>
+          <p:cNvSpPr>
+            <a:spLocks noGrp="1" noRot="1" noChangeAspect="1"/>
+          </p:cNvSpPr>
+          <p:nvPr>
+            <p:ph type="sldImg"/>
+          </p:nvPr>
+        </p:nvSpPr>
+        <p:spPr/>
+      </p:sp>
+      <p:sp>
+        <p:nvSpPr>
+          <p:cNvPr id="3" name="Notes Placeholder 2"/>
+          <p:cNvSpPr>
+            <a:spLocks noGrp="1"/>
+          </p:cNvSpPr>
+          <p:nvPr>
+            <p:ph type="body" idx="1"/>
+          </p:nvPr>
+        </p:nvSpPr>
+        <p:spPr/>
+        <p:txBody>
+          <a:bodyPr/>
+          <a:lstStyle/>
+          <a:p>
+            <a:r>
+              <a:rPr lang="en-US" dirty="0" err="1" smtClean="0"/>
+              <a:t>Howtonode.org</a:t>
+            </a:r>
+            <a:r>
+              <a:rPr lang="en-US" dirty="0" smtClean="0"/>
+              <a:t> implemented in wheat.</a:t>
+            </a:r>
+          </a:p>
+          <a:p>
+            <a:endParaRPr lang="en-US" dirty="0"/>
+          </a:p>
+        </p:txBody>
+      </p:sp>
+      <p:sp>
+        <p:nvSpPr>
+          <p:cNvPr id="4" name="Slide Number Placeholder 3"/>
+          <p:cNvSpPr>
+            <a:spLocks noGrp="1"/>
+          </p:cNvSpPr>
+          <p:nvPr>
+            <p:ph type="sldNum" sz="quarter" idx="10"/>
+          </p:nvPr>
+        </p:nvSpPr>
+        <p:spPr/>
+        <p:txBody>
+          <a:bodyPr/>
+          <a:lstStyle/>
+          <a:p>
+            <a:fld id="{D633CFC9-9EA6-1241-A510-5FCAF76A6332}" type="slidenum">
+              <a:rPr lang="en-US" smtClean="0"/>
+              <a:t>23</a:t>
+            </a:fld>
+            <a:endParaRPr lang="en-US"/>
+          </a:p>
+        </p:txBody>
+      </p:sp>
+    </p:spTree>
+    <p:extLst>
+      <p:ext uri="{BB962C8B-B14F-4D97-AF65-F5344CB8AC3E}">
+        <p14:creationId xmlns:p14="http://schemas.microsoft.com/office/powerpoint/2010/main" val="1613277740"/>
+      </p:ext>
+    </p:extLst>
+  </p:cSld>
+  <p:clrMapOvr>
+    <a:masterClrMapping/>
+  </p:clrMapOvr>
+</p:notes>
+</file>
+
+<file path=ppt/notesSlides/notesSlide24.xml><?xml version="1.0" encoding="utf-8"?>
+<p:notes xmlns:a="http://schemas.openxmlformats.org/drawingml/2006/main" xmlns:r="http://schemas.openxmlformats.org/officeDocument/2006/relationships" xmlns:p="http://schemas.openxmlformats.org/presentationml/2006/main">
+  <p:cSld>
+    <p:spTree>
+      <p:nvGrpSpPr>
+        <p:cNvPr id="1" name=""/>
+        <p:cNvGrpSpPr/>
+        <p:nvPr/>
+      </p:nvGrpSpPr>
+      <p:grpSpPr>
+        <a:xfrm>
+          <a:off x="0" y="0"/>
+          <a:ext cx="0" cy="0"/>
+          <a:chOff x="0" y="0"/>
+          <a:chExt cx="0" cy="0"/>
+        </a:xfrm>
+      </p:grpSpPr>
+      <p:sp>
+        <p:nvSpPr>
+          <p:cNvPr id="2" name="Slide Image Placeholder 1"/>
+          <p:cNvSpPr>
+            <a:spLocks noGrp="1" noRot="1" noChangeAspect="1"/>
+          </p:cNvSpPr>
+          <p:nvPr>
+            <p:ph type="sldImg"/>
+          </p:nvPr>
+        </p:nvSpPr>
+        <p:spPr/>
+      </p:sp>
+      <p:sp>
+        <p:nvSpPr>
+          <p:cNvPr id="3" name="Notes Placeholder 2"/>
+          <p:cNvSpPr>
+            <a:spLocks noGrp="1"/>
+          </p:cNvSpPr>
+          <p:nvPr>
+            <p:ph type="body" idx="1"/>
+          </p:nvPr>
+        </p:nvSpPr>
+        <p:spPr/>
+        <p:txBody>
+          <a:bodyPr/>
+          <a:lstStyle/>
+          <a:p>
+            <a:r>
+              <a:rPr lang="en-US" dirty="0" smtClean="0"/>
+              <a:t>Twitter</a:t>
+            </a:r>
+            <a:r>
+              <a:rPr lang="en-US" baseline="0" dirty="0" smtClean="0"/>
+              <a:t> is using node to compile Less to CSS</a:t>
+            </a:r>
+          </a:p>
+          <a:p>
+            <a:pPr marL="0" marR="0" indent="0" algn="l" defTabSz="457200" rtl="0" eaLnBrk="1" fontAlgn="auto" latinLnBrk="0" hangingPunct="1">
+              <a:lnSpc>
+                <a:spcPct val="100000"/>
+              </a:lnSpc>
+              <a:spcBef>
+                <a:spcPts val="0"/>
+              </a:spcBef>
+              <a:spcAft>
+                <a:spcPts val="0"/>
+              </a:spcAft>
+              <a:buClrTx/>
+              <a:buSzTx/>
+              <a:buFontTx/>
+              <a:buNone/>
+              <a:tabLst/>
+              <a:defRPr/>
+            </a:pPr>
+            <a:r>
+              <a:rPr lang="en-US" baseline="0" dirty="0" smtClean="0"/>
+              <a:t>Yahoo can’t say yet</a:t>
+            </a:r>
+          </a:p>
+          <a:p>
+            <a:pPr marL="0" marR="0" indent="0" algn="l" defTabSz="457200" rtl="0" eaLnBrk="1" fontAlgn="auto" latinLnBrk="0" hangingPunct="1">
+              <a:lnSpc>
+                <a:spcPct val="100000"/>
+              </a:lnSpc>
+              <a:spcBef>
+                <a:spcPts val="0"/>
+              </a:spcBef>
+              <a:spcAft>
+                <a:spcPts val="0"/>
+              </a:spcAft>
+              <a:buClrTx/>
+              <a:buSzTx/>
+              <a:buFontTx/>
+              <a:buNone/>
+              <a:tabLst/>
+              <a:defRPr/>
+            </a:pPr>
+            <a:r>
+              <a:rPr lang="en-US" baseline="0" dirty="0" err="1" smtClean="0"/>
+              <a:t>Bocoup</a:t>
+            </a:r>
+            <a:r>
+              <a:rPr lang="en-US" baseline="0" dirty="0" smtClean="0"/>
+              <a:t> built IRC bot for logging/stats</a:t>
+            </a:r>
+          </a:p>
+          <a:p>
+            <a:pPr marL="0" marR="0" indent="0" algn="l" defTabSz="457200" rtl="0" eaLnBrk="1" fontAlgn="auto" latinLnBrk="0" hangingPunct="1">
+              <a:lnSpc>
+                <a:spcPct val="100000"/>
+              </a:lnSpc>
+              <a:spcBef>
+                <a:spcPts val="0"/>
+              </a:spcBef>
+              <a:spcAft>
+                <a:spcPts val="0"/>
+              </a:spcAft>
+              <a:buClrTx/>
+              <a:buSzTx/>
+              <a:buFontTx/>
+              <a:buNone/>
+              <a:tabLst/>
+              <a:defRPr/>
+            </a:pPr>
+            <a:r>
+              <a:rPr lang="en-US" baseline="0" dirty="0" err="1" smtClean="0"/>
+              <a:t>Proxlet’s</a:t>
+            </a:r>
+            <a:r>
+              <a:rPr lang="en-US" baseline="0" dirty="0" smtClean="0"/>
+              <a:t> plugin uses node as the proxy</a:t>
+            </a:r>
+          </a:p>
+          <a:p>
+            <a:pPr marL="0" marR="0" indent="0" algn="l" defTabSz="457200" rtl="0" eaLnBrk="1" fontAlgn="auto" latinLnBrk="0" hangingPunct="1">
+              <a:lnSpc>
+                <a:spcPct val="100000"/>
+              </a:lnSpc>
+              <a:spcBef>
+                <a:spcPts val="0"/>
+              </a:spcBef>
+              <a:spcAft>
+                <a:spcPts val="0"/>
+              </a:spcAft>
+              <a:buClrTx/>
+              <a:buSzTx/>
+              <a:buFontTx/>
+              <a:buNone/>
+              <a:tabLst/>
+              <a:defRPr/>
+            </a:pPr>
+            <a:r>
+              <a:rPr lang="en-US" baseline="0" dirty="0" smtClean="0"/>
+              <a:t>Yammer uses node as a proxy for it’s API</a:t>
+            </a:r>
+          </a:p>
+          <a:p>
+            <a:pPr marL="0" marR="0" indent="0" algn="l" defTabSz="457200" rtl="0" eaLnBrk="1" fontAlgn="auto" latinLnBrk="0" hangingPunct="1">
+              <a:lnSpc>
+                <a:spcPct val="100000"/>
+              </a:lnSpc>
+              <a:spcBef>
+                <a:spcPts val="0"/>
+              </a:spcBef>
+              <a:spcAft>
+                <a:spcPts val="0"/>
+              </a:spcAft>
+              <a:buClrTx/>
+              <a:buSzTx/>
+              <a:buFontTx/>
+              <a:buNone/>
+              <a:tabLst/>
+              <a:defRPr/>
+            </a:pPr>
+            <a:r>
+              <a:rPr lang="en-US" baseline="0" dirty="0" smtClean="0"/>
+              <a:t>Worth mentioning that MS is working with </a:t>
+            </a:r>
+            <a:r>
+              <a:rPr lang="en-US" baseline="0" dirty="0" err="1" smtClean="0"/>
+              <a:t>Joyent</a:t>
+            </a:r>
+            <a:r>
+              <a:rPr lang="en-US" baseline="0" dirty="0" smtClean="0"/>
+              <a:t> on the win port of node/</a:t>
+            </a:r>
+            <a:r>
+              <a:rPr lang="en-US" baseline="0" dirty="0" err="1" smtClean="0"/>
+              <a:t>libuv</a:t>
+            </a:r>
+            <a:endParaRPr lang="en-US" baseline="0" dirty="0" smtClean="0"/>
+          </a:p>
+          <a:p>
+            <a:pPr marL="0" marR="0" indent="0" algn="l" defTabSz="457200" rtl="0" eaLnBrk="1" fontAlgn="auto" latinLnBrk="0" hangingPunct="1">
+              <a:lnSpc>
+                <a:spcPct val="100000"/>
+              </a:lnSpc>
+              <a:spcBef>
+                <a:spcPts val="0"/>
+              </a:spcBef>
+              <a:spcAft>
+                <a:spcPts val="0"/>
+              </a:spcAft>
+              <a:buClrTx/>
+              <a:buSzTx/>
+              <a:buFontTx/>
+              <a:buNone/>
+              <a:tabLst/>
+              <a:defRPr/>
+            </a:pPr>
+            <a:r>
+              <a:rPr lang="en-US" baseline="0" dirty="0" smtClean="0"/>
+              <a:t>LinkedIn uses node for the mobile server side stack</a:t>
+            </a:r>
+          </a:p>
+          <a:p>
+            <a:pPr marL="0" marR="0" indent="0" algn="l" defTabSz="457200" rtl="0" eaLnBrk="1" fontAlgn="auto" latinLnBrk="0" hangingPunct="1">
+              <a:lnSpc>
+                <a:spcPct val="100000"/>
+              </a:lnSpc>
+              <a:spcBef>
+                <a:spcPts val="0"/>
+              </a:spcBef>
+              <a:spcAft>
+                <a:spcPts val="0"/>
+              </a:spcAft>
+              <a:buClrTx/>
+              <a:buSzTx/>
+              <a:buFontTx/>
+              <a:buNone/>
+              <a:tabLst/>
+              <a:defRPr/>
+            </a:pPr>
+            <a:endParaRPr lang="en-US" baseline="0" dirty="0" smtClean="0"/>
+          </a:p>
+          <a:p>
+            <a:pPr marL="0" marR="0" indent="0" algn="l" defTabSz="457200" rtl="0" eaLnBrk="1" fontAlgn="auto" latinLnBrk="0" hangingPunct="1">
+              <a:lnSpc>
+                <a:spcPct val="100000"/>
+              </a:lnSpc>
+              <a:spcBef>
+                <a:spcPts val="0"/>
+              </a:spcBef>
+              <a:spcAft>
+                <a:spcPts val="0"/>
+              </a:spcAft>
+              <a:buClrTx/>
+              <a:buSzTx/>
+              <a:buFontTx/>
+              <a:buNone/>
+              <a:tabLst/>
+              <a:defRPr/>
+            </a:pPr>
+            <a:endParaRPr lang="en-US" baseline="0" dirty="0" smtClean="0"/>
+          </a:p>
+        </p:txBody>
+      </p:sp>
+      <p:sp>
+        <p:nvSpPr>
+          <p:cNvPr id="4" name="Slide Number Placeholder 3"/>
+          <p:cNvSpPr>
+            <a:spLocks noGrp="1"/>
+          </p:cNvSpPr>
+          <p:nvPr>
+            <p:ph type="sldNum" sz="quarter" idx="10"/>
+          </p:nvPr>
+        </p:nvSpPr>
+        <p:spPr/>
+        <p:txBody>
+          <a:bodyPr/>
+          <a:lstStyle/>
+          <a:p>
+            <a:fld id="{D633CFC9-9EA6-1241-A510-5FCAF76A6332}" type="slidenum">
+              <a:rPr lang="en-US" smtClean="0"/>
+              <a:t>24</a:t>
+            </a:fld>
+            <a:endParaRPr lang="en-US"/>
+          </a:p>
+        </p:txBody>
+      </p:sp>
+    </p:spTree>
+    <p:extLst>
+      <p:ext uri="{BB962C8B-B14F-4D97-AF65-F5344CB8AC3E}">
+        <p14:creationId xmlns:p14="http://schemas.microsoft.com/office/powerpoint/2010/main" val="1890685000"/>
+      </p:ext>
+    </p:extLst>
+  </p:cSld>
+  <p:clrMapOvr>
+    <a:masterClrMapping/>
+  </p:clrMapOvr>
+</p:notes>
+</file>
+
+<file path=ppt/notesSlides/notesSlide25.xml><?xml version="1.0" encoding="utf-8"?>
+<p:notes xmlns:a="http://schemas.openxmlformats.org/drawingml/2006/main" xmlns:r="http://schemas.openxmlformats.org/officeDocument/2006/relationships" xmlns:p="http://schemas.openxmlformats.org/presentationml/2006/main">
+  <p:cSld>
+    <p:spTree>
+      <p:nvGrpSpPr>
+        <p:cNvPr id="1" name=""/>
+        <p:cNvGrpSpPr/>
+        <p:nvPr/>
+      </p:nvGrpSpPr>
+      <p:grpSpPr>
+        <a:xfrm>
+          <a:off x="0" y="0"/>
+          <a:ext cx="0" cy="0"/>
+          <a:chOff x="0" y="0"/>
+          <a:chExt cx="0" cy="0"/>
+        </a:xfrm>
+      </p:grpSpPr>
+      <p:sp>
+        <p:nvSpPr>
+          <p:cNvPr id="2" name="Slide Image Placeholder 1"/>
+          <p:cNvSpPr>
+            <a:spLocks noGrp="1" noRot="1" noChangeAspect="1"/>
+          </p:cNvSpPr>
+          <p:nvPr>
+            <p:ph type="sldImg"/>
+          </p:nvPr>
+        </p:nvSpPr>
+        <p:spPr/>
+      </p:sp>
+      <p:sp>
+        <p:nvSpPr>
+          <p:cNvPr id="3" name="Notes Placeholder 2"/>
+          <p:cNvSpPr>
+            <a:spLocks noGrp="1"/>
+          </p:cNvSpPr>
+          <p:nvPr>
+            <p:ph type="body" idx="1"/>
+          </p:nvPr>
+        </p:nvSpPr>
+        <p:spPr/>
+        <p:txBody>
+          <a:bodyPr/>
+          <a:lstStyle/>
+          <a:p>
+            <a:r>
+              <a:rPr lang="en-US" dirty="0" smtClean="0"/>
+              <a:t>READ CODE READ CODE READ CODE</a:t>
+            </a:r>
+          </a:p>
+          <a:p>
+            <a:r>
+              <a:rPr lang="en-US" dirty="0" smtClean="0"/>
+              <a:t>Tim</a:t>
+            </a:r>
+            <a:r>
+              <a:rPr lang="en-US" baseline="0" dirty="0" smtClean="0"/>
+              <a:t> Caswell will melt your brain in a good way</a:t>
+            </a:r>
+            <a:endParaRPr lang="en-US" dirty="0"/>
+          </a:p>
+        </p:txBody>
+      </p:sp>
+      <p:sp>
+        <p:nvSpPr>
+          <p:cNvPr id="4" name="Slide Number Placeholder 3"/>
+          <p:cNvSpPr>
+            <a:spLocks noGrp="1"/>
+          </p:cNvSpPr>
+          <p:nvPr>
+            <p:ph type="sldNum" sz="quarter" idx="10"/>
+          </p:nvPr>
+        </p:nvSpPr>
+        <p:spPr/>
+        <p:txBody>
+          <a:bodyPr/>
+          <a:lstStyle/>
+          <a:p>
+            <a:fld id="{D633CFC9-9EA6-1241-A510-5FCAF76A6332}" type="slidenum">
+              <a:rPr lang="en-US" smtClean="0"/>
+              <a:t>25</a:t>
+            </a:fld>
+            <a:endParaRPr lang="en-US"/>
+          </a:p>
+        </p:txBody>
+      </p:sp>
+    </p:spTree>
+    <p:extLst>
+      <p:ext uri="{BB962C8B-B14F-4D97-AF65-F5344CB8AC3E}">
+        <p14:creationId xmlns:p14="http://schemas.microsoft.com/office/powerpoint/2010/main" val="30431674"/>
+      </p:ext>
+    </p:extLst>
+  </p:cSld>
+  <p:clrMapOvr>
+    <a:masterClrMapping/>
+  </p:clrMapOvr>
+</p:notes>
+</file>
+
+<file path=ppt/notesSlides/notesSlide26.xml><?xml version="1.0" encoding="utf-8"?>
+<p:notes xmlns:a="http://schemas.openxmlformats.org/drawingml/2006/main" xmlns:r="http://schemas.openxmlformats.org/officeDocument/2006/relationships" xmlns:p="http://schemas.openxmlformats.org/presentationml/2006/main">
+  <p:cSld>
+    <p:spTree>
+      <p:nvGrpSpPr>
+        <p:cNvPr id="1" name=""/>
+        <p:cNvGrpSpPr/>
+        <p:nvPr/>
+      </p:nvGrpSpPr>
+      <p:grpSpPr>
+        <a:xfrm>
+          <a:off x="0" y="0"/>
+          <a:ext cx="0" cy="0"/>
+          <a:chOff x="0" y="0"/>
+          <a:chExt cx="0" cy="0"/>
+        </a:xfrm>
+      </p:grpSpPr>
+      <p:sp>
+        <p:nvSpPr>
+          <p:cNvPr id="2" name="Slide Image Placeholder 1"/>
+          <p:cNvSpPr>
+            <a:spLocks noGrp="1" noRot="1" noChangeAspect="1"/>
+          </p:cNvSpPr>
+          <p:nvPr>
+            <p:ph type="sldImg"/>
+          </p:nvPr>
+        </p:nvSpPr>
+        <p:spPr/>
+      </p:sp>
+      <p:sp>
+        <p:nvSpPr>
+          <p:cNvPr id="3" name="Notes Placeholder 2"/>
+          <p:cNvSpPr>
+            <a:spLocks noGrp="1"/>
+          </p:cNvSpPr>
+          <p:nvPr>
+            <p:ph type="body" idx="1"/>
+          </p:nvPr>
+        </p:nvSpPr>
+        <p:spPr/>
+        <p:txBody>
+          <a:bodyPr/>
+          <a:lstStyle/>
+          <a:p>
+            <a:endParaRPr lang="en-US"/>
+          </a:p>
+        </p:txBody>
+      </p:sp>
+      <p:sp>
+        <p:nvSpPr>
+          <p:cNvPr id="4" name="Slide Number Placeholder 3"/>
+          <p:cNvSpPr>
+            <a:spLocks noGrp="1"/>
+          </p:cNvSpPr>
+          <p:nvPr>
+            <p:ph type="sldNum" sz="quarter" idx="10"/>
+          </p:nvPr>
+        </p:nvSpPr>
+        <p:spPr/>
+        <p:txBody>
+          <a:bodyPr/>
+          <a:lstStyle/>
+          <a:p>
+            <a:fld id="{D633CFC9-9EA6-1241-A510-5FCAF76A6332}" type="slidenum">
+              <a:rPr lang="en-US" smtClean="0"/>
+              <a:t>26</a:t>
+            </a:fld>
+            <a:endParaRPr lang="en-US"/>
+          </a:p>
+        </p:txBody>
+      </p:sp>
+    </p:spTree>
+    <p:extLst>
+      <p:ext uri="{BB962C8B-B14F-4D97-AF65-F5344CB8AC3E}">
+        <p14:creationId xmlns:p14="http://schemas.microsoft.com/office/powerpoint/2010/main" val="1653451184"/>
       </p:ext>
     </p:extLst>
   </p:cSld>
@@ -2029,22 +2735,63 @@
           <a:lstStyle/>
           <a:p>
             <a:r>
-              <a:rPr lang="en-US" dirty="0" smtClean="0"/>
-              <a:t>Maybe explain that Ryan</a:t>
-            </a:r>
-            <a:r>
-              <a:rPr lang="en-US" baseline="0" dirty="0" smtClean="0"/>
-              <a:t> originally looked at </a:t>
-            </a:r>
-            <a:r>
-              <a:rPr lang="en-US" baseline="0" dirty="0" err="1" smtClean="0"/>
-              <a:t>Lua</a:t>
-            </a:r>
-            <a:r>
-              <a:rPr lang="en-US" baseline="0" dirty="0" smtClean="0"/>
-              <a:t>….but blocking libs made it an issue.  This is a complaint leveled at Twisted as well….blocking python libs</a:t>
-            </a:r>
-            <a:endParaRPr lang="en-US" dirty="0"/>
+              <a:rPr lang="en-US" sz="1200" kern="1200" dirty="0" smtClean="0">
+                <a:solidFill>
+                  <a:schemeClr val="tx1"/>
+                </a:solidFill>
+                <a:latin typeface="+mn-lt"/>
+                <a:ea typeface="+mn-ea"/>
+                <a:cs typeface="+mn-cs"/>
+              </a:rPr>
+              <a:t>"We're taught to demand input and do nothing until we have it” (Ryan)</a:t>
+            </a:r>
+          </a:p>
+          <a:p>
+            <a:r>
+              <a:rPr lang="en-US" sz="1200" kern="1200" dirty="0" smtClean="0">
+                <a:solidFill>
+                  <a:schemeClr val="tx1"/>
+                </a:solidFill>
+                <a:latin typeface="+mn-lt"/>
+                <a:ea typeface="+mn-ea"/>
+                <a:cs typeface="+mn-cs"/>
+              </a:rPr>
+              <a:t>“I’m not afraid</a:t>
+            </a:r>
+            <a:r>
+              <a:rPr lang="en-US" sz="1200" kern="1200" baseline="0" dirty="0" smtClean="0">
+                <a:solidFill>
+                  <a:schemeClr val="tx1"/>
+                </a:solidFill>
+                <a:latin typeface="+mn-lt"/>
+                <a:ea typeface="+mn-ea"/>
+                <a:cs typeface="+mn-cs"/>
+              </a:rPr>
+              <a:t> of threads”…since when is debugging thread bugs easy?</a:t>
+            </a:r>
+          </a:p>
+          <a:p>
+            <a:r>
+              <a:rPr lang="en-US" sz="1200" kern="1200" baseline="0" dirty="0" smtClean="0">
+                <a:solidFill>
+                  <a:schemeClr val="tx1"/>
+                </a:solidFill>
+                <a:latin typeface="+mn-lt"/>
+                <a:ea typeface="+mn-ea"/>
+                <a:cs typeface="+mn-cs"/>
+              </a:rPr>
+              <a:t>KNOW when your code is going to yield</a:t>
+            </a:r>
+          </a:p>
+          <a:p>
+            <a:endParaRPr lang="en-US" sz="1200" kern="1200" baseline="0" dirty="0" smtClean="0">
+              <a:solidFill>
+                <a:schemeClr val="tx1"/>
+              </a:solidFill>
+              <a:latin typeface="+mn-lt"/>
+              <a:ea typeface="+mn-ea"/>
+              <a:cs typeface="+mn-cs"/>
+            </a:endParaRPr>
           </a:p>
         </p:txBody>
       </p:sp>
@@ -2065,7 +2812,7 @@
           <a:p>
             <a:fld id="{D633CFC9-9EA6-1241-A510-5FCAF76A6332}" type="slidenum">
               <a:rPr lang="en-US" smtClean="0"/>
-              <a:t>4</a:t>
+              <a:t>3</a:t>
             </a:fld>
             <a:endParaRPr lang="en-US"/>
           </a:p>
@@ -2074,7 +2821,7 @@
     </p:spTree>
     <p:extLst>
       <p:ext uri="{BB962C8B-B14F-4D97-AF65-F5344CB8AC3E}">
-        <p14:creationId xmlns:p14="http://schemas.microsoft.com/office/powerpoint/2010/main" val="4088091038"/>
+        <p14:creationId xmlns:p14="http://schemas.microsoft.com/office/powerpoint/2010/main" val="1220171817"/>
       </p:ext>
     </p:extLst>
   </p:cSld>
@@ -2130,27 +2877,19 @@
           <a:p>
             <a:r>
               <a:rPr lang="en-US" dirty="0" smtClean="0"/>
-              <a:t>Explain</a:t>
+              <a:t>Maybe explain that Ryan</a:t>
             </a:r>
             <a:r>
               <a:rPr lang="en-US" baseline="0" dirty="0" smtClean="0"/>
-              <a:t> callback is </a:t>
+              <a:t> originally looked at </a:t>
             </a:r>
             <a:r>
               <a:rPr lang="en-US" baseline="0" dirty="0" err="1" smtClean="0"/>
-              <a:t>enqueued</a:t>
+              <a:t>Lua</a:t>
             </a:r>
             <a:r>
               <a:rPr lang="en-US" baseline="0" dirty="0" smtClean="0"/>
-              <a:t>/</a:t>
-            </a:r>
-            <a:r>
-              <a:rPr lang="en-US" baseline="0" dirty="0" err="1" smtClean="0"/>
-              <a:t>dequeued</a:t>
-            </a:r>
-            <a:r>
-              <a:rPr lang="en-US" baseline="0" dirty="0" smtClean="0"/>
-              <a:t> immediately on event loop.</a:t>
+              <a:t>….but blocking libs made it an issue.  This is a complaint leveled at Twisted as well….blocking python libs</a:t>
             </a:r>
             <a:endParaRPr lang="en-US" dirty="0"/>
           </a:p>
@@ -2173,7 +2912,7 @@
           <a:p>
             <a:fld id="{D633CFC9-9EA6-1241-A510-5FCAF76A6332}" type="slidenum">
               <a:rPr lang="en-US" smtClean="0"/>
-              <a:t>8</a:t>
+              <a:t>4</a:t>
             </a:fld>
             <a:endParaRPr lang="en-US"/>
           </a:p>
@@ -2182,7 +2921,7 @@
     </p:spTree>
     <p:extLst>
       <p:ext uri="{BB962C8B-B14F-4D97-AF65-F5344CB8AC3E}">
-        <p14:creationId xmlns:p14="http://schemas.microsoft.com/office/powerpoint/2010/main" val="1240346247"/>
+        <p14:creationId xmlns:p14="http://schemas.microsoft.com/office/powerpoint/2010/main" val="4088091038"/>
       </p:ext>
     </p:extLst>
   </p:cSld>
@@ -2236,23 +2975,7 @@
           <a:bodyPr/>
           <a:lstStyle/>
           <a:p>
-            <a:r>
-              <a:rPr lang="en-US" dirty="0" smtClean="0"/>
-              <a:t>Node standard</a:t>
-            </a:r>
-            <a:r>
-              <a:rPr lang="en-US" baseline="0" dirty="0" smtClean="0"/>
-              <a:t> lib includes things like net, http, </a:t>
-            </a:r>
-            <a:r>
-              <a:rPr lang="en-US" baseline="0" dirty="0" err="1" smtClean="0"/>
-              <a:t>querystring</a:t>
-            </a:r>
-            <a:r>
-              <a:rPr lang="en-US" baseline="0" dirty="0" smtClean="0"/>
-              <a:t>, events, child process, etc.</a:t>
-            </a:r>
-            <a:endParaRPr lang="en-US" dirty="0"/>
+            <a:endParaRPr lang="en-US"/>
           </a:p>
         </p:txBody>
       </p:sp>
@@ -2273,7 +2996,7 @@
           <a:p>
             <a:fld id="{D633CFC9-9EA6-1241-A510-5FCAF76A6332}" type="slidenum">
               <a:rPr lang="en-US" smtClean="0"/>
-              <a:t>9</a:t>
+              <a:t>5</a:t>
             </a:fld>
             <a:endParaRPr lang="en-US"/>
           </a:p>
@@ -2282,7 +3005,7 @@
     </p:spTree>
     <p:extLst>
       <p:ext uri="{BB962C8B-B14F-4D97-AF65-F5344CB8AC3E}">
-        <p14:creationId xmlns:p14="http://schemas.microsoft.com/office/powerpoint/2010/main" val="3435753256"/>
+        <p14:creationId xmlns:p14="http://schemas.microsoft.com/office/powerpoint/2010/main" val="3930022302"/>
       </p:ext>
     </p:extLst>
   </p:cSld>
@@ -2336,44 +3059,7 @@
           <a:bodyPr/>
           <a:lstStyle/>
           <a:p>
-            <a:r>
-              <a:rPr lang="en-US" dirty="0" smtClean="0"/>
-              <a:t>Those worry</a:t>
-            </a:r>
-            <a:r>
-              <a:rPr lang="en-US" baseline="0" dirty="0" smtClean="0"/>
-              <a:t> moments are more about changing the way we think.  We’ve been taught programming through a synchronous lens.</a:t>
-            </a:r>
-          </a:p>
-          <a:p>
-            <a:pPr marL="0" marR="0" indent="0" algn="l" defTabSz="457200" rtl="0" eaLnBrk="1" fontAlgn="auto" latinLnBrk="0" hangingPunct="1">
-              <a:lnSpc>
-                <a:spcPct val="100000"/>
-              </a:lnSpc>
-              <a:spcBef>
-                <a:spcPts val="0"/>
-              </a:spcBef>
-              <a:spcAft>
-                <a:spcPts val="0"/>
-              </a:spcAft>
-              <a:buClrTx/>
-              <a:buSzTx/>
-              <a:buFontTx/>
-              <a:buNone/>
-              <a:tabLst/>
-              <a:defRPr/>
-            </a:pPr>
-            <a:r>
-              <a:rPr lang="en-US" sz="1200" kern="1200" dirty="0" smtClean="0">
-                <a:solidFill>
-                  <a:schemeClr val="tx1"/>
-                </a:solidFill>
-                <a:latin typeface="+mn-lt"/>
-                <a:ea typeface="+mn-ea"/>
-                <a:cs typeface="+mn-cs"/>
-              </a:rPr>
-              <a:t>"We're taught to demand input and do nothing until we have it” (Ryan)</a:t>
-            </a:r>
+            <a:endParaRPr lang="en-US"/>
           </a:p>
         </p:txBody>
       </p:sp>
@@ -2394,7 +3080,7 @@
           <a:p>
             <a:fld id="{D633CFC9-9EA6-1241-A510-5FCAF76A6332}" type="slidenum">
               <a:rPr lang="en-US" smtClean="0"/>
-              <a:t>10</a:t>
+              <a:t>6</a:t>
             </a:fld>
             <a:endParaRPr lang="en-US"/>
           </a:p>
@@ -2403,7 +3089,7 @@
     </p:spTree>
     <p:extLst>
       <p:ext uri="{BB962C8B-B14F-4D97-AF65-F5344CB8AC3E}">
-        <p14:creationId xmlns:p14="http://schemas.microsoft.com/office/powerpoint/2010/main" val="3320040173"/>
+        <p14:creationId xmlns:p14="http://schemas.microsoft.com/office/powerpoint/2010/main" val="563641797"/>
       </p:ext>
     </p:extLst>
   </p:cSld>
@@ -2457,37 +3143,7 @@
           <a:bodyPr/>
           <a:lstStyle/>
           <a:p>
-            <a:r>
-              <a:rPr lang="en-US" dirty="0" smtClean="0"/>
-              <a:t>If an event loop behaves</a:t>
-            </a:r>
-            <a:r>
-              <a:rPr lang="en-US" baseline="0" dirty="0" smtClean="0"/>
-              <a:t> badly, it’s really a developer issue.</a:t>
-            </a:r>
-          </a:p>
-          <a:p>
-            <a:r>
-              <a:rPr lang="en-US" baseline="0" dirty="0" smtClean="0"/>
-              <a:t>Ex. – </a:t>
-            </a:r>
-            <a:r>
-              <a:rPr lang="en-US" baseline="0" dirty="0" err="1" smtClean="0"/>
-              <a:t>winforms</a:t>
-            </a:r>
-            <a:r>
-              <a:rPr lang="en-US" baseline="0" dirty="0" smtClean="0"/>
-              <a:t> or WPF UI w/long running operation….or web page with sync </a:t>
-            </a:r>
-            <a:r>
-              <a:rPr lang="en-US" baseline="0" dirty="0" err="1" smtClean="0"/>
-              <a:t>ajax</a:t>
-            </a:r>
-            <a:r>
-              <a:rPr lang="en-US" baseline="0" dirty="0" smtClean="0"/>
-              <a:t> call….</a:t>
-            </a:r>
-            <a:endParaRPr lang="en-US" dirty="0"/>
+            <a:endParaRPr lang="en-US"/>
           </a:p>
         </p:txBody>
       </p:sp>
@@ -2508,7 +3164,7 @@
           <a:p>
             <a:fld id="{D633CFC9-9EA6-1241-A510-5FCAF76A6332}" type="slidenum">
               <a:rPr lang="en-US" smtClean="0"/>
-              <a:t>12</a:t>
+              <a:t>7</a:t>
             </a:fld>
             <a:endParaRPr lang="en-US"/>
           </a:p>
@@ -2517,7 +3173,7 @@
     </p:spTree>
     <p:extLst>
       <p:ext uri="{BB962C8B-B14F-4D97-AF65-F5344CB8AC3E}">
-        <p14:creationId xmlns:p14="http://schemas.microsoft.com/office/powerpoint/2010/main" val="2771658809"/>
+        <p14:creationId xmlns:p14="http://schemas.microsoft.com/office/powerpoint/2010/main" val="2569358900"/>
       </p:ext>
     </p:extLst>
   </p:cSld>
@@ -2573,20 +3229,27 @@
           <a:p>
             <a:r>
               <a:rPr lang="en-US" dirty="0" smtClean="0"/>
-              <a:t>Client</a:t>
+              <a:t>Explain</a:t>
             </a:r>
             <a:r>
               <a:rPr lang="en-US" baseline="0" dirty="0" smtClean="0"/>
-              <a:t> A, the SYNCHRONOUS LOOP HOG</a:t>
-            </a:r>
-          </a:p>
-          <a:p>
-            <a:endParaRPr lang="en-US" baseline="0" dirty="0" smtClean="0"/>
-          </a:p>
-          <a:p>
+              <a:t> callback is </a:t>
+            </a:r>
+            <a:r>
+              <a:rPr lang="en-US" baseline="0" dirty="0" err="1" smtClean="0"/>
+              <a:t>enqueued</a:t>
+            </a:r>
             <a:r>
               <a:rPr lang="en-US" baseline="0" dirty="0" smtClean="0"/>
-              <a:t>So the deal is – you have to worry if you do something stupid…</a:t>
+              <a:t>/</a:t>
+            </a:r>
+            <a:r>
+              <a:rPr lang="en-US" baseline="0" dirty="0" err="1" smtClean="0"/>
+              <a:t>dequeued</a:t>
+            </a:r>
+            <a:r>
+              <a:rPr lang="en-US" baseline="0" dirty="0" smtClean="0"/>
+              <a:t> immediately on event loop.</a:t>
             </a:r>
             <a:endParaRPr lang="en-US" dirty="0"/>
           </a:p>
@@ -2609,7 +3272,7 @@
           <a:p>
             <a:fld id="{D633CFC9-9EA6-1241-A510-5FCAF76A6332}" type="slidenum">
               <a:rPr lang="en-US" smtClean="0"/>
-              <a:t>13</a:t>
+              <a:t>8</a:t>
             </a:fld>
             <a:endParaRPr lang="en-US"/>
           </a:p>
@@ -2618,7 +3281,7 @@
     </p:spTree>
     <p:extLst>
       <p:ext uri="{BB962C8B-B14F-4D97-AF65-F5344CB8AC3E}">
-        <p14:creationId xmlns:p14="http://schemas.microsoft.com/office/powerpoint/2010/main" val="3252182806"/>
+        <p14:creationId xmlns:p14="http://schemas.microsoft.com/office/powerpoint/2010/main" val="1240346247"/>
       </p:ext>
     </p:extLst>
   </p:cSld>
@@ -2674,11 +3337,19 @@
           <a:p>
             <a:r>
               <a:rPr lang="en-US" dirty="0" smtClean="0"/>
-              <a:t>This is Node!</a:t>
+              <a:t>Node standard</a:t>
             </a:r>
             <a:r>
               <a:rPr lang="en-US" baseline="0" dirty="0" smtClean="0"/>
-              <a:t>  If you’re I/O bound, it’s the sweet spot.  It’s not where you need to be running intensive spatial calculations, crawling huge graphs, etc.</a:t>
+              <a:t> lib includes things like net, http, </a:t>
+            </a:r>
+            <a:r>
+              <a:rPr lang="en-US" baseline="0" dirty="0" err="1" smtClean="0"/>
+              <a:t>querystring</a:t>
+            </a:r>
+            <a:r>
+              <a:rPr lang="en-US" baseline="0" dirty="0" smtClean="0"/>
+              <a:t>, events, child process, etc.</a:t>
             </a:r>
             <a:endParaRPr lang="en-US" dirty="0"/>
           </a:p>
@@ -2701,7 +3372,7 @@
           <a:p>
             <a:fld id="{D633CFC9-9EA6-1241-A510-5FCAF76A6332}" type="slidenum">
               <a:rPr lang="en-US" smtClean="0"/>
-              <a:t>14</a:t>
+              <a:t>9</a:t>
             </a:fld>
             <a:endParaRPr lang="en-US"/>
           </a:p>
@@ -2710,7 +3381,7 @@
     </p:spTree>
     <p:extLst>
       <p:ext uri="{BB962C8B-B14F-4D97-AF65-F5344CB8AC3E}">
-        <p14:creationId xmlns:p14="http://schemas.microsoft.com/office/powerpoint/2010/main" val="3453378653"/>
+        <p14:creationId xmlns:p14="http://schemas.microsoft.com/office/powerpoint/2010/main" val="3435753256"/>
       </p:ext>
     </p:extLst>
   </p:cSld>
@@ -5865,14 +6536,6 @@
               </a:rPr>
               <a:t>ode.js</a:t>
             </a:r>
-            <a:r>
-              <a:rPr lang="en-US" sz="4800" dirty="0" smtClean="0">
-                <a:solidFill>
-                  <a:srgbClr val="FFFFFF"/>
-                </a:solidFill>
-              </a:rPr>
-              <a:t/>
-            </a:r>
             <a:br>
               <a:rPr lang="en-US" sz="4800" dirty="0" smtClean="0">
                 <a:solidFill>
@@ -5900,13 +6563,13 @@
         </p:nvSpPr>
         <p:spPr>
           <a:xfrm>
-            <a:off x="599859" y="4304656"/>
-            <a:ext cx="6461760" cy="1066800"/>
+            <a:off x="599859" y="3981603"/>
+            <a:ext cx="6461760" cy="1389853"/>
           </a:xfrm>
         </p:spPr>
         <p:txBody>
           <a:bodyPr>
-            <a:normAutofit fontScale="77500" lnSpcReduction="20000"/>
+            <a:normAutofit fontScale="85000" lnSpcReduction="20000"/>
           </a:bodyPr>
           <a:lstStyle/>
           <a:p>
@@ -5927,6 +6590,16 @@
                 </a:solidFill>
               </a:rPr>
               <a:t>Blog:	http://www.ifandelse.com</a:t>
+            </a:r>
+          </a:p>
+          <a:p>
+            <a:r>
+              <a:rPr lang="en-US" dirty="0" smtClean="0">
+                <a:solidFill>
+                  <a:srgbClr val="FFFFFF"/>
+                </a:solidFill>
+              </a:rPr>
+              <a:t>Github:	http://github.com/ifandelse</a:t>
             </a:r>
           </a:p>
           <a:p>
@@ -6173,15 +6846,7 @@
                   <a:srgbClr val="242852"/>
                 </a:solidFill>
               </a:rPr>
-              <a:t>Well – I lied.  There are moments you need to </a:t>
-            </a:r>
-            <a:r>
-              <a:rPr lang="en-US" dirty="0" smtClean="0">
-                <a:solidFill>
-                  <a:srgbClr val="242852"/>
-                </a:solidFill>
-              </a:rPr>
-              <a:t>worry – but </a:t>
+              <a:t>Well – I lied.  There are moments you need to worry – but </a:t>
             </a:r>
             <a:r>
               <a:rPr lang="en-US" b="1" i="1" dirty="0" smtClean="0">
@@ -6191,11 +6856,6 @@
               </a:rPr>
               <a:t>they’re entirely up to you</a:t>
             </a:r>
-            <a:endParaRPr lang="en-US" b="1" i="1" dirty="0" smtClean="0">
-              <a:solidFill>
-                <a:srgbClr val="242852"/>
-              </a:solidFill>
-            </a:endParaRPr>
           </a:p>
         </p:txBody>
       </p:sp>
@@ -7452,7 +8112,7 @@
                             </p:stCondLst>
                             <p:childTnLst>
                               <p:par>
-                                <p:cTn id="13" presetID="9" presetClass="entr" presetSubtype="0" fill="hold" grpId="0" nodeType="clickEffect">
+                                <p:cTn id="13" presetID="1" presetClass="entr" presetSubtype="0" fill="hold" grpId="0" nodeType="clickEffect">
                                   <p:stCondLst>
                                     <p:cond delay="0"/>
                                   </p:stCondLst>
@@ -7475,14 +8135,6 @@
                                         <p:strVal val="visible"/>
                                       </p:to>
                                     </p:set>
-                                    <p:animEffect transition="in" filter="dissolve">
-                                      <p:cBhvr>
-                                        <p:cTn id="15" dur="500"/>
-                                        <p:tgtEl>
-                                          <p:spTgt spid="15"/>
-                                        </p:tgtEl>
-                                      </p:cBhvr>
-                                    </p:animEffect>
                                   </p:childTnLst>
                                 </p:cTn>
                               </p:par>
@@ -7493,26 +8145,26 @@
                     </p:cTn>
                   </p:par>
                   <p:par>
-                    <p:cTn id="16" fill="hold">
+                    <p:cTn id="15" fill="hold">
                       <p:stCondLst>
                         <p:cond delay="indefinite"/>
                       </p:stCondLst>
                       <p:childTnLst>
                         <p:par>
-                          <p:cTn id="17" fill="hold">
+                          <p:cTn id="16" fill="hold">
                             <p:stCondLst>
                               <p:cond delay="0"/>
                             </p:stCondLst>
                             <p:childTnLst>
                               <p:par>
-                                <p:cTn id="18" presetID="2" presetClass="entr" presetSubtype="8" fill="hold" grpId="0" nodeType="clickEffect">
+                                <p:cTn id="17" presetID="2" presetClass="entr" presetSubtype="8" fill="hold" grpId="0" nodeType="clickEffect">
                                   <p:stCondLst>
                                     <p:cond delay="0"/>
                                   </p:stCondLst>
                                   <p:childTnLst>
                                     <p:set>
                                       <p:cBhvr>
-                                        <p:cTn id="19" dur="1" fill="hold">
+                                        <p:cTn id="18" dur="1" fill="hold">
                                           <p:stCondLst>
                                             <p:cond delay="0"/>
                                           </p:stCondLst>
@@ -7530,7 +8182,7 @@
                                     </p:set>
                                     <p:anim calcmode="lin" valueType="num">
                                       <p:cBhvr additive="base">
-                                        <p:cTn id="20" dur="500" fill="hold"/>
+                                        <p:cTn id="19" dur="500" fill="hold"/>
                                         <p:tgtEl>
                                           <p:spTgt spid="16"/>
                                         </p:tgtEl>
@@ -7553,7 +8205,7 @@
                                     </p:anim>
                                     <p:anim calcmode="lin" valueType="num">
                                       <p:cBhvr additive="base">
-                                        <p:cTn id="21" dur="500" fill="hold"/>
+                                        <p:cTn id="20" dur="500" fill="hold"/>
                                         <p:tgtEl>
                                           <p:spTgt spid="16"/>
                                         </p:tgtEl>
@@ -7578,14 +8230,14 @@
                                 </p:cTn>
                               </p:par>
                               <p:par>
-                                <p:cTn id="22" presetID="2" presetClass="entr" presetSubtype="8" fill="hold" nodeType="withEffect">
+                                <p:cTn id="21" presetID="2" presetClass="entr" presetSubtype="8" fill="hold" nodeType="withEffect">
                                   <p:stCondLst>
                                     <p:cond delay="0"/>
                                   </p:stCondLst>
                                   <p:childTnLst>
                                     <p:set>
                                       <p:cBhvr>
-                                        <p:cTn id="23" dur="1" fill="hold">
+                                        <p:cTn id="22" dur="1" fill="hold">
                                           <p:stCondLst>
                                             <p:cond delay="0"/>
                                           </p:stCondLst>
@@ -7603,7 +8255,7 @@
                                     </p:set>
                                     <p:anim calcmode="lin" valueType="num">
                                       <p:cBhvr additive="base">
-                                        <p:cTn id="24" dur="500" fill="hold"/>
+                                        <p:cTn id="23" dur="500" fill="hold"/>
                                         <p:tgtEl>
                                           <p:spTgt spid="17"/>
                                         </p:tgtEl>
@@ -7626,7 +8278,7 @@
                                     </p:anim>
                                     <p:anim calcmode="lin" valueType="num">
                                       <p:cBhvr additive="base">
-                                        <p:cTn id="25" dur="500" fill="hold"/>
+                                        <p:cTn id="24" dur="500" fill="hold"/>
                                         <p:tgtEl>
                                           <p:spTgt spid="17"/>
                                         </p:tgtEl>
@@ -7651,14 +8303,14 @@
                                 </p:cTn>
                               </p:par>
                               <p:par>
-                                <p:cTn id="26" presetID="2" presetClass="entr" presetSubtype="8" fill="hold" grpId="0" nodeType="withEffect">
+                                <p:cTn id="25" presetID="2" presetClass="entr" presetSubtype="8" fill="hold" grpId="0" nodeType="withEffect">
                                   <p:stCondLst>
                                     <p:cond delay="0"/>
                                   </p:stCondLst>
                                   <p:childTnLst>
                                     <p:set>
                                       <p:cBhvr>
-                                        <p:cTn id="27" dur="1" fill="hold">
+                                        <p:cTn id="26" dur="1" fill="hold">
                                           <p:stCondLst>
                                             <p:cond delay="0"/>
                                           </p:stCondLst>
@@ -7676,7 +8328,7 @@
                                     </p:set>
                                     <p:anim calcmode="lin" valueType="num">
                                       <p:cBhvr additive="base">
-                                        <p:cTn id="28" dur="500" fill="hold"/>
+                                        <p:cTn id="27" dur="500" fill="hold"/>
                                         <p:tgtEl>
                                           <p:spTgt spid="18"/>
                                         </p:tgtEl>
@@ -7699,7 +8351,7 @@
                                     </p:anim>
                                     <p:anim calcmode="lin" valueType="num">
                                       <p:cBhvr additive="base">
-                                        <p:cTn id="29" dur="500" fill="hold"/>
+                                        <p:cTn id="28" dur="500" fill="hold"/>
                                         <p:tgtEl>
                                           <p:spTgt spid="18"/>
                                         </p:tgtEl>
@@ -7730,26 +8382,26 @@
                     </p:cTn>
                   </p:par>
                   <p:par>
-                    <p:cTn id="30" fill="hold">
+                    <p:cTn id="29" fill="hold">
                       <p:stCondLst>
                         <p:cond delay="indefinite"/>
                       </p:stCondLst>
                       <p:childTnLst>
                         <p:par>
-                          <p:cTn id="31" fill="hold">
+                          <p:cTn id="30" fill="hold">
                             <p:stCondLst>
                               <p:cond delay="0"/>
                             </p:stCondLst>
                             <p:childTnLst>
                               <p:par>
-                                <p:cTn id="32" presetID="1" presetClass="entr" presetSubtype="0" fill="hold" grpId="0" nodeType="clickEffect">
+                                <p:cTn id="31" presetID="1" presetClass="entr" presetSubtype="0" fill="hold" grpId="0" nodeType="clickEffect">
                                   <p:stCondLst>
                                     <p:cond delay="0"/>
                                   </p:stCondLst>
                                   <p:childTnLst>
                                     <p:set>
                                       <p:cBhvr>
-                                        <p:cTn id="33" dur="1" fill="hold">
+                                        <p:cTn id="32" dur="1" fill="hold">
                                           <p:stCondLst>
                                             <p:cond delay="0"/>
                                           </p:stCondLst>
@@ -7769,14 +8421,14 @@
                                 </p:cTn>
                               </p:par>
                               <p:par>
-                                <p:cTn id="34" presetID="1" presetClass="entr" presetSubtype="0" fill="hold" nodeType="withEffect">
+                                <p:cTn id="33" presetID="1" presetClass="entr" presetSubtype="0" fill="hold" nodeType="withEffect">
                                   <p:stCondLst>
                                     <p:cond delay="0"/>
                                   </p:stCondLst>
                                   <p:childTnLst>
                                     <p:set>
                                       <p:cBhvr>
-                                        <p:cTn id="35" dur="1" fill="hold">
+                                        <p:cTn id="34" dur="1" fill="hold">
                                           <p:stCondLst>
                                             <p:cond delay="0"/>
                                           </p:stCondLst>
@@ -7796,14 +8448,14 @@
                                 </p:cTn>
                               </p:par>
                               <p:par>
-                                <p:cTn id="36" presetID="1" presetClass="entr" presetSubtype="0" fill="hold" grpId="0" nodeType="withEffect">
+                                <p:cTn id="35" presetID="1" presetClass="entr" presetSubtype="0" fill="hold" grpId="0" nodeType="withEffect">
                                   <p:stCondLst>
                                     <p:cond delay="0"/>
                                   </p:stCondLst>
                                   <p:childTnLst>
                                     <p:set>
                                       <p:cBhvr>
-                                        <p:cTn id="37" dur="1" fill="hold">
+                                        <p:cTn id="36" dur="1" fill="hold">
                                           <p:stCondLst>
                                             <p:cond delay="0"/>
                                           </p:stCondLst>
@@ -7829,26 +8481,26 @@
                     </p:cTn>
                   </p:par>
                   <p:par>
-                    <p:cTn id="38" fill="hold">
+                    <p:cTn id="37" fill="hold">
                       <p:stCondLst>
                         <p:cond delay="indefinite"/>
                       </p:stCondLst>
                       <p:childTnLst>
                         <p:par>
-                          <p:cTn id="39" fill="hold">
+                          <p:cTn id="38" fill="hold">
                             <p:stCondLst>
                               <p:cond delay="0"/>
                             </p:stCondLst>
                             <p:childTnLst>
                               <p:par>
-                                <p:cTn id="40" presetID="1" presetClass="exit" presetSubtype="0" fill="hold" grpId="1" nodeType="clickEffect">
+                                <p:cTn id="39" presetID="1" presetClass="exit" presetSubtype="0" fill="hold" grpId="1" nodeType="clickEffect">
                                   <p:stCondLst>
                                     <p:cond delay="0"/>
                                   </p:stCondLst>
                                   <p:childTnLst>
                                     <p:set>
                                       <p:cBhvr>
-                                        <p:cTn id="41" dur="1" fill="hold">
+                                        <p:cTn id="40" dur="1" fill="hold">
                                           <p:stCondLst>
                                             <p:cond delay="0"/>
                                           </p:stCondLst>
@@ -7874,26 +8526,26 @@
                     </p:cTn>
                   </p:par>
                   <p:par>
-                    <p:cTn id="42" fill="hold">
+                    <p:cTn id="41" fill="hold">
                       <p:stCondLst>
                         <p:cond delay="indefinite"/>
                       </p:stCondLst>
                       <p:childTnLst>
                         <p:par>
-                          <p:cTn id="43" fill="hold">
+                          <p:cTn id="42" fill="hold">
                             <p:stCondLst>
                               <p:cond delay="0"/>
                             </p:stCondLst>
                             <p:childTnLst>
                               <p:par>
-                                <p:cTn id="44" presetID="1" presetClass="entr" presetSubtype="0" fill="hold" grpId="0" nodeType="clickEffect">
+                                <p:cTn id="43" presetID="1" presetClass="entr" presetSubtype="0" fill="hold" grpId="0" nodeType="clickEffect">
                                   <p:stCondLst>
                                     <p:cond delay="0"/>
                                   </p:stCondLst>
                                   <p:childTnLst>
                                     <p:set>
                                       <p:cBhvr>
-                                        <p:cTn id="45" dur="1" fill="hold">
+                                        <p:cTn id="44" dur="1" fill="hold">
                                           <p:stCondLst>
                                             <p:cond delay="0"/>
                                           </p:stCondLst>
@@ -7919,26 +8571,26 @@
                     </p:cTn>
                   </p:par>
                   <p:par>
-                    <p:cTn id="46" fill="hold">
+                    <p:cTn id="45" fill="hold">
                       <p:stCondLst>
                         <p:cond delay="indefinite"/>
                       </p:stCondLst>
                       <p:childTnLst>
                         <p:par>
-                          <p:cTn id="47" fill="hold">
+                          <p:cTn id="46" fill="hold">
                             <p:stCondLst>
                               <p:cond delay="0"/>
                             </p:stCondLst>
                             <p:childTnLst>
                               <p:par>
-                                <p:cTn id="48" presetID="2" presetClass="entr" presetSubtype="8" fill="hold" grpId="0" nodeType="clickEffect">
+                                <p:cTn id="47" presetID="2" presetClass="entr" presetSubtype="8" fill="hold" grpId="0" nodeType="clickEffect">
                                   <p:stCondLst>
                                     <p:cond delay="0"/>
                                   </p:stCondLst>
                                   <p:childTnLst>
                                     <p:set>
                                       <p:cBhvr>
-                                        <p:cTn id="49" dur="1" fill="hold">
+                                        <p:cTn id="48" dur="1" fill="hold">
                                           <p:stCondLst>
                                             <p:cond delay="0"/>
                                           </p:stCondLst>
@@ -7956,7 +8608,7 @@
                                     </p:set>
                                     <p:anim calcmode="lin" valueType="num">
                                       <p:cBhvr additive="base">
-                                        <p:cTn id="50" dur="500" fill="hold"/>
+                                        <p:cTn id="49" dur="500" fill="hold"/>
                                         <p:tgtEl>
                                           <p:spTgt spid="20"/>
                                         </p:tgtEl>
@@ -7979,7 +8631,7 @@
                                     </p:anim>
                                     <p:anim calcmode="lin" valueType="num">
                                       <p:cBhvr additive="base">
-                                        <p:cTn id="51" dur="500" fill="hold"/>
+                                        <p:cTn id="50" dur="500" fill="hold"/>
                                         <p:tgtEl>
                                           <p:spTgt spid="20"/>
                                         </p:tgtEl>
@@ -8004,14 +8656,14 @@
                                 </p:cTn>
                               </p:par>
                               <p:par>
-                                <p:cTn id="52" presetID="2" presetClass="entr" presetSubtype="8" fill="hold" grpId="0" nodeType="withEffect">
+                                <p:cTn id="51" presetID="2" presetClass="entr" presetSubtype="8" fill="hold" grpId="0" nodeType="withEffect">
                                   <p:stCondLst>
                                     <p:cond delay="0"/>
                                   </p:stCondLst>
                                   <p:childTnLst>
                                     <p:set>
                                       <p:cBhvr>
-                                        <p:cTn id="53" dur="1" fill="hold">
+                                        <p:cTn id="52" dur="1" fill="hold">
                                           <p:stCondLst>
                                             <p:cond delay="0"/>
                                           </p:stCondLst>
@@ -8029,7 +8681,7 @@
                                     </p:set>
                                     <p:anim calcmode="lin" valueType="num">
                                       <p:cBhvr additive="base">
-                                        <p:cTn id="54" dur="500" fill="hold"/>
+                                        <p:cTn id="53" dur="500" fill="hold"/>
                                         <p:tgtEl>
                                           <p:spTgt spid="22"/>
                                         </p:tgtEl>
@@ -8052,7 +8704,7 @@
                                     </p:anim>
                                     <p:anim calcmode="lin" valueType="num">
                                       <p:cBhvr additive="base">
-                                        <p:cTn id="55" dur="500" fill="hold"/>
+                                        <p:cTn id="54" dur="500" fill="hold"/>
                                         <p:tgtEl>
                                           <p:spTgt spid="22"/>
                                         </p:tgtEl>
@@ -8077,14 +8729,14 @@
                                 </p:cTn>
                               </p:par>
                               <p:par>
-                                <p:cTn id="56" presetID="2" presetClass="entr" presetSubtype="8" fill="hold" nodeType="withEffect">
+                                <p:cTn id="55" presetID="2" presetClass="entr" presetSubtype="8" fill="hold" nodeType="withEffect">
                                   <p:stCondLst>
                                     <p:cond delay="0"/>
                                   </p:stCondLst>
                                   <p:childTnLst>
                                     <p:set>
                                       <p:cBhvr>
-                                        <p:cTn id="57" dur="1" fill="hold">
+                                        <p:cTn id="56" dur="1" fill="hold">
                                           <p:stCondLst>
                                             <p:cond delay="0"/>
                                           </p:stCondLst>
@@ -8102,7 +8754,7 @@
                                     </p:set>
                                     <p:anim calcmode="lin" valueType="num">
                                       <p:cBhvr additive="base">
-                                        <p:cTn id="58" dur="500" fill="hold"/>
+                                        <p:cTn id="57" dur="500" fill="hold"/>
                                         <p:tgtEl>
                                           <p:spTgt spid="21"/>
                                         </p:tgtEl>
@@ -8125,7 +8777,7 @@
                                     </p:anim>
                                     <p:anim calcmode="lin" valueType="num">
                                       <p:cBhvr additive="base">
-                                        <p:cTn id="59" dur="500" fill="hold"/>
+                                        <p:cTn id="58" dur="500" fill="hold"/>
                                         <p:tgtEl>
                                           <p:spTgt spid="21"/>
                                         </p:tgtEl>
@@ -8156,26 +8808,26 @@
                     </p:cTn>
                   </p:par>
                   <p:par>
-                    <p:cTn id="60" fill="hold">
+                    <p:cTn id="59" fill="hold">
                       <p:stCondLst>
                         <p:cond delay="indefinite"/>
                       </p:stCondLst>
                       <p:childTnLst>
                         <p:par>
-                          <p:cTn id="61" fill="hold">
+                          <p:cTn id="60" fill="hold">
                             <p:stCondLst>
                               <p:cond delay="0"/>
                             </p:stCondLst>
                             <p:childTnLst>
                               <p:par>
-                                <p:cTn id="62" presetID="1" presetClass="entr" presetSubtype="0" fill="hold" grpId="0" nodeType="clickEffect">
+                                <p:cTn id="61" presetID="1" presetClass="entr" presetSubtype="0" fill="hold" grpId="0" nodeType="clickEffect">
                                   <p:stCondLst>
                                     <p:cond delay="0"/>
                                   </p:stCondLst>
                                   <p:childTnLst>
                                     <p:set>
                                       <p:cBhvr>
-                                        <p:cTn id="63" dur="1" fill="hold">
+                                        <p:cTn id="62" dur="1" fill="hold">
                                           <p:stCondLst>
                                             <p:cond delay="0"/>
                                           </p:stCondLst>
@@ -8324,7 +8976,6 @@
               <a:rPr lang="en-US" sz="3600" dirty="0" smtClean="0"/>
               <a:t>Web Worker Abstractions</a:t>
             </a:r>
-            <a:endParaRPr lang="en-US" sz="3600" dirty="0" smtClean="0"/>
           </a:p>
           <a:p>
             <a:r>
@@ -8506,24 +9157,19 @@
               <a:t>JavaScript in </a:t>
             </a:r>
             <a:r>
-              <a:rPr lang="en-US" sz="2000" dirty="0" err="1" smtClean="0"/>
-              <a:t>node.js</a:t>
-            </a:r>
-            <a:endParaRPr lang="en-US" sz="2000" dirty="0" smtClean="0"/>
+              <a:rPr lang="en-US" sz="2000" dirty="0"/>
+              <a:t>N</a:t>
+            </a:r>
+            <a:r>
+              <a:rPr lang="en-US" sz="2000" dirty="0" smtClean="0"/>
+              <a:t>ode.js</a:t>
+            </a:r>
           </a:p>
           <a:p>
             <a:pPr lvl="1"/>
             <a:r>
               <a:rPr lang="en-US" sz="1800" dirty="0" smtClean="0"/>
-              <a:t>Global scope is different – module concept is enforced with </a:t>
-            </a:r>
-            <a:r>
-              <a:rPr lang="en-US" sz="1800" dirty="0" err="1" smtClean="0"/>
-              <a:t>CommonJS</a:t>
-            </a:r>
-            <a:r>
-              <a:rPr lang="en-US" sz="1800" dirty="0" smtClean="0"/>
-              <a:t> API standards</a:t>
+              <a:t>Global scope is different – module concept is enforced with CommonJS API standards</a:t>
             </a:r>
             <a:endParaRPr lang="en-US" sz="1800" dirty="0"/>
           </a:p>
@@ -8565,13 +9211,8 @@
           <a:p>
             <a:r>
               <a:rPr lang="en-US" sz="2000" dirty="0" smtClean="0"/>
-              <a:t>Oh – and you can use </a:t>
-            </a:r>
-            <a:r>
-              <a:rPr lang="en-US" sz="2000" dirty="0" err="1" smtClean="0"/>
-              <a:t>CoffeeScript</a:t>
-            </a:r>
-            <a:endParaRPr lang="en-US" sz="2000" dirty="0" smtClean="0"/>
+              <a:t>Oh – and you can use CoffeeScript</a:t>
+            </a:r>
           </a:p>
         </p:txBody>
       </p:sp>
@@ -8742,7 +9383,7 @@
           <p:nvPr/>
         </p:nvPicPr>
         <p:blipFill>
-          <a:blip r:embed="rId2"/>
+          <a:blip r:embed="rId3"/>
           <a:stretch>
             <a:fillRect/>
           </a:stretch>
@@ -9744,6 +10385,20 @@
             </a:r>
           </a:p>
           <a:p>
+            <a:r>
+              <a:rPr lang="en-US" dirty="0" smtClean="0"/>
+              <a:t>Cradle – </a:t>
+            </a:r>
+            <a:r>
+              <a:rPr lang="en-US" dirty="0" err="1" smtClean="0"/>
+              <a:t>Couchbase</a:t>
+            </a:r>
+            <a:r>
+              <a:rPr lang="en-US" dirty="0" smtClean="0"/>
+              <a:t> client for Node</a:t>
+            </a:r>
+          </a:p>
+          <a:p>
             <a:endParaRPr lang="en-US" dirty="0"/>
           </a:p>
         </p:txBody>
@@ -10298,13 +10953,37 @@
             </a:br>
             <a:r>
               <a:rPr lang="en-US" sz="1600" dirty="0">
-                <a:hlinkClick r:id="rId2"/>
+                <a:hlinkClick r:id="rId3"/>
               </a:rPr>
-              <a:t>https://github.com/ashbylane/DevLink-2011---Getting-Started-With-</a:t>
+              <a:t>https://github.com</a:t>
             </a:r>
             <a:r>
               <a:rPr lang="en-US" sz="1600" dirty="0" smtClean="0">
-                <a:hlinkClick r:id="rId2"/>
+                <a:hlinkClick r:id="rId3"/>
+              </a:rPr>
+              <a:t>/</a:t>
+            </a:r>
+            <a:r>
+              <a:rPr lang="en-US" sz="1600" dirty="0" smtClean="0">
+                <a:hlinkClick r:id="rId3"/>
+              </a:rPr>
+              <a:t>ifandelse</a:t>
+            </a:r>
+            <a:r>
+              <a:rPr lang="en-US" sz="1600" dirty="0" smtClean="0">
+                <a:hlinkClick r:id="rId3"/>
+              </a:rPr>
+              <a:t>/</a:t>
+            </a:r>
+            <a:r>
+              <a:rPr lang="en-US" sz="1600" dirty="0">
+                <a:hlinkClick r:id="rId3"/>
+              </a:rPr>
+              <a:t>DevLink-2011---Getting-Started-With-</a:t>
+            </a:r>
+            <a:r>
+              <a:rPr lang="en-US" sz="1600" dirty="0" smtClean="0">
+                <a:hlinkClick r:id="rId3"/>
               </a:rPr>
               <a:t>Nodejs</a:t>
             </a:r>

--- a/PowerPoint/GettingStartedWithNodejs.pptx
+++ b/PowerPoint/GettingStartedWithNodejs.pptx
@@ -10993,6 +10993,10 @@
             <a:pPr marL="114300" indent="0" algn="ctr">
               <a:buNone/>
             </a:pPr>
+            <a:r>
+              <a:rPr lang="en-US" sz="1600" dirty="0" smtClean="0"/>
+              <a:t>	</a:t>
+            </a:r>
             <a:endParaRPr lang="en-US" sz="1600" dirty="0"/>
           </a:p>
         </p:txBody>
